--- a/Powerpoint_presentation/Category Review.pptx
+++ b/Powerpoint_presentation/Category Review.pptx
@@ -7,6 +7,14 @@
   <p:sldIdLst>
     <p:sldId id="256" r:id="rId2"/>
     <p:sldId id="257" r:id="rId3"/>
+    <p:sldId id="258" r:id="rId4"/>
+    <p:sldId id="265" r:id="rId5"/>
+    <p:sldId id="266" r:id="rId6"/>
+    <p:sldId id="267" r:id="rId7"/>
+    <p:sldId id="269" r:id="rId8"/>
+    <p:sldId id="268" r:id="rId9"/>
+    <p:sldId id="263" r:id="rId10"/>
+    <p:sldId id="262" r:id="rId11"/>
   </p:sldIdLst>
   <p:sldSz cx="12192000" cy="6858000"/>
   <p:notesSz cx="6858000" cy="9144000"/>
@@ -116,12 +124,2993 @@
         <p14:section name="Untitled Section" id="{CD28FE48-91CD-4E99-AD59-BBD4AF1B56D7}">
           <p14:sldIdLst>
             <p14:sldId id="257"/>
+            <p14:sldId id="258"/>
+            <p14:sldId id="265"/>
+            <p14:sldId id="266"/>
+            <p14:sldId id="267"/>
+            <p14:sldId id="269"/>
+            <p14:sldId id="268"/>
+            <p14:sldId id="263"/>
+            <p14:sldId id="262"/>
           </p14:sldIdLst>
         </p14:section>
       </p14:sectionLst>
     </p:ext>
+    <p:ext uri="{EFAFB233-063F-42B5-8137-9DF3F51BA10A}">
+      <p15:sldGuideLst xmlns:p15="http://schemas.microsoft.com/office/powerpoint/2012/main"/>
+    </p:ext>
   </p:extLst>
 </p:presentation>
+</file>
+
+<file path=ppt/diagrams/colors1.xml><?xml version="1.0" encoding="utf-8"?>
+<dgm:colorsDef xmlns:dgm="http://schemas.openxmlformats.org/drawingml/2006/diagram" xmlns:a="http://schemas.openxmlformats.org/drawingml/2006/main" uniqueId="urn:microsoft.com/office/officeart/2018/5/colors/Iconchunking_neutralicon_colorful1">
+  <dgm:title val=""/>
+  <dgm:desc val=""/>
+  <dgm:catLst>
+    <dgm:cat type="colorful" pri="10100"/>
+  </dgm:catLst>
+  <dgm:styleLbl name="node0">
+    <dgm:fillClrLst meth="repeat">
+      <a:schemeClr val="accent1"/>
+    </dgm:fillClrLst>
+    <dgm:linClrLst meth="repeat">
+      <a:schemeClr val="lt1"/>
+    </dgm:linClrLst>
+    <dgm:effectClrLst/>
+    <dgm:txLinClrLst/>
+    <dgm:txFillClrLst/>
+    <dgm:txEffectClrLst/>
+  </dgm:styleLbl>
+  <dgm:styleLbl name="node1">
+    <dgm:fillClrLst meth="repeat">
+      <a:schemeClr val="bg1"/>
+    </dgm:fillClrLst>
+    <dgm:linClrLst meth="repeat">
+      <a:schemeClr val="lt1">
+        <a:alpha val="0"/>
+      </a:schemeClr>
+    </dgm:linClrLst>
+    <dgm:effectClrLst/>
+    <dgm:txLinClrLst/>
+    <dgm:txFillClrLst meth="repeat">
+      <a:schemeClr val="dk1"/>
+    </dgm:txFillClrLst>
+    <dgm:txEffectClrLst/>
+  </dgm:styleLbl>
+  <dgm:styleLbl name="alignNode1">
+    <dgm:fillClrLst meth="repeat">
+      <a:schemeClr val="accent2"/>
+      <a:schemeClr val="accent3"/>
+      <a:schemeClr val="accent4"/>
+      <a:schemeClr val="accent5"/>
+      <a:schemeClr val="accent6"/>
+    </dgm:fillClrLst>
+    <dgm:linClrLst meth="repeat">
+      <a:schemeClr val="accent2"/>
+      <a:schemeClr val="accent3"/>
+      <a:schemeClr val="accent4"/>
+      <a:schemeClr val="accent5"/>
+      <a:schemeClr val="accent6"/>
+    </dgm:linClrLst>
+    <dgm:effectClrLst/>
+    <dgm:txLinClrLst/>
+    <dgm:txFillClrLst/>
+    <dgm:txEffectClrLst/>
+  </dgm:styleLbl>
+  <dgm:styleLbl name="lnNode1">
+    <dgm:fillClrLst meth="repeat">
+      <a:schemeClr val="accent2"/>
+      <a:schemeClr val="accent3"/>
+      <a:schemeClr val="accent4"/>
+      <a:schemeClr val="accent5"/>
+      <a:schemeClr val="accent6"/>
+    </dgm:fillClrLst>
+    <dgm:linClrLst meth="repeat">
+      <a:schemeClr val="lt1"/>
+    </dgm:linClrLst>
+    <dgm:effectClrLst/>
+    <dgm:txLinClrLst/>
+    <dgm:txFillClrLst/>
+    <dgm:txEffectClrLst/>
+  </dgm:styleLbl>
+  <dgm:styleLbl name="vennNode1">
+    <dgm:fillClrLst meth="repeat">
+      <a:schemeClr val="accent2">
+        <a:alpha val="50000"/>
+      </a:schemeClr>
+      <a:schemeClr val="accent3">
+        <a:alpha val="50000"/>
+      </a:schemeClr>
+      <a:schemeClr val="accent4">
+        <a:alpha val="50000"/>
+      </a:schemeClr>
+      <a:schemeClr val="accent5">
+        <a:alpha val="50000"/>
+      </a:schemeClr>
+      <a:schemeClr val="accent6">
+        <a:alpha val="50000"/>
+      </a:schemeClr>
+    </dgm:fillClrLst>
+    <dgm:linClrLst meth="repeat">
+      <a:schemeClr val="lt1"/>
+    </dgm:linClrLst>
+    <dgm:effectClrLst/>
+    <dgm:txLinClrLst/>
+    <dgm:txFillClrLst/>
+    <dgm:txEffectClrLst/>
+  </dgm:styleLbl>
+  <dgm:styleLbl name="node2">
+    <dgm:fillClrLst>
+      <a:schemeClr val="accent2"/>
+    </dgm:fillClrLst>
+    <dgm:linClrLst meth="repeat">
+      <a:schemeClr val="lt1"/>
+    </dgm:linClrLst>
+    <dgm:effectClrLst/>
+    <dgm:txLinClrLst/>
+    <dgm:txFillClrLst/>
+    <dgm:txEffectClrLst/>
+  </dgm:styleLbl>
+  <dgm:styleLbl name="node3">
+    <dgm:fillClrLst>
+      <a:schemeClr val="accent3"/>
+    </dgm:fillClrLst>
+    <dgm:linClrLst meth="repeat">
+      <a:schemeClr val="lt1"/>
+    </dgm:linClrLst>
+    <dgm:effectClrLst/>
+    <dgm:txLinClrLst/>
+    <dgm:txFillClrLst/>
+    <dgm:txEffectClrLst/>
+  </dgm:styleLbl>
+  <dgm:styleLbl name="node4">
+    <dgm:fillClrLst>
+      <a:schemeClr val="accent4"/>
+    </dgm:fillClrLst>
+    <dgm:linClrLst meth="repeat">
+      <a:schemeClr val="lt1"/>
+    </dgm:linClrLst>
+    <dgm:effectClrLst/>
+    <dgm:txLinClrLst/>
+    <dgm:txFillClrLst/>
+    <dgm:txEffectClrLst/>
+  </dgm:styleLbl>
+  <dgm:styleLbl name="fgImgPlace1">
+    <dgm:fillClrLst meth="repeat">
+      <a:schemeClr val="accent2">
+        <a:tint val="50000"/>
+      </a:schemeClr>
+      <a:schemeClr val="accent3">
+        <a:tint val="50000"/>
+      </a:schemeClr>
+      <a:schemeClr val="accent4">
+        <a:tint val="50000"/>
+      </a:schemeClr>
+      <a:schemeClr val="accent5">
+        <a:tint val="50000"/>
+      </a:schemeClr>
+      <a:schemeClr val="accent6">
+        <a:tint val="50000"/>
+      </a:schemeClr>
+    </dgm:fillClrLst>
+    <dgm:linClrLst meth="repeat">
+      <a:schemeClr val="lt1"/>
+    </dgm:linClrLst>
+    <dgm:effectClrLst/>
+    <dgm:txLinClrLst/>
+    <dgm:txFillClrLst meth="repeat">
+      <a:schemeClr val="lt1"/>
+    </dgm:txFillClrLst>
+    <dgm:txEffectClrLst/>
+  </dgm:styleLbl>
+  <dgm:styleLbl name="alignImgPlace1">
+    <dgm:fillClrLst>
+      <a:schemeClr val="accent1">
+        <a:tint val="50000"/>
+      </a:schemeClr>
+      <a:schemeClr val="accent2">
+        <a:tint val="20000"/>
+      </a:schemeClr>
+    </dgm:fillClrLst>
+    <dgm:linClrLst meth="repeat">
+      <a:schemeClr val="lt1"/>
+    </dgm:linClrLst>
+    <dgm:effectClrLst/>
+    <dgm:txLinClrLst/>
+    <dgm:txFillClrLst meth="repeat">
+      <a:schemeClr val="lt1"/>
+    </dgm:txFillClrLst>
+    <dgm:txEffectClrLst/>
+  </dgm:styleLbl>
+  <dgm:styleLbl name="bgImgPlace1">
+    <dgm:fillClrLst>
+      <a:schemeClr val="accent1">
+        <a:tint val="50000"/>
+      </a:schemeClr>
+      <a:schemeClr val="accent2">
+        <a:tint val="20000"/>
+      </a:schemeClr>
+    </dgm:fillClrLst>
+    <dgm:linClrLst meth="repeat">
+      <a:schemeClr val="lt1"/>
+    </dgm:linClrLst>
+    <dgm:effectClrLst/>
+    <dgm:txLinClrLst/>
+    <dgm:txFillClrLst meth="repeat">
+      <a:schemeClr val="lt1"/>
+    </dgm:txFillClrLst>
+    <dgm:txEffectClrLst/>
+  </dgm:styleLbl>
+  <dgm:styleLbl name="sibTrans2D1">
+    <dgm:fillClrLst meth="repeat">
+      <a:schemeClr val="accent2"/>
+      <a:schemeClr val="accent3"/>
+      <a:schemeClr val="accent4"/>
+      <a:schemeClr val="accent5"/>
+      <a:schemeClr val="accent6"/>
+    </dgm:fillClrLst>
+    <dgm:linClrLst meth="cycle">
+      <a:schemeClr val="lt1"/>
+    </dgm:linClrLst>
+    <dgm:effectClrLst/>
+    <dgm:txLinClrLst/>
+    <dgm:txFillClrLst/>
+    <dgm:txEffectClrLst/>
+  </dgm:styleLbl>
+  <dgm:styleLbl name="fgSibTrans2D1">
+    <dgm:fillClrLst meth="repeat">
+      <a:schemeClr val="accent2"/>
+      <a:schemeClr val="accent3"/>
+      <a:schemeClr val="accent4"/>
+      <a:schemeClr val="accent5"/>
+      <a:schemeClr val="accent6"/>
+    </dgm:fillClrLst>
+    <dgm:linClrLst meth="cycle">
+      <a:schemeClr val="lt1"/>
+    </dgm:linClrLst>
+    <dgm:effectClrLst/>
+    <dgm:txLinClrLst/>
+    <dgm:txFillClrLst meth="repeat">
+      <a:schemeClr val="lt1"/>
+    </dgm:txFillClrLst>
+    <dgm:txEffectClrLst/>
+  </dgm:styleLbl>
+  <dgm:styleLbl name="bgSibTrans2D1">
+    <dgm:fillClrLst meth="repeat">
+      <a:schemeClr val="accent2"/>
+      <a:schemeClr val="accent3"/>
+      <a:schemeClr val="accent4"/>
+      <a:schemeClr val="accent5"/>
+      <a:schemeClr val="accent6"/>
+    </dgm:fillClrLst>
+    <dgm:linClrLst meth="cycle">
+      <a:schemeClr val="lt1"/>
+    </dgm:linClrLst>
+    <dgm:effectClrLst/>
+    <dgm:txLinClrLst/>
+    <dgm:txFillClrLst meth="repeat">
+      <a:schemeClr val="lt1"/>
+    </dgm:txFillClrLst>
+    <dgm:txEffectClrLst/>
+  </dgm:styleLbl>
+  <dgm:styleLbl name="sibTrans1D1">
+    <dgm:fillClrLst meth="repeat">
+      <a:schemeClr val="accent2"/>
+      <a:schemeClr val="accent3"/>
+      <a:schemeClr val="accent4"/>
+      <a:schemeClr val="accent5"/>
+      <a:schemeClr val="accent6"/>
+    </dgm:fillClrLst>
+    <dgm:linClrLst meth="repeat">
+      <a:schemeClr val="accent2"/>
+      <a:schemeClr val="accent3"/>
+      <a:schemeClr val="accent4"/>
+      <a:schemeClr val="accent5"/>
+      <a:schemeClr val="accent6"/>
+    </dgm:linClrLst>
+    <dgm:effectClrLst/>
+    <dgm:txLinClrLst/>
+    <dgm:txFillClrLst meth="repeat">
+      <a:schemeClr val="tx1"/>
+    </dgm:txFillClrLst>
+    <dgm:txEffectClrLst/>
+  </dgm:styleLbl>
+  <dgm:styleLbl name="callout">
+    <dgm:fillClrLst meth="repeat">
+      <a:schemeClr val="accent2"/>
+    </dgm:fillClrLst>
+    <dgm:linClrLst meth="repeat">
+      <a:schemeClr val="accent2">
+        <a:tint val="50000"/>
+      </a:schemeClr>
+    </dgm:linClrLst>
+    <dgm:effectClrLst/>
+    <dgm:txLinClrLst/>
+    <dgm:txFillClrLst meth="repeat">
+      <a:schemeClr val="tx1"/>
+    </dgm:txFillClrLst>
+    <dgm:txEffectClrLst/>
+  </dgm:styleLbl>
+  <dgm:styleLbl name="asst0">
+    <dgm:fillClrLst meth="repeat">
+      <a:schemeClr val="accent1"/>
+    </dgm:fillClrLst>
+    <dgm:linClrLst meth="repeat">
+      <a:schemeClr val="lt1"/>
+    </dgm:linClrLst>
+    <dgm:effectClrLst/>
+    <dgm:txLinClrLst/>
+    <dgm:txFillClrLst/>
+    <dgm:txEffectClrLst/>
+  </dgm:styleLbl>
+  <dgm:styleLbl name="asst1">
+    <dgm:fillClrLst meth="repeat">
+      <a:schemeClr val="accent2"/>
+    </dgm:fillClrLst>
+    <dgm:linClrLst meth="repeat">
+      <a:schemeClr val="lt1"/>
+    </dgm:linClrLst>
+    <dgm:effectClrLst/>
+    <dgm:txLinClrLst/>
+    <dgm:txFillClrLst/>
+    <dgm:txEffectClrLst/>
+  </dgm:styleLbl>
+  <dgm:styleLbl name="asst2">
+    <dgm:fillClrLst>
+      <a:schemeClr val="accent3"/>
+    </dgm:fillClrLst>
+    <dgm:linClrLst meth="repeat">
+      <a:schemeClr val="lt1"/>
+    </dgm:linClrLst>
+    <dgm:effectClrLst/>
+    <dgm:txLinClrLst/>
+    <dgm:txFillClrLst/>
+    <dgm:txEffectClrLst/>
+  </dgm:styleLbl>
+  <dgm:styleLbl name="asst3">
+    <dgm:fillClrLst>
+      <a:schemeClr val="accent4"/>
+    </dgm:fillClrLst>
+    <dgm:linClrLst meth="repeat">
+      <a:schemeClr val="lt1"/>
+    </dgm:linClrLst>
+    <dgm:effectClrLst/>
+    <dgm:txLinClrLst/>
+    <dgm:txFillClrLst/>
+    <dgm:txEffectClrLst/>
+  </dgm:styleLbl>
+  <dgm:styleLbl name="asst4">
+    <dgm:fillClrLst>
+      <a:schemeClr val="accent5"/>
+    </dgm:fillClrLst>
+    <dgm:linClrLst meth="repeat">
+      <a:schemeClr val="lt1"/>
+    </dgm:linClrLst>
+    <dgm:effectClrLst/>
+    <dgm:txLinClrLst/>
+    <dgm:txFillClrLst/>
+    <dgm:txEffectClrLst/>
+  </dgm:styleLbl>
+  <dgm:styleLbl name="parChTrans2D1">
+    <dgm:fillClrLst meth="repeat">
+      <a:schemeClr val="accent2"/>
+    </dgm:fillClrLst>
+    <dgm:linClrLst meth="repeat">
+      <a:schemeClr val="lt1"/>
+    </dgm:linClrLst>
+    <dgm:effectClrLst/>
+    <dgm:txLinClrLst/>
+    <dgm:txFillClrLst meth="repeat">
+      <a:schemeClr val="lt1"/>
+    </dgm:txFillClrLst>
+    <dgm:txEffectClrLst/>
+  </dgm:styleLbl>
+  <dgm:styleLbl name="parChTrans2D2">
+    <dgm:fillClrLst meth="repeat">
+      <a:schemeClr val="accent3"/>
+    </dgm:fillClrLst>
+    <dgm:linClrLst meth="repeat">
+      <a:schemeClr val="lt1"/>
+    </dgm:linClrLst>
+    <dgm:effectClrLst/>
+    <dgm:txLinClrLst/>
+    <dgm:txFillClrLst/>
+    <dgm:txEffectClrLst/>
+  </dgm:styleLbl>
+  <dgm:styleLbl name="parChTrans2D3">
+    <dgm:fillClrLst meth="repeat">
+      <a:schemeClr val="accent4"/>
+    </dgm:fillClrLst>
+    <dgm:linClrLst meth="repeat">
+      <a:schemeClr val="lt1"/>
+    </dgm:linClrLst>
+    <dgm:effectClrLst/>
+    <dgm:txLinClrLst/>
+    <dgm:txFillClrLst/>
+    <dgm:txEffectClrLst/>
+  </dgm:styleLbl>
+  <dgm:styleLbl name="parChTrans2D4">
+    <dgm:fillClrLst meth="repeat">
+      <a:schemeClr val="accent5"/>
+    </dgm:fillClrLst>
+    <dgm:linClrLst meth="repeat">
+      <a:schemeClr val="lt1"/>
+    </dgm:linClrLst>
+    <dgm:effectClrLst/>
+    <dgm:txLinClrLst/>
+    <dgm:txFillClrLst meth="repeat">
+      <a:schemeClr val="lt1"/>
+    </dgm:txFillClrLst>
+    <dgm:txEffectClrLst/>
+  </dgm:styleLbl>
+  <dgm:styleLbl name="parChTrans1D1">
+    <dgm:fillClrLst meth="repeat">
+      <a:schemeClr val="accent2"/>
+    </dgm:fillClrLst>
+    <dgm:linClrLst meth="repeat">
+      <a:schemeClr val="accent1"/>
+    </dgm:linClrLst>
+    <dgm:effectClrLst/>
+    <dgm:txLinClrLst/>
+    <dgm:txFillClrLst meth="repeat">
+      <a:schemeClr val="tx1"/>
+    </dgm:txFillClrLst>
+    <dgm:txEffectClrLst/>
+  </dgm:styleLbl>
+  <dgm:styleLbl name="parChTrans1D2">
+    <dgm:fillClrLst meth="repeat">
+      <a:schemeClr val="accent3">
+        <a:tint val="90000"/>
+      </a:schemeClr>
+    </dgm:fillClrLst>
+    <dgm:linClrLst meth="repeat">
+      <a:schemeClr val="accent2"/>
+    </dgm:linClrLst>
+    <dgm:effectClrLst/>
+    <dgm:txLinClrLst/>
+    <dgm:txFillClrLst meth="repeat">
+      <a:schemeClr val="tx1"/>
+    </dgm:txFillClrLst>
+    <dgm:txEffectClrLst/>
+  </dgm:styleLbl>
+  <dgm:styleLbl name="parChTrans1D3">
+    <dgm:fillClrLst meth="repeat">
+      <a:schemeClr val="accent4">
+        <a:tint val="70000"/>
+      </a:schemeClr>
+    </dgm:fillClrLst>
+    <dgm:linClrLst meth="repeat">
+      <a:schemeClr val="accent3"/>
+    </dgm:linClrLst>
+    <dgm:effectClrLst/>
+    <dgm:txLinClrLst/>
+    <dgm:txFillClrLst meth="repeat">
+      <a:schemeClr val="tx1"/>
+    </dgm:txFillClrLst>
+    <dgm:txEffectClrLst/>
+  </dgm:styleLbl>
+  <dgm:styleLbl name="parChTrans1D4">
+    <dgm:fillClrLst meth="repeat">
+      <a:schemeClr val="accent5">
+        <a:tint val="50000"/>
+      </a:schemeClr>
+    </dgm:fillClrLst>
+    <dgm:linClrLst meth="repeat">
+      <a:schemeClr val="accent4"/>
+    </dgm:linClrLst>
+    <dgm:effectClrLst/>
+    <dgm:txLinClrLst/>
+    <dgm:txFillClrLst meth="repeat">
+      <a:schemeClr val="tx1"/>
+    </dgm:txFillClrLst>
+    <dgm:txEffectClrLst/>
+  </dgm:styleLbl>
+  <dgm:styleLbl name="fgAcc1">
+    <dgm:fillClrLst meth="repeat">
+      <a:schemeClr val="lt1">
+        <a:alpha val="90000"/>
+      </a:schemeClr>
+    </dgm:fillClrLst>
+    <dgm:linClrLst meth="repeat">
+      <a:schemeClr val="accent2"/>
+      <a:schemeClr val="accent3"/>
+      <a:schemeClr val="accent4"/>
+      <a:schemeClr val="accent5"/>
+      <a:schemeClr val="accent6"/>
+    </dgm:linClrLst>
+    <dgm:effectClrLst/>
+    <dgm:txLinClrLst/>
+    <dgm:txFillClrLst meth="repeat">
+      <a:schemeClr val="dk1"/>
+    </dgm:txFillClrLst>
+    <dgm:txEffectClrLst/>
+  </dgm:styleLbl>
+  <dgm:styleLbl name="conFgAcc1">
+    <dgm:fillClrLst meth="repeat">
+      <a:schemeClr val="lt1">
+        <a:alpha val="90000"/>
+      </a:schemeClr>
+    </dgm:fillClrLst>
+    <dgm:linClrLst meth="repeat">
+      <a:schemeClr val="accent2"/>
+      <a:schemeClr val="accent3"/>
+      <a:schemeClr val="accent4"/>
+      <a:schemeClr val="accent5"/>
+      <a:schemeClr val="accent6"/>
+    </dgm:linClrLst>
+    <dgm:effectClrLst/>
+    <dgm:txLinClrLst/>
+    <dgm:txFillClrLst meth="repeat">
+      <a:schemeClr val="dk1"/>
+    </dgm:txFillClrLst>
+    <dgm:txEffectClrLst/>
+  </dgm:styleLbl>
+  <dgm:styleLbl name="alignAcc1">
+    <dgm:fillClrLst meth="repeat">
+      <a:schemeClr val="lt1">
+        <a:alpha val="90000"/>
+      </a:schemeClr>
+    </dgm:fillClrLst>
+    <dgm:linClrLst meth="repeat">
+      <a:schemeClr val="accent2"/>
+      <a:schemeClr val="accent3"/>
+      <a:schemeClr val="accent4"/>
+      <a:schemeClr val="accent5"/>
+      <a:schemeClr val="accent6"/>
+    </dgm:linClrLst>
+    <dgm:effectClrLst/>
+    <dgm:txLinClrLst/>
+    <dgm:txFillClrLst meth="repeat">
+      <a:schemeClr val="dk1"/>
+    </dgm:txFillClrLst>
+    <dgm:txEffectClrLst/>
+  </dgm:styleLbl>
+  <dgm:styleLbl name="trAlignAcc1">
+    <dgm:fillClrLst meth="repeat">
+      <a:schemeClr val="lt1">
+        <a:alpha val="40000"/>
+      </a:schemeClr>
+    </dgm:fillClrLst>
+    <dgm:linClrLst meth="repeat">
+      <a:schemeClr val="accent1"/>
+    </dgm:linClrLst>
+    <dgm:effectClrLst/>
+    <dgm:txLinClrLst/>
+    <dgm:txFillClrLst meth="repeat">
+      <a:schemeClr val="dk1"/>
+    </dgm:txFillClrLst>
+    <dgm:txEffectClrLst/>
+  </dgm:styleLbl>
+  <dgm:styleLbl name="bgAcc1">
+    <dgm:fillClrLst meth="repeat">
+      <a:schemeClr val="lt1">
+        <a:alpha val="90000"/>
+      </a:schemeClr>
+    </dgm:fillClrLst>
+    <dgm:linClrLst meth="repeat">
+      <a:schemeClr val="accent2"/>
+      <a:schemeClr val="accent3"/>
+      <a:schemeClr val="accent4"/>
+      <a:schemeClr val="accent5"/>
+      <a:schemeClr val="accent6"/>
+    </dgm:linClrLst>
+    <dgm:effectClrLst/>
+    <dgm:txLinClrLst/>
+    <dgm:txFillClrLst meth="repeat">
+      <a:schemeClr val="dk1"/>
+    </dgm:txFillClrLst>
+    <dgm:txEffectClrLst/>
+  </dgm:styleLbl>
+  <dgm:styleLbl name="solidFgAcc1">
+    <dgm:fillClrLst meth="repeat">
+      <a:schemeClr val="lt1"/>
+    </dgm:fillClrLst>
+    <dgm:linClrLst meth="repeat">
+      <a:schemeClr val="accent2"/>
+      <a:schemeClr val="accent3"/>
+      <a:schemeClr val="accent4"/>
+      <a:schemeClr val="accent5"/>
+      <a:schemeClr val="accent6"/>
+    </dgm:linClrLst>
+    <dgm:effectClrLst/>
+    <dgm:txLinClrLst/>
+    <dgm:txFillClrLst meth="repeat">
+      <a:schemeClr val="dk1"/>
+    </dgm:txFillClrLst>
+    <dgm:txEffectClrLst/>
+  </dgm:styleLbl>
+  <dgm:styleLbl name="solidAlignAcc1">
+    <dgm:fillClrLst meth="repeat">
+      <a:schemeClr val="lt1"/>
+    </dgm:fillClrLst>
+    <dgm:linClrLst meth="repeat">
+      <a:schemeClr val="accent2"/>
+      <a:schemeClr val="accent3"/>
+      <a:schemeClr val="accent4"/>
+      <a:schemeClr val="accent5"/>
+      <a:schemeClr val="accent6"/>
+    </dgm:linClrLst>
+    <dgm:effectClrLst/>
+    <dgm:txLinClrLst/>
+    <dgm:txFillClrLst meth="repeat">
+      <a:schemeClr val="dk1"/>
+    </dgm:txFillClrLst>
+    <dgm:txEffectClrLst/>
+  </dgm:styleLbl>
+  <dgm:styleLbl name="solidBgAcc1">
+    <dgm:fillClrLst meth="repeat">
+      <a:schemeClr val="lt1"/>
+    </dgm:fillClrLst>
+    <dgm:linClrLst meth="repeat">
+      <a:schemeClr val="accent2"/>
+      <a:schemeClr val="accent3"/>
+      <a:schemeClr val="accent4"/>
+      <a:schemeClr val="accent5"/>
+      <a:schemeClr val="accent6"/>
+    </dgm:linClrLst>
+    <dgm:effectClrLst/>
+    <dgm:txLinClrLst/>
+    <dgm:txFillClrLst meth="repeat">
+      <a:schemeClr val="dk1"/>
+    </dgm:txFillClrLst>
+    <dgm:txEffectClrLst/>
+  </dgm:styleLbl>
+  <dgm:styleLbl name="fgAccFollowNode1">
+    <dgm:fillClrLst meth="repeat">
+      <a:schemeClr val="accent2">
+        <a:tint val="40000"/>
+        <a:alpha val="90000"/>
+      </a:schemeClr>
+      <a:schemeClr val="accent3">
+        <a:tint val="40000"/>
+        <a:alpha val="90000"/>
+      </a:schemeClr>
+      <a:schemeClr val="accent4">
+        <a:tint val="40000"/>
+        <a:alpha val="90000"/>
+      </a:schemeClr>
+      <a:schemeClr val="accent5">
+        <a:tint val="40000"/>
+        <a:alpha val="90000"/>
+      </a:schemeClr>
+      <a:schemeClr val="accent6">
+        <a:tint val="40000"/>
+        <a:alpha val="90000"/>
+      </a:schemeClr>
+    </dgm:fillClrLst>
+    <dgm:linClrLst meth="repeat">
+      <a:schemeClr val="accent2">
+        <a:tint val="40000"/>
+        <a:alpha val="90000"/>
+      </a:schemeClr>
+      <a:schemeClr val="accent3">
+        <a:tint val="40000"/>
+        <a:alpha val="90000"/>
+      </a:schemeClr>
+      <a:schemeClr val="accent4">
+        <a:tint val="40000"/>
+        <a:alpha val="90000"/>
+      </a:schemeClr>
+      <a:schemeClr val="accent5">
+        <a:tint val="40000"/>
+        <a:alpha val="90000"/>
+      </a:schemeClr>
+      <a:schemeClr val="accent6">
+        <a:tint val="40000"/>
+        <a:alpha val="90000"/>
+      </a:schemeClr>
+    </dgm:linClrLst>
+    <dgm:effectClrLst/>
+    <dgm:txLinClrLst/>
+    <dgm:txFillClrLst meth="repeat">
+      <a:schemeClr val="dk1"/>
+    </dgm:txFillClrLst>
+    <dgm:txEffectClrLst/>
+  </dgm:styleLbl>
+  <dgm:styleLbl name="alignAccFollowNode1">
+    <dgm:fillClrLst meth="repeat">
+      <a:schemeClr val="accent2">
+        <a:tint val="40000"/>
+        <a:alpha val="90000"/>
+      </a:schemeClr>
+      <a:schemeClr val="accent3">
+        <a:tint val="40000"/>
+        <a:alpha val="90000"/>
+      </a:schemeClr>
+      <a:schemeClr val="accent4">
+        <a:tint val="40000"/>
+        <a:alpha val="90000"/>
+      </a:schemeClr>
+      <a:schemeClr val="accent5">
+        <a:tint val="40000"/>
+        <a:alpha val="90000"/>
+      </a:schemeClr>
+      <a:schemeClr val="accent6">
+        <a:tint val="40000"/>
+        <a:alpha val="90000"/>
+      </a:schemeClr>
+    </dgm:fillClrLst>
+    <dgm:linClrLst meth="repeat">
+      <a:schemeClr val="accent2">
+        <a:tint val="40000"/>
+        <a:alpha val="90000"/>
+      </a:schemeClr>
+      <a:schemeClr val="accent3">
+        <a:tint val="40000"/>
+        <a:alpha val="90000"/>
+      </a:schemeClr>
+      <a:schemeClr val="accent4">
+        <a:tint val="40000"/>
+        <a:alpha val="90000"/>
+      </a:schemeClr>
+      <a:schemeClr val="accent5">
+        <a:tint val="40000"/>
+        <a:alpha val="90000"/>
+      </a:schemeClr>
+      <a:schemeClr val="accent6">
+        <a:tint val="40000"/>
+        <a:alpha val="90000"/>
+      </a:schemeClr>
+    </dgm:linClrLst>
+    <dgm:effectClrLst/>
+    <dgm:txLinClrLst/>
+    <dgm:txFillClrLst meth="repeat">
+      <a:schemeClr val="dk1"/>
+    </dgm:txFillClrLst>
+    <dgm:txEffectClrLst/>
+  </dgm:styleLbl>
+  <dgm:styleLbl name="bgAccFollowNode1">
+    <dgm:fillClrLst meth="repeat">
+      <a:schemeClr val="accent2">
+        <a:tint val="40000"/>
+        <a:alpha val="90000"/>
+      </a:schemeClr>
+      <a:schemeClr val="accent3">
+        <a:tint val="40000"/>
+        <a:alpha val="90000"/>
+      </a:schemeClr>
+      <a:schemeClr val="accent4">
+        <a:tint val="40000"/>
+        <a:alpha val="90000"/>
+      </a:schemeClr>
+      <a:schemeClr val="accent5">
+        <a:tint val="40000"/>
+        <a:alpha val="90000"/>
+      </a:schemeClr>
+      <a:schemeClr val="accent6">
+        <a:tint val="40000"/>
+        <a:alpha val="90000"/>
+      </a:schemeClr>
+    </dgm:fillClrLst>
+    <dgm:linClrLst meth="repeat">
+      <a:schemeClr val="accent2">
+        <a:tint val="40000"/>
+        <a:alpha val="90000"/>
+      </a:schemeClr>
+      <a:schemeClr val="accent3">
+        <a:tint val="40000"/>
+        <a:alpha val="90000"/>
+      </a:schemeClr>
+      <a:schemeClr val="accent4">
+        <a:tint val="40000"/>
+        <a:alpha val="90000"/>
+      </a:schemeClr>
+      <a:schemeClr val="accent5">
+        <a:tint val="40000"/>
+        <a:alpha val="90000"/>
+      </a:schemeClr>
+      <a:schemeClr val="accent6">
+        <a:tint val="40000"/>
+        <a:alpha val="90000"/>
+      </a:schemeClr>
+    </dgm:linClrLst>
+    <dgm:effectClrLst/>
+    <dgm:txLinClrLst/>
+    <dgm:txFillClrLst meth="repeat">
+      <a:schemeClr val="dk1"/>
+    </dgm:txFillClrLst>
+    <dgm:txEffectClrLst/>
+  </dgm:styleLbl>
+  <dgm:styleLbl name="fgAcc0">
+    <dgm:fillClrLst meth="repeat">
+      <a:schemeClr val="lt1">
+        <a:alpha val="90000"/>
+      </a:schemeClr>
+    </dgm:fillClrLst>
+    <dgm:linClrLst>
+      <a:schemeClr val="accent1"/>
+    </dgm:linClrLst>
+    <dgm:effectClrLst/>
+    <dgm:txLinClrLst/>
+    <dgm:txFillClrLst meth="repeat">
+      <a:schemeClr val="dk1"/>
+    </dgm:txFillClrLst>
+    <dgm:txEffectClrLst/>
+  </dgm:styleLbl>
+  <dgm:styleLbl name="fgAcc2">
+    <dgm:fillClrLst meth="repeat">
+      <a:schemeClr val="lt1">
+        <a:alpha val="90000"/>
+      </a:schemeClr>
+    </dgm:fillClrLst>
+    <dgm:linClrLst>
+      <a:schemeClr val="accent2"/>
+    </dgm:linClrLst>
+    <dgm:effectClrLst/>
+    <dgm:txLinClrLst/>
+    <dgm:txFillClrLst meth="repeat">
+      <a:schemeClr val="dk1"/>
+    </dgm:txFillClrLst>
+    <dgm:txEffectClrLst/>
+  </dgm:styleLbl>
+  <dgm:styleLbl name="fgAcc3">
+    <dgm:fillClrLst meth="repeat">
+      <a:schemeClr val="lt1">
+        <a:alpha val="90000"/>
+      </a:schemeClr>
+    </dgm:fillClrLst>
+    <dgm:linClrLst>
+      <a:schemeClr val="accent3"/>
+    </dgm:linClrLst>
+    <dgm:effectClrLst/>
+    <dgm:txLinClrLst/>
+    <dgm:txFillClrLst meth="repeat">
+      <a:schemeClr val="dk1"/>
+    </dgm:txFillClrLst>
+    <dgm:txEffectClrLst/>
+  </dgm:styleLbl>
+  <dgm:styleLbl name="fgAcc4">
+    <dgm:fillClrLst meth="repeat">
+      <a:schemeClr val="lt1">
+        <a:alpha val="90000"/>
+      </a:schemeClr>
+    </dgm:fillClrLst>
+    <dgm:linClrLst>
+      <a:schemeClr val="accent4"/>
+    </dgm:linClrLst>
+    <dgm:effectClrLst/>
+    <dgm:txLinClrLst/>
+    <dgm:txFillClrLst meth="repeat">
+      <a:schemeClr val="dk1"/>
+    </dgm:txFillClrLst>
+    <dgm:txEffectClrLst/>
+  </dgm:styleLbl>
+  <dgm:styleLbl name="bgShp">
+    <dgm:fillClrLst meth="repeat">
+      <a:schemeClr val="accent2"/>
+      <a:schemeClr val="accent3"/>
+      <a:schemeClr val="accent4"/>
+      <a:schemeClr val="accent5"/>
+      <a:schemeClr val="accent6"/>
+    </dgm:fillClrLst>
+    <dgm:linClrLst meth="repeat">
+      <a:schemeClr val="lt1">
+        <a:alpha val="0"/>
+      </a:schemeClr>
+    </dgm:linClrLst>
+    <dgm:effectClrLst/>
+    <dgm:txLinClrLst/>
+    <dgm:txFillClrLst/>
+    <dgm:txEffectClrLst/>
+  </dgm:styleLbl>
+  <dgm:styleLbl name="dkBgShp">
+    <dgm:fillClrLst meth="repeat">
+      <a:schemeClr val="accent2">
+        <a:shade val="90000"/>
+      </a:schemeClr>
+    </dgm:fillClrLst>
+    <dgm:linClrLst meth="repeat">
+      <a:schemeClr val="dk1"/>
+    </dgm:linClrLst>
+    <dgm:effectClrLst/>
+    <dgm:txLinClrLst/>
+    <dgm:txFillClrLst meth="repeat">
+      <a:schemeClr val="lt1"/>
+    </dgm:txFillClrLst>
+    <dgm:txEffectClrLst/>
+  </dgm:styleLbl>
+  <dgm:styleLbl name="trBgShp">
+    <dgm:fillClrLst meth="repeat">
+      <a:schemeClr val="accent1">
+        <a:tint val="50000"/>
+        <a:alpha val="40000"/>
+      </a:schemeClr>
+    </dgm:fillClrLst>
+    <dgm:linClrLst meth="repeat">
+      <a:schemeClr val="accent2"/>
+    </dgm:linClrLst>
+    <dgm:effectClrLst/>
+    <dgm:txLinClrLst/>
+    <dgm:txFillClrLst meth="repeat">
+      <a:schemeClr val="lt1"/>
+    </dgm:txFillClrLst>
+    <dgm:txEffectClrLst/>
+  </dgm:styleLbl>
+  <dgm:styleLbl name="fgShp">
+    <dgm:fillClrLst meth="repeat">
+      <a:schemeClr val="accent2">
+        <a:tint val="40000"/>
+      </a:schemeClr>
+    </dgm:fillClrLst>
+    <dgm:linClrLst meth="repeat">
+      <a:schemeClr val="lt1"/>
+    </dgm:linClrLst>
+    <dgm:effectClrLst/>
+    <dgm:txLinClrLst/>
+    <dgm:txFillClrLst meth="repeat">
+      <a:schemeClr val="dk1"/>
+    </dgm:txFillClrLst>
+    <dgm:txEffectClrLst/>
+  </dgm:styleLbl>
+  <dgm:styleLbl name="revTx">
+    <dgm:fillClrLst meth="repeat">
+      <a:schemeClr val="lt1">
+        <a:alpha val="0"/>
+      </a:schemeClr>
+    </dgm:fillClrLst>
+    <dgm:linClrLst meth="repeat">
+      <a:schemeClr val="dk1">
+        <a:alpha val="0"/>
+      </a:schemeClr>
+    </dgm:linClrLst>
+    <dgm:effectClrLst/>
+    <dgm:txLinClrLst/>
+    <dgm:txFillClrLst meth="repeat">
+      <a:schemeClr val="tx1"/>
+    </dgm:txFillClrLst>
+    <dgm:txEffectClrLst/>
+  </dgm:styleLbl>
+</dgm:colorsDef>
+</file>
+
+<file path=ppt/diagrams/data1.xml><?xml version="1.0" encoding="utf-8"?>
+<dgm:dataModel xmlns:dgm="http://schemas.openxmlformats.org/drawingml/2006/diagram" xmlns:a="http://schemas.openxmlformats.org/drawingml/2006/main">
+  <dgm:ptLst>
+    <dgm:pt modelId="{63A2085F-D828-4FC7-94A2-321C834FEE7A}" type="doc">
+      <dgm:prSet loTypeId="urn:microsoft.com/office/officeart/2018/5/layout/IconCircleLabelList" loCatId="icon" qsTypeId="urn:microsoft.com/office/officeart/2005/8/quickstyle/simple1" qsCatId="simple" csTypeId="urn:microsoft.com/office/officeart/2018/5/colors/Iconchunking_neutralicon_colorful1" csCatId="colorful" phldr="1"/>
+      <dgm:spPr/>
+      <dgm:t>
+        <a:bodyPr/>
+        <a:lstStyle/>
+        <a:p>
+          <a:endParaRPr lang="en-US"/>
+        </a:p>
+      </dgm:t>
+    </dgm:pt>
+    <dgm:pt modelId="{3285B360-DFED-4792-B800-6F80BF46EF6D}">
+      <dgm:prSet/>
+      <dgm:spPr/>
+      <dgm:t>
+        <a:bodyPr/>
+        <a:lstStyle/>
+        <a:p>
+          <a:pPr>
+            <a:defRPr cap="all"/>
+          </a:pPr>
+          <a:r>
+            <a:rPr lang="en-CA"/>
+            <a:t>Client picked three trial stores 77, 86, and 88</a:t>
+          </a:r>
+          <a:endParaRPr lang="en-US"/>
+        </a:p>
+      </dgm:t>
+    </dgm:pt>
+    <dgm:pt modelId="{6B95283A-1FE9-4758-AD7E-31E071E1FDB8}" type="parTrans" cxnId="{454E36B9-D865-47C7-8601-E8B6197BA7F0}">
+      <dgm:prSet/>
+      <dgm:spPr/>
+      <dgm:t>
+        <a:bodyPr/>
+        <a:lstStyle/>
+        <a:p>
+          <a:endParaRPr lang="en-US"/>
+        </a:p>
+      </dgm:t>
+    </dgm:pt>
+    <dgm:pt modelId="{E56DD378-4963-4C46-ADF1-18BF1B1D62A8}" type="sibTrans" cxnId="{454E36B9-D865-47C7-8601-E8B6197BA7F0}">
+      <dgm:prSet/>
+      <dgm:spPr/>
+      <dgm:t>
+        <a:bodyPr/>
+        <a:lstStyle/>
+        <a:p>
+          <a:endParaRPr lang="en-US"/>
+        </a:p>
+      </dgm:t>
+    </dgm:pt>
+    <dgm:pt modelId="{B2320A2F-8085-49CB-BF8E-7685A7426A97}">
+      <dgm:prSet/>
+      <dgm:spPr/>
+      <dgm:t>
+        <a:bodyPr/>
+        <a:lstStyle/>
+        <a:p>
+          <a:pPr>
+            <a:defRPr cap="all"/>
+          </a:pPr>
+          <a:r>
+            <a:rPr lang="en-CA"/>
+            <a:t>Compare each trial store with a control store</a:t>
+          </a:r>
+          <a:endParaRPr lang="en-US"/>
+        </a:p>
+      </dgm:t>
+    </dgm:pt>
+    <dgm:pt modelId="{7F0B32D0-D6CD-42D6-A80D-0A1416D4A95D}" type="parTrans" cxnId="{68FA3B57-8EBE-45C4-A3CC-DE34817192AA}">
+      <dgm:prSet/>
+      <dgm:spPr/>
+      <dgm:t>
+        <a:bodyPr/>
+        <a:lstStyle/>
+        <a:p>
+          <a:endParaRPr lang="en-US"/>
+        </a:p>
+      </dgm:t>
+    </dgm:pt>
+    <dgm:pt modelId="{9B3E899D-F93B-46FE-8AF7-27D4AC76261B}" type="sibTrans" cxnId="{68FA3B57-8EBE-45C4-A3CC-DE34817192AA}">
+      <dgm:prSet/>
+      <dgm:spPr/>
+      <dgm:t>
+        <a:bodyPr/>
+        <a:lstStyle/>
+        <a:p>
+          <a:endParaRPr lang="en-US"/>
+        </a:p>
+      </dgm:t>
+    </dgm:pt>
+    <dgm:pt modelId="{96E60DF1-AB24-41FD-A6A7-3D546322DD15}">
+      <dgm:prSet/>
+      <dgm:spPr/>
+      <dgm:t>
+        <a:bodyPr/>
+        <a:lstStyle/>
+        <a:p>
+          <a:pPr>
+            <a:defRPr cap="all"/>
+          </a:pPr>
+          <a:r>
+            <a:rPr lang="en-CA"/>
+            <a:t>Control stores are stores with similar characteristics with trial stores </a:t>
+          </a:r>
+          <a:endParaRPr lang="en-US"/>
+        </a:p>
+      </dgm:t>
+    </dgm:pt>
+    <dgm:pt modelId="{A105AFAF-F664-4998-A6A4-B04BDB3DDBAC}" type="parTrans" cxnId="{B6B13C7F-66B4-45AD-97BD-50D9CC96A6C2}">
+      <dgm:prSet/>
+      <dgm:spPr/>
+      <dgm:t>
+        <a:bodyPr/>
+        <a:lstStyle/>
+        <a:p>
+          <a:endParaRPr lang="en-US"/>
+        </a:p>
+      </dgm:t>
+    </dgm:pt>
+    <dgm:pt modelId="{CBCCC2FE-F637-477B-ACBE-840D6D9DAAFE}" type="sibTrans" cxnId="{B6B13C7F-66B4-45AD-97BD-50D9CC96A6C2}">
+      <dgm:prSet/>
+      <dgm:spPr/>
+      <dgm:t>
+        <a:bodyPr/>
+        <a:lstStyle/>
+        <a:p>
+          <a:endParaRPr lang="en-US"/>
+        </a:p>
+      </dgm:t>
+    </dgm:pt>
+    <dgm:pt modelId="{B6D95E62-5AD1-488D-B001-F3953C80EE62}" type="pres">
+      <dgm:prSet presAssocID="{63A2085F-D828-4FC7-94A2-321C834FEE7A}" presName="root" presStyleCnt="0">
+        <dgm:presLayoutVars>
+          <dgm:dir/>
+          <dgm:resizeHandles val="exact"/>
+        </dgm:presLayoutVars>
+      </dgm:prSet>
+      <dgm:spPr/>
+    </dgm:pt>
+    <dgm:pt modelId="{D2D074F4-A51A-45C6-8DF5-8C7C0DD97022}" type="pres">
+      <dgm:prSet presAssocID="{3285B360-DFED-4792-B800-6F80BF46EF6D}" presName="compNode" presStyleCnt="0"/>
+      <dgm:spPr/>
+    </dgm:pt>
+    <dgm:pt modelId="{C74F28D9-AF7E-4EEC-9B9C-3C168051CB0E}" type="pres">
+      <dgm:prSet presAssocID="{3285B360-DFED-4792-B800-6F80BF46EF6D}" presName="iconBgRect" presStyleLbl="bgShp" presStyleIdx="0" presStyleCnt="3"/>
+      <dgm:spPr/>
+    </dgm:pt>
+    <dgm:pt modelId="{4F9E3A19-AEE7-4B12-A8CC-31028814AFE9}" type="pres">
+      <dgm:prSet presAssocID="{3285B360-DFED-4792-B800-6F80BF46EF6D}" presName="iconRect" presStyleLbl="node1" presStyleIdx="0" presStyleCnt="3"/>
+      <dgm:spPr>
+        <a:blipFill>
+          <a:blip xmlns:r="http://schemas.openxmlformats.org/officeDocument/2006/relationships" r:embed="rId1">
+            <a:extLst>
+              <a:ext uri="{28A0092B-C50C-407E-A947-70E740481C1C}">
+                <a14:useLocalDpi xmlns:a14="http://schemas.microsoft.com/office/drawing/2010/main" val="0"/>
+              </a:ext>
+              <a:ext uri="{96DAC541-7B7A-43D3-8B79-37D633B846F1}">
+                <asvg:svgBlip xmlns:asvg="http://schemas.microsoft.com/office/drawing/2016/SVG/main" r:embed="rId2"/>
+              </a:ext>
+            </a:extLst>
+          </a:blip>
+          <a:stretch>
+            <a:fillRect/>
+          </a:stretch>
+        </a:blipFill>
+        <a:ln>
+          <a:noFill/>
+        </a:ln>
+      </dgm:spPr>
+      <dgm:extLst>
+        <a:ext uri="{E40237B7-FDA0-4F09-8148-C483321AD2D9}">
+          <dgm14:cNvPr xmlns:dgm14="http://schemas.microsoft.com/office/drawing/2010/diagram" id="0" name="" descr="Store"/>
+        </a:ext>
+      </dgm:extLst>
+    </dgm:pt>
+    <dgm:pt modelId="{51FCEE68-B318-4174-8F5A-738882359C66}" type="pres">
+      <dgm:prSet presAssocID="{3285B360-DFED-4792-B800-6F80BF46EF6D}" presName="spaceRect" presStyleCnt="0"/>
+      <dgm:spPr/>
+    </dgm:pt>
+    <dgm:pt modelId="{9E1339D5-A5ED-4FD8-8F55-EA4EC3C7DCB9}" type="pres">
+      <dgm:prSet presAssocID="{3285B360-DFED-4792-B800-6F80BF46EF6D}" presName="textRect" presStyleLbl="revTx" presStyleIdx="0" presStyleCnt="3">
+        <dgm:presLayoutVars>
+          <dgm:chMax val="1"/>
+          <dgm:chPref val="1"/>
+        </dgm:presLayoutVars>
+      </dgm:prSet>
+      <dgm:spPr/>
+    </dgm:pt>
+    <dgm:pt modelId="{238D0476-350A-49B6-855B-DB1D58592914}" type="pres">
+      <dgm:prSet presAssocID="{E56DD378-4963-4C46-ADF1-18BF1B1D62A8}" presName="sibTrans" presStyleCnt="0"/>
+      <dgm:spPr/>
+    </dgm:pt>
+    <dgm:pt modelId="{828EDDCF-8ED6-4D47-B309-C33AB11605F5}" type="pres">
+      <dgm:prSet presAssocID="{B2320A2F-8085-49CB-BF8E-7685A7426A97}" presName="compNode" presStyleCnt="0"/>
+      <dgm:spPr/>
+    </dgm:pt>
+    <dgm:pt modelId="{2CCC5F1A-417E-4FA4-8B58-37AAD99B3D97}" type="pres">
+      <dgm:prSet presAssocID="{B2320A2F-8085-49CB-BF8E-7685A7426A97}" presName="iconBgRect" presStyleLbl="bgShp" presStyleIdx="1" presStyleCnt="3"/>
+      <dgm:spPr/>
+    </dgm:pt>
+    <dgm:pt modelId="{4DADC921-2719-4AA7-8274-13366F7E66AC}" type="pres">
+      <dgm:prSet presAssocID="{B2320A2F-8085-49CB-BF8E-7685A7426A97}" presName="iconRect" presStyleLbl="node1" presStyleIdx="1" presStyleCnt="3"/>
+      <dgm:spPr>
+        <a:blipFill>
+          <a:blip xmlns:r="http://schemas.openxmlformats.org/officeDocument/2006/relationships" r:embed="rId3">
+            <a:extLst>
+              <a:ext uri="{28A0092B-C50C-407E-A947-70E740481C1C}">
+                <a14:useLocalDpi xmlns:a14="http://schemas.microsoft.com/office/drawing/2010/main" val="0"/>
+              </a:ext>
+              <a:ext uri="{96DAC541-7B7A-43D3-8B79-37D633B846F1}">
+                <asvg:svgBlip xmlns:asvg="http://schemas.microsoft.com/office/drawing/2016/SVG/main" r:embed="rId4"/>
+              </a:ext>
+            </a:extLst>
+          </a:blip>
+          <a:stretch>
+            <a:fillRect/>
+          </a:stretch>
+        </a:blipFill>
+        <a:ln>
+          <a:noFill/>
+        </a:ln>
+      </dgm:spPr>
+      <dgm:extLst>
+        <a:ext uri="{E40237B7-FDA0-4F09-8148-C483321AD2D9}">
+          <dgm14:cNvPr xmlns:dgm14="http://schemas.microsoft.com/office/drawing/2010/diagram" id="0" name="" descr="Checkmark"/>
+        </a:ext>
+      </dgm:extLst>
+    </dgm:pt>
+    <dgm:pt modelId="{B410F1A5-B9CD-4DA2-BAA1-6ECD07760AD7}" type="pres">
+      <dgm:prSet presAssocID="{B2320A2F-8085-49CB-BF8E-7685A7426A97}" presName="spaceRect" presStyleCnt="0"/>
+      <dgm:spPr/>
+    </dgm:pt>
+    <dgm:pt modelId="{C68BB5F2-2FD5-4AEE-9F5A-5B4F11872DFC}" type="pres">
+      <dgm:prSet presAssocID="{B2320A2F-8085-49CB-BF8E-7685A7426A97}" presName="textRect" presStyleLbl="revTx" presStyleIdx="1" presStyleCnt="3">
+        <dgm:presLayoutVars>
+          <dgm:chMax val="1"/>
+          <dgm:chPref val="1"/>
+        </dgm:presLayoutVars>
+      </dgm:prSet>
+      <dgm:spPr/>
+    </dgm:pt>
+    <dgm:pt modelId="{E4C01723-5E95-4CDF-8F9B-69F6761586DF}" type="pres">
+      <dgm:prSet presAssocID="{9B3E899D-F93B-46FE-8AF7-27D4AC76261B}" presName="sibTrans" presStyleCnt="0"/>
+      <dgm:spPr/>
+    </dgm:pt>
+    <dgm:pt modelId="{FC1314C4-17D9-46B2-A738-9708AEF99C2E}" type="pres">
+      <dgm:prSet presAssocID="{96E60DF1-AB24-41FD-A6A7-3D546322DD15}" presName="compNode" presStyleCnt="0"/>
+      <dgm:spPr/>
+    </dgm:pt>
+    <dgm:pt modelId="{9788FCAD-B563-4D13-BB4F-1611B0D3F095}" type="pres">
+      <dgm:prSet presAssocID="{96E60DF1-AB24-41FD-A6A7-3D546322DD15}" presName="iconBgRect" presStyleLbl="bgShp" presStyleIdx="2" presStyleCnt="3"/>
+      <dgm:spPr/>
+    </dgm:pt>
+    <dgm:pt modelId="{A06E75F1-7E81-4672-B581-3D31230F83F5}" type="pres">
+      <dgm:prSet presAssocID="{96E60DF1-AB24-41FD-A6A7-3D546322DD15}" presName="iconRect" presStyleLbl="node1" presStyleIdx="2" presStyleCnt="3"/>
+      <dgm:spPr>
+        <a:blipFill>
+          <a:blip xmlns:r="http://schemas.openxmlformats.org/officeDocument/2006/relationships" r:embed="rId5">
+            <a:extLst>
+              <a:ext uri="{28A0092B-C50C-407E-A947-70E740481C1C}">
+                <a14:useLocalDpi xmlns:a14="http://schemas.microsoft.com/office/drawing/2010/main" val="0"/>
+              </a:ext>
+              <a:ext uri="{96DAC541-7B7A-43D3-8B79-37D633B846F1}">
+                <asvg:svgBlip xmlns:asvg="http://schemas.microsoft.com/office/drawing/2016/SVG/main" r:embed="rId6"/>
+              </a:ext>
+            </a:extLst>
+          </a:blip>
+          <a:stretch>
+            <a:fillRect/>
+          </a:stretch>
+        </a:blipFill>
+        <a:ln>
+          <a:noFill/>
+        </a:ln>
+      </dgm:spPr>
+      <dgm:extLst>
+        <a:ext uri="{E40237B7-FDA0-4F09-8148-C483321AD2D9}">
+          <dgm14:cNvPr xmlns:dgm14="http://schemas.microsoft.com/office/drawing/2010/diagram" id="0" name="" descr="Shopping cart"/>
+        </a:ext>
+      </dgm:extLst>
+    </dgm:pt>
+    <dgm:pt modelId="{53D5DD3B-6587-450E-B54C-AE445EB0A470}" type="pres">
+      <dgm:prSet presAssocID="{96E60DF1-AB24-41FD-A6A7-3D546322DD15}" presName="spaceRect" presStyleCnt="0"/>
+      <dgm:spPr/>
+    </dgm:pt>
+    <dgm:pt modelId="{2EEC1A74-9E05-48EA-9D72-CED8FE7EEAA4}" type="pres">
+      <dgm:prSet presAssocID="{96E60DF1-AB24-41FD-A6A7-3D546322DD15}" presName="textRect" presStyleLbl="revTx" presStyleIdx="2" presStyleCnt="3">
+        <dgm:presLayoutVars>
+          <dgm:chMax val="1"/>
+          <dgm:chPref val="1"/>
+        </dgm:presLayoutVars>
+      </dgm:prSet>
+      <dgm:spPr/>
+    </dgm:pt>
+  </dgm:ptLst>
+  <dgm:cxnLst>
+    <dgm:cxn modelId="{BC50371A-5350-4348-BE21-A17D447D42DC}" type="presOf" srcId="{B2320A2F-8085-49CB-BF8E-7685A7426A97}" destId="{C68BB5F2-2FD5-4AEE-9F5A-5B4F11872DFC}" srcOrd="0" destOrd="0" presId="urn:microsoft.com/office/officeart/2018/5/layout/IconCircleLabelList"/>
+    <dgm:cxn modelId="{1492E42C-B6D5-4C8F-BB23-507DA828E3E9}" type="presOf" srcId="{63A2085F-D828-4FC7-94A2-321C834FEE7A}" destId="{B6D95E62-5AD1-488D-B001-F3953C80EE62}" srcOrd="0" destOrd="0" presId="urn:microsoft.com/office/officeart/2018/5/layout/IconCircleLabelList"/>
+    <dgm:cxn modelId="{68FA3B57-8EBE-45C4-A3CC-DE34817192AA}" srcId="{63A2085F-D828-4FC7-94A2-321C834FEE7A}" destId="{B2320A2F-8085-49CB-BF8E-7685A7426A97}" srcOrd="1" destOrd="0" parTransId="{7F0B32D0-D6CD-42D6-A80D-0A1416D4A95D}" sibTransId="{9B3E899D-F93B-46FE-8AF7-27D4AC76261B}"/>
+    <dgm:cxn modelId="{B6B13C7F-66B4-45AD-97BD-50D9CC96A6C2}" srcId="{63A2085F-D828-4FC7-94A2-321C834FEE7A}" destId="{96E60DF1-AB24-41FD-A6A7-3D546322DD15}" srcOrd="2" destOrd="0" parTransId="{A105AFAF-F664-4998-A6A4-B04BDB3DDBAC}" sibTransId="{CBCCC2FE-F637-477B-ACBE-840D6D9DAAFE}"/>
+    <dgm:cxn modelId="{E69AEEAC-6107-4455-907B-7FBD2C0933CA}" type="presOf" srcId="{96E60DF1-AB24-41FD-A6A7-3D546322DD15}" destId="{2EEC1A74-9E05-48EA-9D72-CED8FE7EEAA4}" srcOrd="0" destOrd="0" presId="urn:microsoft.com/office/officeart/2018/5/layout/IconCircleLabelList"/>
+    <dgm:cxn modelId="{454E36B9-D865-47C7-8601-E8B6197BA7F0}" srcId="{63A2085F-D828-4FC7-94A2-321C834FEE7A}" destId="{3285B360-DFED-4792-B800-6F80BF46EF6D}" srcOrd="0" destOrd="0" parTransId="{6B95283A-1FE9-4758-AD7E-31E071E1FDB8}" sibTransId="{E56DD378-4963-4C46-ADF1-18BF1B1D62A8}"/>
+    <dgm:cxn modelId="{1601D4EA-5B87-452E-9D85-EF62306BCB59}" type="presOf" srcId="{3285B360-DFED-4792-B800-6F80BF46EF6D}" destId="{9E1339D5-A5ED-4FD8-8F55-EA4EC3C7DCB9}" srcOrd="0" destOrd="0" presId="urn:microsoft.com/office/officeart/2018/5/layout/IconCircleLabelList"/>
+    <dgm:cxn modelId="{A0813D8D-3310-4847-B636-CC1DFE2E8323}" type="presParOf" srcId="{B6D95E62-5AD1-488D-B001-F3953C80EE62}" destId="{D2D074F4-A51A-45C6-8DF5-8C7C0DD97022}" srcOrd="0" destOrd="0" presId="urn:microsoft.com/office/officeart/2018/5/layout/IconCircleLabelList"/>
+    <dgm:cxn modelId="{A7038043-B2F2-4BA3-A0F9-C08E5DA8F55C}" type="presParOf" srcId="{D2D074F4-A51A-45C6-8DF5-8C7C0DD97022}" destId="{C74F28D9-AF7E-4EEC-9B9C-3C168051CB0E}" srcOrd="0" destOrd="0" presId="urn:microsoft.com/office/officeart/2018/5/layout/IconCircleLabelList"/>
+    <dgm:cxn modelId="{1306042E-0D3A-4AB6-8BC7-2BA50E074F67}" type="presParOf" srcId="{D2D074F4-A51A-45C6-8DF5-8C7C0DD97022}" destId="{4F9E3A19-AEE7-4B12-A8CC-31028814AFE9}" srcOrd="1" destOrd="0" presId="urn:microsoft.com/office/officeart/2018/5/layout/IconCircleLabelList"/>
+    <dgm:cxn modelId="{9E73DB3A-58B7-4F4C-9B7D-6C07E013F97C}" type="presParOf" srcId="{D2D074F4-A51A-45C6-8DF5-8C7C0DD97022}" destId="{51FCEE68-B318-4174-8F5A-738882359C66}" srcOrd="2" destOrd="0" presId="urn:microsoft.com/office/officeart/2018/5/layout/IconCircleLabelList"/>
+    <dgm:cxn modelId="{1262E96F-DBC2-4BC2-B9F9-30EBC98B5DB8}" type="presParOf" srcId="{D2D074F4-A51A-45C6-8DF5-8C7C0DD97022}" destId="{9E1339D5-A5ED-4FD8-8F55-EA4EC3C7DCB9}" srcOrd="3" destOrd="0" presId="urn:microsoft.com/office/officeart/2018/5/layout/IconCircleLabelList"/>
+    <dgm:cxn modelId="{E6513E86-247C-4DD3-884C-0B3829F6D49E}" type="presParOf" srcId="{B6D95E62-5AD1-488D-B001-F3953C80EE62}" destId="{238D0476-350A-49B6-855B-DB1D58592914}" srcOrd="1" destOrd="0" presId="urn:microsoft.com/office/officeart/2018/5/layout/IconCircleLabelList"/>
+    <dgm:cxn modelId="{7B5F1F61-D08B-48A7-A8AA-F5589341E432}" type="presParOf" srcId="{B6D95E62-5AD1-488D-B001-F3953C80EE62}" destId="{828EDDCF-8ED6-4D47-B309-C33AB11605F5}" srcOrd="2" destOrd="0" presId="urn:microsoft.com/office/officeart/2018/5/layout/IconCircleLabelList"/>
+    <dgm:cxn modelId="{4DDB99D6-4C21-49D2-AD2C-95B726DAFB74}" type="presParOf" srcId="{828EDDCF-8ED6-4D47-B309-C33AB11605F5}" destId="{2CCC5F1A-417E-4FA4-8B58-37AAD99B3D97}" srcOrd="0" destOrd="0" presId="urn:microsoft.com/office/officeart/2018/5/layout/IconCircleLabelList"/>
+    <dgm:cxn modelId="{C566AFA6-71F8-4AAC-B321-688A5525C165}" type="presParOf" srcId="{828EDDCF-8ED6-4D47-B309-C33AB11605F5}" destId="{4DADC921-2719-4AA7-8274-13366F7E66AC}" srcOrd="1" destOrd="0" presId="urn:microsoft.com/office/officeart/2018/5/layout/IconCircleLabelList"/>
+    <dgm:cxn modelId="{8363E4BF-F3D2-497F-8A2E-7A8254D439CD}" type="presParOf" srcId="{828EDDCF-8ED6-4D47-B309-C33AB11605F5}" destId="{B410F1A5-B9CD-4DA2-BAA1-6ECD07760AD7}" srcOrd="2" destOrd="0" presId="urn:microsoft.com/office/officeart/2018/5/layout/IconCircleLabelList"/>
+    <dgm:cxn modelId="{9B69CD18-325F-4513-8190-831715B5815E}" type="presParOf" srcId="{828EDDCF-8ED6-4D47-B309-C33AB11605F5}" destId="{C68BB5F2-2FD5-4AEE-9F5A-5B4F11872DFC}" srcOrd="3" destOrd="0" presId="urn:microsoft.com/office/officeart/2018/5/layout/IconCircleLabelList"/>
+    <dgm:cxn modelId="{8C5672F5-FBF9-49F2-A9EA-C8F354132D72}" type="presParOf" srcId="{B6D95E62-5AD1-488D-B001-F3953C80EE62}" destId="{E4C01723-5E95-4CDF-8F9B-69F6761586DF}" srcOrd="3" destOrd="0" presId="urn:microsoft.com/office/officeart/2018/5/layout/IconCircleLabelList"/>
+    <dgm:cxn modelId="{3785F21A-2BC4-41EF-98F0-034F358776E0}" type="presParOf" srcId="{B6D95E62-5AD1-488D-B001-F3953C80EE62}" destId="{FC1314C4-17D9-46B2-A738-9708AEF99C2E}" srcOrd="4" destOrd="0" presId="urn:microsoft.com/office/officeart/2018/5/layout/IconCircleLabelList"/>
+    <dgm:cxn modelId="{CB25EE1B-9DB0-4F77-B253-2975AC90FA37}" type="presParOf" srcId="{FC1314C4-17D9-46B2-A738-9708AEF99C2E}" destId="{9788FCAD-B563-4D13-BB4F-1611B0D3F095}" srcOrd="0" destOrd="0" presId="urn:microsoft.com/office/officeart/2018/5/layout/IconCircleLabelList"/>
+    <dgm:cxn modelId="{49980E01-28E0-4927-BEA1-D91B7516B47B}" type="presParOf" srcId="{FC1314C4-17D9-46B2-A738-9708AEF99C2E}" destId="{A06E75F1-7E81-4672-B581-3D31230F83F5}" srcOrd="1" destOrd="0" presId="urn:microsoft.com/office/officeart/2018/5/layout/IconCircleLabelList"/>
+    <dgm:cxn modelId="{A2F81845-0D5A-493B-8C10-5D665E628018}" type="presParOf" srcId="{FC1314C4-17D9-46B2-A738-9708AEF99C2E}" destId="{53D5DD3B-6587-450E-B54C-AE445EB0A470}" srcOrd="2" destOrd="0" presId="urn:microsoft.com/office/officeart/2018/5/layout/IconCircleLabelList"/>
+    <dgm:cxn modelId="{39F4C6C6-88CE-477E-9F92-40FEDA64B986}" type="presParOf" srcId="{FC1314C4-17D9-46B2-A738-9708AEF99C2E}" destId="{2EEC1A74-9E05-48EA-9D72-CED8FE7EEAA4}" srcOrd="3" destOrd="0" presId="urn:microsoft.com/office/officeart/2018/5/layout/IconCircleLabelList"/>
+  </dgm:cxnLst>
+  <dgm:bg/>
+  <dgm:whole/>
+  <dgm:extLst>
+    <a:ext uri="http://schemas.microsoft.com/office/drawing/2008/diagram">
+      <dsp:dataModelExt xmlns:dsp="http://schemas.microsoft.com/office/drawing/2008/diagram" relId="rId6" minVer="http://schemas.openxmlformats.org/drawingml/2006/diagram"/>
+    </a:ext>
+  </dgm:extLst>
+</dgm:dataModel>
+</file>
+
+<file path=ppt/diagrams/drawing1.xml><?xml version="1.0" encoding="utf-8"?>
+<dsp:drawing xmlns:dgm="http://schemas.openxmlformats.org/drawingml/2006/diagram" xmlns:dsp="http://schemas.microsoft.com/office/drawing/2008/diagram" xmlns:a="http://schemas.openxmlformats.org/drawingml/2006/main">
+  <dsp:spTree>
+    <dsp:nvGrpSpPr>
+      <dsp:cNvPr id="0" name=""/>
+      <dsp:cNvGrpSpPr/>
+    </dsp:nvGrpSpPr>
+    <dsp:grpSpPr/>
+    <dsp:sp modelId="{C74F28D9-AF7E-4EEC-9B9C-3C168051CB0E}">
+      <dsp:nvSpPr>
+        <dsp:cNvPr id="0" name=""/>
+        <dsp:cNvSpPr/>
+      </dsp:nvSpPr>
+      <dsp:spPr>
+        <a:xfrm>
+          <a:off x="674477" y="340973"/>
+          <a:ext cx="1887187" cy="1887187"/>
+        </a:xfrm>
+        <a:prstGeom prst="ellipse">
+          <a:avLst/>
+        </a:prstGeom>
+        <a:solidFill>
+          <a:schemeClr val="accent2">
+            <a:hueOff val="0"/>
+            <a:satOff val="0"/>
+            <a:lumOff val="0"/>
+            <a:alphaOff val="0"/>
+          </a:schemeClr>
+        </a:solidFill>
+        <a:ln>
+          <a:noFill/>
+        </a:ln>
+        <a:effectLst/>
+      </dsp:spPr>
+      <dsp:style>
+        <a:lnRef idx="0">
+          <a:scrgbClr r="0" g="0" b="0"/>
+        </a:lnRef>
+        <a:fillRef idx="1">
+          <a:scrgbClr r="0" g="0" b="0"/>
+        </a:fillRef>
+        <a:effectRef idx="0">
+          <a:scrgbClr r="0" g="0" b="0"/>
+        </a:effectRef>
+        <a:fontRef idx="minor"/>
+      </dsp:style>
+    </dsp:sp>
+    <dsp:sp modelId="{4F9E3A19-AEE7-4B12-A8CC-31028814AFE9}">
+      <dsp:nvSpPr>
+        <dsp:cNvPr id="0" name=""/>
+        <dsp:cNvSpPr/>
+      </dsp:nvSpPr>
+      <dsp:spPr>
+        <a:xfrm>
+          <a:off x="1076665" y="743161"/>
+          <a:ext cx="1082812" cy="1082812"/>
+        </a:xfrm>
+        <a:prstGeom prst="rect">
+          <a:avLst/>
+        </a:prstGeom>
+        <a:blipFill>
+          <a:blip xmlns:r="http://schemas.openxmlformats.org/officeDocument/2006/relationships" r:embed="rId1">
+            <a:extLst>
+              <a:ext uri="{28A0092B-C50C-407E-A947-70E740481C1C}">
+                <a14:useLocalDpi xmlns:a14="http://schemas.microsoft.com/office/drawing/2010/main" val="0"/>
+              </a:ext>
+              <a:ext uri="{96DAC541-7B7A-43D3-8B79-37D633B846F1}">
+                <asvg:svgBlip xmlns:asvg="http://schemas.microsoft.com/office/drawing/2016/SVG/main" r:embed="rId2"/>
+              </a:ext>
+            </a:extLst>
+          </a:blip>
+          <a:stretch>
+            <a:fillRect/>
+          </a:stretch>
+        </a:blipFill>
+        <a:ln w="12700" cap="flat" cmpd="sng" algn="ctr">
+          <a:noFill/>
+          <a:prstDash val="solid"/>
+          <a:miter lim="800000"/>
+        </a:ln>
+        <a:effectLst/>
+      </dsp:spPr>
+      <dsp:style>
+        <a:lnRef idx="2">
+          <a:scrgbClr r="0" g="0" b="0"/>
+        </a:lnRef>
+        <a:fillRef idx="1">
+          <a:scrgbClr r="0" g="0" b="0"/>
+        </a:fillRef>
+        <a:effectRef idx="0">
+          <a:scrgbClr r="0" g="0" b="0"/>
+        </a:effectRef>
+        <a:fontRef idx="minor">
+          <a:schemeClr val="lt1"/>
+        </a:fontRef>
+      </dsp:style>
+    </dsp:sp>
+    <dsp:sp modelId="{9E1339D5-A5ED-4FD8-8F55-EA4EC3C7DCB9}">
+      <dsp:nvSpPr>
+        <dsp:cNvPr id="0" name=""/>
+        <dsp:cNvSpPr/>
+      </dsp:nvSpPr>
+      <dsp:spPr>
+        <a:xfrm>
+          <a:off x="71196" y="2815974"/>
+          <a:ext cx="3093750" cy="720000"/>
+        </a:xfrm>
+        <a:prstGeom prst="rect">
+          <a:avLst/>
+        </a:prstGeom>
+        <a:noFill/>
+        <a:ln>
+          <a:noFill/>
+        </a:ln>
+        <a:effectLst/>
+      </dsp:spPr>
+      <dsp:style>
+        <a:lnRef idx="0">
+          <a:scrgbClr r="0" g="0" b="0"/>
+        </a:lnRef>
+        <a:fillRef idx="0">
+          <a:scrgbClr r="0" g="0" b="0"/>
+        </a:fillRef>
+        <a:effectRef idx="0">
+          <a:scrgbClr r="0" g="0" b="0"/>
+        </a:effectRef>
+        <a:fontRef idx="minor"/>
+      </dsp:style>
+      <dsp:txBody>
+        <a:bodyPr spcFirstLastPara="0" vert="horz" wrap="square" lIns="0" tIns="0" rIns="0" bIns="0" numCol="1" spcCol="1270" anchor="t" anchorCtr="0">
+          <a:noAutofit/>
+        </a:bodyPr>
+        <a:lstStyle/>
+        <a:p>
+          <a:pPr marL="0" lvl="0" indent="0" algn="ctr" defTabSz="622300">
+            <a:lnSpc>
+              <a:spcPct val="90000"/>
+            </a:lnSpc>
+            <a:spcBef>
+              <a:spcPct val="0"/>
+            </a:spcBef>
+            <a:spcAft>
+              <a:spcPct val="35000"/>
+            </a:spcAft>
+            <a:buNone/>
+            <a:defRPr cap="all"/>
+          </a:pPr>
+          <a:r>
+            <a:rPr lang="en-CA" sz="1400" kern="1200"/>
+            <a:t>Client picked three trial stores 77, 86, and 88</a:t>
+          </a:r>
+          <a:endParaRPr lang="en-US" sz="1400" kern="1200"/>
+        </a:p>
+      </dsp:txBody>
+      <dsp:txXfrm>
+        <a:off x="71196" y="2815974"/>
+        <a:ext cx="3093750" cy="720000"/>
+      </dsp:txXfrm>
+    </dsp:sp>
+    <dsp:sp modelId="{2CCC5F1A-417E-4FA4-8B58-37AAD99B3D97}">
+      <dsp:nvSpPr>
+        <dsp:cNvPr id="0" name=""/>
+        <dsp:cNvSpPr/>
+      </dsp:nvSpPr>
+      <dsp:spPr>
+        <a:xfrm>
+          <a:off x="4309634" y="340973"/>
+          <a:ext cx="1887187" cy="1887187"/>
+        </a:xfrm>
+        <a:prstGeom prst="ellipse">
+          <a:avLst/>
+        </a:prstGeom>
+        <a:solidFill>
+          <a:schemeClr val="accent3">
+            <a:hueOff val="0"/>
+            <a:satOff val="0"/>
+            <a:lumOff val="0"/>
+            <a:alphaOff val="0"/>
+          </a:schemeClr>
+        </a:solidFill>
+        <a:ln>
+          <a:noFill/>
+        </a:ln>
+        <a:effectLst/>
+      </dsp:spPr>
+      <dsp:style>
+        <a:lnRef idx="0">
+          <a:scrgbClr r="0" g="0" b="0"/>
+        </a:lnRef>
+        <a:fillRef idx="1">
+          <a:scrgbClr r="0" g="0" b="0"/>
+        </a:fillRef>
+        <a:effectRef idx="0">
+          <a:scrgbClr r="0" g="0" b="0"/>
+        </a:effectRef>
+        <a:fontRef idx="minor"/>
+      </dsp:style>
+    </dsp:sp>
+    <dsp:sp modelId="{4DADC921-2719-4AA7-8274-13366F7E66AC}">
+      <dsp:nvSpPr>
+        <dsp:cNvPr id="0" name=""/>
+        <dsp:cNvSpPr/>
+      </dsp:nvSpPr>
+      <dsp:spPr>
+        <a:xfrm>
+          <a:off x="4711821" y="743161"/>
+          <a:ext cx="1082812" cy="1082812"/>
+        </a:xfrm>
+        <a:prstGeom prst="rect">
+          <a:avLst/>
+        </a:prstGeom>
+        <a:blipFill>
+          <a:blip xmlns:r="http://schemas.openxmlformats.org/officeDocument/2006/relationships" r:embed="rId3">
+            <a:extLst>
+              <a:ext uri="{28A0092B-C50C-407E-A947-70E740481C1C}">
+                <a14:useLocalDpi xmlns:a14="http://schemas.microsoft.com/office/drawing/2010/main" val="0"/>
+              </a:ext>
+              <a:ext uri="{96DAC541-7B7A-43D3-8B79-37D633B846F1}">
+                <asvg:svgBlip xmlns:asvg="http://schemas.microsoft.com/office/drawing/2016/SVG/main" r:embed="rId4"/>
+              </a:ext>
+            </a:extLst>
+          </a:blip>
+          <a:stretch>
+            <a:fillRect/>
+          </a:stretch>
+        </a:blipFill>
+        <a:ln w="12700" cap="flat" cmpd="sng" algn="ctr">
+          <a:noFill/>
+          <a:prstDash val="solid"/>
+          <a:miter lim="800000"/>
+        </a:ln>
+        <a:effectLst/>
+      </dsp:spPr>
+      <dsp:style>
+        <a:lnRef idx="2">
+          <a:scrgbClr r="0" g="0" b="0"/>
+        </a:lnRef>
+        <a:fillRef idx="1">
+          <a:scrgbClr r="0" g="0" b="0"/>
+        </a:fillRef>
+        <a:effectRef idx="0">
+          <a:scrgbClr r="0" g="0" b="0"/>
+        </a:effectRef>
+        <a:fontRef idx="minor">
+          <a:schemeClr val="lt1"/>
+        </a:fontRef>
+      </dsp:style>
+    </dsp:sp>
+    <dsp:sp modelId="{C68BB5F2-2FD5-4AEE-9F5A-5B4F11872DFC}">
+      <dsp:nvSpPr>
+        <dsp:cNvPr id="0" name=""/>
+        <dsp:cNvSpPr/>
+      </dsp:nvSpPr>
+      <dsp:spPr>
+        <a:xfrm>
+          <a:off x="3706353" y="2815974"/>
+          <a:ext cx="3093750" cy="720000"/>
+        </a:xfrm>
+        <a:prstGeom prst="rect">
+          <a:avLst/>
+        </a:prstGeom>
+        <a:noFill/>
+        <a:ln>
+          <a:noFill/>
+        </a:ln>
+        <a:effectLst/>
+      </dsp:spPr>
+      <dsp:style>
+        <a:lnRef idx="0">
+          <a:scrgbClr r="0" g="0" b="0"/>
+        </a:lnRef>
+        <a:fillRef idx="0">
+          <a:scrgbClr r="0" g="0" b="0"/>
+        </a:fillRef>
+        <a:effectRef idx="0">
+          <a:scrgbClr r="0" g="0" b="0"/>
+        </a:effectRef>
+        <a:fontRef idx="minor"/>
+      </dsp:style>
+      <dsp:txBody>
+        <a:bodyPr spcFirstLastPara="0" vert="horz" wrap="square" lIns="0" tIns="0" rIns="0" bIns="0" numCol="1" spcCol="1270" anchor="t" anchorCtr="0">
+          <a:noAutofit/>
+        </a:bodyPr>
+        <a:lstStyle/>
+        <a:p>
+          <a:pPr marL="0" lvl="0" indent="0" algn="ctr" defTabSz="622300">
+            <a:lnSpc>
+              <a:spcPct val="90000"/>
+            </a:lnSpc>
+            <a:spcBef>
+              <a:spcPct val="0"/>
+            </a:spcBef>
+            <a:spcAft>
+              <a:spcPct val="35000"/>
+            </a:spcAft>
+            <a:buNone/>
+            <a:defRPr cap="all"/>
+          </a:pPr>
+          <a:r>
+            <a:rPr lang="en-CA" sz="1400" kern="1200"/>
+            <a:t>Compare each trial store with a control store</a:t>
+          </a:r>
+          <a:endParaRPr lang="en-US" sz="1400" kern="1200"/>
+        </a:p>
+      </dsp:txBody>
+      <dsp:txXfrm>
+        <a:off x="3706353" y="2815974"/>
+        <a:ext cx="3093750" cy="720000"/>
+      </dsp:txXfrm>
+    </dsp:sp>
+    <dsp:sp modelId="{9788FCAD-B563-4D13-BB4F-1611B0D3F095}">
+      <dsp:nvSpPr>
+        <dsp:cNvPr id="0" name=""/>
+        <dsp:cNvSpPr/>
+      </dsp:nvSpPr>
+      <dsp:spPr>
+        <a:xfrm>
+          <a:off x="7944790" y="340973"/>
+          <a:ext cx="1887187" cy="1887187"/>
+        </a:xfrm>
+        <a:prstGeom prst="ellipse">
+          <a:avLst/>
+        </a:prstGeom>
+        <a:solidFill>
+          <a:schemeClr val="accent4">
+            <a:hueOff val="0"/>
+            <a:satOff val="0"/>
+            <a:lumOff val="0"/>
+            <a:alphaOff val="0"/>
+          </a:schemeClr>
+        </a:solidFill>
+        <a:ln>
+          <a:noFill/>
+        </a:ln>
+        <a:effectLst/>
+      </dsp:spPr>
+      <dsp:style>
+        <a:lnRef idx="0">
+          <a:scrgbClr r="0" g="0" b="0"/>
+        </a:lnRef>
+        <a:fillRef idx="1">
+          <a:scrgbClr r="0" g="0" b="0"/>
+        </a:fillRef>
+        <a:effectRef idx="0">
+          <a:scrgbClr r="0" g="0" b="0"/>
+        </a:effectRef>
+        <a:fontRef idx="minor"/>
+      </dsp:style>
+    </dsp:sp>
+    <dsp:sp modelId="{A06E75F1-7E81-4672-B581-3D31230F83F5}">
+      <dsp:nvSpPr>
+        <dsp:cNvPr id="0" name=""/>
+        <dsp:cNvSpPr/>
+      </dsp:nvSpPr>
+      <dsp:spPr>
+        <a:xfrm>
+          <a:off x="8346978" y="743161"/>
+          <a:ext cx="1082812" cy="1082812"/>
+        </a:xfrm>
+        <a:prstGeom prst="rect">
+          <a:avLst/>
+        </a:prstGeom>
+        <a:blipFill>
+          <a:blip xmlns:r="http://schemas.openxmlformats.org/officeDocument/2006/relationships" r:embed="rId5">
+            <a:extLst>
+              <a:ext uri="{28A0092B-C50C-407E-A947-70E740481C1C}">
+                <a14:useLocalDpi xmlns:a14="http://schemas.microsoft.com/office/drawing/2010/main" val="0"/>
+              </a:ext>
+              <a:ext uri="{96DAC541-7B7A-43D3-8B79-37D633B846F1}">
+                <asvg:svgBlip xmlns:asvg="http://schemas.microsoft.com/office/drawing/2016/SVG/main" r:embed="rId6"/>
+              </a:ext>
+            </a:extLst>
+          </a:blip>
+          <a:stretch>
+            <a:fillRect/>
+          </a:stretch>
+        </a:blipFill>
+        <a:ln w="12700" cap="flat" cmpd="sng" algn="ctr">
+          <a:noFill/>
+          <a:prstDash val="solid"/>
+          <a:miter lim="800000"/>
+        </a:ln>
+        <a:effectLst/>
+      </dsp:spPr>
+      <dsp:style>
+        <a:lnRef idx="2">
+          <a:scrgbClr r="0" g="0" b="0"/>
+        </a:lnRef>
+        <a:fillRef idx="1">
+          <a:scrgbClr r="0" g="0" b="0"/>
+        </a:fillRef>
+        <a:effectRef idx="0">
+          <a:scrgbClr r="0" g="0" b="0"/>
+        </a:effectRef>
+        <a:fontRef idx="minor">
+          <a:schemeClr val="lt1"/>
+        </a:fontRef>
+      </dsp:style>
+    </dsp:sp>
+    <dsp:sp modelId="{2EEC1A74-9E05-48EA-9D72-CED8FE7EEAA4}">
+      <dsp:nvSpPr>
+        <dsp:cNvPr id="0" name=""/>
+        <dsp:cNvSpPr/>
+      </dsp:nvSpPr>
+      <dsp:spPr>
+        <a:xfrm>
+          <a:off x="7341509" y="2815974"/>
+          <a:ext cx="3093750" cy="720000"/>
+        </a:xfrm>
+        <a:prstGeom prst="rect">
+          <a:avLst/>
+        </a:prstGeom>
+        <a:noFill/>
+        <a:ln>
+          <a:noFill/>
+        </a:ln>
+        <a:effectLst/>
+      </dsp:spPr>
+      <dsp:style>
+        <a:lnRef idx="0">
+          <a:scrgbClr r="0" g="0" b="0"/>
+        </a:lnRef>
+        <a:fillRef idx="0">
+          <a:scrgbClr r="0" g="0" b="0"/>
+        </a:fillRef>
+        <a:effectRef idx="0">
+          <a:scrgbClr r="0" g="0" b="0"/>
+        </a:effectRef>
+        <a:fontRef idx="minor"/>
+      </dsp:style>
+      <dsp:txBody>
+        <a:bodyPr spcFirstLastPara="0" vert="horz" wrap="square" lIns="0" tIns="0" rIns="0" bIns="0" numCol="1" spcCol="1270" anchor="t" anchorCtr="0">
+          <a:noAutofit/>
+        </a:bodyPr>
+        <a:lstStyle/>
+        <a:p>
+          <a:pPr marL="0" lvl="0" indent="0" algn="ctr" defTabSz="622300">
+            <a:lnSpc>
+              <a:spcPct val="90000"/>
+            </a:lnSpc>
+            <a:spcBef>
+              <a:spcPct val="0"/>
+            </a:spcBef>
+            <a:spcAft>
+              <a:spcPct val="35000"/>
+            </a:spcAft>
+            <a:buNone/>
+            <a:defRPr cap="all"/>
+          </a:pPr>
+          <a:r>
+            <a:rPr lang="en-CA" sz="1400" kern="1200"/>
+            <a:t>Control stores are stores with similar characteristics with trial stores </a:t>
+          </a:r>
+          <a:endParaRPr lang="en-US" sz="1400" kern="1200"/>
+        </a:p>
+      </dsp:txBody>
+      <dsp:txXfrm>
+        <a:off x="7341509" y="2815974"/>
+        <a:ext cx="3093750" cy="720000"/>
+      </dsp:txXfrm>
+    </dsp:sp>
+  </dsp:spTree>
+</dsp:drawing>
+</file>
+
+<file path=ppt/diagrams/layout1.xml><?xml version="1.0" encoding="utf-8"?>
+<dgm:layoutDef xmlns:dgm="http://schemas.openxmlformats.org/drawingml/2006/diagram" xmlns:a="http://schemas.openxmlformats.org/drawingml/2006/main" uniqueId="urn:microsoft.com/office/officeart/2018/5/layout/IconCircleLabelList">
+  <dgm:title val="Icon Circle Label List"/>
+  <dgm:desc val="Use to show non-sequential or grouped chunks of information accompanied by a related visuals. Works best with icons or small pictures with short text captions."/>
+  <dgm:catLst>
+    <dgm:cat type="icon" pri="500"/>
+  </dgm:catLst>
+  <dgm:sampData useDef="1">
+    <dgm:dataModel>
+      <dgm:ptLst/>
+      <dgm:bg/>
+      <dgm:whole/>
+    </dgm:dataModel>
+  </dgm:sampData>
+  <dgm:styleData useDef="1">
+    <dgm:dataModel>
+      <dgm:ptLst/>
+      <dgm:bg/>
+      <dgm:whole/>
+    </dgm:dataModel>
+  </dgm:styleData>
+  <dgm:clrData useDef="1">
+    <dgm:dataModel>
+      <dgm:ptLst/>
+      <dgm:bg/>
+      <dgm:whole/>
+    </dgm:dataModel>
+  </dgm:clrData>
+  <dgm:layoutNode name="root">
+    <dgm:varLst>
+      <dgm:dir/>
+      <dgm:resizeHandles val="exact"/>
+    </dgm:varLst>
+    <dgm:choose name="Name0">
+      <dgm:if name="Name1" axis="self" func="var" arg="dir" op="equ" val="norm">
+        <dgm:alg type="snake">
+          <dgm:param type="grDir" val="tL"/>
+          <dgm:param type="flowDir" val="row"/>
+          <dgm:param type="contDir" val="sameDir"/>
+          <dgm:param type="off" val="ctr"/>
+          <dgm:param type="vertAlign" val="mid"/>
+          <dgm:param type="horzAlign" val="ctr"/>
+        </dgm:alg>
+      </dgm:if>
+      <dgm:else name="Name2">
+        <dgm:alg type="snake">
+          <dgm:param type="grDir" val="tR"/>
+          <dgm:param type="flowDir" val="row"/>
+          <dgm:param type="contDir" val="sameDir"/>
+          <dgm:param type="off" val="ctr"/>
+          <dgm:param type="vertAlign" val="mid"/>
+          <dgm:param type="horzAlign" val="ctr"/>
+        </dgm:alg>
+      </dgm:else>
+    </dgm:choose>
+    <dgm:shape xmlns:r="http://schemas.openxmlformats.org/officeDocument/2006/relationships" r:blip="">
+      <dgm:adjLst/>
+    </dgm:shape>
+    <dgm:presOf/>
+    <dgm:choose name="Name3">
+      <dgm:if name="Name4" axis="ch" ptType="node" func="cnt" op="lte" val="2">
+        <dgm:constrLst>
+          <dgm:constr type="h" for="ch" forName="compNode" refType="h" fact="0.4"/>
+          <dgm:constr type="w" for="ch" forName="compNode" val="100"/>
+          <dgm:constr type="w" for="ch" forName="sibTrans" refType="w" refFor="ch" refForName="compNode" fact="0.175"/>
+          <dgm:constr type="sp" refType="w" refFor="ch" refForName="compNode" op="equ" fact="0.25"/>
+          <dgm:constr type="primFontSz" for="des" ptType="node" op="equ" val="44"/>
+          <dgm:constr type="h" for="des" forName="compNode" op="equ"/>
+          <dgm:constr type="h" for="des" forName="textRect" op="equ"/>
+        </dgm:constrLst>
+      </dgm:if>
+      <dgm:if name="Name5" axis="ch" ptType="node" func="cnt" op="lte" val="3">
+        <dgm:constrLst>
+          <dgm:constr type="h" for="ch" forName="compNode" refType="h" fact="0.4"/>
+          <dgm:constr type="w" for="ch" forName="compNode" val="100"/>
+          <dgm:constr type="w" for="ch" forName="sibTrans" refType="w" refFor="ch" refForName="compNode" fact="0.175"/>
+          <dgm:constr type="sp" refType="w" refFor="ch" refForName="compNode" op="equ" fact="0.25"/>
+          <dgm:constr type="primFontSz" for="des" ptType="node" op="equ" val="40"/>
+          <dgm:constr type="h" for="des" forName="compNode" op="equ"/>
+          <dgm:constr type="h" for="des" forName="textRect" op="equ"/>
+        </dgm:constrLst>
+      </dgm:if>
+      <dgm:if name="Name6" axis="ch" ptType="node" func="cnt" op="lte" val="4">
+        <dgm:constrLst>
+          <dgm:constr type="h" for="ch" forName="compNode" refType="h" fact="0.4"/>
+          <dgm:constr type="w" for="ch" forName="compNode" refType="w"/>
+          <dgm:constr type="w" for="ch" forName="sibTrans" refType="w" refFor="ch" refForName="compNode" fact="0.175"/>
+          <dgm:constr type="sp" refType="w" refFor="ch" refForName="compNode" op="equ" fact="0.25"/>
+          <dgm:constr type="primFontSz" for="des" ptType="node" op="equ" val="32"/>
+          <dgm:constr type="h" for="des" forName="compNode" op="equ"/>
+          <dgm:constr type="h" for="des" forName="textRect" op="equ"/>
+        </dgm:constrLst>
+      </dgm:if>
+      <dgm:else name="Name7">
+        <dgm:constrLst>
+          <dgm:constr type="h" for="ch" forName="compNode" refType="h" fact="0.4"/>
+          <dgm:constr type="w" for="ch" forName="compNode" refType="w"/>
+          <dgm:constr type="w" for="ch" forName="sibTrans" refType="w" refFor="ch" refForName="compNode" fact="0.175"/>
+          <dgm:constr type="sp" refType="w" refFor="ch" refForName="compNode" op="equ" fact="0.25"/>
+          <dgm:constr type="primFontSz" for="des" ptType="node" op="equ" val="24"/>
+          <dgm:constr type="h" for="des" forName="compNode" op="equ"/>
+          <dgm:constr type="h" for="des" forName="textRect" op="equ"/>
+        </dgm:constrLst>
+      </dgm:else>
+    </dgm:choose>
+    <dgm:ruleLst>
+      <dgm:rule type="w" for="ch" forName="compNode" val="50" fact="NaN" max="NaN"/>
+    </dgm:ruleLst>
+    <dgm:forEach name="Name8" axis="ch" ptType="node">
+      <dgm:layoutNode name="compNode">
+        <dgm:alg type="composite"/>
+        <dgm:shape xmlns:r="http://schemas.openxmlformats.org/officeDocument/2006/relationships" r:blip="">
+          <dgm:adjLst/>
+        </dgm:shape>
+        <dgm:presOf axis="self"/>
+        <dgm:constrLst>
+          <dgm:constr type="w" for="ch" forName="iconBgRect" refType="w" fact="0.61"/>
+          <dgm:constr type="h" for="ch" forName="iconBgRect" refType="w" refFor="ch" refForName="iconBgRect"/>
+          <dgm:constr type="t" for="ch" forName="iconBgRect"/>
+          <dgm:constr type="ctrX" for="ch" forName="iconBgRect" refType="w" fact="0.5"/>
+          <dgm:constr type="w" for="ch" forName="iconRect" refType="w" fact="0.35"/>
+          <dgm:constr type="h" for="ch" forName="iconRect" refType="w" refFor="ch" refForName="iconRect"/>
+          <dgm:constr type="ctrX" for="ch" forName="iconRect" refType="ctrX" refFor="ch" refForName="iconBgRect"/>
+          <dgm:constr type="ctrY" for="ch" forName="iconRect" refType="ctrY" refFor="ch" refForName="iconBgRect"/>
+          <dgm:constr type="h" for="ch" forName="spaceRect" refType="w" fact="0.19"/>
+          <dgm:constr type="w" for="ch" forName="spaceRect" refType="w"/>
+          <dgm:constr type="l" for="ch" forName="spaceRect"/>
+          <dgm:constr type="t" for="ch" forName="spaceRect" refType="b" refFor="ch" refForName="iconBgRect"/>
+          <dgm:constr type="h" for="ch" forName="textRect" val="20"/>
+          <dgm:constr type="w" for="ch" forName="textRect" refType="w"/>
+          <dgm:constr type="l" for="ch" forName="textRect"/>
+          <dgm:constr type="t" for="ch" forName="textRect" refType="b" refFor="ch" refForName="spaceRect"/>
+        </dgm:constrLst>
+        <dgm:ruleLst>
+          <dgm:rule type="h" val="INF" fact="NaN" max="NaN"/>
+        </dgm:ruleLst>
+        <dgm:layoutNode name="iconBgRect" styleLbl="bgShp">
+          <dgm:alg type="sp"/>
+          <dgm:shape xmlns:r="http://schemas.openxmlformats.org/officeDocument/2006/relationships" type="ellipse" r:blip="">
+            <dgm:adjLst/>
+          </dgm:shape>
+          <dgm:presOf/>
+          <dgm:constrLst/>
+          <dgm:ruleLst/>
+        </dgm:layoutNode>
+        <dgm:layoutNode name="iconRect" styleLbl="node1">
+          <dgm:alg type="sp"/>
+          <dgm:shape xmlns:r="http://schemas.openxmlformats.org/officeDocument/2006/relationships" type="rect" r:blip="" blipPhldr="1">
+            <dgm:adjLst/>
+          </dgm:shape>
+          <dgm:presOf/>
+          <dgm:constrLst/>
+          <dgm:ruleLst/>
+        </dgm:layoutNode>
+        <dgm:layoutNode name="spaceRect">
+          <dgm:alg type="sp"/>
+          <dgm:shape xmlns:r="http://schemas.openxmlformats.org/officeDocument/2006/relationships" r:blip="">
+            <dgm:adjLst/>
+          </dgm:shape>
+          <dgm:presOf/>
+          <dgm:constrLst/>
+          <dgm:ruleLst/>
+        </dgm:layoutNode>
+        <dgm:layoutNode name="textRect" styleLbl="revTx">
+          <dgm:varLst>
+            <dgm:chMax val="1"/>
+            <dgm:chPref val="1"/>
+          </dgm:varLst>
+          <dgm:alg type="tx">
+            <dgm:param type="txAnchorVert" val="t"/>
+          </dgm:alg>
+          <dgm:shape xmlns:r="http://schemas.openxmlformats.org/officeDocument/2006/relationships" type="rect" r:blip="">
+            <dgm:adjLst/>
+          </dgm:shape>
+          <dgm:presOf axis="self" ptType="node"/>
+          <dgm:constrLst>
+            <dgm:constr type="lMarg"/>
+            <dgm:constr type="rMarg"/>
+            <dgm:constr type="tMarg"/>
+            <dgm:constr type="bMarg"/>
+          </dgm:constrLst>
+          <dgm:ruleLst>
+            <dgm:rule type="primFontSz" val="11" fact="NaN" max="NaN"/>
+            <dgm:rule type="h" val="INF" fact="NaN" max="NaN"/>
+          </dgm:ruleLst>
+        </dgm:layoutNode>
+      </dgm:layoutNode>
+      <dgm:forEach name="Name9" axis="followSib" ptType="sibTrans" cnt="1">
+        <dgm:layoutNode name="sibTrans">
+          <dgm:alg type="sp"/>
+          <dgm:shape xmlns:r="http://schemas.openxmlformats.org/officeDocument/2006/relationships" r:blip="">
+            <dgm:adjLst/>
+          </dgm:shape>
+          <dgm:presOf axis="self"/>
+          <dgm:constrLst/>
+          <dgm:ruleLst/>
+        </dgm:layoutNode>
+      </dgm:forEach>
+    </dgm:forEach>
+  </dgm:layoutNode>
+  <dgm:extLst>
+    <a:ext uri="{68A01E43-0DF5-4B5B-8FA6-DAF915123BFB}">
+      <dgm1612:lstStyle xmlns:dgm1612="http://schemas.microsoft.com/office/drawing/2016/12/diagram">
+        <a:lvl1pPr>
+          <a:lnSpc>
+            <a:spcPct val="100000"/>
+          </a:lnSpc>
+          <a:defRPr cap="all"/>
+        </a:lvl1pPr>
+      </dgm1612:lstStyle>
+    </a:ext>
+  </dgm:extLst>
+</dgm:layoutDef>
+</file>
+
+<file path=ppt/diagrams/quickStyle1.xml><?xml version="1.0" encoding="utf-8"?>
+<dgm:styleDef xmlns:dgm="http://schemas.openxmlformats.org/drawingml/2006/diagram" xmlns:a="http://schemas.openxmlformats.org/drawingml/2006/main" uniqueId="urn:microsoft.com/office/officeart/2005/8/quickstyle/simple1">
+  <dgm:title val=""/>
+  <dgm:desc val=""/>
+  <dgm:catLst>
+    <dgm:cat type="simple" pri="10100"/>
+  </dgm:catLst>
+  <dgm:scene3d>
+    <a:camera prst="orthographicFront"/>
+    <a:lightRig rig="threePt" dir="t"/>
+  </dgm:scene3d>
+  <dgm:styleLbl name="node0">
+    <dgm:scene3d>
+      <a:camera prst="orthographicFront"/>
+      <a:lightRig rig="threePt" dir="t"/>
+    </dgm:scene3d>
+    <dgm:sp3d/>
+    <dgm:txPr/>
+    <dgm:style>
+      <a:lnRef idx="2">
+        <a:scrgbClr r="0" g="0" b="0"/>
+      </a:lnRef>
+      <a:fillRef idx="1">
+        <a:scrgbClr r="0" g="0" b="0"/>
+      </a:fillRef>
+      <a:effectRef idx="0">
+        <a:scrgbClr r="0" g="0" b="0"/>
+      </a:effectRef>
+      <a:fontRef idx="minor">
+        <a:schemeClr val="lt1"/>
+      </a:fontRef>
+    </dgm:style>
+  </dgm:styleLbl>
+  <dgm:styleLbl name="lnNode1">
+    <dgm:scene3d>
+      <a:camera prst="orthographicFront"/>
+      <a:lightRig rig="threePt" dir="t"/>
+    </dgm:scene3d>
+    <dgm:sp3d/>
+    <dgm:txPr/>
+    <dgm:style>
+      <a:lnRef idx="2">
+        <a:scrgbClr r="0" g="0" b="0"/>
+      </a:lnRef>
+      <a:fillRef idx="1">
+        <a:scrgbClr r="0" g="0" b="0"/>
+      </a:fillRef>
+      <a:effectRef idx="0">
+        <a:scrgbClr r="0" g="0" b="0"/>
+      </a:effectRef>
+      <a:fontRef idx="minor">
+        <a:schemeClr val="lt1"/>
+      </a:fontRef>
+    </dgm:style>
+  </dgm:styleLbl>
+  <dgm:styleLbl name="vennNode1">
+    <dgm:scene3d>
+      <a:camera prst="orthographicFront"/>
+      <a:lightRig rig="threePt" dir="t"/>
+    </dgm:scene3d>
+    <dgm:sp3d/>
+    <dgm:txPr/>
+    <dgm:style>
+      <a:lnRef idx="2">
+        <a:scrgbClr r="0" g="0" b="0"/>
+      </a:lnRef>
+      <a:fillRef idx="1">
+        <a:scrgbClr r="0" g="0" b="0"/>
+      </a:fillRef>
+      <a:effectRef idx="0">
+        <a:scrgbClr r="0" g="0" b="0"/>
+      </a:effectRef>
+      <a:fontRef idx="minor">
+        <a:schemeClr val="tx1"/>
+      </a:fontRef>
+    </dgm:style>
+  </dgm:styleLbl>
+  <dgm:styleLbl name="alignNode1">
+    <dgm:scene3d>
+      <a:camera prst="orthographicFront"/>
+      <a:lightRig rig="threePt" dir="t"/>
+    </dgm:scene3d>
+    <dgm:sp3d/>
+    <dgm:txPr/>
+    <dgm:style>
+      <a:lnRef idx="2">
+        <a:scrgbClr r="0" g="0" b="0"/>
+      </a:lnRef>
+      <a:fillRef idx="1">
+        <a:scrgbClr r="0" g="0" b="0"/>
+      </a:fillRef>
+      <a:effectRef idx="0">
+        <a:scrgbClr r="0" g="0" b="0"/>
+      </a:effectRef>
+      <a:fontRef idx="minor">
+        <a:schemeClr val="lt1"/>
+      </a:fontRef>
+    </dgm:style>
+  </dgm:styleLbl>
+  <dgm:styleLbl name="node1">
+    <dgm:scene3d>
+      <a:camera prst="orthographicFront"/>
+      <a:lightRig rig="threePt" dir="t"/>
+    </dgm:scene3d>
+    <dgm:sp3d/>
+    <dgm:txPr/>
+    <dgm:style>
+      <a:lnRef idx="2">
+        <a:scrgbClr r="0" g="0" b="0"/>
+      </a:lnRef>
+      <a:fillRef idx="1">
+        <a:scrgbClr r="0" g="0" b="0"/>
+      </a:fillRef>
+      <a:effectRef idx="0">
+        <a:scrgbClr r="0" g="0" b="0"/>
+      </a:effectRef>
+      <a:fontRef idx="minor">
+        <a:schemeClr val="lt1"/>
+      </a:fontRef>
+    </dgm:style>
+  </dgm:styleLbl>
+  <dgm:styleLbl name="node2">
+    <dgm:scene3d>
+      <a:camera prst="orthographicFront"/>
+      <a:lightRig rig="threePt" dir="t"/>
+    </dgm:scene3d>
+    <dgm:sp3d/>
+    <dgm:txPr/>
+    <dgm:style>
+      <a:lnRef idx="2">
+        <a:scrgbClr r="0" g="0" b="0"/>
+      </a:lnRef>
+      <a:fillRef idx="1">
+        <a:scrgbClr r="0" g="0" b="0"/>
+      </a:fillRef>
+      <a:effectRef idx="0">
+        <a:scrgbClr r="0" g="0" b="0"/>
+      </a:effectRef>
+      <a:fontRef idx="minor">
+        <a:schemeClr val="lt1"/>
+      </a:fontRef>
+    </dgm:style>
+  </dgm:styleLbl>
+  <dgm:styleLbl name="node3">
+    <dgm:scene3d>
+      <a:camera prst="orthographicFront"/>
+      <a:lightRig rig="threePt" dir="t"/>
+    </dgm:scene3d>
+    <dgm:sp3d/>
+    <dgm:txPr/>
+    <dgm:style>
+      <a:lnRef idx="2">
+        <a:scrgbClr r="0" g="0" b="0"/>
+      </a:lnRef>
+      <a:fillRef idx="1">
+        <a:scrgbClr r="0" g="0" b="0"/>
+      </a:fillRef>
+      <a:effectRef idx="0">
+        <a:scrgbClr r="0" g="0" b="0"/>
+      </a:effectRef>
+      <a:fontRef idx="minor">
+        <a:schemeClr val="lt1"/>
+      </a:fontRef>
+    </dgm:style>
+  </dgm:styleLbl>
+  <dgm:styleLbl name="node4">
+    <dgm:scene3d>
+      <a:camera prst="orthographicFront"/>
+      <a:lightRig rig="threePt" dir="t"/>
+    </dgm:scene3d>
+    <dgm:sp3d/>
+    <dgm:txPr/>
+    <dgm:style>
+      <a:lnRef idx="2">
+        <a:scrgbClr r="0" g="0" b="0"/>
+      </a:lnRef>
+      <a:fillRef idx="1">
+        <a:scrgbClr r="0" g="0" b="0"/>
+      </a:fillRef>
+      <a:effectRef idx="0">
+        <a:scrgbClr r="0" g="0" b="0"/>
+      </a:effectRef>
+      <a:fontRef idx="minor">
+        <a:schemeClr val="lt1"/>
+      </a:fontRef>
+    </dgm:style>
+  </dgm:styleLbl>
+  <dgm:styleLbl name="fgImgPlace1">
+    <dgm:scene3d>
+      <a:camera prst="orthographicFront"/>
+      <a:lightRig rig="threePt" dir="t"/>
+    </dgm:scene3d>
+    <dgm:sp3d/>
+    <dgm:txPr/>
+    <dgm:style>
+      <a:lnRef idx="2">
+        <a:scrgbClr r="0" g="0" b="0"/>
+      </a:lnRef>
+      <a:fillRef idx="1">
+        <a:scrgbClr r="0" g="0" b="0"/>
+      </a:fillRef>
+      <a:effectRef idx="0">
+        <a:scrgbClr r="0" g="0" b="0"/>
+      </a:effectRef>
+      <a:fontRef idx="minor"/>
+    </dgm:style>
+  </dgm:styleLbl>
+  <dgm:styleLbl name="alignImgPlace1">
+    <dgm:scene3d>
+      <a:camera prst="orthographicFront"/>
+      <a:lightRig rig="threePt" dir="t"/>
+    </dgm:scene3d>
+    <dgm:sp3d/>
+    <dgm:txPr/>
+    <dgm:style>
+      <a:lnRef idx="2">
+        <a:scrgbClr r="0" g="0" b="0"/>
+      </a:lnRef>
+      <a:fillRef idx="1">
+        <a:scrgbClr r="0" g="0" b="0"/>
+      </a:fillRef>
+      <a:effectRef idx="0">
+        <a:scrgbClr r="0" g="0" b="0"/>
+      </a:effectRef>
+      <a:fontRef idx="minor"/>
+    </dgm:style>
+  </dgm:styleLbl>
+  <dgm:styleLbl name="bgImgPlace1">
+    <dgm:scene3d>
+      <a:camera prst="orthographicFront"/>
+      <a:lightRig rig="threePt" dir="t"/>
+    </dgm:scene3d>
+    <dgm:sp3d/>
+    <dgm:txPr/>
+    <dgm:style>
+      <a:lnRef idx="2">
+        <a:scrgbClr r="0" g="0" b="0"/>
+      </a:lnRef>
+      <a:fillRef idx="1">
+        <a:scrgbClr r="0" g="0" b="0"/>
+      </a:fillRef>
+      <a:effectRef idx="0">
+        <a:scrgbClr r="0" g="0" b="0"/>
+      </a:effectRef>
+      <a:fontRef idx="minor"/>
+    </dgm:style>
+  </dgm:styleLbl>
+  <dgm:styleLbl name="sibTrans2D1">
+    <dgm:scene3d>
+      <a:camera prst="orthographicFront"/>
+      <a:lightRig rig="threePt" dir="t"/>
+    </dgm:scene3d>
+    <dgm:sp3d/>
+    <dgm:txPr/>
+    <dgm:style>
+      <a:lnRef idx="0">
+        <a:scrgbClr r="0" g="0" b="0"/>
+      </a:lnRef>
+      <a:fillRef idx="1">
+        <a:scrgbClr r="0" g="0" b="0"/>
+      </a:fillRef>
+      <a:effectRef idx="0">
+        <a:scrgbClr r="0" g="0" b="0"/>
+      </a:effectRef>
+      <a:fontRef idx="minor">
+        <a:schemeClr val="lt1"/>
+      </a:fontRef>
+    </dgm:style>
+  </dgm:styleLbl>
+  <dgm:styleLbl name="fgSibTrans2D1">
+    <dgm:scene3d>
+      <a:camera prst="orthographicFront"/>
+      <a:lightRig rig="threePt" dir="t"/>
+    </dgm:scene3d>
+    <dgm:sp3d/>
+    <dgm:txPr/>
+    <dgm:style>
+      <a:lnRef idx="0">
+        <a:scrgbClr r="0" g="0" b="0"/>
+      </a:lnRef>
+      <a:fillRef idx="1">
+        <a:scrgbClr r="0" g="0" b="0"/>
+      </a:fillRef>
+      <a:effectRef idx="0">
+        <a:scrgbClr r="0" g="0" b="0"/>
+      </a:effectRef>
+      <a:fontRef idx="minor">
+        <a:schemeClr val="lt1"/>
+      </a:fontRef>
+    </dgm:style>
+  </dgm:styleLbl>
+  <dgm:styleLbl name="bgSibTrans2D1">
+    <dgm:scene3d>
+      <a:camera prst="orthographicFront"/>
+      <a:lightRig rig="threePt" dir="t"/>
+    </dgm:scene3d>
+    <dgm:sp3d/>
+    <dgm:txPr/>
+    <dgm:style>
+      <a:lnRef idx="0">
+        <a:scrgbClr r="0" g="0" b="0"/>
+      </a:lnRef>
+      <a:fillRef idx="1">
+        <a:scrgbClr r="0" g="0" b="0"/>
+      </a:fillRef>
+      <a:effectRef idx="0">
+        <a:scrgbClr r="0" g="0" b="0"/>
+      </a:effectRef>
+      <a:fontRef idx="minor">
+        <a:schemeClr val="lt1"/>
+      </a:fontRef>
+    </dgm:style>
+  </dgm:styleLbl>
+  <dgm:styleLbl name="sibTrans1D1">
+    <dgm:scene3d>
+      <a:camera prst="orthographicFront"/>
+      <a:lightRig rig="threePt" dir="t"/>
+    </dgm:scene3d>
+    <dgm:sp3d/>
+    <dgm:txPr/>
+    <dgm:style>
+      <a:lnRef idx="1">
+        <a:scrgbClr r="0" g="0" b="0"/>
+      </a:lnRef>
+      <a:fillRef idx="0">
+        <a:scrgbClr r="0" g="0" b="0"/>
+      </a:fillRef>
+      <a:effectRef idx="0">
+        <a:scrgbClr r="0" g="0" b="0"/>
+      </a:effectRef>
+      <a:fontRef idx="minor"/>
+    </dgm:style>
+  </dgm:styleLbl>
+  <dgm:styleLbl name="callout">
+    <dgm:scene3d>
+      <a:camera prst="orthographicFront"/>
+      <a:lightRig rig="threePt" dir="t"/>
+    </dgm:scene3d>
+    <dgm:sp3d/>
+    <dgm:txPr/>
+    <dgm:style>
+      <a:lnRef idx="2">
+        <a:scrgbClr r="0" g="0" b="0"/>
+      </a:lnRef>
+      <a:fillRef idx="1">
+        <a:scrgbClr r="0" g="0" b="0"/>
+      </a:fillRef>
+      <a:effectRef idx="0">
+        <a:scrgbClr r="0" g="0" b="0"/>
+      </a:effectRef>
+      <a:fontRef idx="minor"/>
+    </dgm:style>
+  </dgm:styleLbl>
+  <dgm:styleLbl name="asst0">
+    <dgm:scene3d>
+      <a:camera prst="orthographicFront"/>
+      <a:lightRig rig="threePt" dir="t"/>
+    </dgm:scene3d>
+    <dgm:sp3d/>
+    <dgm:txPr/>
+    <dgm:style>
+      <a:lnRef idx="2">
+        <a:scrgbClr r="0" g="0" b="0"/>
+      </a:lnRef>
+      <a:fillRef idx="1">
+        <a:scrgbClr r="0" g="0" b="0"/>
+      </a:fillRef>
+      <a:effectRef idx="0">
+        <a:scrgbClr r="0" g="0" b="0"/>
+      </a:effectRef>
+      <a:fontRef idx="minor">
+        <a:schemeClr val="lt1"/>
+      </a:fontRef>
+    </dgm:style>
+  </dgm:styleLbl>
+  <dgm:styleLbl name="asst1">
+    <dgm:scene3d>
+      <a:camera prst="orthographicFront"/>
+      <a:lightRig rig="threePt" dir="t"/>
+    </dgm:scene3d>
+    <dgm:sp3d/>
+    <dgm:txPr/>
+    <dgm:style>
+      <a:lnRef idx="2">
+        <a:scrgbClr r="0" g="0" b="0"/>
+      </a:lnRef>
+      <a:fillRef idx="1">
+        <a:scrgbClr r="0" g="0" b="0"/>
+      </a:fillRef>
+      <a:effectRef idx="0">
+        <a:scrgbClr r="0" g="0" b="0"/>
+      </a:effectRef>
+      <a:fontRef idx="minor">
+        <a:schemeClr val="lt1"/>
+      </a:fontRef>
+    </dgm:style>
+  </dgm:styleLbl>
+  <dgm:styleLbl name="asst2">
+    <dgm:scene3d>
+      <a:camera prst="orthographicFront"/>
+      <a:lightRig rig="threePt" dir="t"/>
+    </dgm:scene3d>
+    <dgm:sp3d/>
+    <dgm:txPr/>
+    <dgm:style>
+      <a:lnRef idx="2">
+        <a:scrgbClr r="0" g="0" b="0"/>
+      </a:lnRef>
+      <a:fillRef idx="1">
+        <a:scrgbClr r="0" g="0" b="0"/>
+      </a:fillRef>
+      <a:effectRef idx="0">
+        <a:scrgbClr r="0" g="0" b="0"/>
+      </a:effectRef>
+      <a:fontRef idx="minor">
+        <a:schemeClr val="lt1"/>
+      </a:fontRef>
+    </dgm:style>
+  </dgm:styleLbl>
+  <dgm:styleLbl name="asst3">
+    <dgm:scene3d>
+      <a:camera prst="orthographicFront"/>
+      <a:lightRig rig="threePt" dir="t"/>
+    </dgm:scene3d>
+    <dgm:sp3d/>
+    <dgm:txPr/>
+    <dgm:style>
+      <a:lnRef idx="2">
+        <a:scrgbClr r="0" g="0" b="0"/>
+      </a:lnRef>
+      <a:fillRef idx="1">
+        <a:scrgbClr r="0" g="0" b="0"/>
+      </a:fillRef>
+      <a:effectRef idx="0">
+        <a:scrgbClr r="0" g="0" b="0"/>
+      </a:effectRef>
+      <a:fontRef idx="minor">
+        <a:schemeClr val="lt1"/>
+      </a:fontRef>
+    </dgm:style>
+  </dgm:styleLbl>
+  <dgm:styleLbl name="asst4">
+    <dgm:scene3d>
+      <a:camera prst="orthographicFront"/>
+      <a:lightRig rig="threePt" dir="t"/>
+    </dgm:scene3d>
+    <dgm:sp3d/>
+    <dgm:txPr/>
+    <dgm:style>
+      <a:lnRef idx="2">
+        <a:scrgbClr r="0" g="0" b="0"/>
+      </a:lnRef>
+      <a:fillRef idx="1">
+        <a:scrgbClr r="0" g="0" b="0"/>
+      </a:fillRef>
+      <a:effectRef idx="0">
+        <a:scrgbClr r="0" g="0" b="0"/>
+      </a:effectRef>
+      <a:fontRef idx="minor">
+        <a:schemeClr val="lt1"/>
+      </a:fontRef>
+    </dgm:style>
+  </dgm:styleLbl>
+  <dgm:styleLbl name="parChTrans2D1">
+    <dgm:scene3d>
+      <a:camera prst="orthographicFront"/>
+      <a:lightRig rig="threePt" dir="t"/>
+    </dgm:scene3d>
+    <dgm:sp3d/>
+    <dgm:txPr/>
+    <dgm:style>
+      <a:lnRef idx="2">
+        <a:scrgbClr r="0" g="0" b="0"/>
+      </a:lnRef>
+      <a:fillRef idx="1">
+        <a:scrgbClr r="0" g="0" b="0"/>
+      </a:fillRef>
+      <a:effectRef idx="0">
+        <a:scrgbClr r="0" g="0" b="0"/>
+      </a:effectRef>
+      <a:fontRef idx="minor">
+        <a:schemeClr val="lt1"/>
+      </a:fontRef>
+    </dgm:style>
+  </dgm:styleLbl>
+  <dgm:styleLbl name="parChTrans2D2">
+    <dgm:scene3d>
+      <a:camera prst="orthographicFront"/>
+      <a:lightRig rig="threePt" dir="t"/>
+    </dgm:scene3d>
+    <dgm:sp3d/>
+    <dgm:txPr/>
+    <dgm:style>
+      <a:lnRef idx="2">
+        <a:scrgbClr r="0" g="0" b="0"/>
+      </a:lnRef>
+      <a:fillRef idx="1">
+        <a:scrgbClr r="0" g="0" b="0"/>
+      </a:fillRef>
+      <a:effectRef idx="0">
+        <a:scrgbClr r="0" g="0" b="0"/>
+      </a:effectRef>
+      <a:fontRef idx="minor">
+        <a:schemeClr val="lt1"/>
+      </a:fontRef>
+    </dgm:style>
+  </dgm:styleLbl>
+  <dgm:styleLbl name="parChTrans2D3">
+    <dgm:scene3d>
+      <a:camera prst="orthographicFront"/>
+      <a:lightRig rig="threePt" dir="t"/>
+    </dgm:scene3d>
+    <dgm:sp3d/>
+    <dgm:txPr/>
+    <dgm:style>
+      <a:lnRef idx="2">
+        <a:scrgbClr r="0" g="0" b="0"/>
+      </a:lnRef>
+      <a:fillRef idx="1">
+        <a:scrgbClr r="0" g="0" b="0"/>
+      </a:fillRef>
+      <a:effectRef idx="0">
+        <a:scrgbClr r="0" g="0" b="0"/>
+      </a:effectRef>
+      <a:fontRef idx="minor">
+        <a:schemeClr val="lt1"/>
+      </a:fontRef>
+    </dgm:style>
+  </dgm:styleLbl>
+  <dgm:styleLbl name="parChTrans2D4">
+    <dgm:scene3d>
+      <a:camera prst="orthographicFront"/>
+      <a:lightRig rig="threePt" dir="t"/>
+    </dgm:scene3d>
+    <dgm:sp3d/>
+    <dgm:txPr/>
+    <dgm:style>
+      <a:lnRef idx="2">
+        <a:scrgbClr r="0" g="0" b="0"/>
+      </a:lnRef>
+      <a:fillRef idx="1">
+        <a:scrgbClr r="0" g="0" b="0"/>
+      </a:fillRef>
+      <a:effectRef idx="0">
+        <a:scrgbClr r="0" g="0" b="0"/>
+      </a:effectRef>
+      <a:fontRef idx="minor">
+        <a:schemeClr val="lt1"/>
+      </a:fontRef>
+    </dgm:style>
+  </dgm:styleLbl>
+  <dgm:styleLbl name="parChTrans1D1">
+    <dgm:scene3d>
+      <a:camera prst="orthographicFront"/>
+      <a:lightRig rig="threePt" dir="t"/>
+    </dgm:scene3d>
+    <dgm:sp3d/>
+    <dgm:txPr/>
+    <dgm:style>
+      <a:lnRef idx="2">
+        <a:scrgbClr r="0" g="0" b="0"/>
+      </a:lnRef>
+      <a:fillRef idx="0">
+        <a:scrgbClr r="0" g="0" b="0"/>
+      </a:fillRef>
+      <a:effectRef idx="0">
+        <a:scrgbClr r="0" g="0" b="0"/>
+      </a:effectRef>
+      <a:fontRef idx="minor"/>
+    </dgm:style>
+  </dgm:styleLbl>
+  <dgm:styleLbl name="parChTrans1D2">
+    <dgm:scene3d>
+      <a:camera prst="orthographicFront"/>
+      <a:lightRig rig="threePt" dir="t"/>
+    </dgm:scene3d>
+    <dgm:sp3d/>
+    <dgm:txPr/>
+    <dgm:style>
+      <a:lnRef idx="2">
+        <a:scrgbClr r="0" g="0" b="0"/>
+      </a:lnRef>
+      <a:fillRef idx="0">
+        <a:scrgbClr r="0" g="0" b="0"/>
+      </a:fillRef>
+      <a:effectRef idx="0">
+        <a:scrgbClr r="0" g="0" b="0"/>
+      </a:effectRef>
+      <a:fontRef idx="minor"/>
+    </dgm:style>
+  </dgm:styleLbl>
+  <dgm:styleLbl name="parChTrans1D3">
+    <dgm:scene3d>
+      <a:camera prst="orthographicFront"/>
+      <a:lightRig rig="threePt" dir="t"/>
+    </dgm:scene3d>
+    <dgm:sp3d/>
+    <dgm:txPr/>
+    <dgm:style>
+      <a:lnRef idx="2">
+        <a:scrgbClr r="0" g="0" b="0"/>
+      </a:lnRef>
+      <a:fillRef idx="0">
+        <a:scrgbClr r="0" g="0" b="0"/>
+      </a:fillRef>
+      <a:effectRef idx="0">
+        <a:scrgbClr r="0" g="0" b="0"/>
+      </a:effectRef>
+      <a:fontRef idx="minor"/>
+    </dgm:style>
+  </dgm:styleLbl>
+  <dgm:styleLbl name="parChTrans1D4">
+    <dgm:scene3d>
+      <a:camera prst="orthographicFront"/>
+      <a:lightRig rig="threePt" dir="t"/>
+    </dgm:scene3d>
+    <dgm:sp3d/>
+    <dgm:txPr/>
+    <dgm:style>
+      <a:lnRef idx="2">
+        <a:scrgbClr r="0" g="0" b="0"/>
+      </a:lnRef>
+      <a:fillRef idx="0">
+        <a:scrgbClr r="0" g="0" b="0"/>
+      </a:fillRef>
+      <a:effectRef idx="0">
+        <a:scrgbClr r="0" g="0" b="0"/>
+      </a:effectRef>
+      <a:fontRef idx="minor"/>
+    </dgm:style>
+  </dgm:styleLbl>
+  <dgm:styleLbl name="fgAcc1">
+    <dgm:scene3d>
+      <a:camera prst="orthographicFront"/>
+      <a:lightRig rig="threePt" dir="t"/>
+    </dgm:scene3d>
+    <dgm:sp3d/>
+    <dgm:txPr/>
+    <dgm:style>
+      <a:lnRef idx="2">
+        <a:scrgbClr r="0" g="0" b="0"/>
+      </a:lnRef>
+      <a:fillRef idx="1">
+        <a:scrgbClr r="0" g="0" b="0"/>
+      </a:fillRef>
+      <a:effectRef idx="0">
+        <a:scrgbClr r="0" g="0" b="0"/>
+      </a:effectRef>
+      <a:fontRef idx="minor"/>
+    </dgm:style>
+  </dgm:styleLbl>
+  <dgm:styleLbl name="conFgAcc1">
+    <dgm:scene3d>
+      <a:camera prst="orthographicFront"/>
+      <a:lightRig rig="threePt" dir="t"/>
+    </dgm:scene3d>
+    <dgm:sp3d/>
+    <dgm:txPr/>
+    <dgm:style>
+      <a:lnRef idx="2">
+        <a:scrgbClr r="0" g="0" b="0"/>
+      </a:lnRef>
+      <a:fillRef idx="1">
+        <a:scrgbClr r="0" g="0" b="0"/>
+      </a:fillRef>
+      <a:effectRef idx="0">
+        <a:scrgbClr r="0" g="0" b="0"/>
+      </a:effectRef>
+      <a:fontRef idx="minor"/>
+    </dgm:style>
+  </dgm:styleLbl>
+  <dgm:styleLbl name="alignAcc1">
+    <dgm:scene3d>
+      <a:camera prst="orthographicFront"/>
+      <a:lightRig rig="threePt" dir="t"/>
+    </dgm:scene3d>
+    <dgm:sp3d/>
+    <dgm:txPr/>
+    <dgm:style>
+      <a:lnRef idx="2">
+        <a:scrgbClr r="0" g="0" b="0"/>
+      </a:lnRef>
+      <a:fillRef idx="1">
+        <a:scrgbClr r="0" g="0" b="0"/>
+      </a:fillRef>
+      <a:effectRef idx="0">
+        <a:scrgbClr r="0" g="0" b="0"/>
+      </a:effectRef>
+      <a:fontRef idx="minor"/>
+    </dgm:style>
+  </dgm:styleLbl>
+  <dgm:styleLbl name="trAlignAcc1">
+    <dgm:scene3d>
+      <a:camera prst="orthographicFront"/>
+      <a:lightRig rig="threePt" dir="t"/>
+    </dgm:scene3d>
+    <dgm:sp3d/>
+    <dgm:txPr/>
+    <dgm:style>
+      <a:lnRef idx="1">
+        <a:scrgbClr r="0" g="0" b="0"/>
+      </a:lnRef>
+      <a:fillRef idx="1">
+        <a:scrgbClr r="0" g="0" b="0"/>
+      </a:fillRef>
+      <a:effectRef idx="0">
+        <a:scrgbClr r="0" g="0" b="0"/>
+      </a:effectRef>
+      <a:fontRef idx="minor"/>
+    </dgm:style>
+  </dgm:styleLbl>
+  <dgm:styleLbl name="bgAcc1">
+    <dgm:scene3d>
+      <a:camera prst="orthographicFront"/>
+      <a:lightRig rig="threePt" dir="t"/>
+    </dgm:scene3d>
+    <dgm:sp3d/>
+    <dgm:txPr/>
+    <dgm:style>
+      <a:lnRef idx="2">
+        <a:scrgbClr r="0" g="0" b="0"/>
+      </a:lnRef>
+      <a:fillRef idx="1">
+        <a:scrgbClr r="0" g="0" b="0"/>
+      </a:fillRef>
+      <a:effectRef idx="0">
+        <a:scrgbClr r="0" g="0" b="0"/>
+      </a:effectRef>
+      <a:fontRef idx="minor"/>
+    </dgm:style>
+  </dgm:styleLbl>
+  <dgm:styleLbl name="solidFgAcc1">
+    <dgm:scene3d>
+      <a:camera prst="orthographicFront"/>
+      <a:lightRig rig="threePt" dir="t"/>
+    </dgm:scene3d>
+    <dgm:sp3d/>
+    <dgm:txPr/>
+    <dgm:style>
+      <a:lnRef idx="2">
+        <a:scrgbClr r="0" g="0" b="0"/>
+      </a:lnRef>
+      <a:fillRef idx="1">
+        <a:scrgbClr r="0" g="0" b="0"/>
+      </a:fillRef>
+      <a:effectRef idx="0">
+        <a:scrgbClr r="0" g="0" b="0"/>
+      </a:effectRef>
+      <a:fontRef idx="minor"/>
+    </dgm:style>
+  </dgm:styleLbl>
+  <dgm:styleLbl name="solidAlignAcc1">
+    <dgm:scene3d>
+      <a:camera prst="orthographicFront"/>
+      <a:lightRig rig="threePt" dir="t"/>
+    </dgm:scene3d>
+    <dgm:sp3d/>
+    <dgm:txPr/>
+    <dgm:style>
+      <a:lnRef idx="2">
+        <a:scrgbClr r="0" g="0" b="0"/>
+      </a:lnRef>
+      <a:fillRef idx="1">
+        <a:scrgbClr r="0" g="0" b="0"/>
+      </a:fillRef>
+      <a:effectRef idx="0">
+        <a:scrgbClr r="0" g="0" b="0"/>
+      </a:effectRef>
+      <a:fontRef idx="minor"/>
+    </dgm:style>
+  </dgm:styleLbl>
+  <dgm:styleLbl name="solidBgAcc1">
+    <dgm:scene3d>
+      <a:camera prst="orthographicFront"/>
+      <a:lightRig rig="threePt" dir="t"/>
+    </dgm:scene3d>
+    <dgm:sp3d/>
+    <dgm:txPr/>
+    <dgm:style>
+      <a:lnRef idx="2">
+        <a:scrgbClr r="0" g="0" b="0"/>
+      </a:lnRef>
+      <a:fillRef idx="1">
+        <a:scrgbClr r="0" g="0" b="0"/>
+      </a:fillRef>
+      <a:effectRef idx="0">
+        <a:scrgbClr r="0" g="0" b="0"/>
+      </a:effectRef>
+      <a:fontRef idx="minor"/>
+    </dgm:style>
+  </dgm:styleLbl>
+  <dgm:styleLbl name="fgAccFollowNode1">
+    <dgm:scene3d>
+      <a:camera prst="orthographicFront"/>
+      <a:lightRig rig="threePt" dir="t"/>
+    </dgm:scene3d>
+    <dgm:sp3d/>
+    <dgm:txPr/>
+    <dgm:style>
+      <a:lnRef idx="2">
+        <a:scrgbClr r="0" g="0" b="0"/>
+      </a:lnRef>
+      <a:fillRef idx="1">
+        <a:scrgbClr r="0" g="0" b="0"/>
+      </a:fillRef>
+      <a:effectRef idx="0">
+        <a:scrgbClr r="0" g="0" b="0"/>
+      </a:effectRef>
+      <a:fontRef idx="minor"/>
+    </dgm:style>
+  </dgm:styleLbl>
+  <dgm:styleLbl name="alignAccFollowNode1">
+    <dgm:scene3d>
+      <a:camera prst="orthographicFront"/>
+      <a:lightRig rig="threePt" dir="t"/>
+    </dgm:scene3d>
+    <dgm:sp3d/>
+    <dgm:txPr/>
+    <dgm:style>
+      <a:lnRef idx="2">
+        <a:scrgbClr r="0" g="0" b="0"/>
+      </a:lnRef>
+      <a:fillRef idx="1">
+        <a:scrgbClr r="0" g="0" b="0"/>
+      </a:fillRef>
+      <a:effectRef idx="0">
+        <a:scrgbClr r="0" g="0" b="0"/>
+      </a:effectRef>
+      <a:fontRef idx="minor"/>
+    </dgm:style>
+  </dgm:styleLbl>
+  <dgm:styleLbl name="bgAccFollowNode1">
+    <dgm:scene3d>
+      <a:camera prst="orthographicFront"/>
+      <a:lightRig rig="threePt" dir="t"/>
+    </dgm:scene3d>
+    <dgm:sp3d/>
+    <dgm:txPr/>
+    <dgm:style>
+      <a:lnRef idx="2">
+        <a:scrgbClr r="0" g="0" b="0"/>
+      </a:lnRef>
+      <a:fillRef idx="1">
+        <a:scrgbClr r="0" g="0" b="0"/>
+      </a:fillRef>
+      <a:effectRef idx="0">
+        <a:scrgbClr r="0" g="0" b="0"/>
+      </a:effectRef>
+      <a:fontRef idx="minor"/>
+    </dgm:style>
+  </dgm:styleLbl>
+  <dgm:styleLbl name="fgAcc0">
+    <dgm:scene3d>
+      <a:camera prst="orthographicFront"/>
+      <a:lightRig rig="threePt" dir="t"/>
+    </dgm:scene3d>
+    <dgm:sp3d/>
+    <dgm:txPr/>
+    <dgm:style>
+      <a:lnRef idx="2">
+        <a:scrgbClr r="0" g="0" b="0"/>
+      </a:lnRef>
+      <a:fillRef idx="1">
+        <a:scrgbClr r="0" g="0" b="0"/>
+      </a:fillRef>
+      <a:effectRef idx="0">
+        <a:scrgbClr r="0" g="0" b="0"/>
+      </a:effectRef>
+      <a:fontRef idx="minor"/>
+    </dgm:style>
+  </dgm:styleLbl>
+  <dgm:styleLbl name="fgAcc2">
+    <dgm:scene3d>
+      <a:camera prst="orthographicFront"/>
+      <a:lightRig rig="threePt" dir="t"/>
+    </dgm:scene3d>
+    <dgm:sp3d/>
+    <dgm:txPr/>
+    <dgm:style>
+      <a:lnRef idx="2">
+        <a:scrgbClr r="0" g="0" b="0"/>
+      </a:lnRef>
+      <a:fillRef idx="1">
+        <a:scrgbClr r="0" g="0" b="0"/>
+      </a:fillRef>
+      <a:effectRef idx="0">
+        <a:scrgbClr r="0" g="0" b="0"/>
+      </a:effectRef>
+      <a:fontRef idx="minor"/>
+    </dgm:style>
+  </dgm:styleLbl>
+  <dgm:styleLbl name="fgAcc3">
+    <dgm:scene3d>
+      <a:camera prst="orthographicFront"/>
+      <a:lightRig rig="threePt" dir="t"/>
+    </dgm:scene3d>
+    <dgm:sp3d/>
+    <dgm:txPr/>
+    <dgm:style>
+      <a:lnRef idx="2">
+        <a:scrgbClr r="0" g="0" b="0"/>
+      </a:lnRef>
+      <a:fillRef idx="1">
+        <a:scrgbClr r="0" g="0" b="0"/>
+      </a:fillRef>
+      <a:effectRef idx="0">
+        <a:scrgbClr r="0" g="0" b="0"/>
+      </a:effectRef>
+      <a:fontRef idx="minor"/>
+    </dgm:style>
+  </dgm:styleLbl>
+  <dgm:styleLbl name="fgAcc4">
+    <dgm:scene3d>
+      <a:camera prst="orthographicFront"/>
+      <a:lightRig rig="threePt" dir="t"/>
+    </dgm:scene3d>
+    <dgm:sp3d/>
+    <dgm:txPr/>
+    <dgm:style>
+      <a:lnRef idx="2">
+        <a:scrgbClr r="0" g="0" b="0"/>
+      </a:lnRef>
+      <a:fillRef idx="1">
+        <a:scrgbClr r="0" g="0" b="0"/>
+      </a:fillRef>
+      <a:effectRef idx="0">
+        <a:scrgbClr r="0" g="0" b="0"/>
+      </a:effectRef>
+      <a:fontRef idx="minor"/>
+    </dgm:style>
+  </dgm:styleLbl>
+  <dgm:styleLbl name="bgShp">
+    <dgm:scene3d>
+      <a:camera prst="orthographicFront"/>
+      <a:lightRig rig="threePt" dir="t"/>
+    </dgm:scene3d>
+    <dgm:sp3d/>
+    <dgm:txPr/>
+    <dgm:style>
+      <a:lnRef idx="0">
+        <a:scrgbClr r="0" g="0" b="0"/>
+      </a:lnRef>
+      <a:fillRef idx="1">
+        <a:scrgbClr r="0" g="0" b="0"/>
+      </a:fillRef>
+      <a:effectRef idx="0">
+        <a:scrgbClr r="0" g="0" b="0"/>
+      </a:effectRef>
+      <a:fontRef idx="minor"/>
+    </dgm:style>
+  </dgm:styleLbl>
+  <dgm:styleLbl name="dkBgShp">
+    <dgm:scene3d>
+      <a:camera prst="orthographicFront"/>
+      <a:lightRig rig="threePt" dir="t"/>
+    </dgm:scene3d>
+    <dgm:sp3d/>
+    <dgm:txPr/>
+    <dgm:style>
+      <a:lnRef idx="0">
+        <a:scrgbClr r="0" g="0" b="0"/>
+      </a:lnRef>
+      <a:fillRef idx="1">
+        <a:scrgbClr r="0" g="0" b="0"/>
+      </a:fillRef>
+      <a:effectRef idx="0">
+        <a:scrgbClr r="0" g="0" b="0"/>
+      </a:effectRef>
+      <a:fontRef idx="minor"/>
+    </dgm:style>
+  </dgm:styleLbl>
+  <dgm:styleLbl name="trBgShp">
+    <dgm:scene3d>
+      <a:camera prst="orthographicFront"/>
+      <a:lightRig rig="threePt" dir="t"/>
+    </dgm:scene3d>
+    <dgm:sp3d/>
+    <dgm:txPr/>
+    <dgm:style>
+      <a:lnRef idx="0">
+        <a:scrgbClr r="0" g="0" b="0"/>
+      </a:lnRef>
+      <a:fillRef idx="1">
+        <a:scrgbClr r="0" g="0" b="0"/>
+      </a:fillRef>
+      <a:effectRef idx="0">
+        <a:scrgbClr r="0" g="0" b="0"/>
+      </a:effectRef>
+      <a:fontRef idx="minor"/>
+    </dgm:style>
+  </dgm:styleLbl>
+  <dgm:styleLbl name="fgShp">
+    <dgm:scene3d>
+      <a:camera prst="orthographicFront"/>
+      <a:lightRig rig="threePt" dir="t"/>
+    </dgm:scene3d>
+    <dgm:sp3d/>
+    <dgm:txPr/>
+    <dgm:style>
+      <a:lnRef idx="2">
+        <a:scrgbClr r="0" g="0" b="0"/>
+      </a:lnRef>
+      <a:fillRef idx="1">
+        <a:scrgbClr r="0" g="0" b="0"/>
+      </a:fillRef>
+      <a:effectRef idx="0">
+        <a:scrgbClr r="0" g="0" b="0"/>
+      </a:effectRef>
+      <a:fontRef idx="minor"/>
+    </dgm:style>
+  </dgm:styleLbl>
+  <dgm:styleLbl name="revTx">
+    <dgm:scene3d>
+      <a:camera prst="orthographicFront"/>
+      <a:lightRig rig="threePt" dir="t"/>
+    </dgm:scene3d>
+    <dgm:sp3d/>
+    <dgm:txPr/>
+    <dgm:style>
+      <a:lnRef idx="0">
+        <a:scrgbClr r="0" g="0" b="0"/>
+      </a:lnRef>
+      <a:fillRef idx="0">
+        <a:scrgbClr r="0" g="0" b="0"/>
+      </a:fillRef>
+      <a:effectRef idx="0">
+        <a:scrgbClr r="0" g="0" b="0"/>
+      </a:effectRef>
+      <a:fontRef idx="minor"/>
+    </dgm:style>
+  </dgm:styleLbl>
+</dgm:styleDef>
 </file>
 
 <file path=ppt/slideLayouts/slideLayout1.xml><?xml version="1.0" encoding="utf-8"?>
@@ -280,7 +3269,7 @@
           <a:p>
             <a:fld id="{02AC24A9-CCB6-4F8D-B8DB-C2F3692CFA5A}" type="datetimeFigureOut">
               <a:rPr lang="en-US" smtClean="0"/>
-              <a:t>9/10/2020</a:t>
+              <a:t>9/11/2020</a:t>
             </a:fld>
             <a:endParaRPr lang="en-US" dirty="0"/>
           </a:p>
@@ -650,7 +3639,7 @@
           <a:p>
             <a:fld id="{02AC24A9-CCB6-4F8D-B8DB-C2F3692CFA5A}" type="datetimeFigureOut">
               <a:rPr lang="en-US" smtClean="0"/>
-              <a:t>9/10/2020</a:t>
+              <a:t>9/11/2020</a:t>
             </a:fld>
             <a:endParaRPr lang="en-US"/>
           </a:p>
@@ -859,7 +3848,7 @@
           <a:p>
             <a:fld id="{02AC24A9-CCB6-4F8D-B8DB-C2F3692CFA5A}" type="datetimeFigureOut">
               <a:rPr lang="en-US" smtClean="0"/>
-              <a:t>9/10/2020</a:t>
+              <a:t>9/11/2020</a:t>
             </a:fld>
             <a:endParaRPr lang="en-US"/>
           </a:p>
@@ -1329,7 +4318,7 @@
           <a:p>
             <a:fld id="{02AC24A9-CCB6-4F8D-B8DB-C2F3692CFA5A}" type="datetimeFigureOut">
               <a:rPr lang="en-US" smtClean="0"/>
-              <a:t>9/10/2020</a:t>
+              <a:t>9/11/2020</a:t>
             </a:fld>
             <a:endParaRPr lang="en-US"/>
           </a:p>
@@ -1783,7 +4772,7 @@
           <a:p>
             <a:fld id="{02AC24A9-CCB6-4F8D-B8DB-C2F3692CFA5A}" type="datetimeFigureOut">
               <a:rPr lang="en-US" smtClean="0"/>
-              <a:t>9/10/2020</a:t>
+              <a:t>9/11/2020</a:t>
             </a:fld>
             <a:endParaRPr lang="en-US"/>
           </a:p>
@@ -2315,7 +5304,7 @@
           <a:p>
             <a:fld id="{02AC24A9-CCB6-4F8D-B8DB-C2F3692CFA5A}" type="datetimeFigureOut">
               <a:rPr lang="en-US" smtClean="0"/>
-              <a:t>9/10/2020</a:t>
+              <a:t>9/11/2020</a:t>
             </a:fld>
             <a:endParaRPr lang="en-US"/>
           </a:p>
@@ -3014,7 +6003,7 @@
           <a:p>
             <a:fld id="{02AC24A9-CCB6-4F8D-B8DB-C2F3692CFA5A}" type="datetimeFigureOut">
               <a:rPr lang="en-US" smtClean="0"/>
-              <a:t>9/10/2020</a:t>
+              <a:t>9/11/2020</a:t>
             </a:fld>
             <a:endParaRPr lang="en-US"/>
           </a:p>
@@ -3343,7 +6332,7 @@
           <a:p>
             <a:fld id="{02AC24A9-CCB6-4F8D-B8DB-C2F3692CFA5A}" type="datetimeFigureOut">
               <a:rPr lang="en-US" smtClean="0"/>
-              <a:t>9/10/2020</a:t>
+              <a:t>9/11/2020</a:t>
             </a:fld>
             <a:endParaRPr lang="en-US"/>
           </a:p>
@@ -3456,7 +6445,7 @@
           <a:p>
             <a:fld id="{02AC24A9-CCB6-4F8D-B8DB-C2F3692CFA5A}" type="datetimeFigureOut">
               <a:rPr lang="en-US" smtClean="0"/>
-              <a:t>9/10/2020</a:t>
+              <a:t>9/11/2020</a:t>
             </a:fld>
             <a:endParaRPr lang="en-US"/>
           </a:p>
@@ -3951,7 +6940,7 @@
           <a:p>
             <a:fld id="{02AC24A9-CCB6-4F8D-B8DB-C2F3692CFA5A}" type="datetimeFigureOut">
               <a:rPr lang="en-US" smtClean="0"/>
-              <a:t>9/10/2020</a:t>
+              <a:t>9/11/2020</a:t>
             </a:fld>
             <a:endParaRPr lang="en-US" dirty="0"/>
           </a:p>
@@ -4428,7 +7417,7 @@
           <a:p>
             <a:fld id="{02AC24A9-CCB6-4F8D-B8DB-C2F3692CFA5A}" type="datetimeFigureOut">
               <a:rPr lang="en-US" smtClean="0"/>
-              <a:t>9/10/2020</a:t>
+              <a:t>9/11/2020</a:t>
             </a:fld>
             <a:endParaRPr lang="en-US"/>
           </a:p>
@@ -4671,7 +7660,7 @@
           <a:p>
             <a:fld id="{02AC24A9-CCB6-4F8D-B8DB-C2F3692CFA5A}" type="datetimeFigureOut">
               <a:rPr lang="en-US" smtClean="0"/>
-              <a:t>9/10/2020</a:t>
+              <a:t>9/11/2020</a:t>
             </a:fld>
             <a:endParaRPr lang="en-US"/>
           </a:p>
@@ -5383,6 +8372,820 @@
 </p:sld>
 </file>
 
+<file path=ppt/slides/slide10.xml><?xml version="1.0" encoding="utf-8"?>
+<p:sld xmlns:a="http://schemas.openxmlformats.org/drawingml/2006/main" xmlns:r="http://schemas.openxmlformats.org/officeDocument/2006/relationships" xmlns:p="http://schemas.openxmlformats.org/presentationml/2006/main">
+  <p:cSld>
+    <p:bg>
+      <p:bgPr>
+        <a:solidFill>
+          <a:schemeClr val="bg1"/>
+        </a:solidFill>
+        <a:effectLst/>
+      </p:bgPr>
+    </p:bg>
+    <p:spTree>
+      <p:nvGrpSpPr>
+        <p:cNvPr id="1" name=""/>
+        <p:cNvGrpSpPr/>
+        <p:nvPr/>
+      </p:nvGrpSpPr>
+      <p:grpSpPr>
+        <a:xfrm>
+          <a:off x="0" y="0"/>
+          <a:ext cx="0" cy="0"/>
+          <a:chOff x="0" y="0"/>
+          <a:chExt cx="0" cy="0"/>
+        </a:xfrm>
+      </p:grpSpPr>
+      <p:sp useBgFill="1">
+        <p:nvSpPr>
+          <p:cNvPr id="56" name="Rectangle 55">
+            <a:extLst>
+              <a:ext uri="{FF2B5EF4-FFF2-40B4-BE49-F238E27FC236}">
+                <a16:creationId xmlns:a16="http://schemas.microsoft.com/office/drawing/2014/main" id="{7D5D2E51-A652-4FCB-ADE3-8974F2723C34}"/>
+              </a:ext>
+              <a:ext uri="{C183D7F6-B498-43B3-948B-1728B52AA6E4}">
+                <adec:decorative xmlns:adec="http://schemas.microsoft.com/office/drawing/2017/decorative" val="1"/>
+              </a:ext>
+            </a:extLst>
+          </p:cNvPr>
+          <p:cNvSpPr>
+            <a:spLocks noGrp="1" noRot="1" noChangeAspect="1" noMove="1" noResize="1" noEditPoints="1" noAdjustHandles="1" noChangeArrowheads="1" noChangeShapeType="1" noTextEdit="1"/>
+          </p:cNvSpPr>
+          <p:nvPr>
+            <p:extLst>
+              <p:ext uri="{386F3935-93C4-4BCD-93E2-E3B085C9AB24}">
+                <p16:designElem xmlns:p16="http://schemas.microsoft.com/office/powerpoint/2015/main" val="1"/>
+              </p:ext>
+            </p:extLst>
+          </p:nvPr>
+        </p:nvSpPr>
+        <p:spPr>
+          <a:xfrm>
+            <a:off x="0" y="0"/>
+            <a:ext cx="12192000" cy="6858000"/>
+          </a:xfrm>
+          <a:prstGeom prst="rect">
+            <a:avLst/>
+          </a:prstGeom>
+          <a:ln>
+            <a:noFill/>
+          </a:ln>
+        </p:spPr>
+        <p:style>
+          <a:lnRef idx="2">
+            <a:schemeClr val="accent1">
+              <a:shade val="50000"/>
+            </a:schemeClr>
+          </a:lnRef>
+          <a:fillRef idx="1">
+            <a:schemeClr val="accent1"/>
+          </a:fillRef>
+          <a:effectRef idx="0">
+            <a:schemeClr val="accent1"/>
+          </a:effectRef>
+          <a:fontRef idx="minor">
+            <a:schemeClr val="lt1"/>
+          </a:fontRef>
+        </p:style>
+        <p:txBody>
+          <a:bodyPr rtlCol="0" anchor="ctr"/>
+          <a:lstStyle/>
+          <a:p>
+            <a:pPr algn="ctr"/>
+            <a:endParaRPr lang="en-US"/>
+          </a:p>
+        </p:txBody>
+      </p:sp>
+      <p:sp useBgFill="1">
+        <p:nvSpPr>
+          <p:cNvPr id="58" name="Freeform: Shape 57">
+            <a:extLst>
+              <a:ext uri="{FF2B5EF4-FFF2-40B4-BE49-F238E27FC236}">
+                <a16:creationId xmlns:a16="http://schemas.microsoft.com/office/drawing/2014/main" id="{08E18253-076D-4D89-968E-FCD8887E2B27}"/>
+              </a:ext>
+              <a:ext uri="{C183D7F6-B498-43B3-948B-1728B52AA6E4}">
+                <adec:decorative xmlns:adec="http://schemas.microsoft.com/office/drawing/2017/decorative" val="1"/>
+              </a:ext>
+            </a:extLst>
+          </p:cNvPr>
+          <p:cNvSpPr>
+            <a:spLocks noGrp="1" noRot="1" noChangeAspect="1" noMove="1" noResize="1" noEditPoints="1" noAdjustHandles="1" noChangeArrowheads="1" noChangeShapeType="1" noTextEdit="1"/>
+          </p:cNvSpPr>
+          <p:nvPr>
+            <p:extLst>
+              <p:ext uri="{386F3935-93C4-4BCD-93E2-E3B085C9AB24}">
+                <p16:designElem xmlns:p16="http://schemas.microsoft.com/office/powerpoint/2015/main" val="1"/>
+              </p:ext>
+            </p:extLst>
+          </p:nvPr>
+        </p:nvSpPr>
+        <p:spPr>
+          <a:xfrm>
+            <a:off x="-1" y="0"/>
+            <a:ext cx="6096002" cy="6858000"/>
+          </a:xfrm>
+          <a:custGeom>
+            <a:avLst/>
+            <a:gdLst>
+              <a:gd name="connsiteX0" fmla="*/ 0 w 6096002"/>
+              <a:gd name="connsiteY0" fmla="*/ 0 h 6858000"/>
+              <a:gd name="connsiteX1" fmla="*/ 4885967 w 6096002"/>
+              <a:gd name="connsiteY1" fmla="*/ 0 h 6858000"/>
+              <a:gd name="connsiteX2" fmla="*/ 4946007 w 6096002"/>
+              <a:gd name="connsiteY2" fmla="*/ 69271 h 6858000"/>
+              <a:gd name="connsiteX3" fmla="*/ 6096002 w 6096002"/>
+              <a:gd name="connsiteY3" fmla="*/ 3429000 h 6858000"/>
+              <a:gd name="connsiteX4" fmla="*/ 4946007 w 6096002"/>
+              <a:gd name="connsiteY4" fmla="*/ 6788730 h 6858000"/>
+              <a:gd name="connsiteX5" fmla="*/ 4885967 w 6096002"/>
+              <a:gd name="connsiteY5" fmla="*/ 6858000 h 6858000"/>
+              <a:gd name="connsiteX6" fmla="*/ 0 w 6096002"/>
+              <a:gd name="connsiteY6" fmla="*/ 6858000 h 6858000"/>
+            </a:gdLst>
+            <a:ahLst/>
+            <a:cxnLst>
+              <a:cxn ang="0">
+                <a:pos x="connsiteX0" y="connsiteY0"/>
+              </a:cxn>
+              <a:cxn ang="0">
+                <a:pos x="connsiteX1" y="connsiteY1"/>
+              </a:cxn>
+              <a:cxn ang="0">
+                <a:pos x="connsiteX2" y="connsiteY2"/>
+              </a:cxn>
+              <a:cxn ang="0">
+                <a:pos x="connsiteX3" y="connsiteY3"/>
+              </a:cxn>
+              <a:cxn ang="0">
+                <a:pos x="connsiteX4" y="connsiteY4"/>
+              </a:cxn>
+              <a:cxn ang="0">
+                <a:pos x="connsiteX5" y="connsiteY5"/>
+              </a:cxn>
+              <a:cxn ang="0">
+                <a:pos x="connsiteX6" y="connsiteY6"/>
+              </a:cxn>
+            </a:cxnLst>
+            <a:rect l="l" t="t" r="r" b="b"/>
+            <a:pathLst>
+              <a:path w="6096002" h="6858000">
+                <a:moveTo>
+                  <a:pt x="0" y="0"/>
+                </a:moveTo>
+                <a:lnTo>
+                  <a:pt x="4885967" y="0"/>
+                </a:lnTo>
+                <a:lnTo>
+                  <a:pt x="4946007" y="69271"/>
+                </a:lnTo>
+                <a:cubicBezTo>
+                  <a:pt x="5656533" y="929100"/>
+                  <a:pt x="6096002" y="2116944"/>
+                  <a:pt x="6096002" y="3429000"/>
+                </a:cubicBezTo>
+                <a:cubicBezTo>
+                  <a:pt x="6096002" y="4741056"/>
+                  <a:pt x="5656533" y="5928900"/>
+                  <a:pt x="4946007" y="6788730"/>
+                </a:cubicBezTo>
+                <a:lnTo>
+                  <a:pt x="4885967" y="6858000"/>
+                </a:lnTo>
+                <a:lnTo>
+                  <a:pt x="0" y="6858000"/>
+                </a:lnTo>
+                <a:close/>
+              </a:path>
+            </a:pathLst>
+          </a:custGeom>
+          <a:ln w="9525">
+            <a:solidFill>
+              <a:schemeClr val="tx2">
+                <a:lumMod val="10000"/>
+                <a:lumOff val="90000"/>
+              </a:schemeClr>
+            </a:solidFill>
+          </a:ln>
+          <a:effectLst>
+            <a:outerShdw blurRad="50800" dist="38100" algn="l" rotWithShape="0">
+              <a:schemeClr val="bg1">
+                <a:lumMod val="85000"/>
+                <a:alpha val="30000"/>
+              </a:schemeClr>
+            </a:outerShdw>
+          </a:effectLst>
+        </p:spPr>
+        <p:style>
+          <a:lnRef idx="2">
+            <a:schemeClr val="accent1">
+              <a:shade val="50000"/>
+            </a:schemeClr>
+          </a:lnRef>
+          <a:fillRef idx="1">
+            <a:schemeClr val="accent1"/>
+          </a:fillRef>
+          <a:effectRef idx="0">
+            <a:schemeClr val="accent1"/>
+          </a:effectRef>
+          <a:fontRef idx="minor">
+            <a:schemeClr val="lt1"/>
+          </a:fontRef>
+        </p:style>
+        <p:txBody>
+          <a:bodyPr wrap="square" rtlCol="0" anchor="ctr">
+            <a:noAutofit/>
+          </a:bodyPr>
+          <a:lstStyle/>
+          <a:p>
+            <a:pPr marL="0" marR="0" lvl="0" indent="0" algn="ctr" defTabSz="914400" rtl="0" eaLnBrk="1" fontAlgn="auto" latinLnBrk="0" hangingPunct="1">
+              <a:lnSpc>
+                <a:spcPct val="100000"/>
+              </a:lnSpc>
+              <a:spcBef>
+                <a:spcPts val="0"/>
+              </a:spcBef>
+              <a:spcAft>
+                <a:spcPts val="0"/>
+              </a:spcAft>
+              <a:buClrTx/>
+              <a:buSzTx/>
+              <a:buFontTx/>
+              <a:buNone/>
+              <a:tabLst/>
+              <a:defRPr/>
+            </a:pPr>
+            <a:endParaRPr kumimoji="0" lang="en-US" sz="1800" b="0" i="0" u="none" strike="noStrike" kern="1200" cap="none" spc="0" normalizeH="0" baseline="0" noProof="0">
+              <a:ln>
+                <a:noFill/>
+              </a:ln>
+              <a:solidFill>
+                <a:prstClr val="white"/>
+              </a:solidFill>
+              <a:effectLst/>
+              <a:uLnTx/>
+              <a:uFillTx/>
+              <a:latin typeface="Calibri" panose="020F0502020204030204"/>
+              <a:ea typeface="+mn-ea"/>
+              <a:cs typeface="+mn-cs"/>
+            </a:endParaRPr>
+          </a:p>
+        </p:txBody>
+      </p:sp>
+      <p:sp useBgFill="1">
+        <p:nvSpPr>
+          <p:cNvPr id="60" name="Freeform: Shape 59">
+            <a:extLst>
+              <a:ext uri="{FF2B5EF4-FFF2-40B4-BE49-F238E27FC236}">
+                <a16:creationId xmlns:a16="http://schemas.microsoft.com/office/drawing/2014/main" id="{F6EBCC24-DE3B-4BAD-9624-83E1C2D665DD}"/>
+              </a:ext>
+              <a:ext uri="{C183D7F6-B498-43B3-948B-1728B52AA6E4}">
+                <adec:decorative xmlns:adec="http://schemas.microsoft.com/office/drawing/2017/decorative" val="1"/>
+              </a:ext>
+            </a:extLst>
+          </p:cNvPr>
+          <p:cNvSpPr>
+            <a:spLocks noGrp="1" noRot="1" noChangeAspect="1" noMove="1" noResize="1" noEditPoints="1" noAdjustHandles="1" noChangeArrowheads="1" noChangeShapeType="1" noTextEdit="1"/>
+          </p:cNvSpPr>
+          <p:nvPr>
+            <p:extLst>
+              <p:ext uri="{386F3935-93C4-4BCD-93E2-E3B085C9AB24}">
+                <p16:designElem xmlns:p16="http://schemas.microsoft.com/office/powerpoint/2015/main" val="1"/>
+              </p:ext>
+            </p:extLst>
+          </p:nvPr>
+        </p:nvSpPr>
+        <p:spPr>
+          <a:xfrm>
+            <a:off x="0" y="0"/>
+            <a:ext cx="6085370" cy="6858000"/>
+          </a:xfrm>
+          <a:custGeom>
+            <a:avLst/>
+            <a:gdLst>
+              <a:gd name="connsiteX0" fmla="*/ 0 w 6085370"/>
+              <a:gd name="connsiteY0" fmla="*/ 0 h 6858000"/>
+              <a:gd name="connsiteX1" fmla="*/ 4875335 w 6085370"/>
+              <a:gd name="connsiteY1" fmla="*/ 0 h 6858000"/>
+              <a:gd name="connsiteX2" fmla="*/ 4935375 w 6085370"/>
+              <a:gd name="connsiteY2" fmla="*/ 69271 h 6858000"/>
+              <a:gd name="connsiteX3" fmla="*/ 6085370 w 6085370"/>
+              <a:gd name="connsiteY3" fmla="*/ 3429000 h 6858000"/>
+              <a:gd name="connsiteX4" fmla="*/ 4935375 w 6085370"/>
+              <a:gd name="connsiteY4" fmla="*/ 6788730 h 6858000"/>
+              <a:gd name="connsiteX5" fmla="*/ 4875335 w 6085370"/>
+              <a:gd name="connsiteY5" fmla="*/ 6858000 h 6858000"/>
+              <a:gd name="connsiteX6" fmla="*/ 0 w 6085370"/>
+              <a:gd name="connsiteY6" fmla="*/ 6858000 h 6858000"/>
+            </a:gdLst>
+            <a:ahLst/>
+            <a:cxnLst>
+              <a:cxn ang="0">
+                <a:pos x="connsiteX0" y="connsiteY0"/>
+              </a:cxn>
+              <a:cxn ang="0">
+                <a:pos x="connsiteX1" y="connsiteY1"/>
+              </a:cxn>
+              <a:cxn ang="0">
+                <a:pos x="connsiteX2" y="connsiteY2"/>
+              </a:cxn>
+              <a:cxn ang="0">
+                <a:pos x="connsiteX3" y="connsiteY3"/>
+              </a:cxn>
+              <a:cxn ang="0">
+                <a:pos x="connsiteX4" y="connsiteY4"/>
+              </a:cxn>
+              <a:cxn ang="0">
+                <a:pos x="connsiteX5" y="connsiteY5"/>
+              </a:cxn>
+              <a:cxn ang="0">
+                <a:pos x="connsiteX6" y="connsiteY6"/>
+              </a:cxn>
+            </a:cxnLst>
+            <a:rect l="l" t="t" r="r" b="b"/>
+            <a:pathLst>
+              <a:path w="6085370" h="6858000">
+                <a:moveTo>
+                  <a:pt x="0" y="0"/>
+                </a:moveTo>
+                <a:lnTo>
+                  <a:pt x="4875335" y="0"/>
+                </a:lnTo>
+                <a:lnTo>
+                  <a:pt x="4935375" y="69271"/>
+                </a:lnTo>
+                <a:cubicBezTo>
+                  <a:pt x="5645901" y="929100"/>
+                  <a:pt x="6085370" y="2116944"/>
+                  <a:pt x="6085370" y="3429000"/>
+                </a:cubicBezTo>
+                <a:cubicBezTo>
+                  <a:pt x="6085370" y="4741056"/>
+                  <a:pt x="5645901" y="5928900"/>
+                  <a:pt x="4935375" y="6788730"/>
+                </a:cubicBezTo>
+                <a:lnTo>
+                  <a:pt x="4875335" y="6858000"/>
+                </a:lnTo>
+                <a:lnTo>
+                  <a:pt x="0" y="6858000"/>
+                </a:lnTo>
+                <a:close/>
+              </a:path>
+            </a:pathLst>
+          </a:custGeom>
+          <a:ln w="9525">
+            <a:noFill/>
+          </a:ln>
+          <a:effectLst/>
+        </p:spPr>
+        <p:style>
+          <a:lnRef idx="2">
+            <a:schemeClr val="accent1">
+              <a:shade val="50000"/>
+            </a:schemeClr>
+          </a:lnRef>
+          <a:fillRef idx="1">
+            <a:schemeClr val="accent1"/>
+          </a:fillRef>
+          <a:effectRef idx="0">
+            <a:schemeClr val="accent1"/>
+          </a:effectRef>
+          <a:fontRef idx="minor">
+            <a:schemeClr val="lt1"/>
+          </a:fontRef>
+        </p:style>
+        <p:txBody>
+          <a:bodyPr wrap="square" rtlCol="0" anchor="ctr">
+            <a:noAutofit/>
+          </a:bodyPr>
+          <a:lstStyle/>
+          <a:p>
+            <a:pPr marL="0" marR="0" lvl="0" indent="0" algn="ctr" defTabSz="914400" rtl="0" eaLnBrk="1" fontAlgn="auto" latinLnBrk="0" hangingPunct="1">
+              <a:lnSpc>
+                <a:spcPct val="100000"/>
+              </a:lnSpc>
+              <a:spcBef>
+                <a:spcPts val="0"/>
+              </a:spcBef>
+              <a:spcAft>
+                <a:spcPts val="0"/>
+              </a:spcAft>
+              <a:buClrTx/>
+              <a:buSzTx/>
+              <a:buFontTx/>
+              <a:buNone/>
+              <a:tabLst/>
+              <a:defRPr/>
+            </a:pPr>
+            <a:endParaRPr kumimoji="0" lang="en-US" sz="1800" b="0" i="0" u="none" strike="noStrike" kern="1200" cap="none" spc="0" normalizeH="0" baseline="0" noProof="0">
+              <a:ln>
+                <a:noFill/>
+              </a:ln>
+              <a:solidFill>
+                <a:prstClr val="white"/>
+              </a:solidFill>
+              <a:effectLst/>
+              <a:uLnTx/>
+              <a:uFillTx/>
+              <a:latin typeface="Calibri" panose="020F0502020204030204"/>
+              <a:ea typeface="+mn-ea"/>
+              <a:cs typeface="+mn-cs"/>
+            </a:endParaRPr>
+          </a:p>
+        </p:txBody>
+      </p:sp>
+      <p:sp>
+        <p:nvSpPr>
+          <p:cNvPr id="2" name="Title 1">
+            <a:extLst>
+              <a:ext uri="{FF2B5EF4-FFF2-40B4-BE49-F238E27FC236}">
+                <a16:creationId xmlns:a16="http://schemas.microsoft.com/office/drawing/2014/main" id="{CED702D9-5427-4DF6-9F0E-C0F9060B80B3}"/>
+              </a:ext>
+            </a:extLst>
+          </p:cNvPr>
+          <p:cNvSpPr>
+            <a:spLocks noGrp="1"/>
+          </p:cNvSpPr>
+          <p:nvPr>
+            <p:ph type="title"/>
+          </p:nvPr>
+        </p:nvSpPr>
+        <p:spPr>
+          <a:xfrm>
+            <a:off x="438912" y="859536"/>
+            <a:ext cx="4837176" cy="1243584"/>
+          </a:xfrm>
+        </p:spPr>
+        <p:txBody>
+          <a:bodyPr vert="horz" lIns="91440" tIns="45720" rIns="91440" bIns="45720" rtlCol="0">
+            <a:normAutofit/>
+          </a:bodyPr>
+          <a:lstStyle/>
+          <a:p>
+            <a:r>
+              <a:rPr lang="en-US" sz="3400" dirty="0"/>
+              <a:t>Trial store performance</a:t>
+            </a:r>
+          </a:p>
+        </p:txBody>
+      </p:sp>
+      <p:sp>
+        <p:nvSpPr>
+          <p:cNvPr id="62" name="Rectangle 61">
+            <a:extLst>
+              <a:ext uri="{FF2B5EF4-FFF2-40B4-BE49-F238E27FC236}">
+                <a16:creationId xmlns:a16="http://schemas.microsoft.com/office/drawing/2014/main" id="{8C07AF1D-AB44-447B-BC2F-DBECCC06C02A}"/>
+              </a:ext>
+              <a:ext uri="{C183D7F6-B498-43B3-948B-1728B52AA6E4}">
+                <adec:decorative xmlns:adec="http://schemas.microsoft.com/office/drawing/2017/decorative" val="1"/>
+              </a:ext>
+            </a:extLst>
+          </p:cNvPr>
+          <p:cNvSpPr>
+            <a:spLocks noGrp="1" noRot="1" noChangeAspect="1" noMove="1" noResize="1" noEditPoints="1" noAdjustHandles="1" noChangeArrowheads="1" noChangeShapeType="1" noTextEdit="1"/>
+          </p:cNvSpPr>
+          <p:nvPr>
+            <p:extLst>
+              <p:ext uri="{386F3935-93C4-4BCD-93E2-E3B085C9AB24}">
+                <p16:designElem xmlns:p16="http://schemas.microsoft.com/office/powerpoint/2015/main" val="1"/>
+              </p:ext>
+            </p:extLst>
+          </p:nvPr>
+        </p:nvSpPr>
+        <p:spPr>
+          <a:xfrm>
+            <a:off x="0" y="1152144"/>
+            <a:ext cx="128016" cy="653903"/>
+          </a:xfrm>
+          <a:prstGeom prst="rect">
+            <a:avLst/>
+          </a:prstGeom>
+          <a:solidFill>
+            <a:schemeClr val="accent1"/>
+          </a:solidFill>
+          <a:ln>
+            <a:noFill/>
+          </a:ln>
+        </p:spPr>
+        <p:style>
+          <a:lnRef idx="2">
+            <a:schemeClr val="accent1">
+              <a:shade val="50000"/>
+            </a:schemeClr>
+          </a:lnRef>
+          <a:fillRef idx="1">
+            <a:schemeClr val="accent1"/>
+          </a:fillRef>
+          <a:effectRef idx="0">
+            <a:schemeClr val="accent1"/>
+          </a:effectRef>
+          <a:fontRef idx="minor">
+            <a:schemeClr val="lt1"/>
+          </a:fontRef>
+        </p:style>
+        <p:txBody>
+          <a:bodyPr rtlCol="0" anchor="ctr"/>
+          <a:lstStyle/>
+          <a:p>
+            <a:pPr marL="0" marR="0" lvl="0" indent="0" algn="ctr" defTabSz="914400" rtl="0" eaLnBrk="1" fontAlgn="auto" latinLnBrk="0" hangingPunct="1">
+              <a:lnSpc>
+                <a:spcPct val="100000"/>
+              </a:lnSpc>
+              <a:spcBef>
+                <a:spcPts val="0"/>
+              </a:spcBef>
+              <a:spcAft>
+                <a:spcPts val="0"/>
+              </a:spcAft>
+              <a:buClrTx/>
+              <a:buSzTx/>
+              <a:buFontTx/>
+              <a:buNone/>
+              <a:tabLst/>
+              <a:defRPr/>
+            </a:pPr>
+            <a:endParaRPr kumimoji="0" lang="en-US" sz="1800" b="0" i="0" u="none" strike="noStrike" kern="1200" cap="none" spc="0" normalizeH="0" baseline="0" noProof="0">
+              <a:ln>
+                <a:noFill/>
+              </a:ln>
+              <a:solidFill>
+                <a:prstClr val="white"/>
+              </a:solidFill>
+              <a:effectLst/>
+              <a:uLnTx/>
+              <a:uFillTx/>
+              <a:latin typeface="Calibri" panose="020F0502020204030204"/>
+              <a:ea typeface="+mn-ea"/>
+              <a:cs typeface="+mn-cs"/>
+            </a:endParaRPr>
+          </a:p>
+        </p:txBody>
+      </p:sp>
+      <p:sp>
+        <p:nvSpPr>
+          <p:cNvPr id="64" name="Rectangle 63">
+            <a:extLst>
+              <a:ext uri="{FF2B5EF4-FFF2-40B4-BE49-F238E27FC236}">
+                <a16:creationId xmlns:a16="http://schemas.microsoft.com/office/drawing/2014/main" id="{6FCD70E2-BD62-41E4-975D-E58B07928F6F}"/>
+              </a:ext>
+              <a:ext uri="{C183D7F6-B498-43B3-948B-1728B52AA6E4}">
+                <adec:decorative xmlns:adec="http://schemas.microsoft.com/office/drawing/2017/decorative" val="1"/>
+              </a:ext>
+            </a:extLst>
+          </p:cNvPr>
+          <p:cNvSpPr>
+            <a:spLocks noGrp="1" noRot="1" noChangeAspect="1" noMove="1" noResize="1" noEditPoints="1" noAdjustHandles="1" noChangeArrowheads="1" noChangeShapeType="1" noTextEdit="1"/>
+          </p:cNvSpPr>
+          <p:nvPr>
+            <p:extLst>
+              <p:ext uri="{386F3935-93C4-4BCD-93E2-E3B085C9AB24}">
+                <p16:designElem xmlns:p16="http://schemas.microsoft.com/office/powerpoint/2015/main" val="1"/>
+              </p:ext>
+            </p:extLst>
+          </p:nvPr>
+        </p:nvSpPr>
+        <p:spPr>
+          <a:xfrm>
+            <a:off x="438912" y="2185062"/>
+            <a:ext cx="4983480" cy="18288"/>
+          </a:xfrm>
+          <a:prstGeom prst="rect">
+            <a:avLst/>
+          </a:prstGeom>
+          <a:solidFill>
+            <a:schemeClr val="tx2">
+              <a:lumMod val="25000"/>
+              <a:lumOff val="75000"/>
+            </a:schemeClr>
+          </a:solidFill>
+          <a:ln w="3175">
+            <a:noFill/>
+          </a:ln>
+          <a:effectLst/>
+        </p:spPr>
+        <p:style>
+          <a:lnRef idx="2">
+            <a:schemeClr val="accent1">
+              <a:shade val="50000"/>
+            </a:schemeClr>
+          </a:lnRef>
+          <a:fillRef idx="1">
+            <a:schemeClr val="accent1"/>
+          </a:fillRef>
+          <a:effectRef idx="0">
+            <a:schemeClr val="accent1"/>
+          </a:effectRef>
+          <a:fontRef idx="minor">
+            <a:schemeClr val="lt1"/>
+          </a:fontRef>
+        </p:style>
+        <p:txBody>
+          <a:bodyPr rtlCol="0" anchor="ctr"/>
+          <a:lstStyle/>
+          <a:p>
+            <a:pPr marL="0" marR="0" lvl="0" indent="0" algn="ctr" defTabSz="914400" rtl="0" eaLnBrk="1" fontAlgn="auto" latinLnBrk="0" hangingPunct="1">
+              <a:lnSpc>
+                <a:spcPct val="100000"/>
+              </a:lnSpc>
+              <a:spcBef>
+                <a:spcPts val="0"/>
+              </a:spcBef>
+              <a:spcAft>
+                <a:spcPts val="0"/>
+              </a:spcAft>
+              <a:buClrTx/>
+              <a:buSzTx/>
+              <a:buFontTx/>
+              <a:buNone/>
+              <a:tabLst/>
+              <a:defRPr/>
+            </a:pPr>
+            <a:endParaRPr kumimoji="0" lang="en-US" sz="1800" b="0" i="0" u="none" strike="noStrike" kern="1200" cap="none" spc="0" normalizeH="0" baseline="0" noProof="0">
+              <a:ln>
+                <a:noFill/>
+              </a:ln>
+              <a:solidFill>
+                <a:prstClr val="white"/>
+              </a:solidFill>
+              <a:effectLst/>
+              <a:uLnTx/>
+              <a:uFillTx/>
+              <a:latin typeface="Calibri" panose="020F0502020204030204"/>
+              <a:ea typeface="+mn-ea"/>
+              <a:cs typeface="+mn-cs"/>
+            </a:endParaRPr>
+          </a:p>
+        </p:txBody>
+      </p:sp>
+      <p:sp>
+        <p:nvSpPr>
+          <p:cNvPr id="53" name="Content Placeholder 52">
+            <a:extLst>
+              <a:ext uri="{FF2B5EF4-FFF2-40B4-BE49-F238E27FC236}">
+                <a16:creationId xmlns:a16="http://schemas.microsoft.com/office/drawing/2014/main" id="{BB33DF7F-EF3D-4B78-B892-C9657ADED6FA}"/>
+              </a:ext>
+            </a:extLst>
+          </p:cNvPr>
+          <p:cNvSpPr>
+            <a:spLocks noGrp="1"/>
+          </p:cNvSpPr>
+          <p:nvPr>
+            <p:ph idx="1"/>
+          </p:nvPr>
+        </p:nvSpPr>
+        <p:spPr>
+          <a:xfrm>
+            <a:off x="438912" y="2514600"/>
+            <a:ext cx="4837176" cy="3666744"/>
+          </a:xfrm>
+        </p:spPr>
+        <p:txBody>
+          <a:bodyPr>
+            <a:normAutofit/>
+          </a:bodyPr>
+          <a:lstStyle/>
+          <a:p>
+            <a:r>
+              <a:rPr lang="en-US" sz="1800" dirty="0"/>
+              <a:t>Trial periods are highlighted in red on the graphs.</a:t>
+            </a:r>
+          </a:p>
+          <a:p>
+            <a:r>
+              <a:rPr lang="en-US" sz="1800" dirty="0"/>
+              <a:t>Trial stores in general outperform their control stores </a:t>
+            </a:r>
+          </a:p>
+          <a:p>
+            <a:r>
+              <a:rPr lang="en-US" sz="1800" dirty="0"/>
+              <a:t>Suggests that the new trial layouts had a positive impact on attracting customers and improve sales within the trial months</a:t>
+            </a:r>
+          </a:p>
+        </p:txBody>
+      </p:sp>
+      <p:pic>
+        <p:nvPicPr>
+          <p:cNvPr id="23" name="Picture 22" descr="A close up of a map&#10;&#10;Description automatically generated">
+            <a:extLst>
+              <a:ext uri="{FF2B5EF4-FFF2-40B4-BE49-F238E27FC236}">
+                <a16:creationId xmlns:a16="http://schemas.microsoft.com/office/drawing/2014/main" id="{7FB265BF-7371-4B4B-8AC6-3AFF6B03A929}"/>
+              </a:ext>
+            </a:extLst>
+          </p:cNvPr>
+          <p:cNvPicPr>
+            <a:picLocks noChangeAspect="1"/>
+          </p:cNvPicPr>
+          <p:nvPr/>
+        </p:nvPicPr>
+        <p:blipFill>
+          <a:blip r:embed="rId2">
+            <a:extLst>
+              <a:ext uri="{28A0092B-C50C-407E-A947-70E740481C1C}">
+                <a14:useLocalDpi xmlns:a14="http://schemas.microsoft.com/office/drawing/2010/main" val="0"/>
+              </a:ext>
+            </a:extLst>
+          </a:blip>
+          <a:stretch>
+            <a:fillRect/>
+          </a:stretch>
+        </p:blipFill>
+        <p:spPr>
+          <a:xfrm>
+            <a:off x="6565392" y="887702"/>
+            <a:ext cx="2505456" cy="1503273"/>
+          </a:xfrm>
+          <a:prstGeom prst="rect">
+            <a:avLst/>
+          </a:prstGeom>
+        </p:spPr>
+      </p:pic>
+      <p:pic>
+        <p:nvPicPr>
+          <p:cNvPr id="15" name="Content Placeholder 14" descr="A close up of a map&#10;&#10;Description automatically generated">
+            <a:extLst>
+              <a:ext uri="{FF2B5EF4-FFF2-40B4-BE49-F238E27FC236}">
+                <a16:creationId xmlns:a16="http://schemas.microsoft.com/office/drawing/2014/main" id="{B9ACCF0C-2608-498F-A764-D278855C7A6A}"/>
+              </a:ext>
+            </a:extLst>
+          </p:cNvPr>
+          <p:cNvPicPr>
+            <a:picLocks noChangeAspect="1"/>
+          </p:cNvPicPr>
+          <p:nvPr/>
+        </p:nvPicPr>
+        <p:blipFill>
+          <a:blip r:embed="rId3">
+            <a:extLst>
+              <a:ext uri="{28A0092B-C50C-407E-A947-70E740481C1C}">
+                <a14:useLocalDpi xmlns:a14="http://schemas.microsoft.com/office/drawing/2010/main" val="0"/>
+              </a:ext>
+            </a:extLst>
+          </a:blip>
+          <a:stretch>
+            <a:fillRect/>
+          </a:stretch>
+        </p:blipFill>
+        <p:spPr>
+          <a:xfrm>
+            <a:off x="9288744" y="887702"/>
+            <a:ext cx="2505456" cy="1503273"/>
+          </a:xfrm>
+          <a:prstGeom prst="rect">
+            <a:avLst/>
+          </a:prstGeom>
+        </p:spPr>
+      </p:pic>
+      <p:pic>
+        <p:nvPicPr>
+          <p:cNvPr id="19" name="Picture 18" descr="A close up of a map&#10;&#10;Description automatically generated">
+            <a:extLst>
+              <a:ext uri="{FF2B5EF4-FFF2-40B4-BE49-F238E27FC236}">
+                <a16:creationId xmlns:a16="http://schemas.microsoft.com/office/drawing/2014/main" id="{CC724075-0892-488A-8D5D-BBF3E44C6335}"/>
+              </a:ext>
+            </a:extLst>
+          </p:cNvPr>
+          <p:cNvPicPr>
+            <a:picLocks noChangeAspect="1"/>
+          </p:cNvPicPr>
+          <p:nvPr/>
+        </p:nvPicPr>
+        <p:blipFill>
+          <a:blip r:embed="rId4">
+            <a:extLst>
+              <a:ext uri="{28A0092B-C50C-407E-A947-70E740481C1C}">
+                <a14:useLocalDpi xmlns:a14="http://schemas.microsoft.com/office/drawing/2010/main" val="0"/>
+              </a:ext>
+            </a:extLst>
+          </a:blip>
+          <a:stretch>
+            <a:fillRect/>
+          </a:stretch>
+        </p:blipFill>
+        <p:spPr>
+          <a:xfrm>
+            <a:off x="6565392" y="2970997"/>
+            <a:ext cx="5228807" cy="3137284"/>
+          </a:xfrm>
+          <a:prstGeom prst="rect">
+            <a:avLst/>
+          </a:prstGeom>
+        </p:spPr>
+      </p:pic>
+    </p:spTree>
+    <p:extLst>
+      <p:ext uri="{BB962C8B-B14F-4D97-AF65-F5344CB8AC3E}">
+        <p14:creationId xmlns:p14="http://schemas.microsoft.com/office/powerpoint/2010/main" val="1577023413"/>
+      </p:ext>
+    </p:extLst>
+  </p:cSld>
+  <p:clrMapOvr>
+    <a:masterClrMapping/>
+  </p:clrMapOvr>
+</p:sld>
+</file>
+
 <file path=ppt/slides/slide2.xml><?xml version="1.0" encoding="utf-8"?>
 <p:sld xmlns:a="http://schemas.openxmlformats.org/drawingml/2006/main" xmlns:r="http://schemas.openxmlformats.org/officeDocument/2006/relationships" xmlns:p="http://schemas.openxmlformats.org/presentationml/2006/main">
   <p:cSld>
@@ -5550,6 +9353,5560 @@
     <p:extLst>
       <p:ext uri="{BB962C8B-B14F-4D97-AF65-F5344CB8AC3E}">
         <p14:creationId xmlns:p14="http://schemas.microsoft.com/office/powerpoint/2010/main" val="2558027525"/>
+      </p:ext>
+    </p:extLst>
+  </p:cSld>
+  <p:clrMapOvr>
+    <a:masterClrMapping/>
+  </p:clrMapOvr>
+</p:sld>
+</file>
+
+<file path=ppt/slides/slide3.xml><?xml version="1.0" encoding="utf-8"?>
+<p:sld xmlns:a="http://schemas.openxmlformats.org/drawingml/2006/main" xmlns:r="http://schemas.openxmlformats.org/officeDocument/2006/relationships" xmlns:p="http://schemas.openxmlformats.org/presentationml/2006/main">
+  <p:cSld>
+    <p:bg>
+      <p:bgPr>
+        <a:solidFill>
+          <a:schemeClr val="bg1"/>
+        </a:solidFill>
+        <a:effectLst/>
+      </p:bgPr>
+    </p:bg>
+    <p:spTree>
+      <p:nvGrpSpPr>
+        <p:cNvPr id="1" name=""/>
+        <p:cNvGrpSpPr/>
+        <p:nvPr/>
+      </p:nvGrpSpPr>
+      <p:grpSpPr>
+        <a:xfrm>
+          <a:off x="0" y="0"/>
+          <a:ext cx="0" cy="0"/>
+          <a:chOff x="0" y="0"/>
+          <a:chExt cx="0" cy="0"/>
+        </a:xfrm>
+      </p:grpSpPr>
+      <p:sp useBgFill="1">
+        <p:nvSpPr>
+          <p:cNvPr id="50" name="Rectangle 33">
+            <a:extLst>
+              <a:ext uri="{FF2B5EF4-FFF2-40B4-BE49-F238E27FC236}">
+                <a16:creationId xmlns:a16="http://schemas.microsoft.com/office/drawing/2014/main" id="{2D6FBB9D-1CAA-4D05-AB33-BABDFE17B843}"/>
+              </a:ext>
+              <a:ext uri="{C183D7F6-B498-43B3-948B-1728B52AA6E4}">
+                <adec:decorative xmlns:adec="http://schemas.microsoft.com/office/drawing/2017/decorative" val="1"/>
+              </a:ext>
+            </a:extLst>
+          </p:cNvPr>
+          <p:cNvSpPr>
+            <a:spLocks noGrp="1" noRot="1" noChangeAspect="1" noMove="1" noResize="1" noEditPoints="1" noAdjustHandles="1" noChangeArrowheads="1" noChangeShapeType="1" noTextEdit="1"/>
+          </p:cNvSpPr>
+          <p:nvPr>
+            <p:extLst>
+              <p:ext uri="{386F3935-93C4-4BCD-93E2-E3B085C9AB24}">
+                <p16:designElem xmlns:p16="http://schemas.microsoft.com/office/powerpoint/2015/main" val="1"/>
+              </p:ext>
+            </p:extLst>
+          </p:nvPr>
+        </p:nvSpPr>
+        <p:spPr>
+          <a:xfrm>
+            <a:off x="558209" y="0"/>
+            <a:ext cx="11167447" cy="2018806"/>
+          </a:xfrm>
+          <a:prstGeom prst="rect">
+            <a:avLst/>
+          </a:prstGeom>
+          <a:ln w="9525">
+            <a:solidFill>
+              <a:schemeClr val="tx2">
+                <a:lumMod val="10000"/>
+                <a:lumOff val="90000"/>
+              </a:schemeClr>
+            </a:solidFill>
+          </a:ln>
+          <a:effectLst>
+            <a:outerShdw blurRad="50800" dist="38100" dir="2700000" algn="tl" rotWithShape="0">
+              <a:schemeClr val="bg1">
+                <a:lumMod val="85000"/>
+                <a:alpha val="30000"/>
+              </a:schemeClr>
+            </a:outerShdw>
+          </a:effectLst>
+        </p:spPr>
+        <p:style>
+          <a:lnRef idx="2">
+            <a:schemeClr val="accent1">
+              <a:shade val="50000"/>
+            </a:schemeClr>
+          </a:lnRef>
+          <a:fillRef idx="1">
+            <a:schemeClr val="accent1"/>
+          </a:fillRef>
+          <a:effectRef idx="0">
+            <a:schemeClr val="accent1"/>
+          </a:effectRef>
+          <a:fontRef idx="minor">
+            <a:schemeClr val="lt1"/>
+          </a:fontRef>
+        </p:style>
+        <p:txBody>
+          <a:bodyPr rtlCol="0" anchor="ctr"/>
+          <a:lstStyle/>
+          <a:p>
+            <a:pPr marL="0" marR="0" lvl="0" indent="0" algn="ctr" defTabSz="914400" rtl="0" eaLnBrk="1" fontAlgn="auto" latinLnBrk="0" hangingPunct="1">
+              <a:lnSpc>
+                <a:spcPct val="100000"/>
+              </a:lnSpc>
+              <a:spcBef>
+                <a:spcPts val="0"/>
+              </a:spcBef>
+              <a:spcAft>
+                <a:spcPts val="0"/>
+              </a:spcAft>
+              <a:buClrTx/>
+              <a:buSzTx/>
+              <a:buFontTx/>
+              <a:buNone/>
+              <a:tabLst/>
+              <a:defRPr/>
+            </a:pPr>
+            <a:endParaRPr kumimoji="0" lang="en-US" sz="1800" b="0" i="0" u="none" strike="noStrike" kern="1200" cap="none" spc="0" normalizeH="0" baseline="0" noProof="0">
+              <a:ln>
+                <a:noFill/>
+              </a:ln>
+              <a:solidFill>
+                <a:prstClr val="white"/>
+              </a:solidFill>
+              <a:effectLst/>
+              <a:uLnTx/>
+              <a:uFillTx/>
+              <a:latin typeface="Calibri" panose="020F0502020204030204"/>
+              <a:ea typeface="+mn-ea"/>
+              <a:cs typeface="+mn-cs"/>
+            </a:endParaRPr>
+          </a:p>
+        </p:txBody>
+      </p:sp>
+      <p:sp useBgFill="1">
+        <p:nvSpPr>
+          <p:cNvPr id="51" name="Rectangle 35">
+            <a:extLst>
+              <a:ext uri="{FF2B5EF4-FFF2-40B4-BE49-F238E27FC236}">
+                <a16:creationId xmlns:a16="http://schemas.microsoft.com/office/drawing/2014/main" id="{04727B71-B4B6-4823-80A1-68C40B475118}"/>
+              </a:ext>
+              <a:ext uri="{C183D7F6-B498-43B3-948B-1728B52AA6E4}">
+                <adec:decorative xmlns:adec="http://schemas.microsoft.com/office/drawing/2017/decorative" val="1"/>
+              </a:ext>
+            </a:extLst>
+          </p:cNvPr>
+          <p:cNvSpPr>
+            <a:spLocks noGrp="1" noRot="1" noChangeAspect="1" noMove="1" noResize="1" noEditPoints="1" noAdjustHandles="1" noChangeArrowheads="1" noChangeShapeType="1" noTextEdit="1"/>
+          </p:cNvSpPr>
+          <p:nvPr>
+            <p:extLst>
+              <p:ext uri="{386F3935-93C4-4BCD-93E2-E3B085C9AB24}">
+                <p16:designElem xmlns:p16="http://schemas.microsoft.com/office/powerpoint/2015/main" val="1"/>
+              </p:ext>
+            </p:extLst>
+          </p:nvPr>
+        </p:nvSpPr>
+        <p:spPr>
+          <a:xfrm>
+            <a:off x="566928" y="0"/>
+            <a:ext cx="11155680" cy="2011680"/>
+          </a:xfrm>
+          <a:prstGeom prst="rect">
+            <a:avLst/>
+          </a:prstGeom>
+          <a:ln w="9525">
+            <a:noFill/>
+          </a:ln>
+          <a:effectLst/>
+        </p:spPr>
+        <p:style>
+          <a:lnRef idx="2">
+            <a:schemeClr val="accent1">
+              <a:shade val="50000"/>
+            </a:schemeClr>
+          </a:lnRef>
+          <a:fillRef idx="1">
+            <a:schemeClr val="accent1"/>
+          </a:fillRef>
+          <a:effectRef idx="0">
+            <a:schemeClr val="accent1"/>
+          </a:effectRef>
+          <a:fontRef idx="minor">
+            <a:schemeClr val="lt1"/>
+          </a:fontRef>
+        </p:style>
+        <p:txBody>
+          <a:bodyPr rtlCol="0" anchor="ctr"/>
+          <a:lstStyle/>
+          <a:p>
+            <a:pPr marL="0" marR="0" lvl="0" indent="0" algn="ctr" defTabSz="914400" rtl="0" eaLnBrk="1" fontAlgn="auto" latinLnBrk="0" hangingPunct="1">
+              <a:lnSpc>
+                <a:spcPct val="100000"/>
+              </a:lnSpc>
+              <a:spcBef>
+                <a:spcPts val="0"/>
+              </a:spcBef>
+              <a:spcAft>
+                <a:spcPts val="0"/>
+              </a:spcAft>
+              <a:buClrTx/>
+              <a:buSzTx/>
+              <a:buFontTx/>
+              <a:buNone/>
+              <a:tabLst/>
+              <a:defRPr/>
+            </a:pPr>
+            <a:endParaRPr kumimoji="0" lang="en-US" sz="1800" b="0" i="0" u="none" strike="noStrike" kern="1200" cap="none" spc="0" normalizeH="0" baseline="0" noProof="0">
+              <a:ln>
+                <a:noFill/>
+              </a:ln>
+              <a:solidFill>
+                <a:prstClr val="white"/>
+              </a:solidFill>
+              <a:effectLst/>
+              <a:uLnTx/>
+              <a:uFillTx/>
+              <a:latin typeface="Calibri" panose="020F0502020204030204"/>
+              <a:ea typeface="+mn-ea"/>
+              <a:cs typeface="+mn-cs"/>
+            </a:endParaRPr>
+          </a:p>
+        </p:txBody>
+      </p:sp>
+      <p:sp>
+        <p:nvSpPr>
+          <p:cNvPr id="52" name="Rectangle 37">
+            <a:extLst>
+              <a:ext uri="{FF2B5EF4-FFF2-40B4-BE49-F238E27FC236}">
+                <a16:creationId xmlns:a16="http://schemas.microsoft.com/office/drawing/2014/main" id="{79A6DB05-9FB5-4B07-8675-74C23D4FD89D}"/>
+              </a:ext>
+              <a:ext uri="{C183D7F6-B498-43B3-948B-1728B52AA6E4}">
+                <adec:decorative xmlns:adec="http://schemas.microsoft.com/office/drawing/2017/decorative" val="1"/>
+              </a:ext>
+            </a:extLst>
+          </p:cNvPr>
+          <p:cNvSpPr>
+            <a:spLocks noGrp="1" noRot="1" noChangeAspect="1" noMove="1" noResize="1" noEditPoints="1" noAdjustHandles="1" noChangeArrowheads="1" noChangeShapeType="1" noTextEdit="1"/>
+          </p:cNvSpPr>
+          <p:nvPr>
+            <p:extLst>
+              <p:ext uri="{386F3935-93C4-4BCD-93E2-E3B085C9AB24}">
+                <p16:designElem xmlns:p16="http://schemas.microsoft.com/office/powerpoint/2015/main" val="1"/>
+              </p:ext>
+            </p:extLst>
+          </p:nvPr>
+        </p:nvSpPr>
+        <p:spPr>
+          <a:xfrm>
+            <a:off x="498834" y="787352"/>
+            <a:ext cx="128016" cy="704088"/>
+          </a:xfrm>
+          <a:prstGeom prst="rect">
+            <a:avLst/>
+          </a:prstGeom>
+          <a:solidFill>
+            <a:schemeClr val="accent1"/>
+          </a:solidFill>
+          <a:ln>
+            <a:noFill/>
+          </a:ln>
+        </p:spPr>
+        <p:style>
+          <a:lnRef idx="2">
+            <a:schemeClr val="accent1">
+              <a:shade val="50000"/>
+            </a:schemeClr>
+          </a:lnRef>
+          <a:fillRef idx="1">
+            <a:schemeClr val="accent1"/>
+          </a:fillRef>
+          <a:effectRef idx="0">
+            <a:schemeClr val="accent1"/>
+          </a:effectRef>
+          <a:fontRef idx="minor">
+            <a:schemeClr val="lt1"/>
+          </a:fontRef>
+        </p:style>
+        <p:txBody>
+          <a:bodyPr rtlCol="0" anchor="ctr"/>
+          <a:lstStyle/>
+          <a:p>
+            <a:pPr marL="0" marR="0" lvl="0" indent="0" algn="ctr" defTabSz="914400" rtl="0" eaLnBrk="1" fontAlgn="auto" latinLnBrk="0" hangingPunct="1">
+              <a:lnSpc>
+                <a:spcPct val="100000"/>
+              </a:lnSpc>
+              <a:spcBef>
+                <a:spcPts val="0"/>
+              </a:spcBef>
+              <a:spcAft>
+                <a:spcPts val="0"/>
+              </a:spcAft>
+              <a:buClrTx/>
+              <a:buSzTx/>
+              <a:buFontTx/>
+              <a:buNone/>
+              <a:tabLst/>
+              <a:defRPr/>
+            </a:pPr>
+            <a:endParaRPr kumimoji="0" lang="en-US" sz="1800" b="0" i="0" u="none" strike="noStrike" kern="1200" cap="none" spc="0" normalizeH="0" baseline="0" noProof="0">
+              <a:ln>
+                <a:noFill/>
+              </a:ln>
+              <a:solidFill>
+                <a:prstClr val="white"/>
+              </a:solidFill>
+              <a:effectLst/>
+              <a:uLnTx/>
+              <a:uFillTx/>
+              <a:latin typeface="Calibri" panose="020F0502020204030204"/>
+              <a:ea typeface="+mn-ea"/>
+              <a:cs typeface="+mn-cs"/>
+            </a:endParaRPr>
+          </a:p>
+        </p:txBody>
+      </p:sp>
+      <p:sp useBgFill="1">
+        <p:nvSpPr>
+          <p:cNvPr id="53" name="Rectangle 39">
+            <a:extLst>
+              <a:ext uri="{FF2B5EF4-FFF2-40B4-BE49-F238E27FC236}">
+                <a16:creationId xmlns:a16="http://schemas.microsoft.com/office/drawing/2014/main" id="{0288C6B4-AFC3-407F-A595-EFFD38D4CCAF}"/>
+              </a:ext>
+              <a:ext uri="{C183D7F6-B498-43B3-948B-1728B52AA6E4}">
+                <adec:decorative xmlns:adec="http://schemas.microsoft.com/office/drawing/2017/decorative" val="1"/>
+              </a:ext>
+            </a:extLst>
+          </p:cNvPr>
+          <p:cNvSpPr>
+            <a:spLocks noGrp="1" noRot="1" noChangeAspect="1" noMove="1" noResize="1" noEditPoints="1" noAdjustHandles="1" noChangeArrowheads="1" noChangeShapeType="1" noTextEdit="1"/>
+          </p:cNvSpPr>
+          <p:nvPr>
+            <p:extLst>
+              <p:ext uri="{386F3935-93C4-4BCD-93E2-E3B085C9AB24}">
+                <p16:designElem xmlns:p16="http://schemas.microsoft.com/office/powerpoint/2015/main" val="1"/>
+              </p:ext>
+            </p:extLst>
+          </p:nvPr>
+        </p:nvSpPr>
+        <p:spPr>
+          <a:xfrm>
+            <a:off x="0" y="0"/>
+            <a:ext cx="12192000" cy="6858000"/>
+          </a:xfrm>
+          <a:prstGeom prst="rect">
+            <a:avLst/>
+          </a:prstGeom>
+          <a:ln>
+            <a:noFill/>
+          </a:ln>
+        </p:spPr>
+        <p:style>
+          <a:lnRef idx="2">
+            <a:schemeClr val="accent1">
+              <a:shade val="50000"/>
+            </a:schemeClr>
+          </a:lnRef>
+          <a:fillRef idx="1">
+            <a:schemeClr val="accent1"/>
+          </a:fillRef>
+          <a:effectRef idx="0">
+            <a:schemeClr val="accent1"/>
+          </a:effectRef>
+          <a:fontRef idx="minor">
+            <a:schemeClr val="lt1"/>
+          </a:fontRef>
+        </p:style>
+        <p:txBody>
+          <a:bodyPr rtlCol="0" anchor="ctr"/>
+          <a:lstStyle/>
+          <a:p>
+            <a:pPr algn="ctr"/>
+            <a:endParaRPr lang="en-US"/>
+          </a:p>
+        </p:txBody>
+      </p:sp>
+      <p:sp useBgFill="1">
+        <p:nvSpPr>
+          <p:cNvPr id="54" name="Freeform: Shape 41">
+            <a:extLst>
+              <a:ext uri="{FF2B5EF4-FFF2-40B4-BE49-F238E27FC236}">
+                <a16:creationId xmlns:a16="http://schemas.microsoft.com/office/drawing/2014/main" id="{CF236821-17FE-429B-8D2C-08E13A64EA40}"/>
+              </a:ext>
+              <a:ext uri="{C183D7F6-B498-43B3-948B-1728B52AA6E4}">
+                <adec:decorative xmlns:adec="http://schemas.microsoft.com/office/drawing/2017/decorative" val="1"/>
+              </a:ext>
+            </a:extLst>
+          </p:cNvPr>
+          <p:cNvSpPr>
+            <a:spLocks noGrp="1" noRot="1" noChangeAspect="1" noMove="1" noResize="1" noEditPoints="1" noAdjustHandles="1" noChangeArrowheads="1" noChangeShapeType="1" noTextEdit="1"/>
+          </p:cNvSpPr>
+          <p:nvPr>
+            <p:extLst>
+              <p:ext uri="{386F3935-93C4-4BCD-93E2-E3B085C9AB24}">
+                <p16:designElem xmlns:p16="http://schemas.microsoft.com/office/powerpoint/2015/main" val="1"/>
+              </p:ext>
+            </p:extLst>
+          </p:nvPr>
+        </p:nvSpPr>
+        <p:spPr>
+          <a:xfrm>
+            <a:off x="-1" y="0"/>
+            <a:ext cx="4455673" cy="6858000"/>
+          </a:xfrm>
+          <a:custGeom>
+            <a:avLst/>
+            <a:gdLst>
+              <a:gd name="connsiteX0" fmla="*/ 0 w 4455673"/>
+              <a:gd name="connsiteY0" fmla="*/ 0 h 6858000"/>
+              <a:gd name="connsiteX1" fmla="*/ 3242695 w 4455673"/>
+              <a:gd name="connsiteY1" fmla="*/ 0 h 6858000"/>
+              <a:gd name="connsiteX2" fmla="*/ 3305678 w 4455673"/>
+              <a:gd name="connsiteY2" fmla="*/ 69271 h 6858000"/>
+              <a:gd name="connsiteX3" fmla="*/ 4455673 w 4455673"/>
+              <a:gd name="connsiteY3" fmla="*/ 3429000 h 6858000"/>
+              <a:gd name="connsiteX4" fmla="*/ 3305678 w 4455673"/>
+              <a:gd name="connsiteY4" fmla="*/ 6788730 h 6858000"/>
+              <a:gd name="connsiteX5" fmla="*/ 3242695 w 4455673"/>
+              <a:gd name="connsiteY5" fmla="*/ 6858000 h 6858000"/>
+              <a:gd name="connsiteX6" fmla="*/ 0 w 4455673"/>
+              <a:gd name="connsiteY6" fmla="*/ 6858000 h 6858000"/>
+            </a:gdLst>
+            <a:ahLst/>
+            <a:cxnLst>
+              <a:cxn ang="0">
+                <a:pos x="connsiteX0" y="connsiteY0"/>
+              </a:cxn>
+              <a:cxn ang="0">
+                <a:pos x="connsiteX1" y="connsiteY1"/>
+              </a:cxn>
+              <a:cxn ang="0">
+                <a:pos x="connsiteX2" y="connsiteY2"/>
+              </a:cxn>
+              <a:cxn ang="0">
+                <a:pos x="connsiteX3" y="connsiteY3"/>
+              </a:cxn>
+              <a:cxn ang="0">
+                <a:pos x="connsiteX4" y="connsiteY4"/>
+              </a:cxn>
+              <a:cxn ang="0">
+                <a:pos x="connsiteX5" y="connsiteY5"/>
+              </a:cxn>
+              <a:cxn ang="0">
+                <a:pos x="connsiteX6" y="connsiteY6"/>
+              </a:cxn>
+            </a:cxnLst>
+            <a:rect l="l" t="t" r="r" b="b"/>
+            <a:pathLst>
+              <a:path w="4455673" h="6858000">
+                <a:moveTo>
+                  <a:pt x="0" y="0"/>
+                </a:moveTo>
+                <a:lnTo>
+                  <a:pt x="3242695" y="0"/>
+                </a:lnTo>
+                <a:lnTo>
+                  <a:pt x="3305678" y="69271"/>
+                </a:lnTo>
+                <a:cubicBezTo>
+                  <a:pt x="4016204" y="929100"/>
+                  <a:pt x="4455673" y="2116944"/>
+                  <a:pt x="4455673" y="3429000"/>
+                </a:cubicBezTo>
+                <a:cubicBezTo>
+                  <a:pt x="4455673" y="4741056"/>
+                  <a:pt x="4016204" y="5928900"/>
+                  <a:pt x="3305678" y="6788730"/>
+                </a:cubicBezTo>
+                <a:lnTo>
+                  <a:pt x="3242695" y="6858000"/>
+                </a:lnTo>
+                <a:lnTo>
+                  <a:pt x="0" y="6858000"/>
+                </a:lnTo>
+                <a:close/>
+              </a:path>
+            </a:pathLst>
+          </a:custGeom>
+          <a:ln w="9525">
+            <a:solidFill>
+              <a:schemeClr val="tx2">
+                <a:lumMod val="10000"/>
+                <a:lumOff val="90000"/>
+              </a:schemeClr>
+            </a:solidFill>
+          </a:ln>
+          <a:effectLst>
+            <a:outerShdw blurRad="50800" dist="38100" algn="l" rotWithShape="0">
+              <a:schemeClr val="bg1">
+                <a:lumMod val="85000"/>
+                <a:alpha val="30000"/>
+              </a:schemeClr>
+            </a:outerShdw>
+          </a:effectLst>
+        </p:spPr>
+        <p:style>
+          <a:lnRef idx="2">
+            <a:schemeClr val="accent1">
+              <a:shade val="50000"/>
+            </a:schemeClr>
+          </a:lnRef>
+          <a:fillRef idx="1">
+            <a:schemeClr val="accent1"/>
+          </a:fillRef>
+          <a:effectRef idx="0">
+            <a:schemeClr val="accent1"/>
+          </a:effectRef>
+          <a:fontRef idx="minor">
+            <a:schemeClr val="lt1"/>
+          </a:fontRef>
+        </p:style>
+        <p:txBody>
+          <a:bodyPr wrap="square" rtlCol="0" anchor="ctr">
+            <a:noAutofit/>
+          </a:bodyPr>
+          <a:lstStyle/>
+          <a:p>
+            <a:pPr marL="0" marR="0" lvl="0" indent="0" algn="ctr" defTabSz="914400" rtl="0" eaLnBrk="1" fontAlgn="auto" latinLnBrk="0" hangingPunct="1">
+              <a:lnSpc>
+                <a:spcPct val="100000"/>
+              </a:lnSpc>
+              <a:spcBef>
+                <a:spcPts val="0"/>
+              </a:spcBef>
+              <a:spcAft>
+                <a:spcPts val="0"/>
+              </a:spcAft>
+              <a:buClrTx/>
+              <a:buSzTx/>
+              <a:buFontTx/>
+              <a:buNone/>
+              <a:tabLst/>
+              <a:defRPr/>
+            </a:pPr>
+            <a:endParaRPr kumimoji="0" lang="en-US" sz="1800" b="0" i="0" u="none" strike="noStrike" kern="1200" cap="none" spc="0" normalizeH="0" baseline="0" noProof="0">
+              <a:ln>
+                <a:noFill/>
+              </a:ln>
+              <a:solidFill>
+                <a:prstClr val="white"/>
+              </a:solidFill>
+              <a:effectLst/>
+              <a:uLnTx/>
+              <a:uFillTx/>
+              <a:latin typeface="Calibri" panose="020F0502020204030204"/>
+              <a:ea typeface="+mn-ea"/>
+              <a:cs typeface="+mn-cs"/>
+            </a:endParaRPr>
+          </a:p>
+        </p:txBody>
+      </p:sp>
+      <p:sp useBgFill="1">
+        <p:nvSpPr>
+          <p:cNvPr id="55" name="Freeform: Shape 43">
+            <a:extLst>
+              <a:ext uri="{FF2B5EF4-FFF2-40B4-BE49-F238E27FC236}">
+                <a16:creationId xmlns:a16="http://schemas.microsoft.com/office/drawing/2014/main" id="{C0BDBCD2-E081-43AB-9119-C55465E59757}"/>
+              </a:ext>
+              <a:ext uri="{C183D7F6-B498-43B3-948B-1728B52AA6E4}">
+                <adec:decorative xmlns:adec="http://schemas.microsoft.com/office/drawing/2017/decorative" val="1"/>
+              </a:ext>
+            </a:extLst>
+          </p:cNvPr>
+          <p:cNvSpPr>
+            <a:spLocks noGrp="1" noRot="1" noChangeAspect="1" noMove="1" noResize="1" noEditPoints="1" noAdjustHandles="1" noChangeArrowheads="1" noChangeShapeType="1" noTextEdit="1"/>
+          </p:cNvSpPr>
+          <p:nvPr>
+            <p:extLst>
+              <p:ext uri="{386F3935-93C4-4BCD-93E2-E3B085C9AB24}">
+                <p16:designElem xmlns:p16="http://schemas.microsoft.com/office/powerpoint/2015/main" val="1"/>
+              </p:ext>
+            </p:extLst>
+          </p:nvPr>
+        </p:nvSpPr>
+        <p:spPr>
+          <a:xfrm>
+            <a:off x="0" y="0"/>
+            <a:ext cx="4446529" cy="6858000"/>
+          </a:xfrm>
+          <a:custGeom>
+            <a:avLst/>
+            <a:gdLst>
+              <a:gd name="connsiteX0" fmla="*/ 0 w 4446529"/>
+              <a:gd name="connsiteY0" fmla="*/ 0 h 6858000"/>
+              <a:gd name="connsiteX1" fmla="*/ 3233551 w 4446529"/>
+              <a:gd name="connsiteY1" fmla="*/ 0 h 6858000"/>
+              <a:gd name="connsiteX2" fmla="*/ 3296534 w 4446529"/>
+              <a:gd name="connsiteY2" fmla="*/ 69271 h 6858000"/>
+              <a:gd name="connsiteX3" fmla="*/ 4446529 w 4446529"/>
+              <a:gd name="connsiteY3" fmla="*/ 3429000 h 6858000"/>
+              <a:gd name="connsiteX4" fmla="*/ 3296534 w 4446529"/>
+              <a:gd name="connsiteY4" fmla="*/ 6788730 h 6858000"/>
+              <a:gd name="connsiteX5" fmla="*/ 3233551 w 4446529"/>
+              <a:gd name="connsiteY5" fmla="*/ 6858000 h 6858000"/>
+              <a:gd name="connsiteX6" fmla="*/ 0 w 4446529"/>
+              <a:gd name="connsiteY6" fmla="*/ 6858000 h 6858000"/>
+            </a:gdLst>
+            <a:ahLst/>
+            <a:cxnLst>
+              <a:cxn ang="0">
+                <a:pos x="connsiteX0" y="connsiteY0"/>
+              </a:cxn>
+              <a:cxn ang="0">
+                <a:pos x="connsiteX1" y="connsiteY1"/>
+              </a:cxn>
+              <a:cxn ang="0">
+                <a:pos x="connsiteX2" y="connsiteY2"/>
+              </a:cxn>
+              <a:cxn ang="0">
+                <a:pos x="connsiteX3" y="connsiteY3"/>
+              </a:cxn>
+              <a:cxn ang="0">
+                <a:pos x="connsiteX4" y="connsiteY4"/>
+              </a:cxn>
+              <a:cxn ang="0">
+                <a:pos x="connsiteX5" y="connsiteY5"/>
+              </a:cxn>
+              <a:cxn ang="0">
+                <a:pos x="connsiteX6" y="connsiteY6"/>
+              </a:cxn>
+            </a:cxnLst>
+            <a:rect l="l" t="t" r="r" b="b"/>
+            <a:pathLst>
+              <a:path w="4446529" h="6858000">
+                <a:moveTo>
+                  <a:pt x="0" y="0"/>
+                </a:moveTo>
+                <a:lnTo>
+                  <a:pt x="3233551" y="0"/>
+                </a:lnTo>
+                <a:lnTo>
+                  <a:pt x="3296534" y="69271"/>
+                </a:lnTo>
+                <a:cubicBezTo>
+                  <a:pt x="4007060" y="929100"/>
+                  <a:pt x="4446529" y="2116944"/>
+                  <a:pt x="4446529" y="3429000"/>
+                </a:cubicBezTo>
+                <a:cubicBezTo>
+                  <a:pt x="4446529" y="4741056"/>
+                  <a:pt x="4007060" y="5928900"/>
+                  <a:pt x="3296534" y="6788730"/>
+                </a:cubicBezTo>
+                <a:lnTo>
+                  <a:pt x="3233551" y="6858000"/>
+                </a:lnTo>
+                <a:lnTo>
+                  <a:pt x="0" y="6858000"/>
+                </a:lnTo>
+                <a:close/>
+              </a:path>
+            </a:pathLst>
+          </a:custGeom>
+          <a:ln w="9525">
+            <a:noFill/>
+          </a:ln>
+          <a:effectLst/>
+        </p:spPr>
+        <p:style>
+          <a:lnRef idx="2">
+            <a:schemeClr val="accent1">
+              <a:shade val="50000"/>
+            </a:schemeClr>
+          </a:lnRef>
+          <a:fillRef idx="1">
+            <a:schemeClr val="accent1"/>
+          </a:fillRef>
+          <a:effectRef idx="0">
+            <a:schemeClr val="accent1"/>
+          </a:effectRef>
+          <a:fontRef idx="minor">
+            <a:schemeClr val="lt1"/>
+          </a:fontRef>
+        </p:style>
+        <p:txBody>
+          <a:bodyPr wrap="square" rtlCol="0" anchor="ctr">
+            <a:noAutofit/>
+          </a:bodyPr>
+          <a:lstStyle/>
+          <a:p>
+            <a:pPr marL="0" marR="0" lvl="0" indent="0" algn="ctr" defTabSz="914400" rtl="0" eaLnBrk="1" fontAlgn="auto" latinLnBrk="0" hangingPunct="1">
+              <a:lnSpc>
+                <a:spcPct val="100000"/>
+              </a:lnSpc>
+              <a:spcBef>
+                <a:spcPts val="0"/>
+              </a:spcBef>
+              <a:spcAft>
+                <a:spcPts val="0"/>
+              </a:spcAft>
+              <a:buClrTx/>
+              <a:buSzTx/>
+              <a:buFontTx/>
+              <a:buNone/>
+              <a:tabLst/>
+              <a:defRPr/>
+            </a:pPr>
+            <a:endParaRPr kumimoji="0" lang="en-US" sz="1800" b="0" i="0" u="none" strike="noStrike" kern="1200" cap="none" spc="0" normalizeH="0" baseline="0" noProof="0">
+              <a:ln>
+                <a:noFill/>
+              </a:ln>
+              <a:solidFill>
+                <a:prstClr val="white"/>
+              </a:solidFill>
+              <a:effectLst/>
+              <a:uLnTx/>
+              <a:uFillTx/>
+              <a:latin typeface="Calibri" panose="020F0502020204030204"/>
+              <a:ea typeface="+mn-ea"/>
+              <a:cs typeface="+mn-cs"/>
+            </a:endParaRPr>
+          </a:p>
+        </p:txBody>
+      </p:sp>
+      <p:sp>
+        <p:nvSpPr>
+          <p:cNvPr id="7" name="Title 6">
+            <a:extLst>
+              <a:ext uri="{FF2B5EF4-FFF2-40B4-BE49-F238E27FC236}">
+                <a16:creationId xmlns:a16="http://schemas.microsoft.com/office/drawing/2014/main" id="{FBF49817-1DDE-4C1B-ACB1-8BA40ABF4465}"/>
+              </a:ext>
+            </a:extLst>
+          </p:cNvPr>
+          <p:cNvSpPr>
+            <a:spLocks noGrp="1"/>
+          </p:cNvSpPr>
+          <p:nvPr>
+            <p:ph type="title"/>
+          </p:nvPr>
+        </p:nvSpPr>
+        <p:spPr>
+          <a:xfrm>
+            <a:off x="371094" y="1161288"/>
+            <a:ext cx="3438144" cy="1239012"/>
+          </a:xfrm>
+        </p:spPr>
+        <p:txBody>
+          <a:bodyPr vert="horz" lIns="91440" tIns="45720" rIns="91440" bIns="45720" rtlCol="0" anchor="ctr">
+            <a:normAutofit/>
+          </a:bodyPr>
+          <a:lstStyle/>
+          <a:p>
+            <a:pPr>
+              <a:lnSpc>
+                <a:spcPct val="90000"/>
+              </a:lnSpc>
+            </a:pPr>
+            <a:r>
+              <a:rPr lang="en-US" sz="2800"/>
+              <a:t>Category</a:t>
+            </a:r>
+          </a:p>
+        </p:txBody>
+      </p:sp>
+      <p:sp>
+        <p:nvSpPr>
+          <p:cNvPr id="56" name="Rectangle 45">
+            <a:extLst>
+              <a:ext uri="{FF2B5EF4-FFF2-40B4-BE49-F238E27FC236}">
+                <a16:creationId xmlns:a16="http://schemas.microsoft.com/office/drawing/2014/main" id="{98E79BE4-34FE-485A-98A5-92CE8F7C4743}"/>
+              </a:ext>
+              <a:ext uri="{C183D7F6-B498-43B3-948B-1728B52AA6E4}">
+                <adec:decorative xmlns:adec="http://schemas.microsoft.com/office/drawing/2017/decorative" val="1"/>
+              </a:ext>
+            </a:extLst>
+          </p:cNvPr>
+          <p:cNvSpPr>
+            <a:spLocks noGrp="1" noRot="1" noChangeAspect="1" noMove="1" noResize="1" noEditPoints="1" noAdjustHandles="1" noChangeArrowheads="1" noChangeShapeType="1" noTextEdit="1"/>
+          </p:cNvSpPr>
+          <p:nvPr>
+            <p:extLst>
+              <p:ext uri="{386F3935-93C4-4BCD-93E2-E3B085C9AB24}">
+                <p16:designElem xmlns:p16="http://schemas.microsoft.com/office/powerpoint/2015/main" val="1"/>
+              </p:ext>
+            </p:extLst>
+          </p:nvPr>
+        </p:nvSpPr>
+        <p:spPr>
+          <a:xfrm>
+            <a:off x="0" y="1426546"/>
+            <a:ext cx="128016" cy="653903"/>
+          </a:xfrm>
+          <a:prstGeom prst="rect">
+            <a:avLst/>
+          </a:prstGeom>
+          <a:solidFill>
+            <a:schemeClr val="accent1"/>
+          </a:solidFill>
+          <a:ln>
+            <a:noFill/>
+          </a:ln>
+        </p:spPr>
+        <p:style>
+          <a:lnRef idx="2">
+            <a:schemeClr val="accent1">
+              <a:shade val="50000"/>
+            </a:schemeClr>
+          </a:lnRef>
+          <a:fillRef idx="1">
+            <a:schemeClr val="accent1"/>
+          </a:fillRef>
+          <a:effectRef idx="0">
+            <a:schemeClr val="accent1"/>
+          </a:effectRef>
+          <a:fontRef idx="minor">
+            <a:schemeClr val="lt1"/>
+          </a:fontRef>
+        </p:style>
+        <p:txBody>
+          <a:bodyPr rtlCol="0" anchor="ctr"/>
+          <a:lstStyle/>
+          <a:p>
+            <a:pPr marL="0" marR="0" lvl="0" indent="0" algn="ctr" defTabSz="914400" rtl="0" eaLnBrk="1" fontAlgn="auto" latinLnBrk="0" hangingPunct="1">
+              <a:lnSpc>
+                <a:spcPct val="100000"/>
+              </a:lnSpc>
+              <a:spcBef>
+                <a:spcPts val="0"/>
+              </a:spcBef>
+              <a:spcAft>
+                <a:spcPts val="0"/>
+              </a:spcAft>
+              <a:buClrTx/>
+              <a:buSzTx/>
+              <a:buFontTx/>
+              <a:buNone/>
+              <a:tabLst/>
+              <a:defRPr/>
+            </a:pPr>
+            <a:endParaRPr kumimoji="0" lang="en-US" sz="1800" b="0" i="0" u="none" strike="noStrike" kern="1200" cap="none" spc="0" normalizeH="0" baseline="0" noProof="0">
+              <a:ln>
+                <a:noFill/>
+              </a:ln>
+              <a:solidFill>
+                <a:prstClr val="white"/>
+              </a:solidFill>
+              <a:effectLst/>
+              <a:uLnTx/>
+              <a:uFillTx/>
+              <a:latin typeface="Calibri" panose="020F0502020204030204"/>
+              <a:ea typeface="+mn-ea"/>
+              <a:cs typeface="+mn-cs"/>
+            </a:endParaRPr>
+          </a:p>
+        </p:txBody>
+      </p:sp>
+      <p:sp>
+        <p:nvSpPr>
+          <p:cNvPr id="57" name="Rectangle 47">
+            <a:extLst>
+              <a:ext uri="{FF2B5EF4-FFF2-40B4-BE49-F238E27FC236}">
+                <a16:creationId xmlns:a16="http://schemas.microsoft.com/office/drawing/2014/main" id="{7A5F0580-5EE9-419F-96EE-B6529EF6E7D0}"/>
+              </a:ext>
+              <a:ext uri="{C183D7F6-B498-43B3-948B-1728B52AA6E4}">
+                <adec:decorative xmlns:adec="http://schemas.microsoft.com/office/drawing/2017/decorative" val="1"/>
+              </a:ext>
+            </a:extLst>
+          </p:cNvPr>
+          <p:cNvSpPr>
+            <a:spLocks noGrp="1" noRot="1" noChangeAspect="1" noMove="1" noResize="1" noEditPoints="1" noAdjustHandles="1" noChangeArrowheads="1" noChangeShapeType="1" noTextEdit="1"/>
+          </p:cNvSpPr>
+          <p:nvPr>
+            <p:extLst>
+              <p:ext uri="{386F3935-93C4-4BCD-93E2-E3B085C9AB24}">
+                <p16:designElem xmlns:p16="http://schemas.microsoft.com/office/powerpoint/2015/main" val="1"/>
+              </p:ext>
+            </p:extLst>
+          </p:nvPr>
+        </p:nvSpPr>
+        <p:spPr>
+          <a:xfrm>
+            <a:off x="395893" y="2443480"/>
+            <a:ext cx="3383280" cy="18288"/>
+          </a:xfrm>
+          <a:prstGeom prst="rect">
+            <a:avLst/>
+          </a:prstGeom>
+          <a:solidFill>
+            <a:schemeClr val="tx2">
+              <a:lumMod val="25000"/>
+              <a:lumOff val="75000"/>
+            </a:schemeClr>
+          </a:solidFill>
+          <a:ln w="3175">
+            <a:noFill/>
+          </a:ln>
+          <a:effectLst/>
+        </p:spPr>
+        <p:style>
+          <a:lnRef idx="2">
+            <a:schemeClr val="accent1">
+              <a:shade val="50000"/>
+            </a:schemeClr>
+          </a:lnRef>
+          <a:fillRef idx="1">
+            <a:schemeClr val="accent1"/>
+          </a:fillRef>
+          <a:effectRef idx="0">
+            <a:schemeClr val="accent1"/>
+          </a:effectRef>
+          <a:fontRef idx="minor">
+            <a:schemeClr val="lt1"/>
+          </a:fontRef>
+        </p:style>
+        <p:txBody>
+          <a:bodyPr rtlCol="0" anchor="ctr"/>
+          <a:lstStyle/>
+          <a:p>
+            <a:pPr marL="0" marR="0" lvl="0" indent="0" algn="ctr" defTabSz="914400" rtl="0" eaLnBrk="1" fontAlgn="auto" latinLnBrk="0" hangingPunct="1">
+              <a:lnSpc>
+                <a:spcPct val="100000"/>
+              </a:lnSpc>
+              <a:spcBef>
+                <a:spcPts val="0"/>
+              </a:spcBef>
+              <a:spcAft>
+                <a:spcPts val="0"/>
+              </a:spcAft>
+              <a:buClrTx/>
+              <a:buSzTx/>
+              <a:buFontTx/>
+              <a:buNone/>
+              <a:tabLst/>
+              <a:defRPr/>
+            </a:pPr>
+            <a:endParaRPr kumimoji="0" lang="en-US" sz="1800" b="0" i="0" u="none" strike="noStrike" kern="1200" cap="none" spc="0" normalizeH="0" baseline="0" noProof="0">
+              <a:ln>
+                <a:noFill/>
+              </a:ln>
+              <a:solidFill>
+                <a:prstClr val="white"/>
+              </a:solidFill>
+              <a:effectLst/>
+              <a:uLnTx/>
+              <a:uFillTx/>
+              <a:latin typeface="Calibri" panose="020F0502020204030204"/>
+              <a:ea typeface="+mn-ea"/>
+              <a:cs typeface="+mn-cs"/>
+            </a:endParaRPr>
+          </a:p>
+        </p:txBody>
+      </p:sp>
+      <p:sp>
+        <p:nvSpPr>
+          <p:cNvPr id="10" name="Text Placeholder 9">
+            <a:extLst>
+              <a:ext uri="{FF2B5EF4-FFF2-40B4-BE49-F238E27FC236}">
+                <a16:creationId xmlns:a16="http://schemas.microsoft.com/office/drawing/2014/main" id="{2B87BDA3-3239-4F5A-9F24-46459144C54C}"/>
+              </a:ext>
+            </a:extLst>
+          </p:cNvPr>
+          <p:cNvSpPr>
+            <a:spLocks noGrp="1"/>
+          </p:cNvSpPr>
+          <p:nvPr>
+            <p:ph type="body" sz="half" idx="2"/>
+          </p:nvPr>
+        </p:nvSpPr>
+        <p:spPr>
+          <a:xfrm>
+            <a:off x="371094" y="2718054"/>
+            <a:ext cx="3438906" cy="3207258"/>
+          </a:xfrm>
+        </p:spPr>
+        <p:txBody>
+          <a:bodyPr vert="horz" lIns="91440" tIns="45720" rIns="91440" bIns="45720" rtlCol="0" anchor="t">
+            <a:normAutofit/>
+          </a:bodyPr>
+          <a:lstStyle/>
+          <a:p>
+            <a:pPr marL="285750" indent="-228600">
+              <a:buFont typeface="Arial" panose="020B0604020202020204" pitchFamily="34" charset="0"/>
+              <a:buChar char="•"/>
+            </a:pPr>
+            <a:r>
+              <a:rPr lang="en-US" sz="1700"/>
+              <a:t>Three main customer segments for the client</a:t>
+            </a:r>
+          </a:p>
+          <a:p>
+            <a:pPr marL="285750" indent="-228600">
+              <a:buFont typeface="Arial" panose="020B0604020202020204" pitchFamily="34" charset="0"/>
+              <a:buChar char="•"/>
+            </a:pPr>
+            <a:r>
+              <a:rPr lang="en-US" sz="1700"/>
+              <a:t>Most customers are mainstream, representing almost twice the number of premium customers</a:t>
+            </a:r>
+          </a:p>
+        </p:txBody>
+      </p:sp>
+      <p:pic>
+        <p:nvPicPr>
+          <p:cNvPr id="12" name="Content Placeholder 11" descr="A screenshot of a cell phone&#10;&#10;Description automatically generated">
+            <a:extLst>
+              <a:ext uri="{FF2B5EF4-FFF2-40B4-BE49-F238E27FC236}">
+                <a16:creationId xmlns:a16="http://schemas.microsoft.com/office/drawing/2014/main" id="{F6B4A93E-93FC-4114-8CAC-9D742F078E7D}"/>
+              </a:ext>
+            </a:extLst>
+          </p:cNvPr>
+          <p:cNvPicPr>
+            <a:picLocks noGrp="1" noChangeAspect="1"/>
+          </p:cNvPicPr>
+          <p:nvPr>
+            <p:ph idx="1"/>
+          </p:nvPr>
+        </p:nvPicPr>
+        <p:blipFill>
+          <a:blip r:embed="rId2">
+            <a:extLst>
+              <a:ext uri="{28A0092B-C50C-407E-A947-70E740481C1C}">
+                <a14:useLocalDpi xmlns:a14="http://schemas.microsoft.com/office/drawing/2010/main" val="0"/>
+              </a:ext>
+            </a:extLst>
+          </a:blip>
+          <a:stretch>
+            <a:fillRect/>
+          </a:stretch>
+        </p:blipFill>
+        <p:spPr>
+          <a:xfrm>
+            <a:off x="4901184" y="1169072"/>
+            <a:ext cx="6922008" cy="4620440"/>
+          </a:xfrm>
+          <a:prstGeom prst="rect">
+            <a:avLst/>
+          </a:prstGeom>
+        </p:spPr>
+      </p:pic>
+    </p:spTree>
+    <p:extLst>
+      <p:ext uri="{BB962C8B-B14F-4D97-AF65-F5344CB8AC3E}">
+        <p14:creationId xmlns:p14="http://schemas.microsoft.com/office/powerpoint/2010/main" val="3726769499"/>
+      </p:ext>
+    </p:extLst>
+  </p:cSld>
+  <p:clrMapOvr>
+    <a:masterClrMapping/>
+  </p:clrMapOvr>
+</p:sld>
+</file>
+
+<file path=ppt/slides/slide4.xml><?xml version="1.0" encoding="utf-8"?>
+<p:sld xmlns:a="http://schemas.openxmlformats.org/drawingml/2006/main" xmlns:r="http://schemas.openxmlformats.org/officeDocument/2006/relationships" xmlns:p="http://schemas.openxmlformats.org/presentationml/2006/main">
+  <p:cSld>
+    <p:bg>
+      <p:bgPr>
+        <a:solidFill>
+          <a:schemeClr val="bg1"/>
+        </a:solidFill>
+        <a:effectLst/>
+      </p:bgPr>
+    </p:bg>
+    <p:spTree>
+      <p:nvGrpSpPr>
+        <p:cNvPr id="1" name=""/>
+        <p:cNvGrpSpPr/>
+        <p:nvPr/>
+      </p:nvGrpSpPr>
+      <p:grpSpPr>
+        <a:xfrm>
+          <a:off x="0" y="0"/>
+          <a:ext cx="0" cy="0"/>
+          <a:chOff x="0" y="0"/>
+          <a:chExt cx="0" cy="0"/>
+        </a:xfrm>
+      </p:grpSpPr>
+      <p:sp useBgFill="1">
+        <p:nvSpPr>
+          <p:cNvPr id="37" name="Rectangle 36">
+            <a:extLst>
+              <a:ext uri="{FF2B5EF4-FFF2-40B4-BE49-F238E27FC236}">
+                <a16:creationId xmlns:a16="http://schemas.microsoft.com/office/drawing/2014/main" id="{2D6FBB9D-1CAA-4D05-AB33-BABDFE17B843}"/>
+              </a:ext>
+              <a:ext uri="{C183D7F6-B498-43B3-948B-1728B52AA6E4}">
+                <adec:decorative xmlns:adec="http://schemas.microsoft.com/office/drawing/2017/decorative" val="1"/>
+              </a:ext>
+            </a:extLst>
+          </p:cNvPr>
+          <p:cNvSpPr>
+            <a:spLocks noGrp="1" noRot="1" noChangeAspect="1" noMove="1" noResize="1" noEditPoints="1" noAdjustHandles="1" noChangeArrowheads="1" noChangeShapeType="1" noTextEdit="1"/>
+          </p:cNvSpPr>
+          <p:nvPr>
+            <p:extLst>
+              <p:ext uri="{386F3935-93C4-4BCD-93E2-E3B085C9AB24}">
+                <p16:designElem xmlns:p16="http://schemas.microsoft.com/office/powerpoint/2015/main" val="1"/>
+              </p:ext>
+            </p:extLst>
+          </p:nvPr>
+        </p:nvSpPr>
+        <p:spPr>
+          <a:xfrm>
+            <a:off x="558209" y="0"/>
+            <a:ext cx="11167447" cy="2018806"/>
+          </a:xfrm>
+          <a:prstGeom prst="rect">
+            <a:avLst/>
+          </a:prstGeom>
+          <a:ln w="9525">
+            <a:solidFill>
+              <a:schemeClr val="tx2">
+                <a:lumMod val="10000"/>
+                <a:lumOff val="90000"/>
+              </a:schemeClr>
+            </a:solidFill>
+          </a:ln>
+          <a:effectLst>
+            <a:outerShdw blurRad="50800" dist="38100" dir="2700000" algn="tl" rotWithShape="0">
+              <a:schemeClr val="bg1">
+                <a:lumMod val="85000"/>
+                <a:alpha val="30000"/>
+              </a:schemeClr>
+            </a:outerShdw>
+          </a:effectLst>
+        </p:spPr>
+        <p:style>
+          <a:lnRef idx="2">
+            <a:schemeClr val="accent1">
+              <a:shade val="50000"/>
+            </a:schemeClr>
+          </a:lnRef>
+          <a:fillRef idx="1">
+            <a:schemeClr val="accent1"/>
+          </a:fillRef>
+          <a:effectRef idx="0">
+            <a:schemeClr val="accent1"/>
+          </a:effectRef>
+          <a:fontRef idx="minor">
+            <a:schemeClr val="lt1"/>
+          </a:fontRef>
+        </p:style>
+        <p:txBody>
+          <a:bodyPr rtlCol="0" anchor="ctr"/>
+          <a:lstStyle/>
+          <a:p>
+            <a:pPr marL="0" marR="0" lvl="0" indent="0" algn="ctr" defTabSz="914400" rtl="0" eaLnBrk="1" fontAlgn="auto" latinLnBrk="0" hangingPunct="1">
+              <a:lnSpc>
+                <a:spcPct val="100000"/>
+              </a:lnSpc>
+              <a:spcBef>
+                <a:spcPts val="0"/>
+              </a:spcBef>
+              <a:spcAft>
+                <a:spcPts val="0"/>
+              </a:spcAft>
+              <a:buClrTx/>
+              <a:buSzTx/>
+              <a:buFontTx/>
+              <a:buNone/>
+              <a:tabLst/>
+              <a:defRPr/>
+            </a:pPr>
+            <a:endParaRPr kumimoji="0" lang="en-US" sz="1800" b="0" i="0" u="none" strike="noStrike" kern="1200" cap="none" spc="0" normalizeH="0" baseline="0" noProof="0">
+              <a:ln>
+                <a:noFill/>
+              </a:ln>
+              <a:solidFill>
+                <a:prstClr val="white"/>
+              </a:solidFill>
+              <a:effectLst/>
+              <a:uLnTx/>
+              <a:uFillTx/>
+              <a:latin typeface="Calibri" panose="020F0502020204030204"/>
+              <a:ea typeface="+mn-ea"/>
+              <a:cs typeface="+mn-cs"/>
+            </a:endParaRPr>
+          </a:p>
+        </p:txBody>
+      </p:sp>
+      <p:sp useBgFill="1">
+        <p:nvSpPr>
+          <p:cNvPr id="39" name="Rectangle 38">
+            <a:extLst>
+              <a:ext uri="{FF2B5EF4-FFF2-40B4-BE49-F238E27FC236}">
+                <a16:creationId xmlns:a16="http://schemas.microsoft.com/office/drawing/2014/main" id="{04727B71-B4B6-4823-80A1-68C40B475118}"/>
+              </a:ext>
+              <a:ext uri="{C183D7F6-B498-43B3-948B-1728B52AA6E4}">
+                <adec:decorative xmlns:adec="http://schemas.microsoft.com/office/drawing/2017/decorative" val="1"/>
+              </a:ext>
+            </a:extLst>
+          </p:cNvPr>
+          <p:cNvSpPr>
+            <a:spLocks noGrp="1" noRot="1" noChangeAspect="1" noMove="1" noResize="1" noEditPoints="1" noAdjustHandles="1" noChangeArrowheads="1" noChangeShapeType="1" noTextEdit="1"/>
+          </p:cNvSpPr>
+          <p:nvPr>
+            <p:extLst>
+              <p:ext uri="{386F3935-93C4-4BCD-93E2-E3B085C9AB24}">
+                <p16:designElem xmlns:p16="http://schemas.microsoft.com/office/powerpoint/2015/main" val="1"/>
+              </p:ext>
+            </p:extLst>
+          </p:nvPr>
+        </p:nvSpPr>
+        <p:spPr>
+          <a:xfrm>
+            <a:off x="566928" y="0"/>
+            <a:ext cx="11155680" cy="2011680"/>
+          </a:xfrm>
+          <a:prstGeom prst="rect">
+            <a:avLst/>
+          </a:prstGeom>
+          <a:ln w="9525">
+            <a:noFill/>
+          </a:ln>
+          <a:effectLst/>
+        </p:spPr>
+        <p:style>
+          <a:lnRef idx="2">
+            <a:schemeClr val="accent1">
+              <a:shade val="50000"/>
+            </a:schemeClr>
+          </a:lnRef>
+          <a:fillRef idx="1">
+            <a:schemeClr val="accent1"/>
+          </a:fillRef>
+          <a:effectRef idx="0">
+            <a:schemeClr val="accent1"/>
+          </a:effectRef>
+          <a:fontRef idx="minor">
+            <a:schemeClr val="lt1"/>
+          </a:fontRef>
+        </p:style>
+        <p:txBody>
+          <a:bodyPr rtlCol="0" anchor="ctr"/>
+          <a:lstStyle/>
+          <a:p>
+            <a:pPr marL="0" marR="0" lvl="0" indent="0" algn="ctr" defTabSz="914400" rtl="0" eaLnBrk="1" fontAlgn="auto" latinLnBrk="0" hangingPunct="1">
+              <a:lnSpc>
+                <a:spcPct val="100000"/>
+              </a:lnSpc>
+              <a:spcBef>
+                <a:spcPts val="0"/>
+              </a:spcBef>
+              <a:spcAft>
+                <a:spcPts val="0"/>
+              </a:spcAft>
+              <a:buClrTx/>
+              <a:buSzTx/>
+              <a:buFontTx/>
+              <a:buNone/>
+              <a:tabLst/>
+              <a:defRPr/>
+            </a:pPr>
+            <a:endParaRPr kumimoji="0" lang="en-US" sz="1800" b="0" i="0" u="none" strike="noStrike" kern="1200" cap="none" spc="0" normalizeH="0" baseline="0" noProof="0">
+              <a:ln>
+                <a:noFill/>
+              </a:ln>
+              <a:solidFill>
+                <a:prstClr val="white"/>
+              </a:solidFill>
+              <a:effectLst/>
+              <a:uLnTx/>
+              <a:uFillTx/>
+              <a:latin typeface="Calibri" panose="020F0502020204030204"/>
+              <a:ea typeface="+mn-ea"/>
+              <a:cs typeface="+mn-cs"/>
+            </a:endParaRPr>
+          </a:p>
+        </p:txBody>
+      </p:sp>
+      <p:sp>
+        <p:nvSpPr>
+          <p:cNvPr id="41" name="Rectangle 40">
+            <a:extLst>
+              <a:ext uri="{FF2B5EF4-FFF2-40B4-BE49-F238E27FC236}">
+                <a16:creationId xmlns:a16="http://schemas.microsoft.com/office/drawing/2014/main" id="{79A6DB05-9FB5-4B07-8675-74C23D4FD89D}"/>
+              </a:ext>
+              <a:ext uri="{C183D7F6-B498-43B3-948B-1728B52AA6E4}">
+                <adec:decorative xmlns:adec="http://schemas.microsoft.com/office/drawing/2017/decorative" val="1"/>
+              </a:ext>
+            </a:extLst>
+          </p:cNvPr>
+          <p:cNvSpPr>
+            <a:spLocks noGrp="1" noRot="1" noChangeAspect="1" noMove="1" noResize="1" noEditPoints="1" noAdjustHandles="1" noChangeArrowheads="1" noChangeShapeType="1" noTextEdit="1"/>
+          </p:cNvSpPr>
+          <p:nvPr>
+            <p:extLst>
+              <p:ext uri="{386F3935-93C4-4BCD-93E2-E3B085C9AB24}">
+                <p16:designElem xmlns:p16="http://schemas.microsoft.com/office/powerpoint/2015/main" val="1"/>
+              </p:ext>
+            </p:extLst>
+          </p:nvPr>
+        </p:nvSpPr>
+        <p:spPr>
+          <a:xfrm>
+            <a:off x="498834" y="787352"/>
+            <a:ext cx="128016" cy="704088"/>
+          </a:xfrm>
+          <a:prstGeom prst="rect">
+            <a:avLst/>
+          </a:prstGeom>
+          <a:solidFill>
+            <a:schemeClr val="accent1"/>
+          </a:solidFill>
+          <a:ln>
+            <a:noFill/>
+          </a:ln>
+        </p:spPr>
+        <p:style>
+          <a:lnRef idx="2">
+            <a:schemeClr val="accent1">
+              <a:shade val="50000"/>
+            </a:schemeClr>
+          </a:lnRef>
+          <a:fillRef idx="1">
+            <a:schemeClr val="accent1"/>
+          </a:fillRef>
+          <a:effectRef idx="0">
+            <a:schemeClr val="accent1"/>
+          </a:effectRef>
+          <a:fontRef idx="minor">
+            <a:schemeClr val="lt1"/>
+          </a:fontRef>
+        </p:style>
+        <p:txBody>
+          <a:bodyPr rtlCol="0" anchor="ctr"/>
+          <a:lstStyle/>
+          <a:p>
+            <a:pPr marL="0" marR="0" lvl="0" indent="0" algn="ctr" defTabSz="914400" rtl="0" eaLnBrk="1" fontAlgn="auto" latinLnBrk="0" hangingPunct="1">
+              <a:lnSpc>
+                <a:spcPct val="100000"/>
+              </a:lnSpc>
+              <a:spcBef>
+                <a:spcPts val="0"/>
+              </a:spcBef>
+              <a:spcAft>
+                <a:spcPts val="0"/>
+              </a:spcAft>
+              <a:buClrTx/>
+              <a:buSzTx/>
+              <a:buFontTx/>
+              <a:buNone/>
+              <a:tabLst/>
+              <a:defRPr/>
+            </a:pPr>
+            <a:endParaRPr kumimoji="0" lang="en-US" sz="1800" b="0" i="0" u="none" strike="noStrike" kern="1200" cap="none" spc="0" normalizeH="0" baseline="0" noProof="0">
+              <a:ln>
+                <a:noFill/>
+              </a:ln>
+              <a:solidFill>
+                <a:prstClr val="white"/>
+              </a:solidFill>
+              <a:effectLst/>
+              <a:uLnTx/>
+              <a:uFillTx/>
+              <a:latin typeface="Calibri" panose="020F0502020204030204"/>
+              <a:ea typeface="+mn-ea"/>
+              <a:cs typeface="+mn-cs"/>
+            </a:endParaRPr>
+          </a:p>
+        </p:txBody>
+      </p:sp>
+      <p:sp useBgFill="1">
+        <p:nvSpPr>
+          <p:cNvPr id="43" name="Rectangle 42">
+            <a:extLst>
+              <a:ext uri="{FF2B5EF4-FFF2-40B4-BE49-F238E27FC236}">
+                <a16:creationId xmlns:a16="http://schemas.microsoft.com/office/drawing/2014/main" id="{0B9EE3F3-89B7-43C3-8651-C4C96830993D}"/>
+              </a:ext>
+              <a:ext uri="{C183D7F6-B498-43B3-948B-1728B52AA6E4}">
+                <adec:decorative xmlns:adec="http://schemas.microsoft.com/office/drawing/2017/decorative" val="1"/>
+              </a:ext>
+            </a:extLst>
+          </p:cNvPr>
+          <p:cNvSpPr>
+            <a:spLocks noGrp="1" noRot="1" noChangeAspect="1" noMove="1" noResize="1" noEditPoints="1" noAdjustHandles="1" noChangeArrowheads="1" noChangeShapeType="1" noTextEdit="1"/>
+          </p:cNvSpPr>
+          <p:nvPr>
+            <p:extLst>
+              <p:ext uri="{386F3935-93C4-4BCD-93E2-E3B085C9AB24}">
+                <p16:designElem xmlns:p16="http://schemas.microsoft.com/office/powerpoint/2015/main" val="1"/>
+              </p:ext>
+            </p:extLst>
+          </p:nvPr>
+        </p:nvSpPr>
+        <p:spPr>
+          <a:xfrm>
+            <a:off x="0" y="0"/>
+            <a:ext cx="12192000" cy="6858000"/>
+          </a:xfrm>
+          <a:prstGeom prst="rect">
+            <a:avLst/>
+          </a:prstGeom>
+          <a:ln>
+            <a:noFill/>
+          </a:ln>
+        </p:spPr>
+        <p:style>
+          <a:lnRef idx="2">
+            <a:schemeClr val="accent1">
+              <a:shade val="50000"/>
+            </a:schemeClr>
+          </a:lnRef>
+          <a:fillRef idx="1">
+            <a:schemeClr val="accent1"/>
+          </a:fillRef>
+          <a:effectRef idx="0">
+            <a:schemeClr val="accent1"/>
+          </a:effectRef>
+          <a:fontRef idx="minor">
+            <a:schemeClr val="lt1"/>
+          </a:fontRef>
+        </p:style>
+        <p:txBody>
+          <a:bodyPr rtlCol="0" anchor="ctr"/>
+          <a:lstStyle/>
+          <a:p>
+            <a:pPr algn="ctr"/>
+            <a:endParaRPr lang="en-US"/>
+          </a:p>
+        </p:txBody>
+      </p:sp>
+      <p:sp>
+        <p:nvSpPr>
+          <p:cNvPr id="2" name="Title 1">
+            <a:extLst>
+              <a:ext uri="{FF2B5EF4-FFF2-40B4-BE49-F238E27FC236}">
+                <a16:creationId xmlns:a16="http://schemas.microsoft.com/office/drawing/2014/main" id="{DC954016-3DC4-422C-B772-450610411AA0}"/>
+              </a:ext>
+            </a:extLst>
+          </p:cNvPr>
+          <p:cNvSpPr>
+            <a:spLocks noGrp="1"/>
+          </p:cNvSpPr>
+          <p:nvPr>
+            <p:ph type="title"/>
+          </p:nvPr>
+        </p:nvSpPr>
+        <p:spPr>
+          <a:xfrm>
+            <a:off x="411480" y="991443"/>
+            <a:ext cx="4443154" cy="1087819"/>
+          </a:xfrm>
+        </p:spPr>
+        <p:txBody>
+          <a:bodyPr vert="horz" lIns="91440" tIns="45720" rIns="91440" bIns="45720" rtlCol="0" anchor="b">
+            <a:normAutofit/>
+          </a:bodyPr>
+          <a:lstStyle/>
+          <a:p>
+            <a:pPr>
+              <a:lnSpc>
+                <a:spcPct val="90000"/>
+              </a:lnSpc>
+            </a:pPr>
+            <a:r>
+              <a:rPr lang="en-US"/>
+              <a:t>Who spend the most on Chips?</a:t>
+            </a:r>
+          </a:p>
+        </p:txBody>
+      </p:sp>
+      <p:sp>
+        <p:nvSpPr>
+          <p:cNvPr id="45" name="Rectangle 44">
+            <a:extLst>
+              <a:ext uri="{FF2B5EF4-FFF2-40B4-BE49-F238E27FC236}">
+                <a16:creationId xmlns:a16="http://schemas.microsoft.com/office/drawing/2014/main" id="{33AE4636-AEEC-45D6-84D4-7AC2DA48ECF8}"/>
+              </a:ext>
+              <a:ext uri="{C183D7F6-B498-43B3-948B-1728B52AA6E4}">
+                <adec:decorative xmlns:adec="http://schemas.microsoft.com/office/drawing/2017/decorative" val="1"/>
+              </a:ext>
+            </a:extLst>
+          </p:cNvPr>
+          <p:cNvSpPr>
+            <a:spLocks noGrp="1" noRot="1" noChangeAspect="1" noMove="1" noResize="1" noEditPoints="1" noAdjustHandles="1" noChangeArrowheads="1" noChangeShapeType="1" noTextEdit="1"/>
+          </p:cNvSpPr>
+          <p:nvPr>
+            <p:extLst>
+              <p:ext uri="{386F3935-93C4-4BCD-93E2-E3B085C9AB24}">
+                <p16:designElem xmlns:p16="http://schemas.microsoft.com/office/powerpoint/2015/main" val="1"/>
+              </p:ext>
+            </p:extLst>
+          </p:nvPr>
+        </p:nvSpPr>
+        <p:spPr>
+          <a:xfrm rot="5400000">
+            <a:off x="649223" y="387939"/>
+            <a:ext cx="73152" cy="548640"/>
+          </a:xfrm>
+          <a:prstGeom prst="rect">
+            <a:avLst/>
+          </a:prstGeom>
+          <a:solidFill>
+            <a:schemeClr val="accent1"/>
+          </a:solidFill>
+          <a:ln>
+            <a:noFill/>
+          </a:ln>
+        </p:spPr>
+        <p:style>
+          <a:lnRef idx="2">
+            <a:schemeClr val="accent1">
+              <a:shade val="50000"/>
+            </a:schemeClr>
+          </a:lnRef>
+          <a:fillRef idx="1">
+            <a:schemeClr val="accent1"/>
+          </a:fillRef>
+          <a:effectRef idx="0">
+            <a:schemeClr val="accent1"/>
+          </a:effectRef>
+          <a:fontRef idx="minor">
+            <a:schemeClr val="lt1"/>
+          </a:fontRef>
+        </p:style>
+        <p:txBody>
+          <a:bodyPr rtlCol="0" anchor="ctr"/>
+          <a:lstStyle/>
+          <a:p>
+            <a:pPr marL="0" marR="0" lvl="0" indent="0" algn="ctr" defTabSz="914400" rtl="0" eaLnBrk="1" fontAlgn="auto" latinLnBrk="0" hangingPunct="1">
+              <a:lnSpc>
+                <a:spcPct val="100000"/>
+              </a:lnSpc>
+              <a:spcBef>
+                <a:spcPts val="0"/>
+              </a:spcBef>
+              <a:spcAft>
+                <a:spcPts val="0"/>
+              </a:spcAft>
+              <a:buClrTx/>
+              <a:buSzTx/>
+              <a:buFontTx/>
+              <a:buNone/>
+              <a:tabLst/>
+              <a:defRPr/>
+            </a:pPr>
+            <a:endParaRPr kumimoji="0" lang="en-US" sz="1800" b="0" i="0" u="none" strike="noStrike" kern="1200" cap="none" spc="0" normalizeH="0" baseline="0" noProof="0">
+              <a:ln>
+                <a:noFill/>
+              </a:ln>
+              <a:solidFill>
+                <a:prstClr val="white"/>
+              </a:solidFill>
+              <a:effectLst/>
+              <a:uLnTx/>
+              <a:uFillTx/>
+              <a:latin typeface="Calibri" panose="020F0502020204030204"/>
+              <a:ea typeface="+mn-ea"/>
+              <a:cs typeface="+mn-cs"/>
+            </a:endParaRPr>
+          </a:p>
+        </p:txBody>
+      </p:sp>
+      <p:sp>
+        <p:nvSpPr>
+          <p:cNvPr id="47" name="Rectangle 46">
+            <a:extLst>
+              <a:ext uri="{FF2B5EF4-FFF2-40B4-BE49-F238E27FC236}">
+                <a16:creationId xmlns:a16="http://schemas.microsoft.com/office/drawing/2014/main" id="{8D9CE0F4-2EB2-4F1F-8AAC-DB3571D9FE10}"/>
+              </a:ext>
+              <a:ext uri="{C183D7F6-B498-43B3-948B-1728B52AA6E4}">
+                <adec:decorative xmlns:adec="http://schemas.microsoft.com/office/drawing/2017/decorative" val="1"/>
+              </a:ext>
+            </a:extLst>
+          </p:cNvPr>
+          <p:cNvSpPr>
+            <a:spLocks noGrp="1" noRot="1" noChangeAspect="1" noMove="1" noResize="1" noEditPoints="1" noAdjustHandles="1" noChangeArrowheads="1" noChangeShapeType="1" noTextEdit="1"/>
+          </p:cNvSpPr>
+          <p:nvPr>
+            <p:extLst>
+              <p:ext uri="{386F3935-93C4-4BCD-93E2-E3B085C9AB24}">
+                <p16:designElem xmlns:p16="http://schemas.microsoft.com/office/powerpoint/2015/main" val="1"/>
+              </p:ext>
+            </p:extLst>
+          </p:nvPr>
+        </p:nvSpPr>
+        <p:spPr>
+          <a:xfrm>
+            <a:off x="411480" y="2285541"/>
+            <a:ext cx="4389120" cy="18288"/>
+          </a:xfrm>
+          <a:prstGeom prst="rect">
+            <a:avLst/>
+          </a:prstGeom>
+          <a:solidFill>
+            <a:schemeClr val="tx2">
+              <a:lumMod val="25000"/>
+              <a:lumOff val="75000"/>
+            </a:schemeClr>
+          </a:solidFill>
+          <a:ln w="3175">
+            <a:noFill/>
+          </a:ln>
+          <a:effectLst/>
+        </p:spPr>
+        <p:style>
+          <a:lnRef idx="2">
+            <a:schemeClr val="accent1">
+              <a:shade val="50000"/>
+            </a:schemeClr>
+          </a:lnRef>
+          <a:fillRef idx="1">
+            <a:schemeClr val="accent1"/>
+          </a:fillRef>
+          <a:effectRef idx="0">
+            <a:schemeClr val="accent1"/>
+          </a:effectRef>
+          <a:fontRef idx="minor">
+            <a:schemeClr val="lt1"/>
+          </a:fontRef>
+        </p:style>
+        <p:txBody>
+          <a:bodyPr rtlCol="0" anchor="ctr"/>
+          <a:lstStyle/>
+          <a:p>
+            <a:pPr marL="0" marR="0" lvl="0" indent="0" algn="ctr" defTabSz="914400" rtl="0" eaLnBrk="1" fontAlgn="auto" latinLnBrk="0" hangingPunct="1">
+              <a:lnSpc>
+                <a:spcPct val="100000"/>
+              </a:lnSpc>
+              <a:spcBef>
+                <a:spcPts val="0"/>
+              </a:spcBef>
+              <a:spcAft>
+                <a:spcPts val="0"/>
+              </a:spcAft>
+              <a:buClrTx/>
+              <a:buSzTx/>
+              <a:buFontTx/>
+              <a:buNone/>
+              <a:tabLst/>
+              <a:defRPr/>
+            </a:pPr>
+            <a:endParaRPr kumimoji="0" lang="en-US" sz="1800" b="0" i="0" u="none" strike="noStrike" kern="1200" cap="none" spc="0" normalizeH="0" baseline="0" noProof="0">
+              <a:ln>
+                <a:noFill/>
+              </a:ln>
+              <a:solidFill>
+                <a:prstClr val="white"/>
+              </a:solidFill>
+              <a:effectLst/>
+              <a:uLnTx/>
+              <a:uFillTx/>
+              <a:latin typeface="Calibri" panose="020F0502020204030204"/>
+              <a:ea typeface="+mn-ea"/>
+              <a:cs typeface="+mn-cs"/>
+            </a:endParaRPr>
+          </a:p>
+        </p:txBody>
+      </p:sp>
+      <p:sp>
+        <p:nvSpPr>
+          <p:cNvPr id="4" name="Text Placeholder 3">
+            <a:extLst>
+              <a:ext uri="{FF2B5EF4-FFF2-40B4-BE49-F238E27FC236}">
+                <a16:creationId xmlns:a16="http://schemas.microsoft.com/office/drawing/2014/main" id="{1C8BB8B3-5BF9-4A6E-B740-C57C6384508D}"/>
+              </a:ext>
+            </a:extLst>
+          </p:cNvPr>
+          <p:cNvSpPr>
+            <a:spLocks noGrp="1"/>
+          </p:cNvSpPr>
+          <p:nvPr>
+            <p:ph type="body" sz="half" idx="2"/>
+          </p:nvPr>
+        </p:nvSpPr>
+        <p:spPr>
+          <a:xfrm>
+            <a:off x="411480" y="2684095"/>
+            <a:ext cx="4443154" cy="3492868"/>
+          </a:xfrm>
+        </p:spPr>
+        <p:txBody>
+          <a:bodyPr vert="horz" lIns="91440" tIns="45720" rIns="91440" bIns="45720" rtlCol="0">
+            <a:normAutofit/>
+          </a:bodyPr>
+          <a:lstStyle/>
+          <a:p>
+            <a:pPr marL="285750" indent="-228600">
+              <a:buFont typeface="Arial" panose="020B0604020202020204" pitchFamily="34" charset="0"/>
+              <a:buChar char="•"/>
+            </a:pPr>
+            <a:r>
+              <a:rPr lang="en-US" sz="1700"/>
+              <a:t>Most sales came from </a:t>
+            </a:r>
+          </a:p>
+          <a:p>
+            <a:pPr marL="742950" lvl="1" indent="-228600">
+              <a:buFont typeface="Arial" panose="020B0604020202020204" pitchFamily="34" charset="0"/>
+              <a:buChar char="•"/>
+            </a:pPr>
+            <a:r>
+              <a:rPr lang="en-US" sz="1700"/>
+              <a:t>Budget customers from the “older families” segment</a:t>
+            </a:r>
+          </a:p>
+          <a:p>
+            <a:pPr marL="742950" lvl="1" indent="-228600">
+              <a:buFont typeface="Arial" panose="020B0604020202020204" pitchFamily="34" charset="0"/>
+              <a:buChar char="•"/>
+            </a:pPr>
+            <a:r>
+              <a:rPr lang="en-US" sz="1700"/>
+              <a:t>Mainstream customers from the “young singles/couples” and “Retirees” segment</a:t>
+            </a:r>
+          </a:p>
+        </p:txBody>
+      </p:sp>
+      <p:pic>
+        <p:nvPicPr>
+          <p:cNvPr id="6" name="Content Placeholder 5" descr="A screenshot of a cell phone&#10;&#10;Description automatically generated">
+            <a:extLst>
+              <a:ext uri="{FF2B5EF4-FFF2-40B4-BE49-F238E27FC236}">
+                <a16:creationId xmlns:a16="http://schemas.microsoft.com/office/drawing/2014/main" id="{E83CCB30-06FE-4DC0-8B28-7F0E8173E7E2}"/>
+              </a:ext>
+            </a:extLst>
+          </p:cNvPr>
+          <p:cNvPicPr>
+            <a:picLocks noGrp="1" noChangeAspect="1"/>
+          </p:cNvPicPr>
+          <p:nvPr>
+            <p:ph idx="1"/>
+          </p:nvPr>
+        </p:nvPicPr>
+        <p:blipFill>
+          <a:blip r:embed="rId2">
+            <a:extLst>
+              <a:ext uri="{28A0092B-C50C-407E-A947-70E740481C1C}">
+                <a14:useLocalDpi xmlns:a14="http://schemas.microsoft.com/office/drawing/2010/main" val="0"/>
+              </a:ext>
+            </a:extLst>
+          </a:blip>
+          <a:stretch>
+            <a:fillRect/>
+          </a:stretch>
+        </p:blipFill>
+        <p:spPr>
+          <a:xfrm>
+            <a:off x="5385816" y="1147175"/>
+            <a:ext cx="6440424" cy="4508296"/>
+          </a:xfrm>
+          <a:prstGeom prst="rect">
+            <a:avLst/>
+          </a:prstGeom>
+        </p:spPr>
+      </p:pic>
+    </p:spTree>
+    <p:extLst>
+      <p:ext uri="{BB962C8B-B14F-4D97-AF65-F5344CB8AC3E}">
+        <p14:creationId xmlns:p14="http://schemas.microsoft.com/office/powerpoint/2010/main" val="2336085721"/>
+      </p:ext>
+    </p:extLst>
+  </p:cSld>
+  <p:clrMapOvr>
+    <a:masterClrMapping/>
+  </p:clrMapOvr>
+</p:sld>
+</file>
+
+<file path=ppt/slides/slide5.xml><?xml version="1.0" encoding="utf-8"?>
+<p:sld xmlns:a="http://schemas.openxmlformats.org/drawingml/2006/main" xmlns:r="http://schemas.openxmlformats.org/officeDocument/2006/relationships" xmlns:p="http://schemas.openxmlformats.org/presentationml/2006/main">
+  <p:cSld>
+    <p:bg>
+      <p:bgPr>
+        <a:solidFill>
+          <a:schemeClr val="bg1"/>
+        </a:solidFill>
+        <a:effectLst/>
+      </p:bgPr>
+    </p:bg>
+    <p:spTree>
+      <p:nvGrpSpPr>
+        <p:cNvPr id="1" name=""/>
+        <p:cNvGrpSpPr/>
+        <p:nvPr/>
+      </p:nvGrpSpPr>
+      <p:grpSpPr>
+        <a:xfrm>
+          <a:off x="0" y="0"/>
+          <a:ext cx="0" cy="0"/>
+          <a:chOff x="0" y="0"/>
+          <a:chExt cx="0" cy="0"/>
+        </a:xfrm>
+      </p:grpSpPr>
+      <p:sp useBgFill="1">
+        <p:nvSpPr>
+          <p:cNvPr id="11" name="Rectangle 10">
+            <a:extLst>
+              <a:ext uri="{FF2B5EF4-FFF2-40B4-BE49-F238E27FC236}">
+                <a16:creationId xmlns:a16="http://schemas.microsoft.com/office/drawing/2014/main" id="{2D6FBB9D-1CAA-4D05-AB33-BABDFE17B843}"/>
+              </a:ext>
+              <a:ext uri="{C183D7F6-B498-43B3-948B-1728B52AA6E4}">
+                <adec:decorative xmlns:adec="http://schemas.microsoft.com/office/drawing/2017/decorative" val="1"/>
+              </a:ext>
+            </a:extLst>
+          </p:cNvPr>
+          <p:cNvSpPr>
+            <a:spLocks noGrp="1" noRot="1" noChangeAspect="1" noMove="1" noResize="1" noEditPoints="1" noAdjustHandles="1" noChangeArrowheads="1" noChangeShapeType="1" noTextEdit="1"/>
+          </p:cNvSpPr>
+          <p:nvPr>
+            <p:extLst>
+              <p:ext uri="{386F3935-93C4-4BCD-93E2-E3B085C9AB24}">
+                <p16:designElem xmlns:p16="http://schemas.microsoft.com/office/powerpoint/2015/main" val="1"/>
+              </p:ext>
+            </p:extLst>
+          </p:nvPr>
+        </p:nvSpPr>
+        <p:spPr>
+          <a:xfrm>
+            <a:off x="558209" y="0"/>
+            <a:ext cx="11167447" cy="2018806"/>
+          </a:xfrm>
+          <a:prstGeom prst="rect">
+            <a:avLst/>
+          </a:prstGeom>
+          <a:ln w="9525">
+            <a:solidFill>
+              <a:schemeClr val="tx2">
+                <a:lumMod val="10000"/>
+                <a:lumOff val="90000"/>
+              </a:schemeClr>
+            </a:solidFill>
+          </a:ln>
+          <a:effectLst>
+            <a:outerShdw blurRad="50800" dist="38100" dir="2700000" algn="tl" rotWithShape="0">
+              <a:schemeClr val="bg1">
+                <a:lumMod val="85000"/>
+                <a:alpha val="30000"/>
+              </a:schemeClr>
+            </a:outerShdw>
+          </a:effectLst>
+        </p:spPr>
+        <p:style>
+          <a:lnRef idx="2">
+            <a:schemeClr val="accent1">
+              <a:shade val="50000"/>
+            </a:schemeClr>
+          </a:lnRef>
+          <a:fillRef idx="1">
+            <a:schemeClr val="accent1"/>
+          </a:fillRef>
+          <a:effectRef idx="0">
+            <a:schemeClr val="accent1"/>
+          </a:effectRef>
+          <a:fontRef idx="minor">
+            <a:schemeClr val="lt1"/>
+          </a:fontRef>
+        </p:style>
+        <p:txBody>
+          <a:bodyPr rtlCol="0" anchor="ctr"/>
+          <a:lstStyle/>
+          <a:p>
+            <a:pPr marL="0" marR="0" lvl="0" indent="0" algn="ctr" defTabSz="914400" rtl="0" eaLnBrk="1" fontAlgn="auto" latinLnBrk="0" hangingPunct="1">
+              <a:lnSpc>
+                <a:spcPct val="100000"/>
+              </a:lnSpc>
+              <a:spcBef>
+                <a:spcPts val="0"/>
+              </a:spcBef>
+              <a:spcAft>
+                <a:spcPts val="0"/>
+              </a:spcAft>
+              <a:buClrTx/>
+              <a:buSzTx/>
+              <a:buFontTx/>
+              <a:buNone/>
+              <a:tabLst/>
+              <a:defRPr/>
+            </a:pPr>
+            <a:endParaRPr kumimoji="0" lang="en-US" sz="1800" b="0" i="0" u="none" strike="noStrike" kern="1200" cap="none" spc="0" normalizeH="0" baseline="0" noProof="0">
+              <a:ln>
+                <a:noFill/>
+              </a:ln>
+              <a:solidFill>
+                <a:prstClr val="white"/>
+              </a:solidFill>
+              <a:effectLst/>
+              <a:uLnTx/>
+              <a:uFillTx/>
+              <a:latin typeface="Calibri" panose="020F0502020204030204"/>
+              <a:ea typeface="+mn-ea"/>
+              <a:cs typeface="+mn-cs"/>
+            </a:endParaRPr>
+          </a:p>
+        </p:txBody>
+      </p:sp>
+      <p:sp useBgFill="1">
+        <p:nvSpPr>
+          <p:cNvPr id="13" name="Rectangle 12">
+            <a:extLst>
+              <a:ext uri="{FF2B5EF4-FFF2-40B4-BE49-F238E27FC236}">
+                <a16:creationId xmlns:a16="http://schemas.microsoft.com/office/drawing/2014/main" id="{04727B71-B4B6-4823-80A1-68C40B475118}"/>
+              </a:ext>
+              <a:ext uri="{C183D7F6-B498-43B3-948B-1728B52AA6E4}">
+                <adec:decorative xmlns:adec="http://schemas.microsoft.com/office/drawing/2017/decorative" val="1"/>
+              </a:ext>
+            </a:extLst>
+          </p:cNvPr>
+          <p:cNvSpPr>
+            <a:spLocks noGrp="1" noRot="1" noChangeAspect="1" noMove="1" noResize="1" noEditPoints="1" noAdjustHandles="1" noChangeArrowheads="1" noChangeShapeType="1" noTextEdit="1"/>
+          </p:cNvSpPr>
+          <p:nvPr>
+            <p:extLst>
+              <p:ext uri="{386F3935-93C4-4BCD-93E2-E3B085C9AB24}">
+                <p16:designElem xmlns:p16="http://schemas.microsoft.com/office/powerpoint/2015/main" val="1"/>
+              </p:ext>
+            </p:extLst>
+          </p:nvPr>
+        </p:nvSpPr>
+        <p:spPr>
+          <a:xfrm>
+            <a:off x="566928" y="0"/>
+            <a:ext cx="11155680" cy="2011680"/>
+          </a:xfrm>
+          <a:prstGeom prst="rect">
+            <a:avLst/>
+          </a:prstGeom>
+          <a:ln w="9525">
+            <a:noFill/>
+          </a:ln>
+          <a:effectLst/>
+        </p:spPr>
+        <p:style>
+          <a:lnRef idx="2">
+            <a:schemeClr val="accent1">
+              <a:shade val="50000"/>
+            </a:schemeClr>
+          </a:lnRef>
+          <a:fillRef idx="1">
+            <a:schemeClr val="accent1"/>
+          </a:fillRef>
+          <a:effectRef idx="0">
+            <a:schemeClr val="accent1"/>
+          </a:effectRef>
+          <a:fontRef idx="minor">
+            <a:schemeClr val="lt1"/>
+          </a:fontRef>
+        </p:style>
+        <p:txBody>
+          <a:bodyPr rtlCol="0" anchor="ctr"/>
+          <a:lstStyle/>
+          <a:p>
+            <a:pPr marL="0" marR="0" lvl="0" indent="0" algn="ctr" defTabSz="914400" rtl="0" eaLnBrk="1" fontAlgn="auto" latinLnBrk="0" hangingPunct="1">
+              <a:lnSpc>
+                <a:spcPct val="100000"/>
+              </a:lnSpc>
+              <a:spcBef>
+                <a:spcPts val="0"/>
+              </a:spcBef>
+              <a:spcAft>
+                <a:spcPts val="0"/>
+              </a:spcAft>
+              <a:buClrTx/>
+              <a:buSzTx/>
+              <a:buFontTx/>
+              <a:buNone/>
+              <a:tabLst/>
+              <a:defRPr/>
+            </a:pPr>
+            <a:endParaRPr kumimoji="0" lang="en-US" sz="1800" b="0" i="0" u="none" strike="noStrike" kern="1200" cap="none" spc="0" normalizeH="0" baseline="0" noProof="0">
+              <a:ln>
+                <a:noFill/>
+              </a:ln>
+              <a:solidFill>
+                <a:prstClr val="white"/>
+              </a:solidFill>
+              <a:effectLst/>
+              <a:uLnTx/>
+              <a:uFillTx/>
+              <a:latin typeface="Calibri" panose="020F0502020204030204"/>
+              <a:ea typeface="+mn-ea"/>
+              <a:cs typeface="+mn-cs"/>
+            </a:endParaRPr>
+          </a:p>
+        </p:txBody>
+      </p:sp>
+      <p:sp>
+        <p:nvSpPr>
+          <p:cNvPr id="15" name="Rectangle 14">
+            <a:extLst>
+              <a:ext uri="{FF2B5EF4-FFF2-40B4-BE49-F238E27FC236}">
+                <a16:creationId xmlns:a16="http://schemas.microsoft.com/office/drawing/2014/main" id="{79A6DB05-9FB5-4B07-8675-74C23D4FD89D}"/>
+              </a:ext>
+              <a:ext uri="{C183D7F6-B498-43B3-948B-1728B52AA6E4}">
+                <adec:decorative xmlns:adec="http://schemas.microsoft.com/office/drawing/2017/decorative" val="1"/>
+              </a:ext>
+            </a:extLst>
+          </p:cNvPr>
+          <p:cNvSpPr>
+            <a:spLocks noGrp="1" noRot="1" noChangeAspect="1" noMove="1" noResize="1" noEditPoints="1" noAdjustHandles="1" noChangeArrowheads="1" noChangeShapeType="1" noTextEdit="1"/>
+          </p:cNvSpPr>
+          <p:nvPr>
+            <p:extLst>
+              <p:ext uri="{386F3935-93C4-4BCD-93E2-E3B085C9AB24}">
+                <p16:designElem xmlns:p16="http://schemas.microsoft.com/office/powerpoint/2015/main" val="1"/>
+              </p:ext>
+            </p:extLst>
+          </p:nvPr>
+        </p:nvSpPr>
+        <p:spPr>
+          <a:xfrm>
+            <a:off x="498834" y="787352"/>
+            <a:ext cx="128016" cy="704088"/>
+          </a:xfrm>
+          <a:prstGeom prst="rect">
+            <a:avLst/>
+          </a:prstGeom>
+          <a:solidFill>
+            <a:schemeClr val="accent1"/>
+          </a:solidFill>
+          <a:ln>
+            <a:noFill/>
+          </a:ln>
+        </p:spPr>
+        <p:style>
+          <a:lnRef idx="2">
+            <a:schemeClr val="accent1">
+              <a:shade val="50000"/>
+            </a:schemeClr>
+          </a:lnRef>
+          <a:fillRef idx="1">
+            <a:schemeClr val="accent1"/>
+          </a:fillRef>
+          <a:effectRef idx="0">
+            <a:schemeClr val="accent1"/>
+          </a:effectRef>
+          <a:fontRef idx="minor">
+            <a:schemeClr val="lt1"/>
+          </a:fontRef>
+        </p:style>
+        <p:txBody>
+          <a:bodyPr rtlCol="0" anchor="ctr"/>
+          <a:lstStyle/>
+          <a:p>
+            <a:pPr marL="0" marR="0" lvl="0" indent="0" algn="ctr" defTabSz="914400" rtl="0" eaLnBrk="1" fontAlgn="auto" latinLnBrk="0" hangingPunct="1">
+              <a:lnSpc>
+                <a:spcPct val="100000"/>
+              </a:lnSpc>
+              <a:spcBef>
+                <a:spcPts val="0"/>
+              </a:spcBef>
+              <a:spcAft>
+                <a:spcPts val="0"/>
+              </a:spcAft>
+              <a:buClrTx/>
+              <a:buSzTx/>
+              <a:buFontTx/>
+              <a:buNone/>
+              <a:tabLst/>
+              <a:defRPr/>
+            </a:pPr>
+            <a:endParaRPr kumimoji="0" lang="en-US" sz="1800" b="0" i="0" u="none" strike="noStrike" kern="1200" cap="none" spc="0" normalizeH="0" baseline="0" noProof="0">
+              <a:ln>
+                <a:noFill/>
+              </a:ln>
+              <a:solidFill>
+                <a:prstClr val="white"/>
+              </a:solidFill>
+              <a:effectLst/>
+              <a:uLnTx/>
+              <a:uFillTx/>
+              <a:latin typeface="Calibri" panose="020F0502020204030204"/>
+              <a:ea typeface="+mn-ea"/>
+              <a:cs typeface="+mn-cs"/>
+            </a:endParaRPr>
+          </a:p>
+        </p:txBody>
+      </p:sp>
+      <p:sp useBgFill="1">
+        <p:nvSpPr>
+          <p:cNvPr id="17" name="Rectangle 16">
+            <a:extLst>
+              <a:ext uri="{FF2B5EF4-FFF2-40B4-BE49-F238E27FC236}">
+                <a16:creationId xmlns:a16="http://schemas.microsoft.com/office/drawing/2014/main" id="{0288C6B4-AFC3-407F-A595-EFFD38D4CCAF}"/>
+              </a:ext>
+              <a:ext uri="{C183D7F6-B498-43B3-948B-1728B52AA6E4}">
+                <adec:decorative xmlns:adec="http://schemas.microsoft.com/office/drawing/2017/decorative" val="1"/>
+              </a:ext>
+            </a:extLst>
+          </p:cNvPr>
+          <p:cNvSpPr>
+            <a:spLocks noGrp="1" noRot="1" noChangeAspect="1" noMove="1" noResize="1" noEditPoints="1" noAdjustHandles="1" noChangeArrowheads="1" noChangeShapeType="1" noTextEdit="1"/>
+          </p:cNvSpPr>
+          <p:nvPr>
+            <p:extLst>
+              <p:ext uri="{386F3935-93C4-4BCD-93E2-E3B085C9AB24}">
+                <p16:designElem xmlns:p16="http://schemas.microsoft.com/office/powerpoint/2015/main" val="1"/>
+              </p:ext>
+            </p:extLst>
+          </p:nvPr>
+        </p:nvSpPr>
+        <p:spPr>
+          <a:xfrm>
+            <a:off x="0" y="0"/>
+            <a:ext cx="12192000" cy="6858000"/>
+          </a:xfrm>
+          <a:prstGeom prst="rect">
+            <a:avLst/>
+          </a:prstGeom>
+          <a:ln>
+            <a:noFill/>
+          </a:ln>
+        </p:spPr>
+        <p:style>
+          <a:lnRef idx="2">
+            <a:schemeClr val="accent1">
+              <a:shade val="50000"/>
+            </a:schemeClr>
+          </a:lnRef>
+          <a:fillRef idx="1">
+            <a:schemeClr val="accent1"/>
+          </a:fillRef>
+          <a:effectRef idx="0">
+            <a:schemeClr val="accent1"/>
+          </a:effectRef>
+          <a:fontRef idx="minor">
+            <a:schemeClr val="lt1"/>
+          </a:fontRef>
+        </p:style>
+        <p:txBody>
+          <a:bodyPr rtlCol="0" anchor="ctr"/>
+          <a:lstStyle/>
+          <a:p>
+            <a:pPr algn="ctr"/>
+            <a:endParaRPr lang="en-US"/>
+          </a:p>
+        </p:txBody>
+      </p:sp>
+      <p:sp useBgFill="1">
+        <p:nvSpPr>
+          <p:cNvPr id="19" name="Freeform: Shape 18">
+            <a:extLst>
+              <a:ext uri="{FF2B5EF4-FFF2-40B4-BE49-F238E27FC236}">
+                <a16:creationId xmlns:a16="http://schemas.microsoft.com/office/drawing/2014/main" id="{CF236821-17FE-429B-8D2C-08E13A64EA40}"/>
+              </a:ext>
+              <a:ext uri="{C183D7F6-B498-43B3-948B-1728B52AA6E4}">
+                <adec:decorative xmlns:adec="http://schemas.microsoft.com/office/drawing/2017/decorative" val="1"/>
+              </a:ext>
+            </a:extLst>
+          </p:cNvPr>
+          <p:cNvSpPr>
+            <a:spLocks noGrp="1" noRot="1" noChangeAspect="1" noMove="1" noResize="1" noEditPoints="1" noAdjustHandles="1" noChangeArrowheads="1" noChangeShapeType="1" noTextEdit="1"/>
+          </p:cNvSpPr>
+          <p:nvPr>
+            <p:extLst>
+              <p:ext uri="{386F3935-93C4-4BCD-93E2-E3B085C9AB24}">
+                <p16:designElem xmlns:p16="http://schemas.microsoft.com/office/powerpoint/2015/main" val="1"/>
+              </p:ext>
+            </p:extLst>
+          </p:nvPr>
+        </p:nvSpPr>
+        <p:spPr>
+          <a:xfrm>
+            <a:off x="-1" y="0"/>
+            <a:ext cx="4455673" cy="6858000"/>
+          </a:xfrm>
+          <a:custGeom>
+            <a:avLst/>
+            <a:gdLst>
+              <a:gd name="connsiteX0" fmla="*/ 0 w 4455673"/>
+              <a:gd name="connsiteY0" fmla="*/ 0 h 6858000"/>
+              <a:gd name="connsiteX1" fmla="*/ 3242695 w 4455673"/>
+              <a:gd name="connsiteY1" fmla="*/ 0 h 6858000"/>
+              <a:gd name="connsiteX2" fmla="*/ 3305678 w 4455673"/>
+              <a:gd name="connsiteY2" fmla="*/ 69271 h 6858000"/>
+              <a:gd name="connsiteX3" fmla="*/ 4455673 w 4455673"/>
+              <a:gd name="connsiteY3" fmla="*/ 3429000 h 6858000"/>
+              <a:gd name="connsiteX4" fmla="*/ 3305678 w 4455673"/>
+              <a:gd name="connsiteY4" fmla="*/ 6788730 h 6858000"/>
+              <a:gd name="connsiteX5" fmla="*/ 3242695 w 4455673"/>
+              <a:gd name="connsiteY5" fmla="*/ 6858000 h 6858000"/>
+              <a:gd name="connsiteX6" fmla="*/ 0 w 4455673"/>
+              <a:gd name="connsiteY6" fmla="*/ 6858000 h 6858000"/>
+            </a:gdLst>
+            <a:ahLst/>
+            <a:cxnLst>
+              <a:cxn ang="0">
+                <a:pos x="connsiteX0" y="connsiteY0"/>
+              </a:cxn>
+              <a:cxn ang="0">
+                <a:pos x="connsiteX1" y="connsiteY1"/>
+              </a:cxn>
+              <a:cxn ang="0">
+                <a:pos x="connsiteX2" y="connsiteY2"/>
+              </a:cxn>
+              <a:cxn ang="0">
+                <a:pos x="connsiteX3" y="connsiteY3"/>
+              </a:cxn>
+              <a:cxn ang="0">
+                <a:pos x="connsiteX4" y="connsiteY4"/>
+              </a:cxn>
+              <a:cxn ang="0">
+                <a:pos x="connsiteX5" y="connsiteY5"/>
+              </a:cxn>
+              <a:cxn ang="0">
+                <a:pos x="connsiteX6" y="connsiteY6"/>
+              </a:cxn>
+            </a:cxnLst>
+            <a:rect l="l" t="t" r="r" b="b"/>
+            <a:pathLst>
+              <a:path w="4455673" h="6858000">
+                <a:moveTo>
+                  <a:pt x="0" y="0"/>
+                </a:moveTo>
+                <a:lnTo>
+                  <a:pt x="3242695" y="0"/>
+                </a:lnTo>
+                <a:lnTo>
+                  <a:pt x="3305678" y="69271"/>
+                </a:lnTo>
+                <a:cubicBezTo>
+                  <a:pt x="4016204" y="929100"/>
+                  <a:pt x="4455673" y="2116944"/>
+                  <a:pt x="4455673" y="3429000"/>
+                </a:cubicBezTo>
+                <a:cubicBezTo>
+                  <a:pt x="4455673" y="4741056"/>
+                  <a:pt x="4016204" y="5928900"/>
+                  <a:pt x="3305678" y="6788730"/>
+                </a:cubicBezTo>
+                <a:lnTo>
+                  <a:pt x="3242695" y="6858000"/>
+                </a:lnTo>
+                <a:lnTo>
+                  <a:pt x="0" y="6858000"/>
+                </a:lnTo>
+                <a:close/>
+              </a:path>
+            </a:pathLst>
+          </a:custGeom>
+          <a:ln w="9525">
+            <a:solidFill>
+              <a:schemeClr val="tx2">
+                <a:lumMod val="10000"/>
+                <a:lumOff val="90000"/>
+              </a:schemeClr>
+            </a:solidFill>
+          </a:ln>
+          <a:effectLst>
+            <a:outerShdw blurRad="50800" dist="38100" algn="l" rotWithShape="0">
+              <a:schemeClr val="bg1">
+                <a:lumMod val="85000"/>
+                <a:alpha val="30000"/>
+              </a:schemeClr>
+            </a:outerShdw>
+          </a:effectLst>
+        </p:spPr>
+        <p:style>
+          <a:lnRef idx="2">
+            <a:schemeClr val="accent1">
+              <a:shade val="50000"/>
+            </a:schemeClr>
+          </a:lnRef>
+          <a:fillRef idx="1">
+            <a:schemeClr val="accent1"/>
+          </a:fillRef>
+          <a:effectRef idx="0">
+            <a:schemeClr val="accent1"/>
+          </a:effectRef>
+          <a:fontRef idx="minor">
+            <a:schemeClr val="lt1"/>
+          </a:fontRef>
+        </p:style>
+        <p:txBody>
+          <a:bodyPr wrap="square" rtlCol="0" anchor="ctr">
+            <a:noAutofit/>
+          </a:bodyPr>
+          <a:lstStyle/>
+          <a:p>
+            <a:pPr marL="0" marR="0" lvl="0" indent="0" algn="ctr" defTabSz="914400" rtl="0" eaLnBrk="1" fontAlgn="auto" latinLnBrk="0" hangingPunct="1">
+              <a:lnSpc>
+                <a:spcPct val="100000"/>
+              </a:lnSpc>
+              <a:spcBef>
+                <a:spcPts val="0"/>
+              </a:spcBef>
+              <a:spcAft>
+                <a:spcPts val="0"/>
+              </a:spcAft>
+              <a:buClrTx/>
+              <a:buSzTx/>
+              <a:buFontTx/>
+              <a:buNone/>
+              <a:tabLst/>
+              <a:defRPr/>
+            </a:pPr>
+            <a:endParaRPr kumimoji="0" lang="en-US" sz="1800" b="0" i="0" u="none" strike="noStrike" kern="1200" cap="none" spc="0" normalizeH="0" baseline="0" noProof="0">
+              <a:ln>
+                <a:noFill/>
+              </a:ln>
+              <a:solidFill>
+                <a:prstClr val="white"/>
+              </a:solidFill>
+              <a:effectLst/>
+              <a:uLnTx/>
+              <a:uFillTx/>
+              <a:latin typeface="Calibri" panose="020F0502020204030204"/>
+              <a:ea typeface="+mn-ea"/>
+              <a:cs typeface="+mn-cs"/>
+            </a:endParaRPr>
+          </a:p>
+        </p:txBody>
+      </p:sp>
+      <p:sp useBgFill="1">
+        <p:nvSpPr>
+          <p:cNvPr id="21" name="Freeform: Shape 20">
+            <a:extLst>
+              <a:ext uri="{FF2B5EF4-FFF2-40B4-BE49-F238E27FC236}">
+                <a16:creationId xmlns:a16="http://schemas.microsoft.com/office/drawing/2014/main" id="{C0BDBCD2-E081-43AB-9119-C55465E59757}"/>
+              </a:ext>
+              <a:ext uri="{C183D7F6-B498-43B3-948B-1728B52AA6E4}">
+                <adec:decorative xmlns:adec="http://schemas.microsoft.com/office/drawing/2017/decorative" val="1"/>
+              </a:ext>
+            </a:extLst>
+          </p:cNvPr>
+          <p:cNvSpPr>
+            <a:spLocks noGrp="1" noRot="1" noChangeAspect="1" noMove="1" noResize="1" noEditPoints="1" noAdjustHandles="1" noChangeArrowheads="1" noChangeShapeType="1" noTextEdit="1"/>
+          </p:cNvSpPr>
+          <p:nvPr>
+            <p:extLst>
+              <p:ext uri="{386F3935-93C4-4BCD-93E2-E3B085C9AB24}">
+                <p16:designElem xmlns:p16="http://schemas.microsoft.com/office/powerpoint/2015/main" val="1"/>
+              </p:ext>
+            </p:extLst>
+          </p:nvPr>
+        </p:nvSpPr>
+        <p:spPr>
+          <a:xfrm>
+            <a:off x="0" y="0"/>
+            <a:ext cx="4446529" cy="6858000"/>
+          </a:xfrm>
+          <a:custGeom>
+            <a:avLst/>
+            <a:gdLst>
+              <a:gd name="connsiteX0" fmla="*/ 0 w 4446529"/>
+              <a:gd name="connsiteY0" fmla="*/ 0 h 6858000"/>
+              <a:gd name="connsiteX1" fmla="*/ 3233551 w 4446529"/>
+              <a:gd name="connsiteY1" fmla="*/ 0 h 6858000"/>
+              <a:gd name="connsiteX2" fmla="*/ 3296534 w 4446529"/>
+              <a:gd name="connsiteY2" fmla="*/ 69271 h 6858000"/>
+              <a:gd name="connsiteX3" fmla="*/ 4446529 w 4446529"/>
+              <a:gd name="connsiteY3" fmla="*/ 3429000 h 6858000"/>
+              <a:gd name="connsiteX4" fmla="*/ 3296534 w 4446529"/>
+              <a:gd name="connsiteY4" fmla="*/ 6788730 h 6858000"/>
+              <a:gd name="connsiteX5" fmla="*/ 3233551 w 4446529"/>
+              <a:gd name="connsiteY5" fmla="*/ 6858000 h 6858000"/>
+              <a:gd name="connsiteX6" fmla="*/ 0 w 4446529"/>
+              <a:gd name="connsiteY6" fmla="*/ 6858000 h 6858000"/>
+            </a:gdLst>
+            <a:ahLst/>
+            <a:cxnLst>
+              <a:cxn ang="0">
+                <a:pos x="connsiteX0" y="connsiteY0"/>
+              </a:cxn>
+              <a:cxn ang="0">
+                <a:pos x="connsiteX1" y="connsiteY1"/>
+              </a:cxn>
+              <a:cxn ang="0">
+                <a:pos x="connsiteX2" y="connsiteY2"/>
+              </a:cxn>
+              <a:cxn ang="0">
+                <a:pos x="connsiteX3" y="connsiteY3"/>
+              </a:cxn>
+              <a:cxn ang="0">
+                <a:pos x="connsiteX4" y="connsiteY4"/>
+              </a:cxn>
+              <a:cxn ang="0">
+                <a:pos x="connsiteX5" y="connsiteY5"/>
+              </a:cxn>
+              <a:cxn ang="0">
+                <a:pos x="connsiteX6" y="connsiteY6"/>
+              </a:cxn>
+            </a:cxnLst>
+            <a:rect l="l" t="t" r="r" b="b"/>
+            <a:pathLst>
+              <a:path w="4446529" h="6858000">
+                <a:moveTo>
+                  <a:pt x="0" y="0"/>
+                </a:moveTo>
+                <a:lnTo>
+                  <a:pt x="3233551" y="0"/>
+                </a:lnTo>
+                <a:lnTo>
+                  <a:pt x="3296534" y="69271"/>
+                </a:lnTo>
+                <a:cubicBezTo>
+                  <a:pt x="4007060" y="929100"/>
+                  <a:pt x="4446529" y="2116944"/>
+                  <a:pt x="4446529" y="3429000"/>
+                </a:cubicBezTo>
+                <a:cubicBezTo>
+                  <a:pt x="4446529" y="4741056"/>
+                  <a:pt x="4007060" y="5928900"/>
+                  <a:pt x="3296534" y="6788730"/>
+                </a:cubicBezTo>
+                <a:lnTo>
+                  <a:pt x="3233551" y="6858000"/>
+                </a:lnTo>
+                <a:lnTo>
+                  <a:pt x="0" y="6858000"/>
+                </a:lnTo>
+                <a:close/>
+              </a:path>
+            </a:pathLst>
+          </a:custGeom>
+          <a:ln w="9525">
+            <a:noFill/>
+          </a:ln>
+          <a:effectLst/>
+        </p:spPr>
+        <p:style>
+          <a:lnRef idx="2">
+            <a:schemeClr val="accent1">
+              <a:shade val="50000"/>
+            </a:schemeClr>
+          </a:lnRef>
+          <a:fillRef idx="1">
+            <a:schemeClr val="accent1"/>
+          </a:fillRef>
+          <a:effectRef idx="0">
+            <a:schemeClr val="accent1"/>
+          </a:effectRef>
+          <a:fontRef idx="minor">
+            <a:schemeClr val="lt1"/>
+          </a:fontRef>
+        </p:style>
+        <p:txBody>
+          <a:bodyPr wrap="square" rtlCol="0" anchor="ctr">
+            <a:noAutofit/>
+          </a:bodyPr>
+          <a:lstStyle/>
+          <a:p>
+            <a:pPr marL="0" marR="0" lvl="0" indent="0" algn="ctr" defTabSz="914400" rtl="0" eaLnBrk="1" fontAlgn="auto" latinLnBrk="0" hangingPunct="1">
+              <a:lnSpc>
+                <a:spcPct val="100000"/>
+              </a:lnSpc>
+              <a:spcBef>
+                <a:spcPts val="0"/>
+              </a:spcBef>
+              <a:spcAft>
+                <a:spcPts val="0"/>
+              </a:spcAft>
+              <a:buClrTx/>
+              <a:buSzTx/>
+              <a:buFontTx/>
+              <a:buNone/>
+              <a:tabLst/>
+              <a:defRPr/>
+            </a:pPr>
+            <a:endParaRPr kumimoji="0" lang="en-US" sz="1800" b="0" i="0" u="none" strike="noStrike" kern="1200" cap="none" spc="0" normalizeH="0" baseline="0" noProof="0">
+              <a:ln>
+                <a:noFill/>
+              </a:ln>
+              <a:solidFill>
+                <a:prstClr val="white"/>
+              </a:solidFill>
+              <a:effectLst/>
+              <a:uLnTx/>
+              <a:uFillTx/>
+              <a:latin typeface="Calibri" panose="020F0502020204030204"/>
+              <a:ea typeface="+mn-ea"/>
+              <a:cs typeface="+mn-cs"/>
+            </a:endParaRPr>
+          </a:p>
+        </p:txBody>
+      </p:sp>
+      <p:sp>
+        <p:nvSpPr>
+          <p:cNvPr id="2" name="Title 1">
+            <a:extLst>
+              <a:ext uri="{FF2B5EF4-FFF2-40B4-BE49-F238E27FC236}">
+                <a16:creationId xmlns:a16="http://schemas.microsoft.com/office/drawing/2014/main" id="{1D54FCE0-7AD0-49FC-85B3-4E1686190279}"/>
+              </a:ext>
+            </a:extLst>
+          </p:cNvPr>
+          <p:cNvSpPr>
+            <a:spLocks noGrp="1"/>
+          </p:cNvSpPr>
+          <p:nvPr>
+            <p:ph type="title"/>
+          </p:nvPr>
+        </p:nvSpPr>
+        <p:spPr>
+          <a:xfrm>
+            <a:off x="371094" y="1161288"/>
+            <a:ext cx="3438144" cy="1239012"/>
+          </a:xfrm>
+        </p:spPr>
+        <p:txBody>
+          <a:bodyPr vert="horz" lIns="91440" tIns="45720" rIns="91440" bIns="45720" rtlCol="0" anchor="ctr">
+            <a:normAutofit/>
+          </a:bodyPr>
+          <a:lstStyle/>
+          <a:p>
+            <a:pPr>
+              <a:lnSpc>
+                <a:spcPct val="90000"/>
+              </a:lnSpc>
+            </a:pPr>
+            <a:r>
+              <a:rPr lang="en-US" sz="2600"/>
+              <a:t>Number of Customers in Each Segment</a:t>
+            </a:r>
+          </a:p>
+        </p:txBody>
+      </p:sp>
+      <p:sp>
+        <p:nvSpPr>
+          <p:cNvPr id="23" name="Rectangle 22">
+            <a:extLst>
+              <a:ext uri="{FF2B5EF4-FFF2-40B4-BE49-F238E27FC236}">
+                <a16:creationId xmlns:a16="http://schemas.microsoft.com/office/drawing/2014/main" id="{98E79BE4-34FE-485A-98A5-92CE8F7C4743}"/>
+              </a:ext>
+              <a:ext uri="{C183D7F6-B498-43B3-948B-1728B52AA6E4}">
+                <adec:decorative xmlns:adec="http://schemas.microsoft.com/office/drawing/2017/decorative" val="1"/>
+              </a:ext>
+            </a:extLst>
+          </p:cNvPr>
+          <p:cNvSpPr>
+            <a:spLocks noGrp="1" noRot="1" noChangeAspect="1" noMove="1" noResize="1" noEditPoints="1" noAdjustHandles="1" noChangeArrowheads="1" noChangeShapeType="1" noTextEdit="1"/>
+          </p:cNvSpPr>
+          <p:nvPr>
+            <p:extLst>
+              <p:ext uri="{386F3935-93C4-4BCD-93E2-E3B085C9AB24}">
+                <p16:designElem xmlns:p16="http://schemas.microsoft.com/office/powerpoint/2015/main" val="1"/>
+              </p:ext>
+            </p:extLst>
+          </p:nvPr>
+        </p:nvSpPr>
+        <p:spPr>
+          <a:xfrm>
+            <a:off x="0" y="1426546"/>
+            <a:ext cx="128016" cy="653903"/>
+          </a:xfrm>
+          <a:prstGeom prst="rect">
+            <a:avLst/>
+          </a:prstGeom>
+          <a:solidFill>
+            <a:schemeClr val="accent1"/>
+          </a:solidFill>
+          <a:ln>
+            <a:noFill/>
+          </a:ln>
+        </p:spPr>
+        <p:style>
+          <a:lnRef idx="2">
+            <a:schemeClr val="accent1">
+              <a:shade val="50000"/>
+            </a:schemeClr>
+          </a:lnRef>
+          <a:fillRef idx="1">
+            <a:schemeClr val="accent1"/>
+          </a:fillRef>
+          <a:effectRef idx="0">
+            <a:schemeClr val="accent1"/>
+          </a:effectRef>
+          <a:fontRef idx="minor">
+            <a:schemeClr val="lt1"/>
+          </a:fontRef>
+        </p:style>
+        <p:txBody>
+          <a:bodyPr rtlCol="0" anchor="ctr"/>
+          <a:lstStyle/>
+          <a:p>
+            <a:pPr marL="0" marR="0" lvl="0" indent="0" algn="ctr" defTabSz="914400" rtl="0" eaLnBrk="1" fontAlgn="auto" latinLnBrk="0" hangingPunct="1">
+              <a:lnSpc>
+                <a:spcPct val="100000"/>
+              </a:lnSpc>
+              <a:spcBef>
+                <a:spcPts val="0"/>
+              </a:spcBef>
+              <a:spcAft>
+                <a:spcPts val="0"/>
+              </a:spcAft>
+              <a:buClrTx/>
+              <a:buSzTx/>
+              <a:buFontTx/>
+              <a:buNone/>
+              <a:tabLst/>
+              <a:defRPr/>
+            </a:pPr>
+            <a:endParaRPr kumimoji="0" lang="en-US" sz="1800" b="0" i="0" u="none" strike="noStrike" kern="1200" cap="none" spc="0" normalizeH="0" baseline="0" noProof="0">
+              <a:ln>
+                <a:noFill/>
+              </a:ln>
+              <a:solidFill>
+                <a:prstClr val="white"/>
+              </a:solidFill>
+              <a:effectLst/>
+              <a:uLnTx/>
+              <a:uFillTx/>
+              <a:latin typeface="Calibri" panose="020F0502020204030204"/>
+              <a:ea typeface="+mn-ea"/>
+              <a:cs typeface="+mn-cs"/>
+            </a:endParaRPr>
+          </a:p>
+        </p:txBody>
+      </p:sp>
+      <p:sp>
+        <p:nvSpPr>
+          <p:cNvPr id="25" name="Rectangle 24">
+            <a:extLst>
+              <a:ext uri="{FF2B5EF4-FFF2-40B4-BE49-F238E27FC236}">
+                <a16:creationId xmlns:a16="http://schemas.microsoft.com/office/drawing/2014/main" id="{7A5F0580-5EE9-419F-96EE-B6529EF6E7D0}"/>
+              </a:ext>
+              <a:ext uri="{C183D7F6-B498-43B3-948B-1728B52AA6E4}">
+                <adec:decorative xmlns:adec="http://schemas.microsoft.com/office/drawing/2017/decorative" val="1"/>
+              </a:ext>
+            </a:extLst>
+          </p:cNvPr>
+          <p:cNvSpPr>
+            <a:spLocks noGrp="1" noRot="1" noChangeAspect="1" noMove="1" noResize="1" noEditPoints="1" noAdjustHandles="1" noChangeArrowheads="1" noChangeShapeType="1" noTextEdit="1"/>
+          </p:cNvSpPr>
+          <p:nvPr>
+            <p:extLst>
+              <p:ext uri="{386F3935-93C4-4BCD-93E2-E3B085C9AB24}">
+                <p16:designElem xmlns:p16="http://schemas.microsoft.com/office/powerpoint/2015/main" val="1"/>
+              </p:ext>
+            </p:extLst>
+          </p:nvPr>
+        </p:nvSpPr>
+        <p:spPr>
+          <a:xfrm>
+            <a:off x="395893" y="2443480"/>
+            <a:ext cx="3383280" cy="18288"/>
+          </a:xfrm>
+          <a:prstGeom prst="rect">
+            <a:avLst/>
+          </a:prstGeom>
+          <a:solidFill>
+            <a:schemeClr val="tx2">
+              <a:lumMod val="25000"/>
+              <a:lumOff val="75000"/>
+            </a:schemeClr>
+          </a:solidFill>
+          <a:ln w="3175">
+            <a:noFill/>
+          </a:ln>
+          <a:effectLst/>
+        </p:spPr>
+        <p:style>
+          <a:lnRef idx="2">
+            <a:schemeClr val="accent1">
+              <a:shade val="50000"/>
+            </a:schemeClr>
+          </a:lnRef>
+          <a:fillRef idx="1">
+            <a:schemeClr val="accent1"/>
+          </a:fillRef>
+          <a:effectRef idx="0">
+            <a:schemeClr val="accent1"/>
+          </a:effectRef>
+          <a:fontRef idx="minor">
+            <a:schemeClr val="lt1"/>
+          </a:fontRef>
+        </p:style>
+        <p:txBody>
+          <a:bodyPr rtlCol="0" anchor="ctr"/>
+          <a:lstStyle/>
+          <a:p>
+            <a:pPr marL="0" marR="0" lvl="0" indent="0" algn="ctr" defTabSz="914400" rtl="0" eaLnBrk="1" fontAlgn="auto" latinLnBrk="0" hangingPunct="1">
+              <a:lnSpc>
+                <a:spcPct val="100000"/>
+              </a:lnSpc>
+              <a:spcBef>
+                <a:spcPts val="0"/>
+              </a:spcBef>
+              <a:spcAft>
+                <a:spcPts val="0"/>
+              </a:spcAft>
+              <a:buClrTx/>
+              <a:buSzTx/>
+              <a:buFontTx/>
+              <a:buNone/>
+              <a:tabLst/>
+              <a:defRPr/>
+            </a:pPr>
+            <a:endParaRPr kumimoji="0" lang="en-US" sz="1800" b="0" i="0" u="none" strike="noStrike" kern="1200" cap="none" spc="0" normalizeH="0" baseline="0" noProof="0">
+              <a:ln>
+                <a:noFill/>
+              </a:ln>
+              <a:solidFill>
+                <a:prstClr val="white"/>
+              </a:solidFill>
+              <a:effectLst/>
+              <a:uLnTx/>
+              <a:uFillTx/>
+              <a:latin typeface="Calibri" panose="020F0502020204030204"/>
+              <a:ea typeface="+mn-ea"/>
+              <a:cs typeface="+mn-cs"/>
+            </a:endParaRPr>
+          </a:p>
+        </p:txBody>
+      </p:sp>
+      <p:sp>
+        <p:nvSpPr>
+          <p:cNvPr id="4" name="Text Placeholder 3">
+            <a:extLst>
+              <a:ext uri="{FF2B5EF4-FFF2-40B4-BE49-F238E27FC236}">
+                <a16:creationId xmlns:a16="http://schemas.microsoft.com/office/drawing/2014/main" id="{E611341B-057C-459F-9733-2A72E39FA5D4}"/>
+              </a:ext>
+            </a:extLst>
+          </p:cNvPr>
+          <p:cNvSpPr>
+            <a:spLocks noGrp="1"/>
+          </p:cNvSpPr>
+          <p:nvPr>
+            <p:ph type="body" sz="half" idx="2"/>
+          </p:nvPr>
+        </p:nvSpPr>
+        <p:spPr>
+          <a:xfrm>
+            <a:off x="371094" y="2718054"/>
+            <a:ext cx="3438906" cy="3207258"/>
+          </a:xfrm>
+        </p:spPr>
+        <p:txBody>
+          <a:bodyPr vert="horz" lIns="91440" tIns="45720" rIns="91440" bIns="45720" rtlCol="0" anchor="t">
+            <a:normAutofit/>
+          </a:bodyPr>
+          <a:lstStyle/>
+          <a:p>
+            <a:pPr marL="285750" indent="-228600">
+              <a:buFont typeface="Arial" panose="020B0604020202020204" pitchFamily="34" charset="0"/>
+              <a:buChar char="•"/>
+            </a:pPr>
+            <a:r>
+              <a:rPr lang="en-US" sz="1700"/>
+              <a:t>More mainstream customers in “Young singles/couples” and “Retirees” segments</a:t>
+            </a:r>
+          </a:p>
+          <a:p>
+            <a:pPr marL="285750" indent="-228600">
+              <a:buFont typeface="Arial" panose="020B0604020202020204" pitchFamily="34" charset="0"/>
+              <a:buChar char="•"/>
+            </a:pPr>
+            <a:r>
+              <a:rPr lang="en-US" sz="1700"/>
+              <a:t>The number of Budget customers in the “Older Families segment was not a major driver of sales</a:t>
+            </a:r>
+          </a:p>
+        </p:txBody>
+      </p:sp>
+      <p:pic>
+        <p:nvPicPr>
+          <p:cNvPr id="6" name="Content Placeholder 5" descr="A screenshot of a cell phone&#10;&#10;Description automatically generated">
+            <a:extLst>
+              <a:ext uri="{FF2B5EF4-FFF2-40B4-BE49-F238E27FC236}">
+                <a16:creationId xmlns:a16="http://schemas.microsoft.com/office/drawing/2014/main" id="{4988CD06-135F-40BA-8B66-AF7C9D15F575}"/>
+              </a:ext>
+            </a:extLst>
+          </p:cNvPr>
+          <p:cNvPicPr>
+            <a:picLocks noGrp="1" noChangeAspect="1"/>
+          </p:cNvPicPr>
+          <p:nvPr>
+            <p:ph idx="1"/>
+          </p:nvPr>
+        </p:nvPicPr>
+        <p:blipFill>
+          <a:blip r:embed="rId2">
+            <a:extLst>
+              <a:ext uri="{28A0092B-C50C-407E-A947-70E740481C1C}">
+                <a14:useLocalDpi xmlns:a14="http://schemas.microsoft.com/office/drawing/2010/main" val="0"/>
+              </a:ext>
+            </a:extLst>
+          </a:blip>
+          <a:stretch>
+            <a:fillRect/>
+          </a:stretch>
+        </p:blipFill>
+        <p:spPr>
+          <a:xfrm>
+            <a:off x="4901184" y="1056590"/>
+            <a:ext cx="6922008" cy="4845404"/>
+          </a:xfrm>
+          <a:prstGeom prst="rect">
+            <a:avLst/>
+          </a:prstGeom>
+        </p:spPr>
+      </p:pic>
+    </p:spTree>
+    <p:extLst>
+      <p:ext uri="{BB962C8B-B14F-4D97-AF65-F5344CB8AC3E}">
+        <p14:creationId xmlns:p14="http://schemas.microsoft.com/office/powerpoint/2010/main" val="2161095817"/>
+      </p:ext>
+    </p:extLst>
+  </p:cSld>
+  <p:clrMapOvr>
+    <a:masterClrMapping/>
+  </p:clrMapOvr>
+</p:sld>
+</file>
+
+<file path=ppt/slides/slide6.xml><?xml version="1.0" encoding="utf-8"?>
+<p:sld xmlns:a="http://schemas.openxmlformats.org/drawingml/2006/main" xmlns:r="http://schemas.openxmlformats.org/officeDocument/2006/relationships" xmlns:p="http://schemas.openxmlformats.org/presentationml/2006/main">
+  <p:cSld>
+    <p:bg>
+      <p:bgPr>
+        <a:solidFill>
+          <a:schemeClr val="bg1"/>
+        </a:solidFill>
+        <a:effectLst/>
+      </p:bgPr>
+    </p:bg>
+    <p:spTree>
+      <p:nvGrpSpPr>
+        <p:cNvPr id="1" name=""/>
+        <p:cNvGrpSpPr/>
+        <p:nvPr/>
+      </p:nvGrpSpPr>
+      <p:grpSpPr>
+        <a:xfrm>
+          <a:off x="0" y="0"/>
+          <a:ext cx="0" cy="0"/>
+          <a:chOff x="0" y="0"/>
+          <a:chExt cx="0" cy="0"/>
+        </a:xfrm>
+      </p:grpSpPr>
+      <p:sp useBgFill="1">
+        <p:nvSpPr>
+          <p:cNvPr id="27" name="Rectangle 10">
+            <a:extLst>
+              <a:ext uri="{FF2B5EF4-FFF2-40B4-BE49-F238E27FC236}">
+                <a16:creationId xmlns:a16="http://schemas.microsoft.com/office/drawing/2014/main" id="{2D6FBB9D-1CAA-4D05-AB33-BABDFE17B843}"/>
+              </a:ext>
+              <a:ext uri="{C183D7F6-B498-43B3-948B-1728B52AA6E4}">
+                <adec:decorative xmlns:adec="http://schemas.microsoft.com/office/drawing/2017/decorative" val="1"/>
+              </a:ext>
+            </a:extLst>
+          </p:cNvPr>
+          <p:cNvSpPr>
+            <a:spLocks noGrp="1" noRot="1" noChangeAspect="1" noMove="1" noResize="1" noEditPoints="1" noAdjustHandles="1" noChangeArrowheads="1" noChangeShapeType="1" noTextEdit="1"/>
+          </p:cNvSpPr>
+          <p:nvPr>
+            <p:extLst>
+              <p:ext uri="{386F3935-93C4-4BCD-93E2-E3B085C9AB24}">
+                <p16:designElem xmlns:p16="http://schemas.microsoft.com/office/powerpoint/2015/main" val="1"/>
+              </p:ext>
+            </p:extLst>
+          </p:nvPr>
+        </p:nvSpPr>
+        <p:spPr>
+          <a:xfrm>
+            <a:off x="558209" y="0"/>
+            <a:ext cx="11167447" cy="2018806"/>
+          </a:xfrm>
+          <a:prstGeom prst="rect">
+            <a:avLst/>
+          </a:prstGeom>
+          <a:ln w="9525">
+            <a:solidFill>
+              <a:schemeClr val="tx2">
+                <a:lumMod val="10000"/>
+                <a:lumOff val="90000"/>
+              </a:schemeClr>
+            </a:solidFill>
+          </a:ln>
+          <a:effectLst>
+            <a:outerShdw blurRad="50800" dist="38100" dir="2700000" algn="tl" rotWithShape="0">
+              <a:schemeClr val="bg1">
+                <a:lumMod val="85000"/>
+                <a:alpha val="30000"/>
+              </a:schemeClr>
+            </a:outerShdw>
+          </a:effectLst>
+        </p:spPr>
+        <p:style>
+          <a:lnRef idx="2">
+            <a:schemeClr val="accent1">
+              <a:shade val="50000"/>
+            </a:schemeClr>
+          </a:lnRef>
+          <a:fillRef idx="1">
+            <a:schemeClr val="accent1"/>
+          </a:fillRef>
+          <a:effectRef idx="0">
+            <a:schemeClr val="accent1"/>
+          </a:effectRef>
+          <a:fontRef idx="minor">
+            <a:schemeClr val="lt1"/>
+          </a:fontRef>
+        </p:style>
+        <p:txBody>
+          <a:bodyPr rtlCol="0" anchor="ctr"/>
+          <a:lstStyle/>
+          <a:p>
+            <a:pPr marL="0" marR="0" lvl="0" indent="0" algn="ctr" defTabSz="914400" rtl="0" eaLnBrk="1" fontAlgn="auto" latinLnBrk="0" hangingPunct="1">
+              <a:lnSpc>
+                <a:spcPct val="100000"/>
+              </a:lnSpc>
+              <a:spcBef>
+                <a:spcPts val="0"/>
+              </a:spcBef>
+              <a:spcAft>
+                <a:spcPts val="0"/>
+              </a:spcAft>
+              <a:buClrTx/>
+              <a:buSzTx/>
+              <a:buFontTx/>
+              <a:buNone/>
+              <a:tabLst/>
+              <a:defRPr/>
+            </a:pPr>
+            <a:endParaRPr kumimoji="0" lang="en-US" sz="1800" b="0" i="0" u="none" strike="noStrike" kern="1200" cap="none" spc="0" normalizeH="0" baseline="0" noProof="0">
+              <a:ln>
+                <a:noFill/>
+              </a:ln>
+              <a:solidFill>
+                <a:prstClr val="white"/>
+              </a:solidFill>
+              <a:effectLst/>
+              <a:uLnTx/>
+              <a:uFillTx/>
+              <a:latin typeface="Calibri" panose="020F0502020204030204"/>
+              <a:ea typeface="+mn-ea"/>
+              <a:cs typeface="+mn-cs"/>
+            </a:endParaRPr>
+          </a:p>
+        </p:txBody>
+      </p:sp>
+      <p:sp useBgFill="1">
+        <p:nvSpPr>
+          <p:cNvPr id="28" name="Rectangle 12">
+            <a:extLst>
+              <a:ext uri="{FF2B5EF4-FFF2-40B4-BE49-F238E27FC236}">
+                <a16:creationId xmlns:a16="http://schemas.microsoft.com/office/drawing/2014/main" id="{04727B71-B4B6-4823-80A1-68C40B475118}"/>
+              </a:ext>
+              <a:ext uri="{C183D7F6-B498-43B3-948B-1728B52AA6E4}">
+                <adec:decorative xmlns:adec="http://schemas.microsoft.com/office/drawing/2017/decorative" val="1"/>
+              </a:ext>
+            </a:extLst>
+          </p:cNvPr>
+          <p:cNvSpPr>
+            <a:spLocks noGrp="1" noRot="1" noChangeAspect="1" noMove="1" noResize="1" noEditPoints="1" noAdjustHandles="1" noChangeArrowheads="1" noChangeShapeType="1" noTextEdit="1"/>
+          </p:cNvSpPr>
+          <p:nvPr>
+            <p:extLst>
+              <p:ext uri="{386F3935-93C4-4BCD-93E2-E3B085C9AB24}">
+                <p16:designElem xmlns:p16="http://schemas.microsoft.com/office/powerpoint/2015/main" val="1"/>
+              </p:ext>
+            </p:extLst>
+          </p:nvPr>
+        </p:nvSpPr>
+        <p:spPr>
+          <a:xfrm>
+            <a:off x="566928" y="0"/>
+            <a:ext cx="11155680" cy="2011680"/>
+          </a:xfrm>
+          <a:prstGeom prst="rect">
+            <a:avLst/>
+          </a:prstGeom>
+          <a:ln w="9525">
+            <a:noFill/>
+          </a:ln>
+          <a:effectLst/>
+        </p:spPr>
+        <p:style>
+          <a:lnRef idx="2">
+            <a:schemeClr val="accent1">
+              <a:shade val="50000"/>
+            </a:schemeClr>
+          </a:lnRef>
+          <a:fillRef idx="1">
+            <a:schemeClr val="accent1"/>
+          </a:fillRef>
+          <a:effectRef idx="0">
+            <a:schemeClr val="accent1"/>
+          </a:effectRef>
+          <a:fontRef idx="minor">
+            <a:schemeClr val="lt1"/>
+          </a:fontRef>
+        </p:style>
+        <p:txBody>
+          <a:bodyPr rtlCol="0" anchor="ctr"/>
+          <a:lstStyle/>
+          <a:p>
+            <a:pPr marL="0" marR="0" lvl="0" indent="0" algn="ctr" defTabSz="914400" rtl="0" eaLnBrk="1" fontAlgn="auto" latinLnBrk="0" hangingPunct="1">
+              <a:lnSpc>
+                <a:spcPct val="100000"/>
+              </a:lnSpc>
+              <a:spcBef>
+                <a:spcPts val="0"/>
+              </a:spcBef>
+              <a:spcAft>
+                <a:spcPts val="0"/>
+              </a:spcAft>
+              <a:buClrTx/>
+              <a:buSzTx/>
+              <a:buFontTx/>
+              <a:buNone/>
+              <a:tabLst/>
+              <a:defRPr/>
+            </a:pPr>
+            <a:endParaRPr kumimoji="0" lang="en-US" sz="1800" b="0" i="0" u="none" strike="noStrike" kern="1200" cap="none" spc="0" normalizeH="0" baseline="0" noProof="0">
+              <a:ln>
+                <a:noFill/>
+              </a:ln>
+              <a:solidFill>
+                <a:prstClr val="white"/>
+              </a:solidFill>
+              <a:effectLst/>
+              <a:uLnTx/>
+              <a:uFillTx/>
+              <a:latin typeface="Calibri" panose="020F0502020204030204"/>
+              <a:ea typeface="+mn-ea"/>
+              <a:cs typeface="+mn-cs"/>
+            </a:endParaRPr>
+          </a:p>
+        </p:txBody>
+      </p:sp>
+      <p:sp>
+        <p:nvSpPr>
+          <p:cNvPr id="29" name="Rectangle 14">
+            <a:extLst>
+              <a:ext uri="{FF2B5EF4-FFF2-40B4-BE49-F238E27FC236}">
+                <a16:creationId xmlns:a16="http://schemas.microsoft.com/office/drawing/2014/main" id="{79A6DB05-9FB5-4B07-8675-74C23D4FD89D}"/>
+              </a:ext>
+              <a:ext uri="{C183D7F6-B498-43B3-948B-1728B52AA6E4}">
+                <adec:decorative xmlns:adec="http://schemas.microsoft.com/office/drawing/2017/decorative" val="1"/>
+              </a:ext>
+            </a:extLst>
+          </p:cNvPr>
+          <p:cNvSpPr>
+            <a:spLocks noGrp="1" noRot="1" noChangeAspect="1" noMove="1" noResize="1" noEditPoints="1" noAdjustHandles="1" noChangeArrowheads="1" noChangeShapeType="1" noTextEdit="1"/>
+          </p:cNvSpPr>
+          <p:nvPr>
+            <p:extLst>
+              <p:ext uri="{386F3935-93C4-4BCD-93E2-E3B085C9AB24}">
+                <p16:designElem xmlns:p16="http://schemas.microsoft.com/office/powerpoint/2015/main" val="1"/>
+              </p:ext>
+            </p:extLst>
+          </p:nvPr>
+        </p:nvSpPr>
+        <p:spPr>
+          <a:xfrm>
+            <a:off x="498834" y="787352"/>
+            <a:ext cx="128016" cy="704088"/>
+          </a:xfrm>
+          <a:prstGeom prst="rect">
+            <a:avLst/>
+          </a:prstGeom>
+          <a:solidFill>
+            <a:schemeClr val="accent1"/>
+          </a:solidFill>
+          <a:ln>
+            <a:noFill/>
+          </a:ln>
+        </p:spPr>
+        <p:style>
+          <a:lnRef idx="2">
+            <a:schemeClr val="accent1">
+              <a:shade val="50000"/>
+            </a:schemeClr>
+          </a:lnRef>
+          <a:fillRef idx="1">
+            <a:schemeClr val="accent1"/>
+          </a:fillRef>
+          <a:effectRef idx="0">
+            <a:schemeClr val="accent1"/>
+          </a:effectRef>
+          <a:fontRef idx="minor">
+            <a:schemeClr val="lt1"/>
+          </a:fontRef>
+        </p:style>
+        <p:txBody>
+          <a:bodyPr rtlCol="0" anchor="ctr"/>
+          <a:lstStyle/>
+          <a:p>
+            <a:pPr marL="0" marR="0" lvl="0" indent="0" algn="ctr" defTabSz="914400" rtl="0" eaLnBrk="1" fontAlgn="auto" latinLnBrk="0" hangingPunct="1">
+              <a:lnSpc>
+                <a:spcPct val="100000"/>
+              </a:lnSpc>
+              <a:spcBef>
+                <a:spcPts val="0"/>
+              </a:spcBef>
+              <a:spcAft>
+                <a:spcPts val="0"/>
+              </a:spcAft>
+              <a:buClrTx/>
+              <a:buSzTx/>
+              <a:buFontTx/>
+              <a:buNone/>
+              <a:tabLst/>
+              <a:defRPr/>
+            </a:pPr>
+            <a:endParaRPr kumimoji="0" lang="en-US" sz="1800" b="0" i="0" u="none" strike="noStrike" kern="1200" cap="none" spc="0" normalizeH="0" baseline="0" noProof="0">
+              <a:ln>
+                <a:noFill/>
+              </a:ln>
+              <a:solidFill>
+                <a:prstClr val="white"/>
+              </a:solidFill>
+              <a:effectLst/>
+              <a:uLnTx/>
+              <a:uFillTx/>
+              <a:latin typeface="Calibri" panose="020F0502020204030204"/>
+              <a:ea typeface="+mn-ea"/>
+              <a:cs typeface="+mn-cs"/>
+            </a:endParaRPr>
+          </a:p>
+        </p:txBody>
+      </p:sp>
+      <p:sp useBgFill="1">
+        <p:nvSpPr>
+          <p:cNvPr id="30" name="Rectangle 16">
+            <a:extLst>
+              <a:ext uri="{FF2B5EF4-FFF2-40B4-BE49-F238E27FC236}">
+                <a16:creationId xmlns:a16="http://schemas.microsoft.com/office/drawing/2014/main" id="{0288C6B4-AFC3-407F-A595-EFFD38D4CCAF}"/>
+              </a:ext>
+              <a:ext uri="{C183D7F6-B498-43B3-948B-1728B52AA6E4}">
+                <adec:decorative xmlns:adec="http://schemas.microsoft.com/office/drawing/2017/decorative" val="1"/>
+              </a:ext>
+            </a:extLst>
+          </p:cNvPr>
+          <p:cNvSpPr>
+            <a:spLocks noGrp="1" noRot="1" noChangeAspect="1" noMove="1" noResize="1" noEditPoints="1" noAdjustHandles="1" noChangeArrowheads="1" noChangeShapeType="1" noTextEdit="1"/>
+          </p:cNvSpPr>
+          <p:nvPr>
+            <p:extLst>
+              <p:ext uri="{386F3935-93C4-4BCD-93E2-E3B085C9AB24}">
+                <p16:designElem xmlns:p16="http://schemas.microsoft.com/office/powerpoint/2015/main" val="1"/>
+              </p:ext>
+            </p:extLst>
+          </p:nvPr>
+        </p:nvSpPr>
+        <p:spPr>
+          <a:xfrm>
+            <a:off x="0" y="0"/>
+            <a:ext cx="12192000" cy="6858000"/>
+          </a:xfrm>
+          <a:prstGeom prst="rect">
+            <a:avLst/>
+          </a:prstGeom>
+          <a:ln>
+            <a:noFill/>
+          </a:ln>
+        </p:spPr>
+        <p:style>
+          <a:lnRef idx="2">
+            <a:schemeClr val="accent1">
+              <a:shade val="50000"/>
+            </a:schemeClr>
+          </a:lnRef>
+          <a:fillRef idx="1">
+            <a:schemeClr val="accent1"/>
+          </a:fillRef>
+          <a:effectRef idx="0">
+            <a:schemeClr val="accent1"/>
+          </a:effectRef>
+          <a:fontRef idx="minor">
+            <a:schemeClr val="lt1"/>
+          </a:fontRef>
+        </p:style>
+        <p:txBody>
+          <a:bodyPr rtlCol="0" anchor="ctr"/>
+          <a:lstStyle/>
+          <a:p>
+            <a:pPr algn="ctr"/>
+            <a:endParaRPr lang="en-US"/>
+          </a:p>
+        </p:txBody>
+      </p:sp>
+      <p:sp useBgFill="1">
+        <p:nvSpPr>
+          <p:cNvPr id="31" name="Freeform: Shape 18">
+            <a:extLst>
+              <a:ext uri="{FF2B5EF4-FFF2-40B4-BE49-F238E27FC236}">
+                <a16:creationId xmlns:a16="http://schemas.microsoft.com/office/drawing/2014/main" id="{CF236821-17FE-429B-8D2C-08E13A64EA40}"/>
+              </a:ext>
+              <a:ext uri="{C183D7F6-B498-43B3-948B-1728B52AA6E4}">
+                <adec:decorative xmlns:adec="http://schemas.microsoft.com/office/drawing/2017/decorative" val="1"/>
+              </a:ext>
+            </a:extLst>
+          </p:cNvPr>
+          <p:cNvSpPr>
+            <a:spLocks noGrp="1" noRot="1" noChangeAspect="1" noMove="1" noResize="1" noEditPoints="1" noAdjustHandles="1" noChangeArrowheads="1" noChangeShapeType="1" noTextEdit="1"/>
+          </p:cNvSpPr>
+          <p:nvPr>
+            <p:extLst>
+              <p:ext uri="{386F3935-93C4-4BCD-93E2-E3B085C9AB24}">
+                <p16:designElem xmlns:p16="http://schemas.microsoft.com/office/powerpoint/2015/main" val="1"/>
+              </p:ext>
+            </p:extLst>
+          </p:nvPr>
+        </p:nvSpPr>
+        <p:spPr>
+          <a:xfrm>
+            <a:off x="-1" y="0"/>
+            <a:ext cx="4455673" cy="6858000"/>
+          </a:xfrm>
+          <a:custGeom>
+            <a:avLst/>
+            <a:gdLst>
+              <a:gd name="connsiteX0" fmla="*/ 0 w 4455673"/>
+              <a:gd name="connsiteY0" fmla="*/ 0 h 6858000"/>
+              <a:gd name="connsiteX1" fmla="*/ 3242695 w 4455673"/>
+              <a:gd name="connsiteY1" fmla="*/ 0 h 6858000"/>
+              <a:gd name="connsiteX2" fmla="*/ 3305678 w 4455673"/>
+              <a:gd name="connsiteY2" fmla="*/ 69271 h 6858000"/>
+              <a:gd name="connsiteX3" fmla="*/ 4455673 w 4455673"/>
+              <a:gd name="connsiteY3" fmla="*/ 3429000 h 6858000"/>
+              <a:gd name="connsiteX4" fmla="*/ 3305678 w 4455673"/>
+              <a:gd name="connsiteY4" fmla="*/ 6788730 h 6858000"/>
+              <a:gd name="connsiteX5" fmla="*/ 3242695 w 4455673"/>
+              <a:gd name="connsiteY5" fmla="*/ 6858000 h 6858000"/>
+              <a:gd name="connsiteX6" fmla="*/ 0 w 4455673"/>
+              <a:gd name="connsiteY6" fmla="*/ 6858000 h 6858000"/>
+            </a:gdLst>
+            <a:ahLst/>
+            <a:cxnLst>
+              <a:cxn ang="0">
+                <a:pos x="connsiteX0" y="connsiteY0"/>
+              </a:cxn>
+              <a:cxn ang="0">
+                <a:pos x="connsiteX1" y="connsiteY1"/>
+              </a:cxn>
+              <a:cxn ang="0">
+                <a:pos x="connsiteX2" y="connsiteY2"/>
+              </a:cxn>
+              <a:cxn ang="0">
+                <a:pos x="connsiteX3" y="connsiteY3"/>
+              </a:cxn>
+              <a:cxn ang="0">
+                <a:pos x="connsiteX4" y="connsiteY4"/>
+              </a:cxn>
+              <a:cxn ang="0">
+                <a:pos x="connsiteX5" y="connsiteY5"/>
+              </a:cxn>
+              <a:cxn ang="0">
+                <a:pos x="connsiteX6" y="connsiteY6"/>
+              </a:cxn>
+            </a:cxnLst>
+            <a:rect l="l" t="t" r="r" b="b"/>
+            <a:pathLst>
+              <a:path w="4455673" h="6858000">
+                <a:moveTo>
+                  <a:pt x="0" y="0"/>
+                </a:moveTo>
+                <a:lnTo>
+                  <a:pt x="3242695" y="0"/>
+                </a:lnTo>
+                <a:lnTo>
+                  <a:pt x="3305678" y="69271"/>
+                </a:lnTo>
+                <a:cubicBezTo>
+                  <a:pt x="4016204" y="929100"/>
+                  <a:pt x="4455673" y="2116944"/>
+                  <a:pt x="4455673" y="3429000"/>
+                </a:cubicBezTo>
+                <a:cubicBezTo>
+                  <a:pt x="4455673" y="4741056"/>
+                  <a:pt x="4016204" y="5928900"/>
+                  <a:pt x="3305678" y="6788730"/>
+                </a:cubicBezTo>
+                <a:lnTo>
+                  <a:pt x="3242695" y="6858000"/>
+                </a:lnTo>
+                <a:lnTo>
+                  <a:pt x="0" y="6858000"/>
+                </a:lnTo>
+                <a:close/>
+              </a:path>
+            </a:pathLst>
+          </a:custGeom>
+          <a:ln w="9525">
+            <a:solidFill>
+              <a:schemeClr val="tx2">
+                <a:lumMod val="10000"/>
+                <a:lumOff val="90000"/>
+              </a:schemeClr>
+            </a:solidFill>
+          </a:ln>
+          <a:effectLst>
+            <a:outerShdw blurRad="50800" dist="38100" algn="l" rotWithShape="0">
+              <a:schemeClr val="bg1">
+                <a:lumMod val="85000"/>
+                <a:alpha val="30000"/>
+              </a:schemeClr>
+            </a:outerShdw>
+          </a:effectLst>
+        </p:spPr>
+        <p:style>
+          <a:lnRef idx="2">
+            <a:schemeClr val="accent1">
+              <a:shade val="50000"/>
+            </a:schemeClr>
+          </a:lnRef>
+          <a:fillRef idx="1">
+            <a:schemeClr val="accent1"/>
+          </a:fillRef>
+          <a:effectRef idx="0">
+            <a:schemeClr val="accent1"/>
+          </a:effectRef>
+          <a:fontRef idx="minor">
+            <a:schemeClr val="lt1"/>
+          </a:fontRef>
+        </p:style>
+        <p:txBody>
+          <a:bodyPr wrap="square" rtlCol="0" anchor="ctr">
+            <a:noAutofit/>
+          </a:bodyPr>
+          <a:lstStyle/>
+          <a:p>
+            <a:pPr marL="0" marR="0" lvl="0" indent="0" algn="ctr" defTabSz="914400" rtl="0" eaLnBrk="1" fontAlgn="auto" latinLnBrk="0" hangingPunct="1">
+              <a:lnSpc>
+                <a:spcPct val="100000"/>
+              </a:lnSpc>
+              <a:spcBef>
+                <a:spcPts val="0"/>
+              </a:spcBef>
+              <a:spcAft>
+                <a:spcPts val="0"/>
+              </a:spcAft>
+              <a:buClrTx/>
+              <a:buSzTx/>
+              <a:buFontTx/>
+              <a:buNone/>
+              <a:tabLst/>
+              <a:defRPr/>
+            </a:pPr>
+            <a:endParaRPr kumimoji="0" lang="en-US" sz="1800" b="0" i="0" u="none" strike="noStrike" kern="1200" cap="none" spc="0" normalizeH="0" baseline="0" noProof="0">
+              <a:ln>
+                <a:noFill/>
+              </a:ln>
+              <a:solidFill>
+                <a:prstClr val="white"/>
+              </a:solidFill>
+              <a:effectLst/>
+              <a:uLnTx/>
+              <a:uFillTx/>
+              <a:latin typeface="Calibri" panose="020F0502020204030204"/>
+              <a:ea typeface="+mn-ea"/>
+              <a:cs typeface="+mn-cs"/>
+            </a:endParaRPr>
+          </a:p>
+        </p:txBody>
+      </p:sp>
+      <p:sp useBgFill="1">
+        <p:nvSpPr>
+          <p:cNvPr id="32" name="Freeform: Shape 20">
+            <a:extLst>
+              <a:ext uri="{FF2B5EF4-FFF2-40B4-BE49-F238E27FC236}">
+                <a16:creationId xmlns:a16="http://schemas.microsoft.com/office/drawing/2014/main" id="{C0BDBCD2-E081-43AB-9119-C55465E59757}"/>
+              </a:ext>
+              <a:ext uri="{C183D7F6-B498-43B3-948B-1728B52AA6E4}">
+                <adec:decorative xmlns:adec="http://schemas.microsoft.com/office/drawing/2017/decorative" val="1"/>
+              </a:ext>
+            </a:extLst>
+          </p:cNvPr>
+          <p:cNvSpPr>
+            <a:spLocks noGrp="1" noRot="1" noChangeAspect="1" noMove="1" noResize="1" noEditPoints="1" noAdjustHandles="1" noChangeArrowheads="1" noChangeShapeType="1" noTextEdit="1"/>
+          </p:cNvSpPr>
+          <p:nvPr>
+            <p:extLst>
+              <p:ext uri="{386F3935-93C4-4BCD-93E2-E3B085C9AB24}">
+                <p16:designElem xmlns:p16="http://schemas.microsoft.com/office/powerpoint/2015/main" val="1"/>
+              </p:ext>
+            </p:extLst>
+          </p:nvPr>
+        </p:nvSpPr>
+        <p:spPr>
+          <a:xfrm>
+            <a:off x="0" y="0"/>
+            <a:ext cx="4446529" cy="6858000"/>
+          </a:xfrm>
+          <a:custGeom>
+            <a:avLst/>
+            <a:gdLst>
+              <a:gd name="connsiteX0" fmla="*/ 0 w 4446529"/>
+              <a:gd name="connsiteY0" fmla="*/ 0 h 6858000"/>
+              <a:gd name="connsiteX1" fmla="*/ 3233551 w 4446529"/>
+              <a:gd name="connsiteY1" fmla="*/ 0 h 6858000"/>
+              <a:gd name="connsiteX2" fmla="*/ 3296534 w 4446529"/>
+              <a:gd name="connsiteY2" fmla="*/ 69271 h 6858000"/>
+              <a:gd name="connsiteX3" fmla="*/ 4446529 w 4446529"/>
+              <a:gd name="connsiteY3" fmla="*/ 3429000 h 6858000"/>
+              <a:gd name="connsiteX4" fmla="*/ 3296534 w 4446529"/>
+              <a:gd name="connsiteY4" fmla="*/ 6788730 h 6858000"/>
+              <a:gd name="connsiteX5" fmla="*/ 3233551 w 4446529"/>
+              <a:gd name="connsiteY5" fmla="*/ 6858000 h 6858000"/>
+              <a:gd name="connsiteX6" fmla="*/ 0 w 4446529"/>
+              <a:gd name="connsiteY6" fmla="*/ 6858000 h 6858000"/>
+            </a:gdLst>
+            <a:ahLst/>
+            <a:cxnLst>
+              <a:cxn ang="0">
+                <a:pos x="connsiteX0" y="connsiteY0"/>
+              </a:cxn>
+              <a:cxn ang="0">
+                <a:pos x="connsiteX1" y="connsiteY1"/>
+              </a:cxn>
+              <a:cxn ang="0">
+                <a:pos x="connsiteX2" y="connsiteY2"/>
+              </a:cxn>
+              <a:cxn ang="0">
+                <a:pos x="connsiteX3" y="connsiteY3"/>
+              </a:cxn>
+              <a:cxn ang="0">
+                <a:pos x="connsiteX4" y="connsiteY4"/>
+              </a:cxn>
+              <a:cxn ang="0">
+                <a:pos x="connsiteX5" y="connsiteY5"/>
+              </a:cxn>
+              <a:cxn ang="0">
+                <a:pos x="connsiteX6" y="connsiteY6"/>
+              </a:cxn>
+            </a:cxnLst>
+            <a:rect l="l" t="t" r="r" b="b"/>
+            <a:pathLst>
+              <a:path w="4446529" h="6858000">
+                <a:moveTo>
+                  <a:pt x="0" y="0"/>
+                </a:moveTo>
+                <a:lnTo>
+                  <a:pt x="3233551" y="0"/>
+                </a:lnTo>
+                <a:lnTo>
+                  <a:pt x="3296534" y="69271"/>
+                </a:lnTo>
+                <a:cubicBezTo>
+                  <a:pt x="4007060" y="929100"/>
+                  <a:pt x="4446529" y="2116944"/>
+                  <a:pt x="4446529" y="3429000"/>
+                </a:cubicBezTo>
+                <a:cubicBezTo>
+                  <a:pt x="4446529" y="4741056"/>
+                  <a:pt x="4007060" y="5928900"/>
+                  <a:pt x="3296534" y="6788730"/>
+                </a:cubicBezTo>
+                <a:lnTo>
+                  <a:pt x="3233551" y="6858000"/>
+                </a:lnTo>
+                <a:lnTo>
+                  <a:pt x="0" y="6858000"/>
+                </a:lnTo>
+                <a:close/>
+              </a:path>
+            </a:pathLst>
+          </a:custGeom>
+          <a:ln w="9525">
+            <a:noFill/>
+          </a:ln>
+          <a:effectLst/>
+        </p:spPr>
+        <p:style>
+          <a:lnRef idx="2">
+            <a:schemeClr val="accent1">
+              <a:shade val="50000"/>
+            </a:schemeClr>
+          </a:lnRef>
+          <a:fillRef idx="1">
+            <a:schemeClr val="accent1"/>
+          </a:fillRef>
+          <a:effectRef idx="0">
+            <a:schemeClr val="accent1"/>
+          </a:effectRef>
+          <a:fontRef idx="minor">
+            <a:schemeClr val="lt1"/>
+          </a:fontRef>
+        </p:style>
+        <p:txBody>
+          <a:bodyPr wrap="square" rtlCol="0" anchor="ctr">
+            <a:noAutofit/>
+          </a:bodyPr>
+          <a:lstStyle/>
+          <a:p>
+            <a:pPr marL="0" marR="0" lvl="0" indent="0" algn="ctr" defTabSz="914400" rtl="0" eaLnBrk="1" fontAlgn="auto" latinLnBrk="0" hangingPunct="1">
+              <a:lnSpc>
+                <a:spcPct val="100000"/>
+              </a:lnSpc>
+              <a:spcBef>
+                <a:spcPts val="0"/>
+              </a:spcBef>
+              <a:spcAft>
+                <a:spcPts val="0"/>
+              </a:spcAft>
+              <a:buClrTx/>
+              <a:buSzTx/>
+              <a:buFontTx/>
+              <a:buNone/>
+              <a:tabLst/>
+              <a:defRPr/>
+            </a:pPr>
+            <a:endParaRPr kumimoji="0" lang="en-US" sz="1800" b="0" i="0" u="none" strike="noStrike" kern="1200" cap="none" spc="0" normalizeH="0" baseline="0" noProof="0">
+              <a:ln>
+                <a:noFill/>
+              </a:ln>
+              <a:solidFill>
+                <a:prstClr val="white"/>
+              </a:solidFill>
+              <a:effectLst/>
+              <a:uLnTx/>
+              <a:uFillTx/>
+              <a:latin typeface="Calibri" panose="020F0502020204030204"/>
+              <a:ea typeface="+mn-ea"/>
+              <a:cs typeface="+mn-cs"/>
+            </a:endParaRPr>
+          </a:p>
+        </p:txBody>
+      </p:sp>
+      <p:sp>
+        <p:nvSpPr>
+          <p:cNvPr id="2" name="Title 1">
+            <a:extLst>
+              <a:ext uri="{FF2B5EF4-FFF2-40B4-BE49-F238E27FC236}">
+                <a16:creationId xmlns:a16="http://schemas.microsoft.com/office/drawing/2014/main" id="{1680C83A-019B-43F1-B48C-3EA6C648449E}"/>
+              </a:ext>
+            </a:extLst>
+          </p:cNvPr>
+          <p:cNvSpPr>
+            <a:spLocks noGrp="1"/>
+          </p:cNvSpPr>
+          <p:nvPr>
+            <p:ph type="title"/>
+          </p:nvPr>
+        </p:nvSpPr>
+        <p:spPr>
+          <a:xfrm>
+            <a:off x="371094" y="1161288"/>
+            <a:ext cx="3438144" cy="1239012"/>
+          </a:xfrm>
+        </p:spPr>
+        <p:txBody>
+          <a:bodyPr vert="horz" lIns="91440" tIns="45720" rIns="91440" bIns="45720" rtlCol="0" anchor="ctr">
+            <a:normAutofit/>
+          </a:bodyPr>
+          <a:lstStyle/>
+          <a:p>
+            <a:pPr>
+              <a:lnSpc>
+                <a:spcPct val="90000"/>
+              </a:lnSpc>
+            </a:pPr>
+            <a:r>
+              <a:rPr lang="en-US" sz="2600"/>
+              <a:t>Average Price Per Unit for Each Customer Segment</a:t>
+            </a:r>
+          </a:p>
+        </p:txBody>
+      </p:sp>
+      <p:sp>
+        <p:nvSpPr>
+          <p:cNvPr id="33" name="Rectangle 22">
+            <a:extLst>
+              <a:ext uri="{FF2B5EF4-FFF2-40B4-BE49-F238E27FC236}">
+                <a16:creationId xmlns:a16="http://schemas.microsoft.com/office/drawing/2014/main" id="{98E79BE4-34FE-485A-98A5-92CE8F7C4743}"/>
+              </a:ext>
+              <a:ext uri="{C183D7F6-B498-43B3-948B-1728B52AA6E4}">
+                <adec:decorative xmlns:adec="http://schemas.microsoft.com/office/drawing/2017/decorative" val="1"/>
+              </a:ext>
+            </a:extLst>
+          </p:cNvPr>
+          <p:cNvSpPr>
+            <a:spLocks noGrp="1" noRot="1" noChangeAspect="1" noMove="1" noResize="1" noEditPoints="1" noAdjustHandles="1" noChangeArrowheads="1" noChangeShapeType="1" noTextEdit="1"/>
+          </p:cNvSpPr>
+          <p:nvPr>
+            <p:extLst>
+              <p:ext uri="{386F3935-93C4-4BCD-93E2-E3B085C9AB24}">
+                <p16:designElem xmlns:p16="http://schemas.microsoft.com/office/powerpoint/2015/main" val="1"/>
+              </p:ext>
+            </p:extLst>
+          </p:nvPr>
+        </p:nvSpPr>
+        <p:spPr>
+          <a:xfrm>
+            <a:off x="0" y="1426546"/>
+            <a:ext cx="128016" cy="653903"/>
+          </a:xfrm>
+          <a:prstGeom prst="rect">
+            <a:avLst/>
+          </a:prstGeom>
+          <a:solidFill>
+            <a:schemeClr val="accent1"/>
+          </a:solidFill>
+          <a:ln>
+            <a:noFill/>
+          </a:ln>
+        </p:spPr>
+        <p:style>
+          <a:lnRef idx="2">
+            <a:schemeClr val="accent1">
+              <a:shade val="50000"/>
+            </a:schemeClr>
+          </a:lnRef>
+          <a:fillRef idx="1">
+            <a:schemeClr val="accent1"/>
+          </a:fillRef>
+          <a:effectRef idx="0">
+            <a:schemeClr val="accent1"/>
+          </a:effectRef>
+          <a:fontRef idx="minor">
+            <a:schemeClr val="lt1"/>
+          </a:fontRef>
+        </p:style>
+        <p:txBody>
+          <a:bodyPr rtlCol="0" anchor="ctr"/>
+          <a:lstStyle/>
+          <a:p>
+            <a:pPr marL="0" marR="0" lvl="0" indent="0" algn="ctr" defTabSz="914400" rtl="0" eaLnBrk="1" fontAlgn="auto" latinLnBrk="0" hangingPunct="1">
+              <a:lnSpc>
+                <a:spcPct val="100000"/>
+              </a:lnSpc>
+              <a:spcBef>
+                <a:spcPts val="0"/>
+              </a:spcBef>
+              <a:spcAft>
+                <a:spcPts val="0"/>
+              </a:spcAft>
+              <a:buClrTx/>
+              <a:buSzTx/>
+              <a:buFontTx/>
+              <a:buNone/>
+              <a:tabLst/>
+              <a:defRPr/>
+            </a:pPr>
+            <a:endParaRPr kumimoji="0" lang="en-US" sz="1800" b="0" i="0" u="none" strike="noStrike" kern="1200" cap="none" spc="0" normalizeH="0" baseline="0" noProof="0">
+              <a:ln>
+                <a:noFill/>
+              </a:ln>
+              <a:solidFill>
+                <a:prstClr val="white"/>
+              </a:solidFill>
+              <a:effectLst/>
+              <a:uLnTx/>
+              <a:uFillTx/>
+              <a:latin typeface="Calibri" panose="020F0502020204030204"/>
+              <a:ea typeface="+mn-ea"/>
+              <a:cs typeface="+mn-cs"/>
+            </a:endParaRPr>
+          </a:p>
+        </p:txBody>
+      </p:sp>
+      <p:sp>
+        <p:nvSpPr>
+          <p:cNvPr id="34" name="Rectangle 24">
+            <a:extLst>
+              <a:ext uri="{FF2B5EF4-FFF2-40B4-BE49-F238E27FC236}">
+                <a16:creationId xmlns:a16="http://schemas.microsoft.com/office/drawing/2014/main" id="{7A5F0580-5EE9-419F-96EE-B6529EF6E7D0}"/>
+              </a:ext>
+              <a:ext uri="{C183D7F6-B498-43B3-948B-1728B52AA6E4}">
+                <adec:decorative xmlns:adec="http://schemas.microsoft.com/office/drawing/2017/decorative" val="1"/>
+              </a:ext>
+            </a:extLst>
+          </p:cNvPr>
+          <p:cNvSpPr>
+            <a:spLocks noGrp="1" noRot="1" noChangeAspect="1" noMove="1" noResize="1" noEditPoints="1" noAdjustHandles="1" noChangeArrowheads="1" noChangeShapeType="1" noTextEdit="1"/>
+          </p:cNvSpPr>
+          <p:nvPr>
+            <p:extLst>
+              <p:ext uri="{386F3935-93C4-4BCD-93E2-E3B085C9AB24}">
+                <p16:designElem xmlns:p16="http://schemas.microsoft.com/office/powerpoint/2015/main" val="1"/>
+              </p:ext>
+            </p:extLst>
+          </p:nvPr>
+        </p:nvSpPr>
+        <p:spPr>
+          <a:xfrm>
+            <a:off x="395893" y="2443480"/>
+            <a:ext cx="3383280" cy="18288"/>
+          </a:xfrm>
+          <a:prstGeom prst="rect">
+            <a:avLst/>
+          </a:prstGeom>
+          <a:solidFill>
+            <a:schemeClr val="tx2">
+              <a:lumMod val="25000"/>
+              <a:lumOff val="75000"/>
+            </a:schemeClr>
+          </a:solidFill>
+          <a:ln w="3175">
+            <a:noFill/>
+          </a:ln>
+          <a:effectLst/>
+        </p:spPr>
+        <p:style>
+          <a:lnRef idx="2">
+            <a:schemeClr val="accent1">
+              <a:shade val="50000"/>
+            </a:schemeClr>
+          </a:lnRef>
+          <a:fillRef idx="1">
+            <a:schemeClr val="accent1"/>
+          </a:fillRef>
+          <a:effectRef idx="0">
+            <a:schemeClr val="accent1"/>
+          </a:effectRef>
+          <a:fontRef idx="minor">
+            <a:schemeClr val="lt1"/>
+          </a:fontRef>
+        </p:style>
+        <p:txBody>
+          <a:bodyPr rtlCol="0" anchor="ctr"/>
+          <a:lstStyle/>
+          <a:p>
+            <a:pPr marL="0" marR="0" lvl="0" indent="0" algn="ctr" defTabSz="914400" rtl="0" eaLnBrk="1" fontAlgn="auto" latinLnBrk="0" hangingPunct="1">
+              <a:lnSpc>
+                <a:spcPct val="100000"/>
+              </a:lnSpc>
+              <a:spcBef>
+                <a:spcPts val="0"/>
+              </a:spcBef>
+              <a:spcAft>
+                <a:spcPts val="0"/>
+              </a:spcAft>
+              <a:buClrTx/>
+              <a:buSzTx/>
+              <a:buFontTx/>
+              <a:buNone/>
+              <a:tabLst/>
+              <a:defRPr/>
+            </a:pPr>
+            <a:endParaRPr kumimoji="0" lang="en-US" sz="1800" b="0" i="0" u="none" strike="noStrike" kern="1200" cap="none" spc="0" normalizeH="0" baseline="0" noProof="0">
+              <a:ln>
+                <a:noFill/>
+              </a:ln>
+              <a:solidFill>
+                <a:prstClr val="white"/>
+              </a:solidFill>
+              <a:effectLst/>
+              <a:uLnTx/>
+              <a:uFillTx/>
+              <a:latin typeface="Calibri" panose="020F0502020204030204"/>
+              <a:ea typeface="+mn-ea"/>
+              <a:cs typeface="+mn-cs"/>
+            </a:endParaRPr>
+          </a:p>
+        </p:txBody>
+      </p:sp>
+      <p:sp>
+        <p:nvSpPr>
+          <p:cNvPr id="4" name="Text Placeholder 3">
+            <a:extLst>
+              <a:ext uri="{FF2B5EF4-FFF2-40B4-BE49-F238E27FC236}">
+                <a16:creationId xmlns:a16="http://schemas.microsoft.com/office/drawing/2014/main" id="{021B9D14-4554-4362-977C-9C6E8B4CBDE8}"/>
+              </a:ext>
+            </a:extLst>
+          </p:cNvPr>
+          <p:cNvSpPr>
+            <a:spLocks noGrp="1"/>
+          </p:cNvSpPr>
+          <p:nvPr>
+            <p:ph type="body" sz="half" idx="2"/>
+          </p:nvPr>
+        </p:nvSpPr>
+        <p:spPr>
+          <a:xfrm>
+            <a:off x="371094" y="2718054"/>
+            <a:ext cx="3438906" cy="3207258"/>
+          </a:xfrm>
+        </p:spPr>
+        <p:txBody>
+          <a:bodyPr vert="horz" lIns="91440" tIns="45720" rIns="91440" bIns="45720" rtlCol="0" anchor="t">
+            <a:normAutofit/>
+          </a:bodyPr>
+          <a:lstStyle/>
+          <a:p>
+            <a:pPr marL="285750" indent="-228600">
+              <a:buFont typeface="Arial" panose="020B0604020202020204" pitchFamily="34" charset="0"/>
+              <a:buChar char="•"/>
+            </a:pPr>
+            <a:r>
+              <a:rPr lang="en-US" sz="1700"/>
+              <a:t>Mainstream customers from the “Young singles/couples” and “Midage singles/couples” are more likely to pay more per unit</a:t>
+            </a:r>
+          </a:p>
+        </p:txBody>
+      </p:sp>
+      <p:pic>
+        <p:nvPicPr>
+          <p:cNvPr id="6" name="Content Placeholder 5" descr="A screenshot of a cell phone&#10;&#10;Description automatically generated">
+            <a:extLst>
+              <a:ext uri="{FF2B5EF4-FFF2-40B4-BE49-F238E27FC236}">
+                <a16:creationId xmlns:a16="http://schemas.microsoft.com/office/drawing/2014/main" id="{4188B8DA-0976-4C4E-BBB2-49DB6A285F53}"/>
+              </a:ext>
+            </a:extLst>
+          </p:cNvPr>
+          <p:cNvPicPr>
+            <a:picLocks noGrp="1" noChangeAspect="1"/>
+          </p:cNvPicPr>
+          <p:nvPr>
+            <p:ph idx="1"/>
+          </p:nvPr>
+        </p:nvPicPr>
+        <p:blipFill>
+          <a:blip r:embed="rId2">
+            <a:extLst>
+              <a:ext uri="{28A0092B-C50C-407E-A947-70E740481C1C}">
+                <a14:useLocalDpi xmlns:a14="http://schemas.microsoft.com/office/drawing/2010/main" val="0"/>
+              </a:ext>
+            </a:extLst>
+          </a:blip>
+          <a:stretch>
+            <a:fillRect/>
+          </a:stretch>
+        </p:blipFill>
+        <p:spPr>
+          <a:xfrm>
+            <a:off x="4901184" y="1056590"/>
+            <a:ext cx="6922008" cy="4845404"/>
+          </a:xfrm>
+          <a:prstGeom prst="rect">
+            <a:avLst/>
+          </a:prstGeom>
+        </p:spPr>
+      </p:pic>
+    </p:spTree>
+    <p:extLst>
+      <p:ext uri="{BB962C8B-B14F-4D97-AF65-F5344CB8AC3E}">
+        <p14:creationId xmlns:p14="http://schemas.microsoft.com/office/powerpoint/2010/main" val="234465871"/>
+      </p:ext>
+    </p:extLst>
+  </p:cSld>
+  <p:clrMapOvr>
+    <a:masterClrMapping/>
+  </p:clrMapOvr>
+</p:sld>
+</file>
+
+<file path=ppt/slides/slide7.xml><?xml version="1.0" encoding="utf-8"?>
+<p:sld xmlns:a="http://schemas.openxmlformats.org/drawingml/2006/main" xmlns:r="http://schemas.openxmlformats.org/officeDocument/2006/relationships" xmlns:p="http://schemas.openxmlformats.org/presentationml/2006/main">
+  <p:cSld>
+    <p:bg>
+      <p:bgPr>
+        <a:solidFill>
+          <a:schemeClr val="bg1"/>
+        </a:solidFill>
+        <a:effectLst/>
+      </p:bgPr>
+    </p:bg>
+    <p:spTree>
+      <p:nvGrpSpPr>
+        <p:cNvPr id="1" name=""/>
+        <p:cNvGrpSpPr/>
+        <p:nvPr/>
+      </p:nvGrpSpPr>
+      <p:grpSpPr>
+        <a:xfrm>
+          <a:off x="0" y="0"/>
+          <a:ext cx="0" cy="0"/>
+          <a:chOff x="0" y="0"/>
+          <a:chExt cx="0" cy="0"/>
+        </a:xfrm>
+      </p:grpSpPr>
+      <p:sp useBgFill="1">
+        <p:nvSpPr>
+          <p:cNvPr id="21" name="Rectangle 7">
+            <a:extLst>
+              <a:ext uri="{FF2B5EF4-FFF2-40B4-BE49-F238E27FC236}">
+                <a16:creationId xmlns:a16="http://schemas.microsoft.com/office/drawing/2014/main" id="{1ACA2EA0-FFD3-42EC-9406-B595015ED96E}"/>
+              </a:ext>
+              <a:ext uri="{C183D7F6-B498-43B3-948B-1728B52AA6E4}">
+                <adec:decorative xmlns:adec="http://schemas.microsoft.com/office/drawing/2017/decorative" val="1"/>
+              </a:ext>
+            </a:extLst>
+          </p:cNvPr>
+          <p:cNvSpPr>
+            <a:spLocks noGrp="1" noRot="1" noChangeAspect="1" noMove="1" noResize="1" noEditPoints="1" noAdjustHandles="1" noChangeArrowheads="1" noChangeShapeType="1" noTextEdit="1"/>
+          </p:cNvSpPr>
+          <p:nvPr>
+            <p:extLst>
+              <p:ext uri="{386F3935-93C4-4BCD-93E2-E3B085C9AB24}">
+                <p16:designElem xmlns:p16="http://schemas.microsoft.com/office/powerpoint/2015/main" val="1"/>
+              </p:ext>
+            </p:extLst>
+          </p:nvPr>
+        </p:nvSpPr>
+        <p:spPr>
+          <a:xfrm>
+            <a:off x="0" y="0"/>
+            <a:ext cx="12192000" cy="6858000"/>
+          </a:xfrm>
+          <a:prstGeom prst="rect">
+            <a:avLst/>
+          </a:prstGeom>
+          <a:ln>
+            <a:noFill/>
+          </a:ln>
+        </p:spPr>
+        <p:style>
+          <a:lnRef idx="2">
+            <a:schemeClr val="accent1">
+              <a:shade val="50000"/>
+            </a:schemeClr>
+          </a:lnRef>
+          <a:fillRef idx="1">
+            <a:schemeClr val="accent1"/>
+          </a:fillRef>
+          <a:effectRef idx="0">
+            <a:schemeClr val="accent1"/>
+          </a:effectRef>
+          <a:fontRef idx="minor">
+            <a:schemeClr val="lt1"/>
+          </a:fontRef>
+        </p:style>
+        <p:txBody>
+          <a:bodyPr rtlCol="0" anchor="ctr"/>
+          <a:lstStyle/>
+          <a:p>
+            <a:pPr algn="ctr"/>
+            <a:endParaRPr lang="en-US"/>
+          </a:p>
+        </p:txBody>
+      </p:sp>
+      <p:sp useBgFill="1">
+        <p:nvSpPr>
+          <p:cNvPr id="22" name="Rectangle 9">
+            <a:extLst>
+              <a:ext uri="{FF2B5EF4-FFF2-40B4-BE49-F238E27FC236}">
+                <a16:creationId xmlns:a16="http://schemas.microsoft.com/office/drawing/2014/main" id="{D5288BCE-665C-472A-8C43-664BCFA31E43}"/>
+              </a:ext>
+              <a:ext uri="{C183D7F6-B498-43B3-948B-1728B52AA6E4}">
+                <adec:decorative xmlns:adec="http://schemas.microsoft.com/office/drawing/2017/decorative" val="1"/>
+              </a:ext>
+            </a:extLst>
+          </p:cNvPr>
+          <p:cNvSpPr>
+            <a:spLocks noGrp="1" noRot="1" noChangeAspect="1" noMove="1" noResize="1" noEditPoints="1" noAdjustHandles="1" noChangeArrowheads="1" noChangeShapeType="1" noTextEdit="1"/>
+          </p:cNvSpPr>
+          <p:nvPr>
+            <p:extLst>
+              <p:ext uri="{386F3935-93C4-4BCD-93E2-E3B085C9AB24}">
+                <p16:designElem xmlns:p16="http://schemas.microsoft.com/office/powerpoint/2015/main" val="1"/>
+              </p:ext>
+            </p:extLst>
+          </p:nvPr>
+        </p:nvSpPr>
+        <p:spPr>
+          <a:xfrm>
+            <a:off x="1528762" y="1247775"/>
+            <a:ext cx="9144000" cy="3007447"/>
+          </a:xfrm>
+          <a:prstGeom prst="rect">
+            <a:avLst/>
+          </a:prstGeom>
+          <a:ln w="12700">
+            <a:solidFill>
+              <a:schemeClr val="tx2">
+                <a:lumMod val="10000"/>
+                <a:lumOff val="90000"/>
+              </a:schemeClr>
+            </a:solidFill>
+          </a:ln>
+          <a:effectLst>
+            <a:outerShdw blurRad="50800" dist="38100" dir="2700000" algn="tl" rotWithShape="0">
+              <a:schemeClr val="bg2">
+                <a:lumMod val="85000"/>
+                <a:alpha val="30000"/>
+              </a:schemeClr>
+            </a:outerShdw>
+          </a:effectLst>
+        </p:spPr>
+        <p:style>
+          <a:lnRef idx="2">
+            <a:schemeClr val="accent1">
+              <a:shade val="50000"/>
+            </a:schemeClr>
+          </a:lnRef>
+          <a:fillRef idx="1">
+            <a:schemeClr val="accent1"/>
+          </a:fillRef>
+          <a:effectRef idx="0">
+            <a:schemeClr val="accent1"/>
+          </a:effectRef>
+          <a:fontRef idx="minor">
+            <a:schemeClr val="lt1"/>
+          </a:fontRef>
+        </p:style>
+        <p:txBody>
+          <a:bodyPr rtlCol="0" anchor="ctr"/>
+          <a:lstStyle/>
+          <a:p>
+            <a:pPr marL="0" marR="0" lvl="0" indent="0" algn="ctr" defTabSz="914400" rtl="0" eaLnBrk="1" fontAlgn="auto" latinLnBrk="0" hangingPunct="1">
+              <a:lnSpc>
+                <a:spcPct val="100000"/>
+              </a:lnSpc>
+              <a:spcBef>
+                <a:spcPts val="0"/>
+              </a:spcBef>
+              <a:spcAft>
+                <a:spcPts val="0"/>
+              </a:spcAft>
+              <a:buClrTx/>
+              <a:buSzTx/>
+              <a:buFontTx/>
+              <a:buNone/>
+              <a:tabLst/>
+              <a:defRPr/>
+            </a:pPr>
+            <a:endParaRPr kumimoji="0" lang="en-US" sz="1800" b="0" i="0" u="none" strike="noStrike" kern="1200" cap="none" spc="0" normalizeH="0" baseline="0" noProof="0">
+              <a:ln>
+                <a:noFill/>
+              </a:ln>
+              <a:solidFill>
+                <a:prstClr val="white"/>
+              </a:solidFill>
+              <a:effectLst/>
+              <a:uLnTx/>
+              <a:uFillTx/>
+              <a:latin typeface="Calibri" panose="020F0502020204030204"/>
+              <a:ea typeface="+mn-ea"/>
+              <a:cs typeface="+mn-cs"/>
+            </a:endParaRPr>
+          </a:p>
+        </p:txBody>
+      </p:sp>
+      <p:sp>
+        <p:nvSpPr>
+          <p:cNvPr id="2" name="Title 1">
+            <a:extLst>
+              <a:ext uri="{FF2B5EF4-FFF2-40B4-BE49-F238E27FC236}">
+                <a16:creationId xmlns:a16="http://schemas.microsoft.com/office/drawing/2014/main" id="{58BC3677-18ED-4A58-8063-88EE0D322711}"/>
+              </a:ext>
+            </a:extLst>
+          </p:cNvPr>
+          <p:cNvSpPr>
+            <a:spLocks noGrp="1"/>
+          </p:cNvSpPr>
+          <p:nvPr>
+            <p:ph type="ctrTitle"/>
+          </p:nvPr>
+        </p:nvSpPr>
+        <p:spPr>
+          <a:xfrm>
+            <a:off x="1804988" y="1442172"/>
+            <a:ext cx="8582025" cy="2177328"/>
+          </a:xfrm>
+        </p:spPr>
+        <p:txBody>
+          <a:bodyPr anchor="ctr">
+            <a:normAutofit/>
+          </a:bodyPr>
+          <a:lstStyle/>
+          <a:p>
+            <a:pPr algn="ctr"/>
+            <a:r>
+              <a:rPr lang="en-CA" sz="5000"/>
+              <a:t>Mainstream Young Singles/Couples Customer Segment</a:t>
+            </a:r>
+          </a:p>
+        </p:txBody>
+      </p:sp>
+      <p:sp>
+        <p:nvSpPr>
+          <p:cNvPr id="23" name="Rectangle: Rounded Corners 11">
+            <a:extLst>
+              <a:ext uri="{FF2B5EF4-FFF2-40B4-BE49-F238E27FC236}">
+                <a16:creationId xmlns:a16="http://schemas.microsoft.com/office/drawing/2014/main" id="{46C57131-53A7-4C1A-BEA8-25F06A06AD29}"/>
+              </a:ext>
+              <a:ext uri="{C183D7F6-B498-43B3-948B-1728B52AA6E4}">
+                <adec:decorative xmlns:adec="http://schemas.microsoft.com/office/drawing/2017/decorative" val="1"/>
+              </a:ext>
+            </a:extLst>
+          </p:cNvPr>
+          <p:cNvSpPr>
+            <a:spLocks noGrp="1" noRot="1" noChangeAspect="1" noMove="1" noResize="1" noEditPoints="1" noAdjustHandles="1" noChangeArrowheads="1" noChangeShapeType="1" noTextEdit="1"/>
+          </p:cNvSpPr>
+          <p:nvPr>
+            <p:extLst>
+              <p:ext uri="{386F3935-93C4-4BCD-93E2-E3B085C9AB24}">
+                <p16:designElem xmlns:p16="http://schemas.microsoft.com/office/powerpoint/2015/main" val="1"/>
+              </p:ext>
+            </p:extLst>
+          </p:nvPr>
+        </p:nvSpPr>
+        <p:spPr>
+          <a:xfrm>
+            <a:off x="2487872" y="3912322"/>
+            <a:ext cx="7225780" cy="685800"/>
+          </a:xfrm>
+          <a:prstGeom prst="roundRect">
+            <a:avLst>
+              <a:gd name="adj" fmla="val 0"/>
+            </a:avLst>
+          </a:prstGeom>
+          <a:solidFill>
+            <a:schemeClr val="accent1"/>
+          </a:solidFill>
+          <a:ln>
+            <a:noFill/>
+          </a:ln>
+        </p:spPr>
+        <p:style>
+          <a:lnRef idx="2">
+            <a:schemeClr val="accent1">
+              <a:shade val="50000"/>
+            </a:schemeClr>
+          </a:lnRef>
+          <a:fillRef idx="1">
+            <a:schemeClr val="accent1"/>
+          </a:fillRef>
+          <a:effectRef idx="0">
+            <a:schemeClr val="accent1"/>
+          </a:effectRef>
+          <a:fontRef idx="minor">
+            <a:schemeClr val="lt1"/>
+          </a:fontRef>
+        </p:style>
+        <p:txBody>
+          <a:bodyPr rtlCol="0" anchor="ctr"/>
+          <a:lstStyle/>
+          <a:p>
+            <a:pPr algn="ctr"/>
+            <a:endParaRPr lang="en-US"/>
+          </a:p>
+        </p:txBody>
+      </p:sp>
+      <p:sp>
+        <p:nvSpPr>
+          <p:cNvPr id="3" name="Subtitle 2">
+            <a:extLst>
+              <a:ext uri="{FF2B5EF4-FFF2-40B4-BE49-F238E27FC236}">
+                <a16:creationId xmlns:a16="http://schemas.microsoft.com/office/drawing/2014/main" id="{19B87531-2543-4A16-AB91-C9D351BCBB01}"/>
+              </a:ext>
+            </a:extLst>
+          </p:cNvPr>
+          <p:cNvSpPr>
+            <a:spLocks noGrp="1"/>
+          </p:cNvSpPr>
+          <p:nvPr>
+            <p:ph type="subTitle" idx="1"/>
+          </p:nvPr>
+        </p:nvSpPr>
+        <p:spPr>
+          <a:xfrm>
+            <a:off x="2566988" y="3962400"/>
+            <a:ext cx="7058025" cy="581025"/>
+          </a:xfrm>
+        </p:spPr>
+        <p:txBody>
+          <a:bodyPr anchor="ctr">
+            <a:normAutofit/>
+          </a:bodyPr>
+          <a:lstStyle/>
+          <a:p>
+            <a:pPr algn="ctr">
+              <a:lnSpc>
+                <a:spcPct val="100000"/>
+              </a:lnSpc>
+            </a:pPr>
+            <a:r>
+              <a:rPr lang="en-CA" sz="1500">
+                <a:solidFill>
+                  <a:schemeClr val="bg1"/>
+                </a:solidFill>
+              </a:rPr>
+              <a:t>Focus on Mainstream customers in the young singles/couples segment because they are one of the top contributors to sales.</a:t>
+            </a:r>
+          </a:p>
+        </p:txBody>
+      </p:sp>
+    </p:spTree>
+    <p:extLst>
+      <p:ext uri="{BB962C8B-B14F-4D97-AF65-F5344CB8AC3E}">
+        <p14:creationId xmlns:p14="http://schemas.microsoft.com/office/powerpoint/2010/main" val="504819959"/>
+      </p:ext>
+    </p:extLst>
+  </p:cSld>
+  <p:clrMapOvr>
+    <a:masterClrMapping/>
+  </p:clrMapOvr>
+</p:sld>
+</file>
+
+<file path=ppt/slides/slide8.xml><?xml version="1.0" encoding="utf-8"?>
+<p:sld xmlns:a="http://schemas.openxmlformats.org/drawingml/2006/main" xmlns:r="http://schemas.openxmlformats.org/officeDocument/2006/relationships" xmlns:p="http://schemas.openxmlformats.org/presentationml/2006/main">
+  <p:cSld>
+    <p:bg>
+      <p:bgPr>
+        <a:solidFill>
+          <a:schemeClr val="bg1"/>
+        </a:solidFill>
+        <a:effectLst/>
+      </p:bgPr>
+    </p:bg>
+    <p:spTree>
+      <p:nvGrpSpPr>
+        <p:cNvPr id="1" name=""/>
+        <p:cNvGrpSpPr/>
+        <p:nvPr/>
+      </p:nvGrpSpPr>
+      <p:grpSpPr>
+        <a:xfrm>
+          <a:off x="0" y="0"/>
+          <a:ext cx="0" cy="0"/>
+          <a:chOff x="0" y="0"/>
+          <a:chExt cx="0" cy="0"/>
+        </a:xfrm>
+      </p:grpSpPr>
+      <p:sp useBgFill="1">
+        <p:nvSpPr>
+          <p:cNvPr id="26" name="Rectangle 10">
+            <a:extLst>
+              <a:ext uri="{FF2B5EF4-FFF2-40B4-BE49-F238E27FC236}">
+                <a16:creationId xmlns:a16="http://schemas.microsoft.com/office/drawing/2014/main" id="{2D6FBB9D-1CAA-4D05-AB33-BABDFE17B843}"/>
+              </a:ext>
+              <a:ext uri="{C183D7F6-B498-43B3-948B-1728B52AA6E4}">
+                <adec:decorative xmlns:adec="http://schemas.microsoft.com/office/drawing/2017/decorative" val="1"/>
+              </a:ext>
+            </a:extLst>
+          </p:cNvPr>
+          <p:cNvSpPr>
+            <a:spLocks noGrp="1" noRot="1" noChangeAspect="1" noMove="1" noResize="1" noEditPoints="1" noAdjustHandles="1" noChangeArrowheads="1" noChangeShapeType="1" noTextEdit="1"/>
+          </p:cNvSpPr>
+          <p:nvPr>
+            <p:extLst>
+              <p:ext uri="{386F3935-93C4-4BCD-93E2-E3B085C9AB24}">
+                <p16:designElem xmlns:p16="http://schemas.microsoft.com/office/powerpoint/2015/main" val="1"/>
+              </p:ext>
+            </p:extLst>
+          </p:nvPr>
+        </p:nvSpPr>
+        <p:spPr>
+          <a:xfrm>
+            <a:off x="558209" y="0"/>
+            <a:ext cx="11167447" cy="2018806"/>
+          </a:xfrm>
+          <a:prstGeom prst="rect">
+            <a:avLst/>
+          </a:prstGeom>
+          <a:ln w="9525">
+            <a:solidFill>
+              <a:schemeClr val="tx2">
+                <a:lumMod val="10000"/>
+                <a:lumOff val="90000"/>
+              </a:schemeClr>
+            </a:solidFill>
+          </a:ln>
+          <a:effectLst>
+            <a:outerShdw blurRad="50800" dist="38100" dir="2700000" algn="tl" rotWithShape="0">
+              <a:schemeClr val="bg1">
+                <a:lumMod val="85000"/>
+                <a:alpha val="30000"/>
+              </a:schemeClr>
+            </a:outerShdw>
+          </a:effectLst>
+        </p:spPr>
+        <p:style>
+          <a:lnRef idx="2">
+            <a:schemeClr val="accent1">
+              <a:shade val="50000"/>
+            </a:schemeClr>
+          </a:lnRef>
+          <a:fillRef idx="1">
+            <a:schemeClr val="accent1"/>
+          </a:fillRef>
+          <a:effectRef idx="0">
+            <a:schemeClr val="accent1"/>
+          </a:effectRef>
+          <a:fontRef idx="minor">
+            <a:schemeClr val="lt1"/>
+          </a:fontRef>
+        </p:style>
+        <p:txBody>
+          <a:bodyPr rtlCol="0" anchor="ctr"/>
+          <a:lstStyle/>
+          <a:p>
+            <a:pPr marL="0" marR="0" lvl="0" indent="0" algn="ctr" defTabSz="914400" rtl="0" eaLnBrk="1" fontAlgn="auto" latinLnBrk="0" hangingPunct="1">
+              <a:lnSpc>
+                <a:spcPct val="100000"/>
+              </a:lnSpc>
+              <a:spcBef>
+                <a:spcPts val="0"/>
+              </a:spcBef>
+              <a:spcAft>
+                <a:spcPts val="0"/>
+              </a:spcAft>
+              <a:buClrTx/>
+              <a:buSzTx/>
+              <a:buFontTx/>
+              <a:buNone/>
+              <a:tabLst/>
+              <a:defRPr/>
+            </a:pPr>
+            <a:endParaRPr kumimoji="0" lang="en-US" sz="1800" b="0" i="0" u="none" strike="noStrike" kern="1200" cap="none" spc="0" normalizeH="0" baseline="0" noProof="0">
+              <a:ln>
+                <a:noFill/>
+              </a:ln>
+              <a:solidFill>
+                <a:prstClr val="white"/>
+              </a:solidFill>
+              <a:effectLst/>
+              <a:uLnTx/>
+              <a:uFillTx/>
+              <a:latin typeface="Calibri" panose="020F0502020204030204"/>
+              <a:ea typeface="+mn-ea"/>
+              <a:cs typeface="+mn-cs"/>
+            </a:endParaRPr>
+          </a:p>
+        </p:txBody>
+      </p:sp>
+      <p:sp useBgFill="1">
+        <p:nvSpPr>
+          <p:cNvPr id="27" name="Rectangle 12">
+            <a:extLst>
+              <a:ext uri="{FF2B5EF4-FFF2-40B4-BE49-F238E27FC236}">
+                <a16:creationId xmlns:a16="http://schemas.microsoft.com/office/drawing/2014/main" id="{04727B71-B4B6-4823-80A1-68C40B475118}"/>
+              </a:ext>
+              <a:ext uri="{C183D7F6-B498-43B3-948B-1728B52AA6E4}">
+                <adec:decorative xmlns:adec="http://schemas.microsoft.com/office/drawing/2017/decorative" val="1"/>
+              </a:ext>
+            </a:extLst>
+          </p:cNvPr>
+          <p:cNvSpPr>
+            <a:spLocks noGrp="1" noRot="1" noChangeAspect="1" noMove="1" noResize="1" noEditPoints="1" noAdjustHandles="1" noChangeArrowheads="1" noChangeShapeType="1" noTextEdit="1"/>
+          </p:cNvSpPr>
+          <p:nvPr>
+            <p:extLst>
+              <p:ext uri="{386F3935-93C4-4BCD-93E2-E3B085C9AB24}">
+                <p16:designElem xmlns:p16="http://schemas.microsoft.com/office/powerpoint/2015/main" val="1"/>
+              </p:ext>
+            </p:extLst>
+          </p:nvPr>
+        </p:nvSpPr>
+        <p:spPr>
+          <a:xfrm>
+            <a:off x="566928" y="0"/>
+            <a:ext cx="11155680" cy="2011680"/>
+          </a:xfrm>
+          <a:prstGeom prst="rect">
+            <a:avLst/>
+          </a:prstGeom>
+          <a:ln w="9525">
+            <a:noFill/>
+          </a:ln>
+          <a:effectLst/>
+        </p:spPr>
+        <p:style>
+          <a:lnRef idx="2">
+            <a:schemeClr val="accent1">
+              <a:shade val="50000"/>
+            </a:schemeClr>
+          </a:lnRef>
+          <a:fillRef idx="1">
+            <a:schemeClr val="accent1"/>
+          </a:fillRef>
+          <a:effectRef idx="0">
+            <a:schemeClr val="accent1"/>
+          </a:effectRef>
+          <a:fontRef idx="minor">
+            <a:schemeClr val="lt1"/>
+          </a:fontRef>
+        </p:style>
+        <p:txBody>
+          <a:bodyPr rtlCol="0" anchor="ctr"/>
+          <a:lstStyle/>
+          <a:p>
+            <a:pPr marL="0" marR="0" lvl="0" indent="0" algn="ctr" defTabSz="914400" rtl="0" eaLnBrk="1" fontAlgn="auto" latinLnBrk="0" hangingPunct="1">
+              <a:lnSpc>
+                <a:spcPct val="100000"/>
+              </a:lnSpc>
+              <a:spcBef>
+                <a:spcPts val="0"/>
+              </a:spcBef>
+              <a:spcAft>
+                <a:spcPts val="0"/>
+              </a:spcAft>
+              <a:buClrTx/>
+              <a:buSzTx/>
+              <a:buFontTx/>
+              <a:buNone/>
+              <a:tabLst/>
+              <a:defRPr/>
+            </a:pPr>
+            <a:endParaRPr kumimoji="0" lang="en-US" sz="1800" b="0" i="0" u="none" strike="noStrike" kern="1200" cap="none" spc="0" normalizeH="0" baseline="0" noProof="0">
+              <a:ln>
+                <a:noFill/>
+              </a:ln>
+              <a:solidFill>
+                <a:prstClr val="white"/>
+              </a:solidFill>
+              <a:effectLst/>
+              <a:uLnTx/>
+              <a:uFillTx/>
+              <a:latin typeface="Calibri" panose="020F0502020204030204"/>
+              <a:ea typeface="+mn-ea"/>
+              <a:cs typeface="+mn-cs"/>
+            </a:endParaRPr>
+          </a:p>
+        </p:txBody>
+      </p:sp>
+      <p:sp>
+        <p:nvSpPr>
+          <p:cNvPr id="28" name="Rectangle 14">
+            <a:extLst>
+              <a:ext uri="{FF2B5EF4-FFF2-40B4-BE49-F238E27FC236}">
+                <a16:creationId xmlns:a16="http://schemas.microsoft.com/office/drawing/2014/main" id="{79A6DB05-9FB5-4B07-8675-74C23D4FD89D}"/>
+              </a:ext>
+              <a:ext uri="{C183D7F6-B498-43B3-948B-1728B52AA6E4}">
+                <adec:decorative xmlns:adec="http://schemas.microsoft.com/office/drawing/2017/decorative" val="1"/>
+              </a:ext>
+            </a:extLst>
+          </p:cNvPr>
+          <p:cNvSpPr>
+            <a:spLocks noGrp="1" noRot="1" noChangeAspect="1" noMove="1" noResize="1" noEditPoints="1" noAdjustHandles="1" noChangeArrowheads="1" noChangeShapeType="1" noTextEdit="1"/>
+          </p:cNvSpPr>
+          <p:nvPr>
+            <p:extLst>
+              <p:ext uri="{386F3935-93C4-4BCD-93E2-E3B085C9AB24}">
+                <p16:designElem xmlns:p16="http://schemas.microsoft.com/office/powerpoint/2015/main" val="1"/>
+              </p:ext>
+            </p:extLst>
+          </p:nvPr>
+        </p:nvSpPr>
+        <p:spPr>
+          <a:xfrm>
+            <a:off x="498834" y="787352"/>
+            <a:ext cx="128016" cy="704088"/>
+          </a:xfrm>
+          <a:prstGeom prst="rect">
+            <a:avLst/>
+          </a:prstGeom>
+          <a:solidFill>
+            <a:schemeClr val="accent1"/>
+          </a:solidFill>
+          <a:ln>
+            <a:noFill/>
+          </a:ln>
+        </p:spPr>
+        <p:style>
+          <a:lnRef idx="2">
+            <a:schemeClr val="accent1">
+              <a:shade val="50000"/>
+            </a:schemeClr>
+          </a:lnRef>
+          <a:fillRef idx="1">
+            <a:schemeClr val="accent1"/>
+          </a:fillRef>
+          <a:effectRef idx="0">
+            <a:schemeClr val="accent1"/>
+          </a:effectRef>
+          <a:fontRef idx="minor">
+            <a:schemeClr val="lt1"/>
+          </a:fontRef>
+        </p:style>
+        <p:txBody>
+          <a:bodyPr rtlCol="0" anchor="ctr"/>
+          <a:lstStyle/>
+          <a:p>
+            <a:pPr marL="0" marR="0" lvl="0" indent="0" algn="ctr" defTabSz="914400" rtl="0" eaLnBrk="1" fontAlgn="auto" latinLnBrk="0" hangingPunct="1">
+              <a:lnSpc>
+                <a:spcPct val="100000"/>
+              </a:lnSpc>
+              <a:spcBef>
+                <a:spcPts val="0"/>
+              </a:spcBef>
+              <a:spcAft>
+                <a:spcPts val="0"/>
+              </a:spcAft>
+              <a:buClrTx/>
+              <a:buSzTx/>
+              <a:buFontTx/>
+              <a:buNone/>
+              <a:tabLst/>
+              <a:defRPr/>
+            </a:pPr>
+            <a:endParaRPr kumimoji="0" lang="en-US" sz="1800" b="0" i="0" u="none" strike="noStrike" kern="1200" cap="none" spc="0" normalizeH="0" baseline="0" noProof="0">
+              <a:ln>
+                <a:noFill/>
+              </a:ln>
+              <a:solidFill>
+                <a:prstClr val="white"/>
+              </a:solidFill>
+              <a:effectLst/>
+              <a:uLnTx/>
+              <a:uFillTx/>
+              <a:latin typeface="Calibri" panose="020F0502020204030204"/>
+              <a:ea typeface="+mn-ea"/>
+              <a:cs typeface="+mn-cs"/>
+            </a:endParaRPr>
+          </a:p>
+        </p:txBody>
+      </p:sp>
+      <p:sp useBgFill="1">
+        <p:nvSpPr>
+          <p:cNvPr id="29" name="Rectangle 16">
+            <a:extLst>
+              <a:ext uri="{FF2B5EF4-FFF2-40B4-BE49-F238E27FC236}">
+                <a16:creationId xmlns:a16="http://schemas.microsoft.com/office/drawing/2014/main" id="{0288C6B4-AFC3-407F-A595-EFFD38D4CCAF}"/>
+              </a:ext>
+              <a:ext uri="{C183D7F6-B498-43B3-948B-1728B52AA6E4}">
+                <adec:decorative xmlns:adec="http://schemas.microsoft.com/office/drawing/2017/decorative" val="1"/>
+              </a:ext>
+            </a:extLst>
+          </p:cNvPr>
+          <p:cNvSpPr>
+            <a:spLocks noGrp="1" noRot="1" noChangeAspect="1" noMove="1" noResize="1" noEditPoints="1" noAdjustHandles="1" noChangeArrowheads="1" noChangeShapeType="1" noTextEdit="1"/>
+          </p:cNvSpPr>
+          <p:nvPr>
+            <p:extLst>
+              <p:ext uri="{386F3935-93C4-4BCD-93E2-E3B085C9AB24}">
+                <p16:designElem xmlns:p16="http://schemas.microsoft.com/office/powerpoint/2015/main" val="1"/>
+              </p:ext>
+            </p:extLst>
+          </p:nvPr>
+        </p:nvSpPr>
+        <p:spPr>
+          <a:xfrm>
+            <a:off x="0" y="0"/>
+            <a:ext cx="12192000" cy="6858000"/>
+          </a:xfrm>
+          <a:prstGeom prst="rect">
+            <a:avLst/>
+          </a:prstGeom>
+          <a:ln>
+            <a:noFill/>
+          </a:ln>
+        </p:spPr>
+        <p:style>
+          <a:lnRef idx="2">
+            <a:schemeClr val="accent1">
+              <a:shade val="50000"/>
+            </a:schemeClr>
+          </a:lnRef>
+          <a:fillRef idx="1">
+            <a:schemeClr val="accent1"/>
+          </a:fillRef>
+          <a:effectRef idx="0">
+            <a:schemeClr val="accent1"/>
+          </a:effectRef>
+          <a:fontRef idx="minor">
+            <a:schemeClr val="lt1"/>
+          </a:fontRef>
+        </p:style>
+        <p:txBody>
+          <a:bodyPr rtlCol="0" anchor="ctr"/>
+          <a:lstStyle/>
+          <a:p>
+            <a:pPr algn="ctr"/>
+            <a:endParaRPr lang="en-US"/>
+          </a:p>
+        </p:txBody>
+      </p:sp>
+      <p:sp useBgFill="1">
+        <p:nvSpPr>
+          <p:cNvPr id="30" name="Freeform: Shape 18">
+            <a:extLst>
+              <a:ext uri="{FF2B5EF4-FFF2-40B4-BE49-F238E27FC236}">
+                <a16:creationId xmlns:a16="http://schemas.microsoft.com/office/drawing/2014/main" id="{CF236821-17FE-429B-8D2C-08E13A64EA40}"/>
+              </a:ext>
+              <a:ext uri="{C183D7F6-B498-43B3-948B-1728B52AA6E4}">
+                <adec:decorative xmlns:adec="http://schemas.microsoft.com/office/drawing/2017/decorative" val="1"/>
+              </a:ext>
+            </a:extLst>
+          </p:cNvPr>
+          <p:cNvSpPr>
+            <a:spLocks noGrp="1" noRot="1" noChangeAspect="1" noMove="1" noResize="1" noEditPoints="1" noAdjustHandles="1" noChangeArrowheads="1" noChangeShapeType="1" noTextEdit="1"/>
+          </p:cNvSpPr>
+          <p:nvPr>
+            <p:extLst>
+              <p:ext uri="{386F3935-93C4-4BCD-93E2-E3B085C9AB24}">
+                <p16:designElem xmlns:p16="http://schemas.microsoft.com/office/powerpoint/2015/main" val="1"/>
+              </p:ext>
+            </p:extLst>
+          </p:nvPr>
+        </p:nvSpPr>
+        <p:spPr>
+          <a:xfrm>
+            <a:off x="-1" y="0"/>
+            <a:ext cx="4455673" cy="6858000"/>
+          </a:xfrm>
+          <a:custGeom>
+            <a:avLst/>
+            <a:gdLst>
+              <a:gd name="connsiteX0" fmla="*/ 0 w 4455673"/>
+              <a:gd name="connsiteY0" fmla="*/ 0 h 6858000"/>
+              <a:gd name="connsiteX1" fmla="*/ 3242695 w 4455673"/>
+              <a:gd name="connsiteY1" fmla="*/ 0 h 6858000"/>
+              <a:gd name="connsiteX2" fmla="*/ 3305678 w 4455673"/>
+              <a:gd name="connsiteY2" fmla="*/ 69271 h 6858000"/>
+              <a:gd name="connsiteX3" fmla="*/ 4455673 w 4455673"/>
+              <a:gd name="connsiteY3" fmla="*/ 3429000 h 6858000"/>
+              <a:gd name="connsiteX4" fmla="*/ 3305678 w 4455673"/>
+              <a:gd name="connsiteY4" fmla="*/ 6788730 h 6858000"/>
+              <a:gd name="connsiteX5" fmla="*/ 3242695 w 4455673"/>
+              <a:gd name="connsiteY5" fmla="*/ 6858000 h 6858000"/>
+              <a:gd name="connsiteX6" fmla="*/ 0 w 4455673"/>
+              <a:gd name="connsiteY6" fmla="*/ 6858000 h 6858000"/>
+            </a:gdLst>
+            <a:ahLst/>
+            <a:cxnLst>
+              <a:cxn ang="0">
+                <a:pos x="connsiteX0" y="connsiteY0"/>
+              </a:cxn>
+              <a:cxn ang="0">
+                <a:pos x="connsiteX1" y="connsiteY1"/>
+              </a:cxn>
+              <a:cxn ang="0">
+                <a:pos x="connsiteX2" y="connsiteY2"/>
+              </a:cxn>
+              <a:cxn ang="0">
+                <a:pos x="connsiteX3" y="connsiteY3"/>
+              </a:cxn>
+              <a:cxn ang="0">
+                <a:pos x="connsiteX4" y="connsiteY4"/>
+              </a:cxn>
+              <a:cxn ang="0">
+                <a:pos x="connsiteX5" y="connsiteY5"/>
+              </a:cxn>
+              <a:cxn ang="0">
+                <a:pos x="connsiteX6" y="connsiteY6"/>
+              </a:cxn>
+            </a:cxnLst>
+            <a:rect l="l" t="t" r="r" b="b"/>
+            <a:pathLst>
+              <a:path w="4455673" h="6858000">
+                <a:moveTo>
+                  <a:pt x="0" y="0"/>
+                </a:moveTo>
+                <a:lnTo>
+                  <a:pt x="3242695" y="0"/>
+                </a:lnTo>
+                <a:lnTo>
+                  <a:pt x="3305678" y="69271"/>
+                </a:lnTo>
+                <a:cubicBezTo>
+                  <a:pt x="4016204" y="929100"/>
+                  <a:pt x="4455673" y="2116944"/>
+                  <a:pt x="4455673" y="3429000"/>
+                </a:cubicBezTo>
+                <a:cubicBezTo>
+                  <a:pt x="4455673" y="4741056"/>
+                  <a:pt x="4016204" y="5928900"/>
+                  <a:pt x="3305678" y="6788730"/>
+                </a:cubicBezTo>
+                <a:lnTo>
+                  <a:pt x="3242695" y="6858000"/>
+                </a:lnTo>
+                <a:lnTo>
+                  <a:pt x="0" y="6858000"/>
+                </a:lnTo>
+                <a:close/>
+              </a:path>
+            </a:pathLst>
+          </a:custGeom>
+          <a:ln w="9525">
+            <a:solidFill>
+              <a:schemeClr val="tx2">
+                <a:lumMod val="10000"/>
+                <a:lumOff val="90000"/>
+              </a:schemeClr>
+            </a:solidFill>
+          </a:ln>
+          <a:effectLst>
+            <a:outerShdw blurRad="50800" dist="38100" algn="l" rotWithShape="0">
+              <a:schemeClr val="bg1">
+                <a:lumMod val="85000"/>
+                <a:alpha val="30000"/>
+              </a:schemeClr>
+            </a:outerShdw>
+          </a:effectLst>
+        </p:spPr>
+        <p:style>
+          <a:lnRef idx="2">
+            <a:schemeClr val="accent1">
+              <a:shade val="50000"/>
+            </a:schemeClr>
+          </a:lnRef>
+          <a:fillRef idx="1">
+            <a:schemeClr val="accent1"/>
+          </a:fillRef>
+          <a:effectRef idx="0">
+            <a:schemeClr val="accent1"/>
+          </a:effectRef>
+          <a:fontRef idx="minor">
+            <a:schemeClr val="lt1"/>
+          </a:fontRef>
+        </p:style>
+        <p:txBody>
+          <a:bodyPr wrap="square" rtlCol="0" anchor="ctr">
+            <a:noAutofit/>
+          </a:bodyPr>
+          <a:lstStyle/>
+          <a:p>
+            <a:pPr marL="0" marR="0" lvl="0" indent="0" algn="ctr" defTabSz="914400" rtl="0" eaLnBrk="1" fontAlgn="auto" latinLnBrk="0" hangingPunct="1">
+              <a:lnSpc>
+                <a:spcPct val="100000"/>
+              </a:lnSpc>
+              <a:spcBef>
+                <a:spcPts val="0"/>
+              </a:spcBef>
+              <a:spcAft>
+                <a:spcPts val="0"/>
+              </a:spcAft>
+              <a:buClrTx/>
+              <a:buSzTx/>
+              <a:buFontTx/>
+              <a:buNone/>
+              <a:tabLst/>
+              <a:defRPr/>
+            </a:pPr>
+            <a:endParaRPr kumimoji="0" lang="en-US" sz="1800" b="0" i="0" u="none" strike="noStrike" kern="1200" cap="none" spc="0" normalizeH="0" baseline="0" noProof="0">
+              <a:ln>
+                <a:noFill/>
+              </a:ln>
+              <a:solidFill>
+                <a:prstClr val="white"/>
+              </a:solidFill>
+              <a:effectLst/>
+              <a:uLnTx/>
+              <a:uFillTx/>
+              <a:latin typeface="Calibri" panose="020F0502020204030204"/>
+              <a:ea typeface="+mn-ea"/>
+              <a:cs typeface="+mn-cs"/>
+            </a:endParaRPr>
+          </a:p>
+        </p:txBody>
+      </p:sp>
+      <p:sp useBgFill="1">
+        <p:nvSpPr>
+          <p:cNvPr id="31" name="Freeform: Shape 20">
+            <a:extLst>
+              <a:ext uri="{FF2B5EF4-FFF2-40B4-BE49-F238E27FC236}">
+                <a16:creationId xmlns:a16="http://schemas.microsoft.com/office/drawing/2014/main" id="{C0BDBCD2-E081-43AB-9119-C55465E59757}"/>
+              </a:ext>
+              <a:ext uri="{C183D7F6-B498-43B3-948B-1728B52AA6E4}">
+                <adec:decorative xmlns:adec="http://schemas.microsoft.com/office/drawing/2017/decorative" val="1"/>
+              </a:ext>
+            </a:extLst>
+          </p:cNvPr>
+          <p:cNvSpPr>
+            <a:spLocks noGrp="1" noRot="1" noChangeAspect="1" noMove="1" noResize="1" noEditPoints="1" noAdjustHandles="1" noChangeArrowheads="1" noChangeShapeType="1" noTextEdit="1"/>
+          </p:cNvSpPr>
+          <p:nvPr>
+            <p:extLst>
+              <p:ext uri="{386F3935-93C4-4BCD-93E2-E3B085C9AB24}">
+                <p16:designElem xmlns:p16="http://schemas.microsoft.com/office/powerpoint/2015/main" val="1"/>
+              </p:ext>
+            </p:extLst>
+          </p:nvPr>
+        </p:nvSpPr>
+        <p:spPr>
+          <a:xfrm>
+            <a:off x="0" y="0"/>
+            <a:ext cx="4446529" cy="6858000"/>
+          </a:xfrm>
+          <a:custGeom>
+            <a:avLst/>
+            <a:gdLst>
+              <a:gd name="connsiteX0" fmla="*/ 0 w 4446529"/>
+              <a:gd name="connsiteY0" fmla="*/ 0 h 6858000"/>
+              <a:gd name="connsiteX1" fmla="*/ 3233551 w 4446529"/>
+              <a:gd name="connsiteY1" fmla="*/ 0 h 6858000"/>
+              <a:gd name="connsiteX2" fmla="*/ 3296534 w 4446529"/>
+              <a:gd name="connsiteY2" fmla="*/ 69271 h 6858000"/>
+              <a:gd name="connsiteX3" fmla="*/ 4446529 w 4446529"/>
+              <a:gd name="connsiteY3" fmla="*/ 3429000 h 6858000"/>
+              <a:gd name="connsiteX4" fmla="*/ 3296534 w 4446529"/>
+              <a:gd name="connsiteY4" fmla="*/ 6788730 h 6858000"/>
+              <a:gd name="connsiteX5" fmla="*/ 3233551 w 4446529"/>
+              <a:gd name="connsiteY5" fmla="*/ 6858000 h 6858000"/>
+              <a:gd name="connsiteX6" fmla="*/ 0 w 4446529"/>
+              <a:gd name="connsiteY6" fmla="*/ 6858000 h 6858000"/>
+            </a:gdLst>
+            <a:ahLst/>
+            <a:cxnLst>
+              <a:cxn ang="0">
+                <a:pos x="connsiteX0" y="connsiteY0"/>
+              </a:cxn>
+              <a:cxn ang="0">
+                <a:pos x="connsiteX1" y="connsiteY1"/>
+              </a:cxn>
+              <a:cxn ang="0">
+                <a:pos x="connsiteX2" y="connsiteY2"/>
+              </a:cxn>
+              <a:cxn ang="0">
+                <a:pos x="connsiteX3" y="connsiteY3"/>
+              </a:cxn>
+              <a:cxn ang="0">
+                <a:pos x="connsiteX4" y="connsiteY4"/>
+              </a:cxn>
+              <a:cxn ang="0">
+                <a:pos x="connsiteX5" y="connsiteY5"/>
+              </a:cxn>
+              <a:cxn ang="0">
+                <a:pos x="connsiteX6" y="connsiteY6"/>
+              </a:cxn>
+            </a:cxnLst>
+            <a:rect l="l" t="t" r="r" b="b"/>
+            <a:pathLst>
+              <a:path w="4446529" h="6858000">
+                <a:moveTo>
+                  <a:pt x="0" y="0"/>
+                </a:moveTo>
+                <a:lnTo>
+                  <a:pt x="3233551" y="0"/>
+                </a:lnTo>
+                <a:lnTo>
+                  <a:pt x="3296534" y="69271"/>
+                </a:lnTo>
+                <a:cubicBezTo>
+                  <a:pt x="4007060" y="929100"/>
+                  <a:pt x="4446529" y="2116944"/>
+                  <a:pt x="4446529" y="3429000"/>
+                </a:cubicBezTo>
+                <a:cubicBezTo>
+                  <a:pt x="4446529" y="4741056"/>
+                  <a:pt x="4007060" y="5928900"/>
+                  <a:pt x="3296534" y="6788730"/>
+                </a:cubicBezTo>
+                <a:lnTo>
+                  <a:pt x="3233551" y="6858000"/>
+                </a:lnTo>
+                <a:lnTo>
+                  <a:pt x="0" y="6858000"/>
+                </a:lnTo>
+                <a:close/>
+              </a:path>
+            </a:pathLst>
+          </a:custGeom>
+          <a:ln w="9525">
+            <a:noFill/>
+          </a:ln>
+          <a:effectLst/>
+        </p:spPr>
+        <p:style>
+          <a:lnRef idx="2">
+            <a:schemeClr val="accent1">
+              <a:shade val="50000"/>
+            </a:schemeClr>
+          </a:lnRef>
+          <a:fillRef idx="1">
+            <a:schemeClr val="accent1"/>
+          </a:fillRef>
+          <a:effectRef idx="0">
+            <a:schemeClr val="accent1"/>
+          </a:effectRef>
+          <a:fontRef idx="minor">
+            <a:schemeClr val="lt1"/>
+          </a:fontRef>
+        </p:style>
+        <p:txBody>
+          <a:bodyPr wrap="square" rtlCol="0" anchor="ctr">
+            <a:noAutofit/>
+          </a:bodyPr>
+          <a:lstStyle/>
+          <a:p>
+            <a:pPr marL="0" marR="0" lvl="0" indent="0" algn="ctr" defTabSz="914400" rtl="0" eaLnBrk="1" fontAlgn="auto" latinLnBrk="0" hangingPunct="1">
+              <a:lnSpc>
+                <a:spcPct val="100000"/>
+              </a:lnSpc>
+              <a:spcBef>
+                <a:spcPts val="0"/>
+              </a:spcBef>
+              <a:spcAft>
+                <a:spcPts val="0"/>
+              </a:spcAft>
+              <a:buClrTx/>
+              <a:buSzTx/>
+              <a:buFontTx/>
+              <a:buNone/>
+              <a:tabLst/>
+              <a:defRPr/>
+            </a:pPr>
+            <a:endParaRPr kumimoji="0" lang="en-US" sz="1800" b="0" i="0" u="none" strike="noStrike" kern="1200" cap="none" spc="0" normalizeH="0" baseline="0" noProof="0">
+              <a:ln>
+                <a:noFill/>
+              </a:ln>
+              <a:solidFill>
+                <a:prstClr val="white"/>
+              </a:solidFill>
+              <a:effectLst/>
+              <a:uLnTx/>
+              <a:uFillTx/>
+              <a:latin typeface="Calibri" panose="020F0502020204030204"/>
+              <a:ea typeface="+mn-ea"/>
+              <a:cs typeface="+mn-cs"/>
+            </a:endParaRPr>
+          </a:p>
+        </p:txBody>
+      </p:sp>
+      <p:sp>
+        <p:nvSpPr>
+          <p:cNvPr id="2" name="Title 1">
+            <a:extLst>
+              <a:ext uri="{FF2B5EF4-FFF2-40B4-BE49-F238E27FC236}">
+                <a16:creationId xmlns:a16="http://schemas.microsoft.com/office/drawing/2014/main" id="{3EC9A444-3238-49C7-9BA4-96141776CFAA}"/>
+              </a:ext>
+            </a:extLst>
+          </p:cNvPr>
+          <p:cNvSpPr>
+            <a:spLocks noGrp="1"/>
+          </p:cNvSpPr>
+          <p:nvPr>
+            <p:ph type="title"/>
+          </p:nvPr>
+        </p:nvSpPr>
+        <p:spPr>
+          <a:xfrm>
+            <a:off x="371094" y="1161288"/>
+            <a:ext cx="3438144" cy="1239012"/>
+          </a:xfrm>
+        </p:spPr>
+        <p:txBody>
+          <a:bodyPr vert="horz" lIns="91440" tIns="45720" rIns="91440" bIns="45720" rtlCol="0" anchor="ctr">
+            <a:normAutofit fontScale="90000"/>
+          </a:bodyPr>
+          <a:lstStyle/>
+          <a:p>
+            <a:pPr>
+              <a:lnSpc>
+                <a:spcPct val="90000"/>
+              </a:lnSpc>
+            </a:pPr>
+            <a:r>
+              <a:rPr lang="en-US" sz="2800" dirty="0"/>
+              <a:t>Brand Popularity Within Target Segment	</a:t>
+            </a:r>
+          </a:p>
+        </p:txBody>
+      </p:sp>
+      <p:sp>
+        <p:nvSpPr>
+          <p:cNvPr id="32" name="Rectangle 22">
+            <a:extLst>
+              <a:ext uri="{FF2B5EF4-FFF2-40B4-BE49-F238E27FC236}">
+                <a16:creationId xmlns:a16="http://schemas.microsoft.com/office/drawing/2014/main" id="{98E79BE4-34FE-485A-98A5-92CE8F7C4743}"/>
+              </a:ext>
+              <a:ext uri="{C183D7F6-B498-43B3-948B-1728B52AA6E4}">
+                <adec:decorative xmlns:adec="http://schemas.microsoft.com/office/drawing/2017/decorative" val="1"/>
+              </a:ext>
+            </a:extLst>
+          </p:cNvPr>
+          <p:cNvSpPr>
+            <a:spLocks noGrp="1" noRot="1" noChangeAspect="1" noMove="1" noResize="1" noEditPoints="1" noAdjustHandles="1" noChangeArrowheads="1" noChangeShapeType="1" noTextEdit="1"/>
+          </p:cNvSpPr>
+          <p:nvPr>
+            <p:extLst>
+              <p:ext uri="{386F3935-93C4-4BCD-93E2-E3B085C9AB24}">
+                <p16:designElem xmlns:p16="http://schemas.microsoft.com/office/powerpoint/2015/main" val="1"/>
+              </p:ext>
+            </p:extLst>
+          </p:nvPr>
+        </p:nvSpPr>
+        <p:spPr>
+          <a:xfrm>
+            <a:off x="0" y="1426546"/>
+            <a:ext cx="128016" cy="653903"/>
+          </a:xfrm>
+          <a:prstGeom prst="rect">
+            <a:avLst/>
+          </a:prstGeom>
+          <a:solidFill>
+            <a:schemeClr val="accent1"/>
+          </a:solidFill>
+          <a:ln>
+            <a:noFill/>
+          </a:ln>
+        </p:spPr>
+        <p:style>
+          <a:lnRef idx="2">
+            <a:schemeClr val="accent1">
+              <a:shade val="50000"/>
+            </a:schemeClr>
+          </a:lnRef>
+          <a:fillRef idx="1">
+            <a:schemeClr val="accent1"/>
+          </a:fillRef>
+          <a:effectRef idx="0">
+            <a:schemeClr val="accent1"/>
+          </a:effectRef>
+          <a:fontRef idx="minor">
+            <a:schemeClr val="lt1"/>
+          </a:fontRef>
+        </p:style>
+        <p:txBody>
+          <a:bodyPr rtlCol="0" anchor="ctr"/>
+          <a:lstStyle/>
+          <a:p>
+            <a:pPr marL="0" marR="0" lvl="0" indent="0" algn="ctr" defTabSz="914400" rtl="0" eaLnBrk="1" fontAlgn="auto" latinLnBrk="0" hangingPunct="1">
+              <a:lnSpc>
+                <a:spcPct val="100000"/>
+              </a:lnSpc>
+              <a:spcBef>
+                <a:spcPts val="0"/>
+              </a:spcBef>
+              <a:spcAft>
+                <a:spcPts val="0"/>
+              </a:spcAft>
+              <a:buClrTx/>
+              <a:buSzTx/>
+              <a:buFontTx/>
+              <a:buNone/>
+              <a:tabLst/>
+              <a:defRPr/>
+            </a:pPr>
+            <a:endParaRPr kumimoji="0" lang="en-US" sz="1800" b="0" i="0" u="none" strike="noStrike" kern="1200" cap="none" spc="0" normalizeH="0" baseline="0" noProof="0">
+              <a:ln>
+                <a:noFill/>
+              </a:ln>
+              <a:solidFill>
+                <a:prstClr val="white"/>
+              </a:solidFill>
+              <a:effectLst/>
+              <a:uLnTx/>
+              <a:uFillTx/>
+              <a:latin typeface="Calibri" panose="020F0502020204030204"/>
+              <a:ea typeface="+mn-ea"/>
+              <a:cs typeface="+mn-cs"/>
+            </a:endParaRPr>
+          </a:p>
+        </p:txBody>
+      </p:sp>
+      <p:sp>
+        <p:nvSpPr>
+          <p:cNvPr id="25" name="Rectangle 24">
+            <a:extLst>
+              <a:ext uri="{FF2B5EF4-FFF2-40B4-BE49-F238E27FC236}">
+                <a16:creationId xmlns:a16="http://schemas.microsoft.com/office/drawing/2014/main" id="{7A5F0580-5EE9-419F-96EE-B6529EF6E7D0}"/>
+              </a:ext>
+              <a:ext uri="{C183D7F6-B498-43B3-948B-1728B52AA6E4}">
+                <adec:decorative xmlns:adec="http://schemas.microsoft.com/office/drawing/2017/decorative" val="1"/>
+              </a:ext>
+            </a:extLst>
+          </p:cNvPr>
+          <p:cNvSpPr>
+            <a:spLocks noGrp="1" noRot="1" noChangeAspect="1" noMove="1" noResize="1" noEditPoints="1" noAdjustHandles="1" noChangeArrowheads="1" noChangeShapeType="1" noTextEdit="1"/>
+          </p:cNvSpPr>
+          <p:nvPr>
+            <p:extLst>
+              <p:ext uri="{386F3935-93C4-4BCD-93E2-E3B085C9AB24}">
+                <p16:designElem xmlns:p16="http://schemas.microsoft.com/office/powerpoint/2015/main" val="1"/>
+              </p:ext>
+            </p:extLst>
+          </p:nvPr>
+        </p:nvSpPr>
+        <p:spPr>
+          <a:xfrm>
+            <a:off x="395893" y="2443480"/>
+            <a:ext cx="3383280" cy="18288"/>
+          </a:xfrm>
+          <a:prstGeom prst="rect">
+            <a:avLst/>
+          </a:prstGeom>
+          <a:solidFill>
+            <a:schemeClr val="tx2">
+              <a:lumMod val="25000"/>
+              <a:lumOff val="75000"/>
+            </a:schemeClr>
+          </a:solidFill>
+          <a:ln w="3175">
+            <a:noFill/>
+          </a:ln>
+          <a:effectLst/>
+        </p:spPr>
+        <p:style>
+          <a:lnRef idx="2">
+            <a:schemeClr val="accent1">
+              <a:shade val="50000"/>
+            </a:schemeClr>
+          </a:lnRef>
+          <a:fillRef idx="1">
+            <a:schemeClr val="accent1"/>
+          </a:fillRef>
+          <a:effectRef idx="0">
+            <a:schemeClr val="accent1"/>
+          </a:effectRef>
+          <a:fontRef idx="minor">
+            <a:schemeClr val="lt1"/>
+          </a:fontRef>
+        </p:style>
+        <p:txBody>
+          <a:bodyPr rtlCol="0" anchor="ctr"/>
+          <a:lstStyle/>
+          <a:p>
+            <a:pPr marL="0" marR="0" lvl="0" indent="0" algn="ctr" defTabSz="914400" rtl="0" eaLnBrk="1" fontAlgn="auto" latinLnBrk="0" hangingPunct="1">
+              <a:lnSpc>
+                <a:spcPct val="100000"/>
+              </a:lnSpc>
+              <a:spcBef>
+                <a:spcPts val="0"/>
+              </a:spcBef>
+              <a:spcAft>
+                <a:spcPts val="0"/>
+              </a:spcAft>
+              <a:buClrTx/>
+              <a:buSzTx/>
+              <a:buFontTx/>
+              <a:buNone/>
+              <a:tabLst/>
+              <a:defRPr/>
+            </a:pPr>
+            <a:endParaRPr kumimoji="0" lang="en-US" sz="1800" b="0" i="0" u="none" strike="noStrike" kern="1200" cap="none" spc="0" normalizeH="0" baseline="0" noProof="0">
+              <a:ln>
+                <a:noFill/>
+              </a:ln>
+              <a:solidFill>
+                <a:prstClr val="white"/>
+              </a:solidFill>
+              <a:effectLst/>
+              <a:uLnTx/>
+              <a:uFillTx/>
+              <a:latin typeface="Calibri" panose="020F0502020204030204"/>
+              <a:ea typeface="+mn-ea"/>
+              <a:cs typeface="+mn-cs"/>
+            </a:endParaRPr>
+          </a:p>
+        </p:txBody>
+      </p:sp>
+      <p:sp>
+        <p:nvSpPr>
+          <p:cNvPr id="4" name="Text Placeholder 3">
+            <a:extLst>
+              <a:ext uri="{FF2B5EF4-FFF2-40B4-BE49-F238E27FC236}">
+                <a16:creationId xmlns:a16="http://schemas.microsoft.com/office/drawing/2014/main" id="{D0548015-D292-4E30-B1D5-BF5A5B05A7D0}"/>
+              </a:ext>
+            </a:extLst>
+          </p:cNvPr>
+          <p:cNvSpPr>
+            <a:spLocks noGrp="1"/>
+          </p:cNvSpPr>
+          <p:nvPr>
+            <p:ph type="body" sz="half" idx="2"/>
+          </p:nvPr>
+        </p:nvSpPr>
+        <p:spPr>
+          <a:xfrm>
+            <a:off x="371094" y="2718054"/>
+            <a:ext cx="3438906" cy="3207258"/>
+          </a:xfrm>
+        </p:spPr>
+        <p:txBody>
+          <a:bodyPr vert="horz" lIns="91440" tIns="45720" rIns="91440" bIns="45720" rtlCol="0" anchor="t">
+            <a:normAutofit/>
+          </a:bodyPr>
+          <a:lstStyle/>
+          <a:p>
+            <a:pPr indent="-228600">
+              <a:buFont typeface="Arial" panose="020B0604020202020204" pitchFamily="34" charset="0"/>
+              <a:buChar char="•"/>
+            </a:pPr>
+            <a:r>
+              <a:rPr lang="en-US" sz="1700" dirty="0"/>
+              <a:t>Most popular brand choice of chips are:</a:t>
+            </a:r>
+          </a:p>
+          <a:p>
+            <a:pPr lvl="1" indent="-228600">
+              <a:buFont typeface="Arial" panose="020B0604020202020204" pitchFamily="34" charset="0"/>
+              <a:buChar char="•"/>
+            </a:pPr>
+            <a:r>
+              <a:rPr lang="en-US" sz="1300" dirty="0"/>
+              <a:t>Kettle</a:t>
+            </a:r>
+          </a:p>
+          <a:p>
+            <a:pPr lvl="1" indent="-228600">
+              <a:buFont typeface="Arial" panose="020B0604020202020204" pitchFamily="34" charset="0"/>
+              <a:buChar char="•"/>
+            </a:pPr>
+            <a:r>
+              <a:rPr lang="en-US" sz="1300" dirty="0"/>
+              <a:t>Smiths</a:t>
+            </a:r>
+          </a:p>
+          <a:p>
+            <a:pPr lvl="1" indent="-228600">
+              <a:buFont typeface="Arial" panose="020B0604020202020204" pitchFamily="34" charset="0"/>
+              <a:buChar char="•"/>
+            </a:pPr>
+            <a:r>
+              <a:rPr lang="en-US" sz="1300" dirty="0"/>
+              <a:t>Doritos</a:t>
+            </a:r>
+          </a:p>
+        </p:txBody>
+      </p:sp>
+      <p:pic>
+        <p:nvPicPr>
+          <p:cNvPr id="6" name="Content Placeholder 5" descr="A screenshot of a cell phone&#10;&#10;Description automatically generated">
+            <a:extLst>
+              <a:ext uri="{FF2B5EF4-FFF2-40B4-BE49-F238E27FC236}">
+                <a16:creationId xmlns:a16="http://schemas.microsoft.com/office/drawing/2014/main" id="{8EC00D22-B3BD-4950-BECE-D3EC54478368}"/>
+              </a:ext>
+            </a:extLst>
+          </p:cNvPr>
+          <p:cNvPicPr>
+            <a:picLocks noGrp="1" noChangeAspect="1"/>
+          </p:cNvPicPr>
+          <p:nvPr>
+            <p:ph idx="1"/>
+          </p:nvPr>
+        </p:nvPicPr>
+        <p:blipFill>
+          <a:blip r:embed="rId2">
+            <a:extLst>
+              <a:ext uri="{28A0092B-C50C-407E-A947-70E740481C1C}">
+                <a14:useLocalDpi xmlns:a14="http://schemas.microsoft.com/office/drawing/2010/main" val="0"/>
+              </a:ext>
+            </a:extLst>
+          </a:blip>
+          <a:stretch>
+            <a:fillRect/>
+          </a:stretch>
+        </p:blipFill>
+        <p:spPr>
+          <a:xfrm>
+            <a:off x="4901184" y="1056590"/>
+            <a:ext cx="6922008" cy="4845404"/>
+          </a:xfrm>
+          <a:prstGeom prst="rect">
+            <a:avLst/>
+          </a:prstGeom>
+        </p:spPr>
+      </p:pic>
+    </p:spTree>
+    <p:extLst>
+      <p:ext uri="{BB962C8B-B14F-4D97-AF65-F5344CB8AC3E}">
+        <p14:creationId xmlns:p14="http://schemas.microsoft.com/office/powerpoint/2010/main" val="737217333"/>
+      </p:ext>
+    </p:extLst>
+  </p:cSld>
+  <p:clrMapOvr>
+    <a:masterClrMapping/>
+  </p:clrMapOvr>
+</p:sld>
+</file>
+
+<file path=ppt/slides/slide9.xml><?xml version="1.0" encoding="utf-8"?>
+<p:sld xmlns:a="http://schemas.openxmlformats.org/drawingml/2006/main" xmlns:r="http://schemas.openxmlformats.org/officeDocument/2006/relationships" xmlns:p="http://schemas.openxmlformats.org/presentationml/2006/main">
+  <p:cSld>
+    <p:bg>
+      <p:bgPr>
+        <a:solidFill>
+          <a:schemeClr val="bg1"/>
+        </a:solidFill>
+        <a:effectLst/>
+      </p:bgPr>
+    </p:bg>
+    <p:spTree>
+      <p:nvGrpSpPr>
+        <p:cNvPr id="1" name=""/>
+        <p:cNvGrpSpPr/>
+        <p:nvPr/>
+      </p:nvGrpSpPr>
+      <p:grpSpPr>
+        <a:xfrm>
+          <a:off x="0" y="0"/>
+          <a:ext cx="0" cy="0"/>
+          <a:chOff x="0" y="0"/>
+          <a:chExt cx="0" cy="0"/>
+        </a:xfrm>
+      </p:grpSpPr>
+      <p:sp useBgFill="1">
+        <p:nvSpPr>
+          <p:cNvPr id="9" name="Rectangle 8">
+            <a:extLst>
+              <a:ext uri="{FF2B5EF4-FFF2-40B4-BE49-F238E27FC236}">
+                <a16:creationId xmlns:a16="http://schemas.microsoft.com/office/drawing/2014/main" id="{81D377EB-C9D2-4ED0-86A6-740A297E3EAC}"/>
+              </a:ext>
+              <a:ext uri="{C183D7F6-B498-43B3-948B-1728B52AA6E4}">
+                <adec:decorative xmlns:adec="http://schemas.microsoft.com/office/drawing/2017/decorative" val="1"/>
+              </a:ext>
+            </a:extLst>
+          </p:cNvPr>
+          <p:cNvSpPr>
+            <a:spLocks noGrp="1" noRot="1" noChangeAspect="1" noMove="1" noResize="1" noEditPoints="1" noAdjustHandles="1" noChangeArrowheads="1" noChangeShapeType="1" noTextEdit="1"/>
+          </p:cNvSpPr>
+          <p:nvPr>
+            <p:extLst>
+              <p:ext uri="{386F3935-93C4-4BCD-93E2-E3B085C9AB24}">
+                <p16:designElem xmlns:p16="http://schemas.microsoft.com/office/powerpoint/2015/main" val="1"/>
+              </p:ext>
+            </p:extLst>
+          </p:nvPr>
+        </p:nvSpPr>
+        <p:spPr>
+          <a:xfrm>
+            <a:off x="0" y="0"/>
+            <a:ext cx="12192000" cy="6858000"/>
+          </a:xfrm>
+          <a:prstGeom prst="rect">
+            <a:avLst/>
+          </a:prstGeom>
+          <a:ln>
+            <a:noFill/>
+          </a:ln>
+        </p:spPr>
+        <p:style>
+          <a:lnRef idx="2">
+            <a:schemeClr val="accent1">
+              <a:shade val="50000"/>
+            </a:schemeClr>
+          </a:lnRef>
+          <a:fillRef idx="1">
+            <a:schemeClr val="accent1"/>
+          </a:fillRef>
+          <a:effectRef idx="0">
+            <a:schemeClr val="accent1"/>
+          </a:effectRef>
+          <a:fontRef idx="minor">
+            <a:schemeClr val="lt1"/>
+          </a:fontRef>
+        </p:style>
+        <p:txBody>
+          <a:bodyPr rtlCol="0" anchor="ctr"/>
+          <a:lstStyle/>
+          <a:p>
+            <a:pPr algn="ctr"/>
+            <a:endParaRPr lang="en-US"/>
+          </a:p>
+        </p:txBody>
+      </p:sp>
+      <p:sp>
+        <p:nvSpPr>
+          <p:cNvPr id="2" name="Title 1">
+            <a:extLst>
+              <a:ext uri="{FF2B5EF4-FFF2-40B4-BE49-F238E27FC236}">
+                <a16:creationId xmlns:a16="http://schemas.microsoft.com/office/drawing/2014/main" id="{27025EA4-6319-41AB-B85E-2742DC01F4BC}"/>
+              </a:ext>
+            </a:extLst>
+          </p:cNvPr>
+          <p:cNvSpPr>
+            <a:spLocks noGrp="1"/>
+          </p:cNvSpPr>
+          <p:nvPr>
+            <p:ph type="title"/>
+          </p:nvPr>
+        </p:nvSpPr>
+        <p:spPr>
+          <a:xfrm>
+            <a:off x="841248" y="685800"/>
+            <a:ext cx="10506456" cy="1157005"/>
+          </a:xfrm>
+        </p:spPr>
+        <p:txBody>
+          <a:bodyPr anchor="b">
+            <a:normAutofit/>
+          </a:bodyPr>
+          <a:lstStyle/>
+          <a:p>
+            <a:r>
+              <a:rPr lang="en-CA" sz="4800"/>
+              <a:t>Trial Store vs Control Store</a:t>
+            </a:r>
+          </a:p>
+        </p:txBody>
+      </p:sp>
+      <p:sp>
+        <p:nvSpPr>
+          <p:cNvPr id="11" name="Rectangle 10">
+            <a:extLst>
+              <a:ext uri="{FF2B5EF4-FFF2-40B4-BE49-F238E27FC236}">
+                <a16:creationId xmlns:a16="http://schemas.microsoft.com/office/drawing/2014/main" id="{066346BE-FDB4-4772-A696-0719490ABD64}"/>
+              </a:ext>
+              <a:ext uri="{C183D7F6-B498-43B3-948B-1728B52AA6E4}">
+                <adec:decorative xmlns:adec="http://schemas.microsoft.com/office/drawing/2017/decorative" val="1"/>
+              </a:ext>
+            </a:extLst>
+          </p:cNvPr>
+          <p:cNvSpPr>
+            <a:spLocks noGrp="1" noRot="1" noChangeAspect="1" noMove="1" noResize="1" noEditPoints="1" noAdjustHandles="1" noChangeArrowheads="1" noChangeShapeType="1" noTextEdit="1"/>
+          </p:cNvSpPr>
+          <p:nvPr>
+            <p:extLst>
+              <p:ext uri="{386F3935-93C4-4BCD-93E2-E3B085C9AB24}">
+                <p16:designElem xmlns:p16="http://schemas.microsoft.com/office/powerpoint/2015/main" val="1"/>
+              </p:ext>
+            </p:extLst>
+          </p:nvPr>
+        </p:nvSpPr>
+        <p:spPr>
+          <a:xfrm rot="5400000">
+            <a:off x="1120140" y="34093"/>
+            <a:ext cx="146304" cy="704088"/>
+          </a:xfrm>
+          <a:prstGeom prst="rect">
+            <a:avLst/>
+          </a:prstGeom>
+          <a:solidFill>
+            <a:schemeClr val="accent1"/>
+          </a:solidFill>
+          <a:ln>
+            <a:noFill/>
+          </a:ln>
+        </p:spPr>
+        <p:style>
+          <a:lnRef idx="2">
+            <a:schemeClr val="accent1">
+              <a:shade val="50000"/>
+            </a:schemeClr>
+          </a:lnRef>
+          <a:fillRef idx="1">
+            <a:schemeClr val="accent1"/>
+          </a:fillRef>
+          <a:effectRef idx="0">
+            <a:schemeClr val="accent1"/>
+          </a:effectRef>
+          <a:fontRef idx="minor">
+            <a:schemeClr val="lt1"/>
+          </a:fontRef>
+        </p:style>
+        <p:txBody>
+          <a:bodyPr rtlCol="0" anchor="ctr"/>
+          <a:lstStyle/>
+          <a:p>
+            <a:pPr marL="0" marR="0" lvl="0" indent="0" algn="ctr" defTabSz="914400" rtl="0" eaLnBrk="1" fontAlgn="auto" latinLnBrk="0" hangingPunct="1">
+              <a:lnSpc>
+                <a:spcPct val="100000"/>
+              </a:lnSpc>
+              <a:spcBef>
+                <a:spcPts val="0"/>
+              </a:spcBef>
+              <a:spcAft>
+                <a:spcPts val="0"/>
+              </a:spcAft>
+              <a:buClrTx/>
+              <a:buSzTx/>
+              <a:buFontTx/>
+              <a:buNone/>
+              <a:tabLst/>
+              <a:defRPr/>
+            </a:pPr>
+            <a:endParaRPr kumimoji="0" lang="en-US" sz="1800" b="0" i="0" u="none" strike="noStrike" kern="1200" cap="none" spc="0" normalizeH="0" baseline="0" noProof="0">
+              <a:ln>
+                <a:noFill/>
+              </a:ln>
+              <a:solidFill>
+                <a:prstClr val="white"/>
+              </a:solidFill>
+              <a:effectLst/>
+              <a:uLnTx/>
+              <a:uFillTx/>
+              <a:latin typeface="Calibri" panose="020F0502020204030204"/>
+              <a:ea typeface="+mn-ea"/>
+              <a:cs typeface="+mn-cs"/>
+            </a:endParaRPr>
+          </a:p>
+        </p:txBody>
+      </p:sp>
+      <p:sp>
+        <p:nvSpPr>
+          <p:cNvPr id="13" name="Rectangle 12">
+            <a:extLst>
+              <a:ext uri="{FF2B5EF4-FFF2-40B4-BE49-F238E27FC236}">
+                <a16:creationId xmlns:a16="http://schemas.microsoft.com/office/drawing/2014/main" id="{FB92FFCE-0C90-454E-AA25-D4EE9A6C39C5}"/>
+              </a:ext>
+              <a:ext uri="{C183D7F6-B498-43B3-948B-1728B52AA6E4}">
+                <adec:decorative xmlns:adec="http://schemas.microsoft.com/office/drawing/2017/decorative" val="1"/>
+              </a:ext>
+            </a:extLst>
+          </p:cNvPr>
+          <p:cNvSpPr>
+            <a:spLocks noGrp="1" noRot="1" noChangeAspect="1" noMove="1" noResize="1" noEditPoints="1" noAdjustHandles="1" noChangeArrowheads="1" noChangeShapeType="1" noTextEdit="1"/>
+          </p:cNvSpPr>
+          <p:nvPr>
+            <p:extLst>
+              <p:ext uri="{386F3935-93C4-4BCD-93E2-E3B085C9AB24}">
+                <p16:designElem xmlns:p16="http://schemas.microsoft.com/office/powerpoint/2015/main" val="1"/>
+              </p:ext>
+            </p:extLst>
+          </p:nvPr>
+        </p:nvSpPr>
+        <p:spPr>
+          <a:xfrm>
+            <a:off x="841248" y="1958056"/>
+            <a:ext cx="10506456" cy="18288"/>
+          </a:xfrm>
+          <a:prstGeom prst="rect">
+            <a:avLst/>
+          </a:prstGeom>
+          <a:solidFill>
+            <a:schemeClr val="tx2">
+              <a:lumMod val="25000"/>
+              <a:lumOff val="75000"/>
+            </a:schemeClr>
+          </a:solidFill>
+          <a:ln w="3175">
+            <a:noFill/>
+          </a:ln>
+          <a:effectLst/>
+        </p:spPr>
+        <p:style>
+          <a:lnRef idx="2">
+            <a:schemeClr val="accent1">
+              <a:shade val="50000"/>
+            </a:schemeClr>
+          </a:lnRef>
+          <a:fillRef idx="1">
+            <a:schemeClr val="accent1"/>
+          </a:fillRef>
+          <a:effectRef idx="0">
+            <a:schemeClr val="accent1"/>
+          </a:effectRef>
+          <a:fontRef idx="minor">
+            <a:schemeClr val="lt1"/>
+          </a:fontRef>
+        </p:style>
+        <p:txBody>
+          <a:bodyPr rtlCol="0" anchor="ctr"/>
+          <a:lstStyle/>
+          <a:p>
+            <a:pPr marL="0" marR="0" lvl="0" indent="0" algn="ctr" defTabSz="914400" rtl="0" eaLnBrk="1" fontAlgn="auto" latinLnBrk="0" hangingPunct="1">
+              <a:lnSpc>
+                <a:spcPct val="100000"/>
+              </a:lnSpc>
+              <a:spcBef>
+                <a:spcPts val="0"/>
+              </a:spcBef>
+              <a:spcAft>
+                <a:spcPts val="0"/>
+              </a:spcAft>
+              <a:buClrTx/>
+              <a:buSzTx/>
+              <a:buFontTx/>
+              <a:buNone/>
+              <a:tabLst/>
+              <a:defRPr/>
+            </a:pPr>
+            <a:endParaRPr kumimoji="0" lang="en-US" sz="1800" b="0" i="0" u="none" strike="noStrike" kern="1200" cap="none" spc="0" normalizeH="0" baseline="0" noProof="0">
+              <a:ln>
+                <a:noFill/>
+              </a:ln>
+              <a:solidFill>
+                <a:prstClr val="white"/>
+              </a:solidFill>
+              <a:effectLst/>
+              <a:uLnTx/>
+              <a:uFillTx/>
+              <a:latin typeface="Calibri" panose="020F0502020204030204"/>
+              <a:ea typeface="+mn-ea"/>
+              <a:cs typeface="+mn-cs"/>
+            </a:endParaRPr>
+          </a:p>
+        </p:txBody>
+      </p:sp>
+      <p:graphicFrame>
+        <p:nvGraphicFramePr>
+          <p:cNvPr id="5" name="Content Placeholder 2">
+            <a:extLst>
+              <a:ext uri="{FF2B5EF4-FFF2-40B4-BE49-F238E27FC236}">
+                <a16:creationId xmlns:a16="http://schemas.microsoft.com/office/drawing/2014/main" id="{90CB9E25-2475-4C6F-B757-9A2B63C3506F}"/>
+              </a:ext>
+            </a:extLst>
+          </p:cNvPr>
+          <p:cNvGraphicFramePr>
+            <a:graphicFrameLocks noGrp="1"/>
+          </p:cNvGraphicFramePr>
+          <p:nvPr>
+            <p:ph idx="1"/>
+            <p:extLst>
+              <p:ext uri="{D42A27DB-BD31-4B8C-83A1-F6EECF244321}">
+                <p14:modId xmlns:p14="http://schemas.microsoft.com/office/powerpoint/2010/main" val="468382241"/>
+              </p:ext>
+            </p:extLst>
+          </p:nvPr>
+        </p:nvGraphicFramePr>
+        <p:xfrm>
+          <a:off x="838200" y="2295252"/>
+          <a:ext cx="10506456" cy="3876948"/>
+        </p:xfrm>
+        <a:graphic>
+          <a:graphicData uri="http://schemas.openxmlformats.org/drawingml/2006/diagram">
+            <dgm:relIds xmlns:dgm="http://schemas.openxmlformats.org/drawingml/2006/diagram" xmlns:r="http://schemas.openxmlformats.org/officeDocument/2006/relationships" r:dm="rId2" r:lo="rId3" r:qs="rId4" r:cs="rId5"/>
+          </a:graphicData>
+        </a:graphic>
+      </p:graphicFrame>
+    </p:spTree>
+    <p:extLst>
+      <p:ext uri="{BB962C8B-B14F-4D97-AF65-F5344CB8AC3E}">
+        <p14:creationId xmlns:p14="http://schemas.microsoft.com/office/powerpoint/2010/main" val="1752077453"/>
       </p:ext>
     </p:extLst>
   </p:cSld>
